--- a/Aula 5/ComandosDDL.pptx
+++ b/Aula 5/ComandosDDL.pptx
@@ -4,17 +4,21 @@
   <p:sldMasterIdLst>
     <p:sldMasterId id="2147483648" r:id="rId1"/>
   </p:sldMasterIdLst>
+  <p:notesMasterIdLst>
+    <p:notesMasterId r:id="rId13"/>
+  </p:notesMasterIdLst>
   <p:sldIdLst>
     <p:sldId id="256" r:id="rId2"/>
     <p:sldId id="263" r:id="rId3"/>
     <p:sldId id="258" r:id="rId4"/>
-    <p:sldId id="260" r:id="rId5"/>
-    <p:sldId id="264" r:id="rId6"/>
-    <p:sldId id="259" r:id="rId7"/>
-    <p:sldId id="261" r:id="rId8"/>
-    <p:sldId id="262" r:id="rId9"/>
-    <p:sldId id="265" r:id="rId10"/>
-    <p:sldId id="275" r:id="rId11"/>
+    <p:sldId id="276" r:id="rId5"/>
+    <p:sldId id="260" r:id="rId6"/>
+    <p:sldId id="264" r:id="rId7"/>
+    <p:sldId id="259" r:id="rId8"/>
+    <p:sldId id="261" r:id="rId9"/>
+    <p:sldId id="262" r:id="rId10"/>
+    <p:sldId id="265" r:id="rId11"/>
+    <p:sldId id="275" r:id="rId12"/>
   </p:sldIdLst>
   <p:sldSz cx="12192000" cy="6858000"/>
   <p:notesSz cx="6858000" cy="9144000"/>
@@ -113,38 +117,15 @@
       </a:defRPr>
     </a:lvl9pPr>
   </p:defaultTextStyle>
+  <p:extLst>
+    <p:ext uri="{EFAFB233-063F-42B5-8137-9DF3F51BA10A}">
+      <p15:sldGuideLst xmlns:p15="http://schemas.microsoft.com/office/powerpoint/2012/main"/>
+    </p:ext>
+  </p:extLst>
 </p:presentation>
 </file>
 
 <file path=ppt/ink/ink1.xml><?xml version="1.0" encoding="utf-8"?>
-<inkml:ink xmlns:inkml="http://www.w3.org/2003/InkML">
-  <inkml:definitions>
-    <inkml:context xml:id="ctx0">
-      <inkml:inkSource xml:id="inkSrc0">
-        <inkml:traceFormat>
-          <inkml:channel name="X" type="integer" min="-2.14748E9" max="2.14748E9" units="cm"/>
-          <inkml:channel name="Y" type="integer" min="-2.14748E9" max="2.14748E9" units="cm"/>
-          <inkml:channel name="F" type="integer" max="32767" units="dev"/>
-        </inkml:traceFormat>
-        <inkml:channelProperties>
-          <inkml:channelProperty channel="X" name="resolution" value="1000" units="1/cm"/>
-          <inkml:channelProperty channel="Y" name="resolution" value="1000" units="1/cm"/>
-          <inkml:channelProperty channel="F" name="resolution" value="0" units="1/dev"/>
-        </inkml:channelProperties>
-      </inkml:inkSource>
-      <inkml:timestamp xml:id="ts0" timeString="2025-07-21T21:57:40.699"/>
-    </inkml:context>
-    <inkml:brush xml:id="br0">
-      <inkml:brushProperty name="width" value="0.035" units="cm"/>
-      <inkml:brushProperty name="height" value="0.035" units="cm"/>
-      <inkml:brushProperty name="color" value="#E71224"/>
-    </inkml:brush>
-  </inkml:definitions>
-  <inkml:trace contextRef="#ctx0" brushRef="#br0">1 0 24438,'4810'48'0</inkml:trace>
-</inkml:ink>
-</file>
-
-<file path=ppt/ink/ink2.xml><?xml version="1.0" encoding="utf-8"?>
 <inkml:ink xmlns:inkml="http://www.w3.org/2003/InkML">
   <inkml:definitions>
     <inkml:context xml:id="ctx0">
@@ -172,7 +153,7 @@
 </inkml:ink>
 </file>
 
-<file path=ppt/ink/ink3.xml><?xml version="1.0" encoding="utf-8"?>
+<file path=ppt/ink/ink2.xml><?xml version="1.0" encoding="utf-8"?>
 <inkml:ink xmlns:inkml="http://www.w3.org/2003/InkML">
   <inkml:definitions>
     <inkml:context xml:id="ctx0">
@@ -197,6 +178,34 @@
     </inkml:brush>
   </inkml:definitions>
   <inkml:trace contextRef="#ctx0" brushRef="#br0">1 10 23977,'2907'0'0</inkml:trace>
+</inkml:ink>
+</file>
+
+<file path=ppt/ink/ink3.xml><?xml version="1.0" encoding="utf-8"?>
+<inkml:ink xmlns:inkml="http://www.w3.org/2003/InkML">
+  <inkml:definitions>
+    <inkml:context xml:id="ctx0">
+      <inkml:inkSource xml:id="inkSrc0">
+        <inkml:traceFormat>
+          <inkml:channel name="X" type="integer" min="-2.14748E9" max="2.14748E9" units="cm"/>
+          <inkml:channel name="Y" type="integer" min="-2.14748E9" max="2.14748E9" units="cm"/>
+          <inkml:channel name="F" type="integer" max="32767" units="dev"/>
+        </inkml:traceFormat>
+        <inkml:channelProperties>
+          <inkml:channelProperty channel="X" name="resolution" value="1000" units="1/cm"/>
+          <inkml:channelProperty channel="Y" name="resolution" value="1000" units="1/cm"/>
+          <inkml:channelProperty channel="F" name="resolution" value="0" units="1/dev"/>
+        </inkml:channelProperties>
+      </inkml:inkSource>
+      <inkml:timestamp xml:id="ts0" timeString="2026-01-20T20:09:45.438"/>
+    </inkml:context>
+    <inkml:brush xml:id="br0">
+      <inkml:brushProperty name="width" value="0.035" units="cm"/>
+      <inkml:brushProperty name="height" value="0.035" units="cm"/>
+      <inkml:brushProperty name="color" value="#E71224"/>
+    </inkml:brush>
+  </inkml:definitions>
+  <inkml:trace contextRef="#ctx0" brushRef="#br0">1 7 23713,'4613'0'0</inkml:trace>
 </inkml:ink>
 </file>
 
@@ -312,6 +321,439 @@
 </inkml:ink>
 </file>
 
+<file path=ppt/notesMasters/notesMaster1.xml><?xml version="1.0" encoding="utf-8"?>
+<p:notesMaster xmlns:a="http://schemas.openxmlformats.org/drawingml/2006/main" xmlns:r="http://schemas.openxmlformats.org/officeDocument/2006/relationships" xmlns:p="http://schemas.openxmlformats.org/presentationml/2006/main">
+  <p:cSld>
+    <p:bg>
+      <p:bgRef idx="1001">
+        <a:schemeClr val="bg1"/>
+      </p:bgRef>
+    </p:bg>
+    <p:spTree>
+      <p:nvGrpSpPr>
+        <p:cNvPr id="1" name=""/>
+        <p:cNvGrpSpPr/>
+        <p:nvPr/>
+      </p:nvGrpSpPr>
+      <p:grpSpPr>
+        <a:xfrm>
+          <a:off x="0" y="0"/>
+          <a:ext cx="0" cy="0"/>
+          <a:chOff x="0" y="0"/>
+          <a:chExt cx="0" cy="0"/>
+        </a:xfrm>
+      </p:grpSpPr>
+      <p:sp>
+        <p:nvSpPr>
+          <p:cNvPr id="2" name="Espaço Reservado para Cabeçalho 1"/>
+          <p:cNvSpPr>
+            <a:spLocks noGrp="1"/>
+          </p:cNvSpPr>
+          <p:nvPr>
+            <p:ph type="hdr" sz="quarter"/>
+          </p:nvPr>
+        </p:nvSpPr>
+        <p:spPr>
+          <a:xfrm>
+            <a:off x="0" y="0"/>
+            <a:ext cx="2971800" cy="458788"/>
+          </a:xfrm>
+          <a:prstGeom prst="rect">
+            <a:avLst/>
+          </a:prstGeom>
+        </p:spPr>
+        <p:txBody>
+          <a:bodyPr vert="horz" lIns="91440" tIns="45720" rIns="91440" bIns="45720" rtlCol="0"/>
+          <a:lstStyle>
+            <a:lvl1pPr algn="l">
+              <a:defRPr sz="1200"/>
+            </a:lvl1pPr>
+          </a:lstStyle>
+          <a:p>
+            <a:endParaRPr lang="pt-BR"/>
+          </a:p>
+        </p:txBody>
+      </p:sp>
+      <p:sp>
+        <p:nvSpPr>
+          <p:cNvPr id="3" name="Espaço Reservado para Data 2"/>
+          <p:cNvSpPr>
+            <a:spLocks noGrp="1"/>
+          </p:cNvSpPr>
+          <p:nvPr>
+            <p:ph type="dt" idx="1"/>
+          </p:nvPr>
+        </p:nvSpPr>
+        <p:spPr>
+          <a:xfrm>
+            <a:off x="3884613" y="0"/>
+            <a:ext cx="2971800" cy="458788"/>
+          </a:xfrm>
+          <a:prstGeom prst="rect">
+            <a:avLst/>
+          </a:prstGeom>
+        </p:spPr>
+        <p:txBody>
+          <a:bodyPr vert="horz" lIns="91440" tIns="45720" rIns="91440" bIns="45720" rtlCol="0"/>
+          <a:lstStyle>
+            <a:lvl1pPr algn="r">
+              <a:defRPr sz="1200"/>
+            </a:lvl1pPr>
+          </a:lstStyle>
+          <a:p>
+            <a:fld id="{E2588FEF-F436-4522-91D9-3FBB4B3CDA67}" type="datetimeFigureOut">
+              <a:rPr lang="pt-BR" smtClean="0"/>
+              <a:t>20/01/2026</a:t>
+            </a:fld>
+            <a:endParaRPr lang="pt-BR"/>
+          </a:p>
+        </p:txBody>
+      </p:sp>
+      <p:sp>
+        <p:nvSpPr>
+          <p:cNvPr id="4" name="Espaço Reservado para Imagem de Slide 3"/>
+          <p:cNvSpPr>
+            <a:spLocks noGrp="1" noRot="1" noChangeAspect="1"/>
+          </p:cNvSpPr>
+          <p:nvPr>
+            <p:ph type="sldImg" idx="2"/>
+          </p:nvPr>
+        </p:nvSpPr>
+        <p:spPr>
+          <a:xfrm>
+            <a:off x="685800" y="1143000"/>
+            <a:ext cx="5486400" cy="3086100"/>
+          </a:xfrm>
+          <a:prstGeom prst="rect">
+            <a:avLst/>
+          </a:prstGeom>
+          <a:noFill/>
+          <a:ln w="12700">
+            <a:solidFill>
+              <a:prstClr val="black"/>
+            </a:solidFill>
+          </a:ln>
+        </p:spPr>
+        <p:txBody>
+          <a:bodyPr vert="horz" lIns="91440" tIns="45720" rIns="91440" bIns="45720" rtlCol="0" anchor="ctr"/>
+          <a:lstStyle/>
+          <a:p>
+            <a:endParaRPr lang="pt-BR"/>
+          </a:p>
+        </p:txBody>
+      </p:sp>
+      <p:sp>
+        <p:nvSpPr>
+          <p:cNvPr id="5" name="Espaço Reservado para Anotações 4"/>
+          <p:cNvSpPr>
+            <a:spLocks noGrp="1"/>
+          </p:cNvSpPr>
+          <p:nvPr>
+            <p:ph type="body" sz="quarter" idx="3"/>
+          </p:nvPr>
+        </p:nvSpPr>
+        <p:spPr>
+          <a:xfrm>
+            <a:off x="685800" y="4400550"/>
+            <a:ext cx="5486400" cy="3600450"/>
+          </a:xfrm>
+          <a:prstGeom prst="rect">
+            <a:avLst/>
+          </a:prstGeom>
+        </p:spPr>
+        <p:txBody>
+          <a:bodyPr vert="horz" lIns="91440" tIns="45720" rIns="91440" bIns="45720" rtlCol="0"/>
+          <a:lstStyle/>
+          <a:p>
+            <a:pPr lvl="0"/>
+            <a:r>
+              <a:rPr lang="pt-BR"/>
+              <a:t>Clique para editar os estilos de texto Mestres</a:t>
+            </a:r>
+          </a:p>
+          <a:p>
+            <a:pPr lvl="1"/>
+            <a:r>
+              <a:rPr lang="pt-BR"/>
+              <a:t>Segundo nível</a:t>
+            </a:r>
+          </a:p>
+          <a:p>
+            <a:pPr lvl="2"/>
+            <a:r>
+              <a:rPr lang="pt-BR"/>
+              <a:t>Terceiro nível</a:t>
+            </a:r>
+          </a:p>
+          <a:p>
+            <a:pPr lvl="3"/>
+            <a:r>
+              <a:rPr lang="pt-BR"/>
+              <a:t>Quarto nível</a:t>
+            </a:r>
+          </a:p>
+          <a:p>
+            <a:pPr lvl="4"/>
+            <a:r>
+              <a:rPr lang="pt-BR"/>
+              <a:t>Quinto nível</a:t>
+            </a:r>
+          </a:p>
+        </p:txBody>
+      </p:sp>
+      <p:sp>
+        <p:nvSpPr>
+          <p:cNvPr id="6" name="Espaço Reservado para Rodapé 5"/>
+          <p:cNvSpPr>
+            <a:spLocks noGrp="1"/>
+          </p:cNvSpPr>
+          <p:nvPr>
+            <p:ph type="ftr" sz="quarter" idx="4"/>
+          </p:nvPr>
+        </p:nvSpPr>
+        <p:spPr>
+          <a:xfrm>
+            <a:off x="0" y="8685213"/>
+            <a:ext cx="2971800" cy="458787"/>
+          </a:xfrm>
+          <a:prstGeom prst="rect">
+            <a:avLst/>
+          </a:prstGeom>
+        </p:spPr>
+        <p:txBody>
+          <a:bodyPr vert="horz" lIns="91440" tIns="45720" rIns="91440" bIns="45720" rtlCol="0" anchor="b"/>
+          <a:lstStyle>
+            <a:lvl1pPr algn="l">
+              <a:defRPr sz="1200"/>
+            </a:lvl1pPr>
+          </a:lstStyle>
+          <a:p>
+            <a:endParaRPr lang="pt-BR"/>
+          </a:p>
+        </p:txBody>
+      </p:sp>
+      <p:sp>
+        <p:nvSpPr>
+          <p:cNvPr id="7" name="Espaço Reservado para Número de Slide 6"/>
+          <p:cNvSpPr>
+            <a:spLocks noGrp="1"/>
+          </p:cNvSpPr>
+          <p:nvPr>
+            <p:ph type="sldNum" sz="quarter" idx="5"/>
+          </p:nvPr>
+        </p:nvSpPr>
+        <p:spPr>
+          <a:xfrm>
+            <a:off x="3884613" y="8685213"/>
+            <a:ext cx="2971800" cy="458787"/>
+          </a:xfrm>
+          <a:prstGeom prst="rect">
+            <a:avLst/>
+          </a:prstGeom>
+        </p:spPr>
+        <p:txBody>
+          <a:bodyPr vert="horz" lIns="91440" tIns="45720" rIns="91440" bIns="45720" rtlCol="0" anchor="b"/>
+          <a:lstStyle>
+            <a:lvl1pPr algn="r">
+              <a:defRPr sz="1200"/>
+            </a:lvl1pPr>
+          </a:lstStyle>
+          <a:p>
+            <a:fld id="{D7F532B0-B003-473B-9208-A2E213C2D0C0}" type="slidenum">
+              <a:rPr lang="pt-BR" smtClean="0"/>
+              <a:t>‹nº›</a:t>
+            </a:fld>
+            <a:endParaRPr lang="pt-BR"/>
+          </a:p>
+        </p:txBody>
+      </p:sp>
+    </p:spTree>
+    <p:extLst>
+      <p:ext uri="{BB962C8B-B14F-4D97-AF65-F5344CB8AC3E}">
+        <p14:creationId xmlns:p14="http://schemas.microsoft.com/office/powerpoint/2010/main" val="1630493906"/>
+      </p:ext>
+    </p:extLst>
+  </p:cSld>
+  <p:clrMap bg1="lt1" tx1="dk1" bg2="lt2" tx2="dk2" accent1="accent1" accent2="accent2" accent3="accent3" accent4="accent4" accent5="accent5" accent6="accent6" hlink="hlink" folHlink="folHlink"/>
+  <p:notesStyle>
+    <a:lvl1pPr marL="0" algn="l" defTabSz="914400" rtl="0" eaLnBrk="1" latinLnBrk="0" hangingPunct="1">
+      <a:defRPr sz="1200" kern="1200">
+        <a:solidFill>
+          <a:schemeClr val="tx1"/>
+        </a:solidFill>
+        <a:latin typeface="+mn-lt"/>
+        <a:ea typeface="+mn-ea"/>
+        <a:cs typeface="+mn-cs"/>
+      </a:defRPr>
+    </a:lvl1pPr>
+    <a:lvl2pPr marL="457200" algn="l" defTabSz="914400" rtl="0" eaLnBrk="1" latinLnBrk="0" hangingPunct="1">
+      <a:defRPr sz="1200" kern="1200">
+        <a:solidFill>
+          <a:schemeClr val="tx1"/>
+        </a:solidFill>
+        <a:latin typeface="+mn-lt"/>
+        <a:ea typeface="+mn-ea"/>
+        <a:cs typeface="+mn-cs"/>
+      </a:defRPr>
+    </a:lvl2pPr>
+    <a:lvl3pPr marL="914400" algn="l" defTabSz="914400" rtl="0" eaLnBrk="1" latinLnBrk="0" hangingPunct="1">
+      <a:defRPr sz="1200" kern="1200">
+        <a:solidFill>
+          <a:schemeClr val="tx1"/>
+        </a:solidFill>
+        <a:latin typeface="+mn-lt"/>
+        <a:ea typeface="+mn-ea"/>
+        <a:cs typeface="+mn-cs"/>
+      </a:defRPr>
+    </a:lvl3pPr>
+    <a:lvl4pPr marL="1371600" algn="l" defTabSz="914400" rtl="0" eaLnBrk="1" latinLnBrk="0" hangingPunct="1">
+      <a:defRPr sz="1200" kern="1200">
+        <a:solidFill>
+          <a:schemeClr val="tx1"/>
+        </a:solidFill>
+        <a:latin typeface="+mn-lt"/>
+        <a:ea typeface="+mn-ea"/>
+        <a:cs typeface="+mn-cs"/>
+      </a:defRPr>
+    </a:lvl4pPr>
+    <a:lvl5pPr marL="1828800" algn="l" defTabSz="914400" rtl="0" eaLnBrk="1" latinLnBrk="0" hangingPunct="1">
+      <a:defRPr sz="1200" kern="1200">
+        <a:solidFill>
+          <a:schemeClr val="tx1"/>
+        </a:solidFill>
+        <a:latin typeface="+mn-lt"/>
+        <a:ea typeface="+mn-ea"/>
+        <a:cs typeface="+mn-cs"/>
+      </a:defRPr>
+    </a:lvl5pPr>
+    <a:lvl6pPr marL="2286000" algn="l" defTabSz="914400" rtl="0" eaLnBrk="1" latinLnBrk="0" hangingPunct="1">
+      <a:defRPr sz="1200" kern="1200">
+        <a:solidFill>
+          <a:schemeClr val="tx1"/>
+        </a:solidFill>
+        <a:latin typeface="+mn-lt"/>
+        <a:ea typeface="+mn-ea"/>
+        <a:cs typeface="+mn-cs"/>
+      </a:defRPr>
+    </a:lvl6pPr>
+    <a:lvl7pPr marL="2743200" algn="l" defTabSz="914400" rtl="0" eaLnBrk="1" latinLnBrk="0" hangingPunct="1">
+      <a:defRPr sz="1200" kern="1200">
+        <a:solidFill>
+          <a:schemeClr val="tx1"/>
+        </a:solidFill>
+        <a:latin typeface="+mn-lt"/>
+        <a:ea typeface="+mn-ea"/>
+        <a:cs typeface="+mn-cs"/>
+      </a:defRPr>
+    </a:lvl7pPr>
+    <a:lvl8pPr marL="3200400" algn="l" defTabSz="914400" rtl="0" eaLnBrk="1" latinLnBrk="0" hangingPunct="1">
+      <a:defRPr sz="1200" kern="1200">
+        <a:solidFill>
+          <a:schemeClr val="tx1"/>
+        </a:solidFill>
+        <a:latin typeface="+mn-lt"/>
+        <a:ea typeface="+mn-ea"/>
+        <a:cs typeface="+mn-cs"/>
+      </a:defRPr>
+    </a:lvl8pPr>
+    <a:lvl9pPr marL="3657600" algn="l" defTabSz="914400" rtl="0" eaLnBrk="1" latinLnBrk="0" hangingPunct="1">
+      <a:defRPr sz="1200" kern="1200">
+        <a:solidFill>
+          <a:schemeClr val="tx1"/>
+        </a:solidFill>
+        <a:latin typeface="+mn-lt"/>
+        <a:ea typeface="+mn-ea"/>
+        <a:cs typeface="+mn-cs"/>
+      </a:defRPr>
+    </a:lvl9pPr>
+  </p:notesStyle>
+</p:notesMaster>
+</file>
+
+<file path=ppt/notesSlides/notesSlide1.xml><?xml version="1.0" encoding="utf-8"?>
+<p:notes xmlns:a="http://schemas.openxmlformats.org/drawingml/2006/main" xmlns:r="http://schemas.openxmlformats.org/officeDocument/2006/relationships" xmlns:p="http://schemas.openxmlformats.org/presentationml/2006/main">
+  <p:cSld>
+    <p:spTree>
+      <p:nvGrpSpPr>
+        <p:cNvPr id="1" name=""/>
+        <p:cNvGrpSpPr/>
+        <p:nvPr/>
+      </p:nvGrpSpPr>
+      <p:grpSpPr>
+        <a:xfrm>
+          <a:off x="0" y="0"/>
+          <a:ext cx="0" cy="0"/>
+          <a:chOff x="0" y="0"/>
+          <a:chExt cx="0" cy="0"/>
+        </a:xfrm>
+      </p:grpSpPr>
+      <p:sp>
+        <p:nvSpPr>
+          <p:cNvPr id="2" name="Espaço Reservado para Imagem de Slide 1"/>
+          <p:cNvSpPr>
+            <a:spLocks noGrp="1" noRot="1" noChangeAspect="1"/>
+          </p:cNvSpPr>
+          <p:nvPr>
+            <p:ph type="sldImg"/>
+          </p:nvPr>
+        </p:nvSpPr>
+        <p:spPr/>
+      </p:sp>
+      <p:sp>
+        <p:nvSpPr>
+          <p:cNvPr id="3" name="Espaço Reservado para Anotações 2"/>
+          <p:cNvSpPr>
+            <a:spLocks noGrp="1"/>
+          </p:cNvSpPr>
+          <p:nvPr>
+            <p:ph type="body" idx="1"/>
+          </p:nvPr>
+        </p:nvSpPr>
+        <p:spPr/>
+        <p:txBody>
+          <a:bodyPr/>
+          <a:lstStyle/>
+          <a:p>
+            <a:endParaRPr lang="pt-BR" dirty="0"/>
+          </a:p>
+        </p:txBody>
+      </p:sp>
+      <p:sp>
+        <p:nvSpPr>
+          <p:cNvPr id="4" name="Espaço Reservado para Número de Slide 3"/>
+          <p:cNvSpPr>
+            <a:spLocks noGrp="1"/>
+          </p:cNvSpPr>
+          <p:nvPr>
+            <p:ph type="sldNum" sz="quarter" idx="5"/>
+          </p:nvPr>
+        </p:nvSpPr>
+        <p:spPr/>
+        <p:txBody>
+          <a:bodyPr/>
+          <a:lstStyle/>
+          <a:p>
+            <a:fld id="{5F42E039-2C2B-455F-97AD-3DF3B59C34CF}" type="slidenum">
+              <a:rPr lang="pt-BR" smtClean="0"/>
+              <a:t>4</a:t>
+            </a:fld>
+            <a:endParaRPr lang="pt-BR"/>
+          </a:p>
+        </p:txBody>
+      </p:sp>
+    </p:spTree>
+    <p:extLst>
+      <p:ext uri="{BB962C8B-B14F-4D97-AF65-F5344CB8AC3E}">
+        <p14:creationId xmlns:p14="http://schemas.microsoft.com/office/powerpoint/2010/main" val="2000681800"/>
+      </p:ext>
+    </p:extLst>
+  </p:cSld>
+  <p:clrMapOvr>
+    <a:masterClrMapping/>
+  </p:clrMapOvr>
+</p:notes>
+</file>
+
 <file path=ppt/slideLayouts/slideLayout1.xml><?xml version="1.0" encoding="utf-8"?>
 <p:sldLayout xmlns:a="http://schemas.openxmlformats.org/drawingml/2006/main" xmlns:r="http://schemas.openxmlformats.org/officeDocument/2006/relationships" xmlns:p="http://schemas.openxmlformats.org/presentationml/2006/main" type="title" preserve="1">
   <p:cSld name="Slide de Título">
@@ -459,7 +901,7 @@
           <a:p>
             <a:fld id="{8ADEC918-6A4C-437B-AF1C-9622FE800873}" type="datetimeFigureOut">
               <a:rPr lang="pt-BR" smtClean="0"/>
-              <a:t>21/07/2025</a:t>
+              <a:t>20/01/2026</a:t>
             </a:fld>
             <a:endParaRPr lang="pt-BR"/>
           </a:p>
@@ -657,7 +1099,7 @@
           <a:p>
             <a:fld id="{8ADEC918-6A4C-437B-AF1C-9622FE800873}" type="datetimeFigureOut">
               <a:rPr lang="pt-BR" smtClean="0"/>
-              <a:t>21/07/2025</a:t>
+              <a:t>20/01/2026</a:t>
             </a:fld>
             <a:endParaRPr lang="pt-BR"/>
           </a:p>
@@ -865,7 +1307,7 @@
           <a:p>
             <a:fld id="{8ADEC918-6A4C-437B-AF1C-9622FE800873}" type="datetimeFigureOut">
               <a:rPr lang="pt-BR" smtClean="0"/>
-              <a:t>21/07/2025</a:t>
+              <a:t>20/01/2026</a:t>
             </a:fld>
             <a:endParaRPr lang="pt-BR"/>
           </a:p>
@@ -1063,7 +1505,7 @@
           <a:p>
             <a:fld id="{8ADEC918-6A4C-437B-AF1C-9622FE800873}" type="datetimeFigureOut">
               <a:rPr lang="pt-BR" smtClean="0"/>
-              <a:t>21/07/2025</a:t>
+              <a:t>20/01/2026</a:t>
             </a:fld>
             <a:endParaRPr lang="pt-BR"/>
           </a:p>
@@ -1338,7 +1780,7 @@
           <a:p>
             <a:fld id="{8ADEC918-6A4C-437B-AF1C-9622FE800873}" type="datetimeFigureOut">
               <a:rPr lang="pt-BR" smtClean="0"/>
-              <a:t>21/07/2025</a:t>
+              <a:t>20/01/2026</a:t>
             </a:fld>
             <a:endParaRPr lang="pt-BR"/>
           </a:p>
@@ -1603,7 +2045,7 @@
           <a:p>
             <a:fld id="{8ADEC918-6A4C-437B-AF1C-9622FE800873}" type="datetimeFigureOut">
               <a:rPr lang="pt-BR" smtClean="0"/>
-              <a:t>21/07/2025</a:t>
+              <a:t>20/01/2026</a:t>
             </a:fld>
             <a:endParaRPr lang="pt-BR"/>
           </a:p>
@@ -2015,7 +2457,7 @@
           <a:p>
             <a:fld id="{8ADEC918-6A4C-437B-AF1C-9622FE800873}" type="datetimeFigureOut">
               <a:rPr lang="pt-BR" smtClean="0"/>
-              <a:t>21/07/2025</a:t>
+              <a:t>20/01/2026</a:t>
             </a:fld>
             <a:endParaRPr lang="pt-BR"/>
           </a:p>
@@ -2156,7 +2598,7 @@
           <a:p>
             <a:fld id="{8ADEC918-6A4C-437B-AF1C-9622FE800873}" type="datetimeFigureOut">
               <a:rPr lang="pt-BR" smtClean="0"/>
-              <a:t>21/07/2025</a:t>
+              <a:t>20/01/2026</a:t>
             </a:fld>
             <a:endParaRPr lang="pt-BR"/>
           </a:p>
@@ -2269,7 +2711,7 @@
           <a:p>
             <a:fld id="{8ADEC918-6A4C-437B-AF1C-9622FE800873}" type="datetimeFigureOut">
               <a:rPr lang="pt-BR" smtClean="0"/>
-              <a:t>21/07/2025</a:t>
+              <a:t>20/01/2026</a:t>
             </a:fld>
             <a:endParaRPr lang="pt-BR"/>
           </a:p>
@@ -2580,7 +3022,7 @@
           <a:p>
             <a:fld id="{8ADEC918-6A4C-437B-AF1C-9622FE800873}" type="datetimeFigureOut">
               <a:rPr lang="pt-BR" smtClean="0"/>
-              <a:t>21/07/2025</a:t>
+              <a:t>20/01/2026</a:t>
             </a:fld>
             <a:endParaRPr lang="pt-BR"/>
           </a:p>
@@ -2868,7 +3310,7 @@
           <a:p>
             <a:fld id="{8ADEC918-6A4C-437B-AF1C-9622FE800873}" type="datetimeFigureOut">
               <a:rPr lang="pt-BR" smtClean="0"/>
-              <a:t>21/07/2025</a:t>
+              <a:t>20/01/2026</a:t>
             </a:fld>
             <a:endParaRPr lang="pt-BR"/>
           </a:p>
@@ -3109,7 +3551,7 @@
           <a:p>
             <a:fld id="{8ADEC918-6A4C-437B-AF1C-9622FE800873}" type="datetimeFigureOut">
               <a:rPr lang="pt-BR" smtClean="0"/>
-              <a:t>21/07/2025</a:t>
+              <a:t>20/01/2026</a:t>
             </a:fld>
             <a:endParaRPr lang="pt-BR"/>
           </a:p>
@@ -3725,6 +4167,752 @@
         <p:cNvPr id="1" name="">
           <a:extLst>
             <a:ext uri="{FF2B5EF4-FFF2-40B4-BE49-F238E27FC236}">
+              <a16:creationId xmlns:a16="http://schemas.microsoft.com/office/drawing/2014/main" id="{DFD74B3E-BF56-2FB0-BD21-370EC9442A46}"/>
+            </a:ext>
+          </a:extLst>
+        </p:cNvPr>
+        <p:cNvGrpSpPr/>
+        <p:nvPr/>
+      </p:nvGrpSpPr>
+      <p:grpSpPr>
+        <a:xfrm>
+          <a:off x="0" y="0"/>
+          <a:ext cx="0" cy="0"/>
+          <a:chOff x="0" y="0"/>
+          <a:chExt cx="0" cy="0"/>
+        </a:xfrm>
+      </p:grpSpPr>
+      <p:pic>
+        <p:nvPicPr>
+          <p:cNvPr id="5" name="Imagem 4">
+            <a:extLst>
+              <a:ext uri="{FF2B5EF4-FFF2-40B4-BE49-F238E27FC236}">
+                <a16:creationId xmlns:a16="http://schemas.microsoft.com/office/drawing/2014/main" id="{9F0E214E-D45B-BB9E-2317-56B6D93F6627}"/>
+              </a:ext>
+            </a:extLst>
+          </p:cNvPr>
+          <p:cNvPicPr>
+            <a:picLocks noChangeAspect="1"/>
+          </p:cNvPicPr>
+          <p:nvPr/>
+        </p:nvPicPr>
+        <p:blipFill>
+          <a:blip r:embed="rId2">
+            <a:extLst>
+              <a:ext uri="{28A0092B-C50C-407E-A947-70E740481C1C}">
+                <a14:useLocalDpi xmlns:a14="http://schemas.microsoft.com/office/drawing/2010/main" val="0"/>
+              </a:ext>
+            </a:extLst>
+          </a:blip>
+          <a:stretch>
+            <a:fillRect/>
+          </a:stretch>
+        </p:blipFill>
+        <p:spPr>
+          <a:xfrm>
+            <a:off x="0" y="0"/>
+            <a:ext cx="12192000" cy="6858000"/>
+          </a:xfrm>
+          <a:prstGeom prst="rect">
+            <a:avLst/>
+          </a:prstGeom>
+        </p:spPr>
+      </p:pic>
+      <p:sp>
+        <p:nvSpPr>
+          <p:cNvPr id="2" name="CaixaDeTexto 1">
+            <a:extLst>
+              <a:ext uri="{FF2B5EF4-FFF2-40B4-BE49-F238E27FC236}">
+                <a16:creationId xmlns:a16="http://schemas.microsoft.com/office/drawing/2014/main" id="{209A396E-A5FD-0E7C-4C13-36A282E1FEE1}"/>
+              </a:ext>
+            </a:extLst>
+          </p:cNvPr>
+          <p:cNvSpPr txBox="1"/>
+          <p:nvPr/>
+        </p:nvSpPr>
+        <p:spPr>
+          <a:xfrm>
+            <a:off x="5186740" y="197595"/>
+            <a:ext cx="1818520" cy="646331"/>
+          </a:xfrm>
+          <a:prstGeom prst="rect">
+            <a:avLst/>
+          </a:prstGeom>
+          <a:noFill/>
+        </p:spPr>
+        <p:txBody>
+          <a:bodyPr wrap="square" rtlCol="0">
+            <a:spAutoFit/>
+          </a:bodyPr>
+          <a:lstStyle/>
+          <a:p>
+            <a:r>
+              <a:rPr lang="en-US" sz="3600" dirty="0" err="1"/>
+              <a:t>Exercício</a:t>
+            </a:r>
+            <a:endParaRPr lang="pt-BR" sz="3600" dirty="0"/>
+          </a:p>
+        </p:txBody>
+      </p:sp>
+      <p:sp>
+        <p:nvSpPr>
+          <p:cNvPr id="3" name="CaixaDeTexto 2">
+            <a:extLst>
+              <a:ext uri="{FF2B5EF4-FFF2-40B4-BE49-F238E27FC236}">
+                <a16:creationId xmlns:a16="http://schemas.microsoft.com/office/drawing/2014/main" id="{BDC55075-4B50-0E84-DEF8-D1AFBA0E2829}"/>
+              </a:ext>
+            </a:extLst>
+          </p:cNvPr>
+          <p:cNvSpPr txBox="1"/>
+          <p:nvPr/>
+        </p:nvSpPr>
+        <p:spPr>
+          <a:xfrm>
+            <a:off x="1459523" y="1011115"/>
+            <a:ext cx="8976946" cy="5632311"/>
+          </a:xfrm>
+          <a:prstGeom prst="rect">
+            <a:avLst/>
+          </a:prstGeom>
+          <a:noFill/>
+        </p:spPr>
+        <p:txBody>
+          <a:bodyPr wrap="square" rtlCol="0">
+            <a:spAutoFit/>
+          </a:bodyPr>
+          <a:lstStyle/>
+          <a:p>
+            <a:r>
+              <a:rPr lang="en-US" sz="2000" dirty="0" err="1"/>
+              <a:t>Utilizando</a:t>
+            </a:r>
+            <a:r>
+              <a:rPr lang="en-US" sz="2000" dirty="0"/>
+              <a:t> </a:t>
+            </a:r>
+            <a:r>
+              <a:rPr lang="en-US" sz="2000" dirty="0" err="1"/>
+              <a:t>os</a:t>
+            </a:r>
+            <a:r>
+              <a:rPr lang="en-US" sz="2000" dirty="0"/>
+              <a:t> </a:t>
+            </a:r>
+            <a:r>
+              <a:rPr lang="en-US" sz="2000" dirty="0" err="1"/>
+              <a:t>conceitos</a:t>
+            </a:r>
+            <a:r>
+              <a:rPr lang="en-US" sz="2000" dirty="0"/>
+              <a:t> </a:t>
+            </a:r>
+            <a:r>
+              <a:rPr lang="en-US" sz="2000" dirty="0" err="1"/>
+              <a:t>abordados</a:t>
+            </a:r>
+            <a:r>
+              <a:rPr lang="en-US" sz="2000" dirty="0"/>
+              <a:t> </a:t>
+            </a:r>
+            <a:r>
+              <a:rPr lang="en-US" sz="2000" dirty="0" err="1"/>
+              <a:t>nesta</a:t>
+            </a:r>
+            <a:r>
+              <a:rPr lang="en-US" sz="2000" dirty="0"/>
+              <a:t> aula, </a:t>
+            </a:r>
+            <a:r>
+              <a:rPr lang="en-US" sz="2000" dirty="0" err="1"/>
+              <a:t>faça</a:t>
+            </a:r>
+            <a:r>
+              <a:rPr lang="en-US" sz="2000" dirty="0"/>
+              <a:t> o que se </a:t>
+            </a:r>
+            <a:r>
+              <a:rPr lang="en-US" sz="2000" dirty="0" err="1"/>
+              <a:t>pede</a:t>
+            </a:r>
+            <a:r>
+              <a:rPr lang="en-US" sz="2000" dirty="0"/>
+              <a:t>:</a:t>
+            </a:r>
+          </a:p>
+          <a:p>
+            <a:endParaRPr lang="en-US" sz="2000" dirty="0"/>
+          </a:p>
+          <a:p>
+            <a:pPr marL="342900" indent="-342900">
+              <a:buAutoNum type="arabicPeriod"/>
+            </a:pPr>
+            <a:r>
+              <a:rPr lang="en-US" sz="2000" dirty="0" err="1"/>
+              <a:t>Crie</a:t>
+            </a:r>
+            <a:r>
+              <a:rPr lang="en-US" sz="2000" dirty="0"/>
+              <a:t> um banco de dados </a:t>
+            </a:r>
+            <a:r>
+              <a:rPr lang="en-US" sz="2000" dirty="0" err="1"/>
+              <a:t>chamado</a:t>
+            </a:r>
+            <a:r>
+              <a:rPr lang="en-US" sz="2000" dirty="0"/>
+              <a:t> ‘database1’ </a:t>
+            </a:r>
+            <a:r>
+              <a:rPr lang="en-US" sz="2000" dirty="0" err="1"/>
+              <a:t>verificando</a:t>
+            </a:r>
+            <a:r>
+              <a:rPr lang="en-US" sz="2000" dirty="0"/>
+              <a:t> </a:t>
+            </a:r>
+            <a:r>
+              <a:rPr lang="en-US" sz="2000" dirty="0" err="1"/>
+              <a:t>sua</a:t>
+            </a:r>
+            <a:r>
+              <a:rPr lang="en-US" sz="2000" dirty="0"/>
+              <a:t> </a:t>
+            </a:r>
+            <a:r>
+              <a:rPr lang="en-US" sz="2000" dirty="0" err="1"/>
+              <a:t>existência</a:t>
+            </a:r>
+            <a:r>
+              <a:rPr lang="en-US" sz="2000" dirty="0"/>
+              <a:t>. Caso </a:t>
+            </a:r>
+            <a:r>
+              <a:rPr lang="en-US" sz="2000" dirty="0" err="1"/>
+              <a:t>exista</a:t>
+            </a:r>
+            <a:r>
+              <a:rPr lang="en-US" sz="2000" dirty="0"/>
+              <a:t>, </a:t>
+            </a:r>
+            <a:r>
+              <a:rPr lang="en-US" sz="2000" dirty="0" err="1"/>
+              <a:t>exclua</a:t>
+            </a:r>
+            <a:r>
+              <a:rPr lang="en-US" sz="2000" dirty="0"/>
+              <a:t> antes </a:t>
+            </a:r>
+            <a:r>
+              <a:rPr lang="en-US" sz="2000" dirty="0" err="1"/>
+              <a:t>mesmo</a:t>
+            </a:r>
+            <a:r>
+              <a:rPr lang="en-US" sz="2000" dirty="0"/>
+              <a:t> de </a:t>
+            </a:r>
+            <a:r>
+              <a:rPr lang="en-US" sz="2000" dirty="0" err="1"/>
+              <a:t>criá</a:t>
+            </a:r>
+            <a:r>
+              <a:rPr lang="en-US" sz="2000" dirty="0"/>
+              <a:t>-lo;</a:t>
+            </a:r>
+          </a:p>
+          <a:p>
+            <a:pPr marL="342900" indent="-342900">
+              <a:buAutoNum type="arabicPeriod"/>
+            </a:pPr>
+            <a:r>
+              <a:rPr lang="en-US" sz="2000" dirty="0"/>
+              <a:t>Execute o </a:t>
+            </a:r>
+            <a:r>
+              <a:rPr lang="en-US" sz="2000" dirty="0" err="1"/>
+              <a:t>comando</a:t>
+            </a:r>
+            <a:r>
+              <a:rPr lang="en-US" sz="2000" dirty="0"/>
+              <a:t> para </a:t>
+            </a:r>
+            <a:r>
+              <a:rPr lang="en-US" sz="2000" dirty="0" err="1"/>
+              <a:t>utilizar</a:t>
+            </a:r>
+            <a:r>
+              <a:rPr lang="en-US" sz="2000" dirty="0"/>
+              <a:t> </a:t>
+            </a:r>
+            <a:r>
+              <a:rPr lang="en-US" sz="2000" dirty="0" err="1"/>
+              <a:t>seu</a:t>
+            </a:r>
+            <a:r>
+              <a:rPr lang="en-US" sz="2000" dirty="0"/>
+              <a:t> banco de dados;</a:t>
+            </a:r>
+          </a:p>
+          <a:p>
+            <a:pPr marL="342900" indent="-342900">
+              <a:buAutoNum type="arabicPeriod"/>
+            </a:pPr>
+            <a:r>
+              <a:rPr lang="en-US" sz="2000" dirty="0" err="1"/>
+              <a:t>Crie</a:t>
+            </a:r>
+            <a:r>
+              <a:rPr lang="en-US" sz="2000" dirty="0"/>
+              <a:t> </a:t>
+            </a:r>
+            <a:r>
+              <a:rPr lang="en-US" sz="2000" dirty="0" err="1"/>
+              <a:t>uma</a:t>
+            </a:r>
+            <a:r>
+              <a:rPr lang="en-US" sz="2000" dirty="0"/>
+              <a:t> nova </a:t>
+            </a:r>
+            <a:r>
+              <a:rPr lang="en-US" sz="2000" dirty="0" err="1"/>
+              <a:t>tabela</a:t>
+            </a:r>
+            <a:r>
+              <a:rPr lang="en-US" sz="2000" dirty="0"/>
+              <a:t> ‘Pessoa’, </a:t>
+            </a:r>
+            <a:r>
+              <a:rPr lang="en-US" sz="2000" dirty="0" err="1"/>
+              <a:t>esta</a:t>
+            </a:r>
+            <a:r>
+              <a:rPr lang="en-US" sz="2000" dirty="0"/>
+              <a:t> </a:t>
+            </a:r>
+            <a:r>
+              <a:rPr lang="en-US" sz="2000" dirty="0" err="1"/>
+              <a:t>tabela</a:t>
+            </a:r>
+            <a:r>
+              <a:rPr lang="en-US" sz="2000" dirty="0"/>
+              <a:t> </a:t>
+            </a:r>
+            <a:r>
+              <a:rPr lang="en-US" sz="2000" dirty="0" err="1"/>
+              <a:t>deve</a:t>
+            </a:r>
+            <a:r>
+              <a:rPr lang="en-US" sz="2000" dirty="0"/>
+              <a:t> </a:t>
+            </a:r>
+            <a:r>
+              <a:rPr lang="en-US" sz="2000" dirty="0" err="1"/>
+              <a:t>conter</a:t>
+            </a:r>
+            <a:r>
+              <a:rPr lang="en-US" sz="2000" dirty="0"/>
+              <a:t> um </a:t>
+            </a:r>
+            <a:r>
+              <a:rPr lang="en-US" sz="2000" dirty="0" err="1"/>
+              <a:t>identificador</a:t>
+            </a:r>
+            <a:r>
+              <a:rPr lang="en-US" sz="2000" dirty="0"/>
+              <a:t> </a:t>
+            </a:r>
+            <a:r>
+              <a:rPr lang="en-US" sz="2000" dirty="0" err="1"/>
+              <a:t>único</a:t>
+            </a:r>
+            <a:r>
+              <a:rPr lang="en-US" sz="2000" dirty="0"/>
+              <a:t> </a:t>
+            </a:r>
+            <a:r>
+              <a:rPr lang="en-US" sz="2000" dirty="0" err="1"/>
+              <a:t>obrigatório</a:t>
+            </a:r>
+            <a:r>
+              <a:rPr lang="en-US" sz="2000" dirty="0"/>
+              <a:t> e auto-incremental, um </a:t>
+            </a:r>
+            <a:r>
+              <a:rPr lang="en-US" sz="2000" dirty="0" err="1"/>
+              <a:t>nome</a:t>
+            </a:r>
+            <a:r>
+              <a:rPr lang="en-US" sz="2000" dirty="0"/>
+              <a:t> (40 </a:t>
+            </a:r>
+            <a:r>
+              <a:rPr lang="en-US" sz="2000" dirty="0" err="1"/>
+              <a:t>caracteres</a:t>
+            </a:r>
+            <a:r>
+              <a:rPr lang="en-US" sz="2000" dirty="0"/>
+              <a:t>), um campo de </a:t>
+            </a:r>
+            <a:r>
+              <a:rPr lang="en-US" sz="2000" dirty="0" err="1"/>
+              <a:t>endereço</a:t>
+            </a:r>
+            <a:r>
+              <a:rPr lang="en-US" sz="2000" dirty="0"/>
+              <a:t> e </a:t>
+            </a:r>
+            <a:r>
+              <a:rPr lang="en-US" sz="2000" dirty="0" err="1"/>
+              <a:t>uma</a:t>
+            </a:r>
+            <a:r>
+              <a:rPr lang="en-US" sz="2000" dirty="0"/>
+              <a:t> </a:t>
+            </a:r>
+            <a:r>
+              <a:rPr lang="en-US" sz="2000" dirty="0" err="1"/>
+              <a:t>profissão</a:t>
+            </a:r>
+            <a:r>
+              <a:rPr lang="en-US" sz="2000" dirty="0"/>
+              <a:t> (</a:t>
+            </a:r>
+            <a:r>
+              <a:rPr lang="en-US" sz="2000" dirty="0" err="1"/>
+              <a:t>obrigatório</a:t>
+            </a:r>
+            <a:r>
+              <a:rPr lang="en-US" sz="2000" dirty="0"/>
+              <a:t>);</a:t>
+            </a:r>
+          </a:p>
+          <a:p>
+            <a:pPr marL="342900" indent="-342900">
+              <a:buAutoNum type="arabicPeriod"/>
+            </a:pPr>
+            <a:r>
+              <a:rPr lang="en-US" sz="2000" dirty="0" err="1"/>
+              <a:t>Faça</a:t>
+            </a:r>
+            <a:r>
+              <a:rPr lang="en-US" sz="2000" dirty="0"/>
+              <a:t> a </a:t>
+            </a:r>
+            <a:r>
+              <a:rPr lang="en-US" sz="2000" dirty="0" err="1"/>
+              <a:t>inserção</a:t>
+            </a:r>
+            <a:r>
+              <a:rPr lang="en-US" sz="2000" dirty="0"/>
+              <a:t> de 3 </a:t>
+            </a:r>
+            <a:r>
+              <a:rPr lang="en-US" sz="2000" dirty="0" err="1"/>
+              <a:t>pessoas</a:t>
+            </a:r>
+            <a:r>
+              <a:rPr lang="en-US" sz="2000" dirty="0"/>
+              <a:t>;</a:t>
+            </a:r>
+          </a:p>
+          <a:p>
+            <a:pPr marL="342900" indent="-342900">
+              <a:buAutoNum type="arabicPeriod"/>
+            </a:pPr>
+            <a:r>
+              <a:rPr lang="en-US" sz="2000" dirty="0" err="1"/>
+              <a:t>Inclua</a:t>
+            </a:r>
+            <a:r>
+              <a:rPr lang="en-US" sz="2000" dirty="0"/>
+              <a:t> </a:t>
+            </a:r>
+            <a:r>
+              <a:rPr lang="en-US" sz="2000" dirty="0" err="1"/>
+              <a:t>uma</a:t>
+            </a:r>
+            <a:r>
+              <a:rPr lang="en-US" sz="2000" dirty="0"/>
+              <a:t> nova </a:t>
+            </a:r>
+            <a:r>
+              <a:rPr lang="en-US" sz="2000" dirty="0" err="1"/>
+              <a:t>coluna</a:t>
+            </a:r>
+            <a:r>
+              <a:rPr lang="en-US" sz="2000" dirty="0"/>
+              <a:t> para o </a:t>
+            </a:r>
+            <a:r>
+              <a:rPr lang="en-US" sz="2000" dirty="0" err="1"/>
+              <a:t>telefone</a:t>
+            </a:r>
+            <a:r>
+              <a:rPr lang="en-US" sz="2000" dirty="0"/>
+              <a:t>;</a:t>
+            </a:r>
+          </a:p>
+          <a:p>
+            <a:pPr marL="342900" indent="-342900">
+              <a:buAutoNum type="arabicPeriod"/>
+            </a:pPr>
+            <a:r>
+              <a:rPr lang="en-US" sz="2000" dirty="0" err="1"/>
+              <a:t>Exclua</a:t>
+            </a:r>
+            <a:r>
+              <a:rPr lang="en-US" sz="2000" dirty="0"/>
+              <a:t> a </a:t>
+            </a:r>
+            <a:r>
+              <a:rPr lang="en-US" sz="2000" dirty="0" err="1"/>
+              <a:t>coluna</a:t>
+            </a:r>
+            <a:r>
+              <a:rPr lang="en-US" sz="2000" dirty="0"/>
+              <a:t> de </a:t>
+            </a:r>
+            <a:r>
+              <a:rPr lang="en-US" sz="2000" dirty="0" err="1"/>
+              <a:t>endereço</a:t>
+            </a:r>
+            <a:r>
+              <a:rPr lang="en-US" sz="2000" dirty="0"/>
+              <a:t>;</a:t>
+            </a:r>
+          </a:p>
+          <a:p>
+            <a:pPr marL="342900" indent="-342900">
+              <a:buAutoNum type="arabicPeriod"/>
+            </a:pPr>
+            <a:r>
+              <a:rPr lang="en-US" sz="2000" dirty="0" err="1"/>
+              <a:t>Atualize</a:t>
+            </a:r>
+            <a:r>
+              <a:rPr lang="en-US" sz="2000" dirty="0"/>
+              <a:t> as </a:t>
+            </a:r>
+            <a:r>
+              <a:rPr lang="en-US" sz="2000" dirty="0" err="1"/>
+              <a:t>pessoas</a:t>
+            </a:r>
+            <a:r>
+              <a:rPr lang="en-US" sz="2000" dirty="0"/>
+              <a:t> </a:t>
+            </a:r>
+            <a:r>
+              <a:rPr lang="en-US" sz="2000" dirty="0" err="1"/>
+              <a:t>adicionando</a:t>
+            </a:r>
+            <a:r>
+              <a:rPr lang="en-US" sz="2000" dirty="0"/>
+              <a:t> </a:t>
+            </a:r>
+            <a:r>
+              <a:rPr lang="en-US" sz="2000" dirty="0" err="1"/>
+              <a:t>telefone</a:t>
+            </a:r>
+            <a:r>
+              <a:rPr lang="en-US" sz="2000" dirty="0"/>
+              <a:t> para as duas </a:t>
+            </a:r>
+            <a:r>
+              <a:rPr lang="en-US" sz="2000" dirty="0" err="1"/>
+              <a:t>últimas</a:t>
+            </a:r>
+            <a:r>
+              <a:rPr lang="en-US" sz="2000" dirty="0"/>
+              <a:t>;</a:t>
+            </a:r>
+          </a:p>
+          <a:p>
+            <a:pPr marL="342900" indent="-342900">
+              <a:buAutoNum type="arabicPeriod"/>
+            </a:pPr>
+            <a:r>
+              <a:rPr lang="en-US" sz="2000" dirty="0" err="1"/>
+              <a:t>Modifique</a:t>
+            </a:r>
+            <a:r>
+              <a:rPr lang="en-US" sz="2000" dirty="0"/>
+              <a:t> a </a:t>
+            </a:r>
+            <a:r>
+              <a:rPr lang="en-US" sz="2000" dirty="0" err="1"/>
+              <a:t>capacidade</a:t>
+            </a:r>
+            <a:r>
+              <a:rPr lang="en-US" sz="2000" dirty="0"/>
+              <a:t> do </a:t>
+            </a:r>
+            <a:r>
+              <a:rPr lang="en-US" sz="2000" dirty="0" err="1"/>
+              <a:t>tipo</a:t>
+            </a:r>
+            <a:r>
+              <a:rPr lang="en-US" sz="2000" dirty="0"/>
+              <a:t> do campo ‘</a:t>
+            </a:r>
+            <a:r>
+              <a:rPr lang="en-US" sz="2000" dirty="0" err="1"/>
+              <a:t>nome</a:t>
+            </a:r>
+            <a:r>
+              <a:rPr lang="en-US" sz="2000" dirty="0"/>
+              <a:t>’ para 30;</a:t>
+            </a:r>
+          </a:p>
+          <a:p>
+            <a:pPr marL="342900" indent="-342900">
+              <a:buAutoNum type="arabicPeriod"/>
+            </a:pPr>
+            <a:r>
+              <a:rPr lang="en-US" sz="2000" dirty="0" err="1"/>
+              <a:t>Exclua</a:t>
+            </a:r>
+            <a:r>
+              <a:rPr lang="en-US" sz="2000" dirty="0"/>
+              <a:t> a </a:t>
+            </a:r>
+            <a:r>
+              <a:rPr lang="en-US" sz="2000" dirty="0" err="1"/>
+              <a:t>primeira</a:t>
+            </a:r>
+            <a:r>
+              <a:rPr lang="en-US" sz="2000" dirty="0"/>
+              <a:t> </a:t>
+            </a:r>
+            <a:r>
+              <a:rPr lang="en-US" sz="2000" dirty="0" err="1"/>
+              <a:t>pessoa</a:t>
+            </a:r>
+            <a:r>
+              <a:rPr lang="en-US" sz="2000" dirty="0"/>
+              <a:t>;</a:t>
+            </a:r>
+          </a:p>
+          <a:p>
+            <a:pPr marL="342900" indent="-342900">
+              <a:buAutoNum type="arabicPeriod"/>
+            </a:pPr>
+            <a:r>
+              <a:rPr lang="en-US" sz="2000" dirty="0"/>
+              <a:t> </a:t>
+            </a:r>
+            <a:r>
+              <a:rPr lang="en-US" sz="2000" dirty="0" err="1"/>
+              <a:t>Mostre</a:t>
+            </a:r>
+            <a:r>
+              <a:rPr lang="en-US" sz="2000" dirty="0"/>
+              <a:t> </a:t>
+            </a:r>
+            <a:r>
+              <a:rPr lang="en-US" sz="2000" dirty="0" err="1"/>
+              <a:t>todos</a:t>
+            </a:r>
+            <a:r>
+              <a:rPr lang="en-US" sz="2000" dirty="0"/>
+              <a:t> </a:t>
+            </a:r>
+            <a:r>
+              <a:rPr lang="en-US" sz="2000" dirty="0" err="1"/>
+              <a:t>os</a:t>
+            </a:r>
+            <a:r>
+              <a:rPr lang="en-US" sz="2000" dirty="0"/>
+              <a:t> dados;</a:t>
+            </a:r>
+          </a:p>
+          <a:p>
+            <a:pPr marL="342900" indent="-342900">
+              <a:buAutoNum type="arabicPeriod"/>
+            </a:pPr>
+            <a:r>
+              <a:rPr lang="en-US" sz="2000" dirty="0"/>
+              <a:t> Delete </a:t>
+            </a:r>
+            <a:r>
+              <a:rPr lang="en-US" sz="2000" dirty="0" err="1"/>
+              <a:t>todos</a:t>
+            </a:r>
+            <a:r>
+              <a:rPr lang="en-US" sz="2000" dirty="0"/>
+              <a:t> </a:t>
+            </a:r>
+            <a:r>
+              <a:rPr lang="en-US" sz="2000" dirty="0" err="1"/>
+              <a:t>os</a:t>
+            </a:r>
+            <a:r>
+              <a:rPr lang="en-US" sz="2000" dirty="0"/>
+              <a:t> dados das </a:t>
+            </a:r>
+            <a:r>
+              <a:rPr lang="en-US" sz="2000" dirty="0" err="1"/>
+              <a:t>tabelas</a:t>
+            </a:r>
+            <a:r>
+              <a:rPr lang="en-US" sz="2000" dirty="0"/>
+              <a:t> com um </a:t>
+            </a:r>
+            <a:r>
+              <a:rPr lang="en-US" sz="2000" dirty="0" err="1"/>
+              <a:t>comando</a:t>
+            </a:r>
+            <a:r>
+              <a:rPr lang="en-US" sz="2000" dirty="0"/>
+              <a:t>.</a:t>
+            </a:r>
+          </a:p>
+          <a:p>
+            <a:endParaRPr lang="en-US" sz="2000" dirty="0"/>
+          </a:p>
+          <a:p>
+            <a:r>
+              <a:rPr lang="en-US" sz="2000" dirty="0"/>
+              <a:t>OBS: </a:t>
+            </a:r>
+            <a:r>
+              <a:rPr lang="en-US" sz="2000" dirty="0" err="1"/>
+              <a:t>Não</a:t>
+            </a:r>
+            <a:r>
+              <a:rPr lang="en-US" sz="2000" dirty="0"/>
+              <a:t> se </a:t>
+            </a:r>
+            <a:r>
+              <a:rPr lang="en-US" sz="2000" dirty="0" err="1"/>
+              <a:t>esqueça</a:t>
+            </a:r>
+            <a:r>
+              <a:rPr lang="en-US" sz="2000" dirty="0"/>
+              <a:t> de usar SET SQL_SAFE_UPDATES = 0;</a:t>
+            </a:r>
+          </a:p>
+        </p:txBody>
+      </p:sp>
+    </p:spTree>
+    <p:extLst>
+      <p:ext uri="{BB962C8B-B14F-4D97-AF65-F5344CB8AC3E}">
+        <p14:creationId xmlns:p14="http://schemas.microsoft.com/office/powerpoint/2010/main" val="2334101492"/>
+      </p:ext>
+    </p:extLst>
+  </p:cSld>
+  <p:clrMapOvr>
+    <a:masterClrMapping/>
+  </p:clrMapOvr>
+</p:sld>
+</file>
+
+<file path=ppt/slides/slide11.xml><?xml version="1.0" encoding="utf-8"?>
+<p:sld xmlns:a="http://schemas.openxmlformats.org/drawingml/2006/main" xmlns:r="http://schemas.openxmlformats.org/officeDocument/2006/relationships" xmlns:p="http://schemas.openxmlformats.org/presentationml/2006/main">
+  <p:cSld>
+    <p:spTree>
+      <p:nvGrpSpPr>
+        <p:cNvPr id="1" name="">
+          <a:extLst>
+            <a:ext uri="{FF2B5EF4-FFF2-40B4-BE49-F238E27FC236}">
               <a16:creationId xmlns:a16="http://schemas.microsoft.com/office/drawing/2014/main" id="{A9F73D6E-FC32-50DA-1CBC-9FDC465B155C}"/>
             </a:ext>
           </a:extLst>
@@ -4390,6 +5578,55 @@
           </a:p>
         </p:txBody>
       </p:sp>
+      <p:sp>
+        <p:nvSpPr>
+          <p:cNvPr id="8" name="Seta: para a Direita 7">
+            <a:extLst>
+              <a:ext uri="{FF2B5EF4-FFF2-40B4-BE49-F238E27FC236}">
+                <a16:creationId xmlns:a16="http://schemas.microsoft.com/office/drawing/2014/main" id="{5C7BCAF4-BD4C-0798-192A-479758143CFC}"/>
+              </a:ext>
+            </a:extLst>
+          </p:cNvPr>
+          <p:cNvSpPr/>
+          <p:nvPr/>
+        </p:nvSpPr>
+        <p:spPr>
+          <a:xfrm flipH="1">
+            <a:off x="2971798" y="2404991"/>
+            <a:ext cx="422031" cy="263768"/>
+          </a:xfrm>
+          <a:prstGeom prst="rightArrow">
+            <a:avLst/>
+          </a:prstGeom>
+          <a:solidFill>
+            <a:srgbClr val="FF0000"/>
+          </a:solidFill>
+        </p:spPr>
+        <p:style>
+          <a:lnRef idx="2">
+            <a:schemeClr val="accent1">
+              <a:shade val="15000"/>
+            </a:schemeClr>
+          </a:lnRef>
+          <a:fillRef idx="1">
+            <a:schemeClr val="accent1"/>
+          </a:fillRef>
+          <a:effectRef idx="0">
+            <a:schemeClr val="accent1"/>
+          </a:effectRef>
+          <a:fontRef idx="minor">
+            <a:schemeClr val="lt1"/>
+          </a:fontRef>
+        </p:style>
+        <p:txBody>
+          <a:bodyPr rtlCol="0" anchor="ctr"/>
+          <a:lstStyle/>
+          <a:p>
+            <a:pPr algn="ctr"/>
+            <a:endParaRPr lang="pt-BR"/>
+          </a:p>
+        </p:txBody>
+      </p:sp>
     </p:spTree>
     <p:extLst>
       <p:ext uri="{BB962C8B-B14F-4D97-AF65-F5344CB8AC3E}">
@@ -4404,6 +5641,879 @@
 </file>
 
 <file path=ppt/slides/slide4.xml><?xml version="1.0" encoding="utf-8"?>
+<p:sld xmlns:a="http://schemas.openxmlformats.org/drawingml/2006/main" xmlns:r="http://schemas.openxmlformats.org/officeDocument/2006/relationships" xmlns:p="http://schemas.openxmlformats.org/presentationml/2006/main">
+  <p:cSld>
+    <p:spTree>
+      <p:nvGrpSpPr>
+        <p:cNvPr id="1" name=""/>
+        <p:cNvGrpSpPr/>
+        <p:nvPr/>
+      </p:nvGrpSpPr>
+      <p:grpSpPr>
+        <a:xfrm>
+          <a:off x="0" y="0"/>
+          <a:ext cx="0" cy="0"/>
+          <a:chOff x="0" y="0"/>
+          <a:chExt cx="0" cy="0"/>
+        </a:xfrm>
+      </p:grpSpPr>
+      <p:pic>
+        <p:nvPicPr>
+          <p:cNvPr id="5" name="Imagem 4">
+            <a:extLst>
+              <a:ext uri="{FF2B5EF4-FFF2-40B4-BE49-F238E27FC236}">
+                <a16:creationId xmlns:a16="http://schemas.microsoft.com/office/drawing/2014/main" id="{778719FF-F7CE-4325-97A0-FF41192BC7AC}"/>
+              </a:ext>
+            </a:extLst>
+          </p:cNvPr>
+          <p:cNvPicPr>
+            <a:picLocks noChangeAspect="1"/>
+          </p:cNvPicPr>
+          <p:nvPr/>
+        </p:nvPicPr>
+        <p:blipFill>
+          <a:blip r:embed="rId3">
+            <a:extLst>
+              <a:ext uri="{28A0092B-C50C-407E-A947-70E740481C1C}">
+                <a14:useLocalDpi xmlns:a14="http://schemas.microsoft.com/office/drawing/2010/main" val="0"/>
+              </a:ext>
+            </a:extLst>
+          </a:blip>
+          <a:stretch>
+            <a:fillRect/>
+          </a:stretch>
+        </p:blipFill>
+        <p:spPr>
+          <a:xfrm>
+            <a:off x="-2" y="0"/>
+            <a:ext cx="12192000" cy="6858000"/>
+          </a:xfrm>
+          <a:prstGeom prst="rect">
+            <a:avLst/>
+          </a:prstGeom>
+        </p:spPr>
+      </p:pic>
+      <p:sp>
+        <p:nvSpPr>
+          <p:cNvPr id="6" name="CaixaDeTexto 5">
+            <a:extLst>
+              <a:ext uri="{FF2B5EF4-FFF2-40B4-BE49-F238E27FC236}">
+                <a16:creationId xmlns:a16="http://schemas.microsoft.com/office/drawing/2014/main" id="{39BBF6BF-6C28-843E-8D7C-54E5E79316A6}"/>
+              </a:ext>
+            </a:extLst>
+          </p:cNvPr>
+          <p:cNvSpPr txBox="1"/>
+          <p:nvPr/>
+        </p:nvSpPr>
+        <p:spPr>
+          <a:xfrm>
+            <a:off x="4279106" y="162426"/>
+            <a:ext cx="3633787" cy="646331"/>
+          </a:xfrm>
+          <a:prstGeom prst="rect">
+            <a:avLst/>
+          </a:prstGeom>
+          <a:noFill/>
+        </p:spPr>
+        <p:txBody>
+          <a:bodyPr wrap="square" rtlCol="0">
+            <a:spAutoFit/>
+          </a:bodyPr>
+          <a:lstStyle/>
+          <a:p>
+            <a:r>
+              <a:rPr lang="en-US" sz="3600" dirty="0"/>
+              <a:t>Comando CREATE</a:t>
+            </a:r>
+            <a:endParaRPr lang="pt-BR" sz="3600" dirty="0"/>
+          </a:p>
+        </p:txBody>
+      </p:sp>
+      <p:pic>
+        <p:nvPicPr>
+          <p:cNvPr id="8" name="Imagem 7">
+            <a:extLst>
+              <a:ext uri="{FF2B5EF4-FFF2-40B4-BE49-F238E27FC236}">
+                <a16:creationId xmlns:a16="http://schemas.microsoft.com/office/drawing/2014/main" id="{79C9AB27-9D6C-BFEE-3BFE-E3D84FCE42B2}"/>
+              </a:ext>
+            </a:extLst>
+          </p:cNvPr>
+          <p:cNvPicPr>
+            <a:picLocks noChangeAspect="1"/>
+          </p:cNvPicPr>
+          <p:nvPr/>
+        </p:nvPicPr>
+        <p:blipFill>
+          <a:blip r:embed="rId4"/>
+          <a:stretch>
+            <a:fillRect/>
+          </a:stretch>
+        </p:blipFill>
+        <p:spPr>
+          <a:xfrm>
+            <a:off x="2855266" y="1343658"/>
+            <a:ext cx="6481468" cy="2085342"/>
+          </a:xfrm>
+          <a:prstGeom prst="rect">
+            <a:avLst/>
+          </a:prstGeom>
+        </p:spPr>
+      </p:pic>
+      <p:pic>
+        <p:nvPicPr>
+          <p:cNvPr id="10" name="Imagem 9">
+            <a:extLst>
+              <a:ext uri="{FF2B5EF4-FFF2-40B4-BE49-F238E27FC236}">
+                <a16:creationId xmlns:a16="http://schemas.microsoft.com/office/drawing/2014/main" id="{1BF6E00B-9005-2186-FDAD-2F4834F595BF}"/>
+              </a:ext>
+            </a:extLst>
+          </p:cNvPr>
+          <p:cNvPicPr>
+            <a:picLocks noChangeAspect="1"/>
+          </p:cNvPicPr>
+          <p:nvPr/>
+        </p:nvPicPr>
+        <p:blipFill>
+          <a:blip r:embed="rId5"/>
+          <a:stretch>
+            <a:fillRect/>
+          </a:stretch>
+        </p:blipFill>
+        <p:spPr>
+          <a:xfrm>
+            <a:off x="1588171" y="3429000"/>
+            <a:ext cx="9015655" cy="657612"/>
+          </a:xfrm>
+          <a:prstGeom prst="rect">
+            <a:avLst/>
+          </a:prstGeom>
+        </p:spPr>
+      </p:pic>
+      <p:cxnSp>
+        <p:nvCxnSpPr>
+          <p:cNvPr id="12" name="Conector de Seta Reta 11">
+            <a:extLst>
+              <a:ext uri="{FF2B5EF4-FFF2-40B4-BE49-F238E27FC236}">
+                <a16:creationId xmlns:a16="http://schemas.microsoft.com/office/drawing/2014/main" id="{F2ADEBE6-B192-E25D-FBDE-E8F8065A0A74}"/>
+              </a:ext>
+            </a:extLst>
+          </p:cNvPr>
+          <p:cNvCxnSpPr>
+            <a:cxnSpLocks/>
+          </p:cNvCxnSpPr>
+          <p:nvPr/>
+        </p:nvCxnSpPr>
+        <p:spPr>
+          <a:xfrm flipH="1">
+            <a:off x="1441938" y="4018085"/>
+            <a:ext cx="852854" cy="754573"/>
+          </a:xfrm>
+          <a:prstGeom prst="straightConnector1">
+            <a:avLst/>
+          </a:prstGeom>
+          <a:ln>
+            <a:tailEnd type="triangle"/>
+          </a:ln>
+        </p:spPr>
+        <p:style>
+          <a:lnRef idx="1">
+            <a:schemeClr val="dk1"/>
+          </a:lnRef>
+          <a:fillRef idx="0">
+            <a:schemeClr val="dk1"/>
+          </a:fillRef>
+          <a:effectRef idx="0">
+            <a:schemeClr val="dk1"/>
+          </a:effectRef>
+          <a:fontRef idx="minor">
+            <a:schemeClr val="tx1"/>
+          </a:fontRef>
+        </p:style>
+      </p:cxnSp>
+      <p:cxnSp>
+        <p:nvCxnSpPr>
+          <p:cNvPr id="15" name="Conector de Seta Reta 14">
+            <a:extLst>
+              <a:ext uri="{FF2B5EF4-FFF2-40B4-BE49-F238E27FC236}">
+                <a16:creationId xmlns:a16="http://schemas.microsoft.com/office/drawing/2014/main" id="{3727BA92-63A0-F1BC-74DE-05A5AF25B4D7}"/>
+              </a:ext>
+            </a:extLst>
+          </p:cNvPr>
+          <p:cNvCxnSpPr>
+            <a:cxnSpLocks/>
+          </p:cNvCxnSpPr>
+          <p:nvPr/>
+        </p:nvCxnSpPr>
+        <p:spPr>
+          <a:xfrm flipH="1">
+            <a:off x="3226777" y="4086612"/>
+            <a:ext cx="79131" cy="928494"/>
+          </a:xfrm>
+          <a:prstGeom prst="straightConnector1">
+            <a:avLst/>
+          </a:prstGeom>
+          <a:ln>
+            <a:tailEnd type="triangle"/>
+          </a:ln>
+        </p:spPr>
+        <p:style>
+          <a:lnRef idx="1">
+            <a:schemeClr val="dk1"/>
+          </a:lnRef>
+          <a:fillRef idx="0">
+            <a:schemeClr val="dk1"/>
+          </a:fillRef>
+          <a:effectRef idx="0">
+            <a:schemeClr val="dk1"/>
+          </a:effectRef>
+          <a:fontRef idx="minor">
+            <a:schemeClr val="tx1"/>
+          </a:fontRef>
+        </p:style>
+      </p:cxnSp>
+      <p:cxnSp>
+        <p:nvCxnSpPr>
+          <p:cNvPr id="18" name="Conector de Seta Reta 17">
+            <a:extLst>
+              <a:ext uri="{FF2B5EF4-FFF2-40B4-BE49-F238E27FC236}">
+                <a16:creationId xmlns:a16="http://schemas.microsoft.com/office/drawing/2014/main" id="{B7DCBB4D-2820-209B-44C8-5BE88C126B99}"/>
+              </a:ext>
+            </a:extLst>
+          </p:cNvPr>
+          <p:cNvCxnSpPr>
+            <a:cxnSpLocks/>
+          </p:cNvCxnSpPr>
+          <p:nvPr/>
+        </p:nvCxnSpPr>
+        <p:spPr>
+          <a:xfrm>
+            <a:off x="4563208" y="4018085"/>
+            <a:ext cx="0" cy="997021"/>
+          </a:xfrm>
+          <a:prstGeom prst="straightConnector1">
+            <a:avLst/>
+          </a:prstGeom>
+          <a:ln>
+            <a:tailEnd type="triangle"/>
+          </a:ln>
+        </p:spPr>
+        <p:style>
+          <a:lnRef idx="1">
+            <a:schemeClr val="dk1"/>
+          </a:lnRef>
+          <a:fillRef idx="0">
+            <a:schemeClr val="dk1"/>
+          </a:fillRef>
+          <a:effectRef idx="0">
+            <a:schemeClr val="dk1"/>
+          </a:effectRef>
+          <a:fontRef idx="minor">
+            <a:schemeClr val="tx1"/>
+          </a:fontRef>
+        </p:style>
+      </p:cxnSp>
+      <p:cxnSp>
+        <p:nvCxnSpPr>
+          <p:cNvPr id="21" name="Conector de Seta Reta 20">
+            <a:extLst>
+              <a:ext uri="{FF2B5EF4-FFF2-40B4-BE49-F238E27FC236}">
+                <a16:creationId xmlns:a16="http://schemas.microsoft.com/office/drawing/2014/main" id="{A129D181-5AFE-1228-DF99-673156D75A82}"/>
+              </a:ext>
+            </a:extLst>
+          </p:cNvPr>
+          <p:cNvCxnSpPr>
+            <a:cxnSpLocks/>
+          </p:cNvCxnSpPr>
+          <p:nvPr/>
+        </p:nvCxnSpPr>
+        <p:spPr>
+          <a:xfrm>
+            <a:off x="6638193" y="4086612"/>
+            <a:ext cx="0" cy="928494"/>
+          </a:xfrm>
+          <a:prstGeom prst="straightConnector1">
+            <a:avLst/>
+          </a:prstGeom>
+          <a:ln>
+            <a:tailEnd type="triangle"/>
+          </a:ln>
+        </p:spPr>
+        <p:style>
+          <a:lnRef idx="1">
+            <a:schemeClr val="dk1"/>
+          </a:lnRef>
+          <a:fillRef idx="0">
+            <a:schemeClr val="dk1"/>
+          </a:fillRef>
+          <a:effectRef idx="0">
+            <a:schemeClr val="dk1"/>
+          </a:effectRef>
+          <a:fontRef idx="minor">
+            <a:schemeClr val="tx1"/>
+          </a:fontRef>
+        </p:style>
+      </p:cxnSp>
+      <p:cxnSp>
+        <p:nvCxnSpPr>
+          <p:cNvPr id="24" name="Conector de Seta Reta 23">
+            <a:extLst>
+              <a:ext uri="{FF2B5EF4-FFF2-40B4-BE49-F238E27FC236}">
+                <a16:creationId xmlns:a16="http://schemas.microsoft.com/office/drawing/2014/main" id="{74CC7A68-586D-A3BF-4331-42C01F368DFB}"/>
+              </a:ext>
+            </a:extLst>
+          </p:cNvPr>
+          <p:cNvCxnSpPr>
+            <a:cxnSpLocks/>
+          </p:cNvCxnSpPr>
+          <p:nvPr/>
+        </p:nvCxnSpPr>
+        <p:spPr>
+          <a:xfrm>
+            <a:off x="9336734" y="4018085"/>
+            <a:ext cx="0" cy="997021"/>
+          </a:xfrm>
+          <a:prstGeom prst="straightConnector1">
+            <a:avLst/>
+          </a:prstGeom>
+          <a:ln>
+            <a:tailEnd type="triangle"/>
+          </a:ln>
+        </p:spPr>
+        <p:style>
+          <a:lnRef idx="1">
+            <a:schemeClr val="dk1"/>
+          </a:lnRef>
+          <a:fillRef idx="0">
+            <a:schemeClr val="dk1"/>
+          </a:fillRef>
+          <a:effectRef idx="0">
+            <a:schemeClr val="dk1"/>
+          </a:effectRef>
+          <a:fontRef idx="minor">
+            <a:schemeClr val="tx1"/>
+          </a:fontRef>
+        </p:style>
+      </p:cxnSp>
+      <p:sp>
+        <p:nvSpPr>
+          <p:cNvPr id="26" name="CaixaDeTexto 25">
+            <a:extLst>
+              <a:ext uri="{FF2B5EF4-FFF2-40B4-BE49-F238E27FC236}">
+                <a16:creationId xmlns:a16="http://schemas.microsoft.com/office/drawing/2014/main" id="{4E55AD1B-D3AD-923B-0703-62D260DDE8C4}"/>
+              </a:ext>
+            </a:extLst>
+          </p:cNvPr>
+          <p:cNvSpPr txBox="1"/>
+          <p:nvPr/>
+        </p:nvSpPr>
+        <p:spPr>
+          <a:xfrm>
+            <a:off x="647233" y="4849323"/>
+            <a:ext cx="1060711" cy="646331"/>
+          </a:xfrm>
+          <a:prstGeom prst="rect">
+            <a:avLst/>
+          </a:prstGeom>
+          <a:noFill/>
+        </p:spPr>
+        <p:txBody>
+          <a:bodyPr wrap="square" rtlCol="0">
+            <a:spAutoFit/>
+          </a:bodyPr>
+          <a:lstStyle/>
+          <a:p>
+            <a:r>
+              <a:rPr lang="en-US" dirty="0"/>
+              <a:t>Nome do </a:t>
+            </a:r>
+            <a:r>
+              <a:rPr lang="en-US" dirty="0" err="1"/>
+              <a:t>Atributo</a:t>
+            </a:r>
+            <a:endParaRPr lang="pt-BR" dirty="0"/>
+          </a:p>
+        </p:txBody>
+      </p:sp>
+      <p:sp>
+        <p:nvSpPr>
+          <p:cNvPr id="27" name="CaixaDeTexto 26">
+            <a:extLst>
+              <a:ext uri="{FF2B5EF4-FFF2-40B4-BE49-F238E27FC236}">
+                <a16:creationId xmlns:a16="http://schemas.microsoft.com/office/drawing/2014/main" id="{F775F0BE-8064-6993-10C1-38805A4389C3}"/>
+              </a:ext>
+            </a:extLst>
+          </p:cNvPr>
+          <p:cNvSpPr txBox="1"/>
+          <p:nvPr/>
+        </p:nvSpPr>
+        <p:spPr>
+          <a:xfrm>
+            <a:off x="2696421" y="5146111"/>
+            <a:ext cx="1060711" cy="646331"/>
+          </a:xfrm>
+          <a:prstGeom prst="rect">
+            <a:avLst/>
+          </a:prstGeom>
+          <a:noFill/>
+        </p:spPr>
+        <p:txBody>
+          <a:bodyPr wrap="square" rtlCol="0">
+            <a:spAutoFit/>
+          </a:bodyPr>
+          <a:lstStyle/>
+          <a:p>
+            <a:r>
+              <a:rPr lang="en-US" dirty="0"/>
+              <a:t>Tipo do </a:t>
+            </a:r>
+            <a:r>
+              <a:rPr lang="en-US" dirty="0" err="1"/>
+              <a:t>Atributo</a:t>
+            </a:r>
+            <a:endParaRPr lang="pt-BR" dirty="0"/>
+          </a:p>
+        </p:txBody>
+      </p:sp>
+      <p:sp>
+        <p:nvSpPr>
+          <p:cNvPr id="28" name="CaixaDeTexto 27">
+            <a:extLst>
+              <a:ext uri="{FF2B5EF4-FFF2-40B4-BE49-F238E27FC236}">
+                <a16:creationId xmlns:a16="http://schemas.microsoft.com/office/drawing/2014/main" id="{F73AE8B8-376E-7DB2-EB08-98211C63B96E}"/>
+              </a:ext>
+            </a:extLst>
+          </p:cNvPr>
+          <p:cNvSpPr txBox="1"/>
+          <p:nvPr/>
+        </p:nvSpPr>
+        <p:spPr>
+          <a:xfrm>
+            <a:off x="3947746" y="5172488"/>
+            <a:ext cx="1371597" cy="1477328"/>
+          </a:xfrm>
+          <a:prstGeom prst="rect">
+            <a:avLst/>
+          </a:prstGeom>
+          <a:noFill/>
+        </p:spPr>
+        <p:txBody>
+          <a:bodyPr wrap="square" rtlCol="0">
+            <a:spAutoFit/>
+          </a:bodyPr>
+          <a:lstStyle/>
+          <a:p>
+            <a:pPr algn="ctr"/>
+            <a:r>
+              <a:rPr lang="en-US" dirty="0"/>
+              <a:t>Indica que o </a:t>
+            </a:r>
+            <a:r>
+              <a:rPr lang="en-US" dirty="0" err="1"/>
+              <a:t>Atributo</a:t>
+            </a:r>
+            <a:r>
+              <a:rPr lang="en-US" dirty="0"/>
+              <a:t> </a:t>
+            </a:r>
+            <a:r>
+              <a:rPr lang="en-US" u="sng" dirty="0" err="1"/>
+              <a:t>não</a:t>
+            </a:r>
+            <a:r>
+              <a:rPr lang="en-US" u="sng" dirty="0"/>
+              <a:t> </a:t>
+            </a:r>
+            <a:r>
+              <a:rPr lang="en-US" u="sng" dirty="0" err="1"/>
+              <a:t>pode</a:t>
+            </a:r>
+            <a:r>
+              <a:rPr lang="en-US" u="sng" dirty="0"/>
+              <a:t> ser </a:t>
+            </a:r>
+            <a:r>
+              <a:rPr lang="en-US" u="sng" dirty="0" err="1"/>
+              <a:t>nulo</a:t>
+            </a:r>
+            <a:r>
+              <a:rPr lang="en-US" dirty="0"/>
+              <a:t> (NOT NULL)</a:t>
+            </a:r>
+            <a:endParaRPr lang="pt-BR" dirty="0"/>
+          </a:p>
+        </p:txBody>
+      </p:sp>
+      <p:sp>
+        <p:nvSpPr>
+          <p:cNvPr id="29" name="CaixaDeTexto 28">
+            <a:extLst>
+              <a:ext uri="{FF2B5EF4-FFF2-40B4-BE49-F238E27FC236}">
+                <a16:creationId xmlns:a16="http://schemas.microsoft.com/office/drawing/2014/main" id="{AD911C3A-F14B-D6C5-5E59-858CCEC673FE}"/>
+              </a:ext>
+            </a:extLst>
+          </p:cNvPr>
+          <p:cNvSpPr txBox="1"/>
+          <p:nvPr/>
+        </p:nvSpPr>
+        <p:spPr>
+          <a:xfrm>
+            <a:off x="5459965" y="5103674"/>
+            <a:ext cx="2514599" cy="1754326"/>
+          </a:xfrm>
+          <a:prstGeom prst="rect">
+            <a:avLst/>
+          </a:prstGeom>
+          <a:noFill/>
+        </p:spPr>
+        <p:txBody>
+          <a:bodyPr wrap="square" rtlCol="0">
+            <a:spAutoFit/>
+          </a:bodyPr>
+          <a:lstStyle/>
+          <a:p>
+            <a:pPr algn="ctr"/>
+            <a:r>
+              <a:rPr lang="en-US" dirty="0"/>
+              <a:t>Para </a:t>
+            </a:r>
+            <a:r>
+              <a:rPr lang="en-US" dirty="0" err="1"/>
+              <a:t>Atributos</a:t>
+            </a:r>
+            <a:r>
+              <a:rPr lang="en-US" dirty="0"/>
+              <a:t> </a:t>
+            </a:r>
+            <a:r>
+              <a:rPr lang="en-US" dirty="0" err="1"/>
+              <a:t>numéricos</a:t>
+            </a:r>
+            <a:r>
+              <a:rPr lang="en-US" dirty="0"/>
+              <a:t>, </a:t>
+            </a:r>
+            <a:r>
+              <a:rPr lang="en-US" dirty="0" err="1"/>
+              <a:t>esse</a:t>
+            </a:r>
+            <a:r>
+              <a:rPr lang="en-US" dirty="0"/>
+              <a:t> </a:t>
+            </a:r>
+            <a:r>
+              <a:rPr lang="en-US" dirty="0" err="1"/>
+              <a:t>modificador</a:t>
+            </a:r>
+            <a:r>
+              <a:rPr lang="en-US" dirty="0"/>
+              <a:t> </a:t>
+            </a:r>
+            <a:r>
+              <a:rPr lang="en-US" dirty="0" err="1"/>
+              <a:t>incrementa</a:t>
+            </a:r>
+            <a:r>
+              <a:rPr lang="en-US" dirty="0"/>
+              <a:t> </a:t>
+            </a:r>
+            <a:r>
+              <a:rPr lang="en-US" dirty="0" err="1"/>
+              <a:t>em</a:t>
+            </a:r>
+            <a:r>
+              <a:rPr lang="en-US" dirty="0"/>
+              <a:t> 1 no </a:t>
+            </a:r>
+            <a:r>
+              <a:rPr lang="en-US" dirty="0" err="1"/>
+              <a:t>último</a:t>
+            </a:r>
+            <a:r>
+              <a:rPr lang="en-US" dirty="0"/>
+              <a:t> </a:t>
+            </a:r>
+            <a:r>
+              <a:rPr lang="en-US" dirty="0" err="1"/>
+              <a:t>inserido</a:t>
+            </a:r>
+            <a:r>
+              <a:rPr lang="en-US" dirty="0"/>
+              <a:t>, </a:t>
+            </a:r>
+            <a:r>
+              <a:rPr lang="en-US" dirty="0" err="1"/>
+              <a:t>sem</a:t>
+            </a:r>
+            <a:r>
+              <a:rPr lang="en-US" dirty="0"/>
+              <a:t> a </a:t>
+            </a:r>
+            <a:r>
+              <a:rPr lang="en-US" dirty="0" err="1"/>
+              <a:t>necessidade</a:t>
+            </a:r>
+            <a:r>
+              <a:rPr lang="en-US" dirty="0"/>
+              <a:t> de </a:t>
+            </a:r>
+            <a:r>
+              <a:rPr lang="en-US" dirty="0" err="1"/>
+              <a:t>inserir</a:t>
+            </a:r>
+            <a:r>
+              <a:rPr lang="en-US" dirty="0"/>
+              <a:t> </a:t>
+            </a:r>
+            <a:r>
+              <a:rPr lang="en-US" dirty="0" err="1"/>
+              <a:t>manualmente</a:t>
+            </a:r>
+            <a:endParaRPr lang="pt-BR" dirty="0"/>
+          </a:p>
+        </p:txBody>
+      </p:sp>
+      <p:sp>
+        <p:nvSpPr>
+          <p:cNvPr id="30" name="CaixaDeTexto 29">
+            <a:extLst>
+              <a:ext uri="{FF2B5EF4-FFF2-40B4-BE49-F238E27FC236}">
+                <a16:creationId xmlns:a16="http://schemas.microsoft.com/office/drawing/2014/main" id="{1CAC4345-3181-A751-F1B8-E5E633F729D3}"/>
+              </a:ext>
+            </a:extLst>
+          </p:cNvPr>
+          <p:cNvSpPr txBox="1"/>
+          <p:nvPr/>
+        </p:nvSpPr>
+        <p:spPr>
+          <a:xfrm>
+            <a:off x="8563708" y="5266592"/>
+            <a:ext cx="1740876" cy="1477328"/>
+          </a:xfrm>
+          <a:prstGeom prst="rect">
+            <a:avLst/>
+          </a:prstGeom>
+          <a:noFill/>
+        </p:spPr>
+        <p:txBody>
+          <a:bodyPr wrap="square" rtlCol="0">
+            <a:spAutoFit/>
+          </a:bodyPr>
+          <a:lstStyle/>
+          <a:p>
+            <a:pPr algn="ctr"/>
+            <a:r>
+              <a:rPr lang="en-US" dirty="0"/>
+              <a:t>Indica que </a:t>
+            </a:r>
+            <a:r>
+              <a:rPr lang="en-US" dirty="0" err="1"/>
+              <a:t>este</a:t>
+            </a:r>
+            <a:r>
+              <a:rPr lang="en-US" dirty="0"/>
+              <a:t> é um </a:t>
+            </a:r>
+            <a:r>
+              <a:rPr lang="en-US" dirty="0" err="1"/>
+              <a:t>Atributo</a:t>
+            </a:r>
+            <a:r>
+              <a:rPr lang="en-US" dirty="0"/>
+              <a:t> </a:t>
+            </a:r>
+            <a:r>
+              <a:rPr lang="en-US" dirty="0" err="1"/>
+              <a:t>chave</a:t>
+            </a:r>
+            <a:r>
+              <a:rPr lang="en-US" dirty="0"/>
+              <a:t> para a </a:t>
+            </a:r>
+            <a:r>
+              <a:rPr lang="en-US" dirty="0" err="1"/>
+              <a:t>tabela</a:t>
+            </a:r>
+            <a:r>
+              <a:rPr lang="en-US" dirty="0"/>
+              <a:t> </a:t>
+            </a:r>
+            <a:r>
+              <a:rPr lang="en-US" dirty="0" err="1"/>
+              <a:t>em</a:t>
+            </a:r>
+            <a:r>
+              <a:rPr lang="en-US" dirty="0"/>
+              <a:t> </a:t>
+            </a:r>
+            <a:r>
+              <a:rPr lang="en-US" dirty="0" err="1"/>
+              <a:t>questão</a:t>
+            </a:r>
+            <a:endParaRPr lang="pt-BR" dirty="0"/>
+          </a:p>
+        </p:txBody>
+      </p:sp>
+      <p:pic>
+        <p:nvPicPr>
+          <p:cNvPr id="32" name="Imagem 31">
+            <a:extLst>
+              <a:ext uri="{FF2B5EF4-FFF2-40B4-BE49-F238E27FC236}">
+                <a16:creationId xmlns:a16="http://schemas.microsoft.com/office/drawing/2014/main" id="{B2B0B117-7EBB-8952-6EFE-5DB3655D4B42}"/>
+              </a:ext>
+            </a:extLst>
+          </p:cNvPr>
+          <p:cNvPicPr>
+            <a:picLocks noChangeAspect="1"/>
+          </p:cNvPicPr>
+          <p:nvPr/>
+        </p:nvPicPr>
+        <p:blipFill>
+          <a:blip r:embed="rId6"/>
+          <a:stretch>
+            <a:fillRect/>
+          </a:stretch>
+        </p:blipFill>
+        <p:spPr>
+          <a:xfrm>
+            <a:off x="424813" y="485591"/>
+            <a:ext cx="1714739" cy="238158"/>
+          </a:xfrm>
+          <a:prstGeom prst="rect">
+            <a:avLst/>
+          </a:prstGeom>
+        </p:spPr>
+      </p:pic>
+      <p:pic>
+        <p:nvPicPr>
+          <p:cNvPr id="34" name="Imagem 33">
+            <a:extLst>
+              <a:ext uri="{FF2B5EF4-FFF2-40B4-BE49-F238E27FC236}">
+                <a16:creationId xmlns:a16="http://schemas.microsoft.com/office/drawing/2014/main" id="{4DA609A2-196C-8450-5FEB-881EF59C4F53}"/>
+              </a:ext>
+            </a:extLst>
+          </p:cNvPr>
+          <p:cNvPicPr>
+            <a:picLocks noChangeAspect="1"/>
+          </p:cNvPicPr>
+          <p:nvPr/>
+        </p:nvPicPr>
+        <p:blipFill>
+          <a:blip r:embed="rId7"/>
+          <a:stretch>
+            <a:fillRect/>
+          </a:stretch>
+        </p:blipFill>
+        <p:spPr>
+          <a:xfrm>
+            <a:off x="8251932" y="485591"/>
+            <a:ext cx="3781953" cy="428685"/>
+          </a:xfrm>
+          <a:prstGeom prst="rect">
+            <a:avLst/>
+          </a:prstGeom>
+        </p:spPr>
+      </p:pic>
+      <p:cxnSp>
+        <p:nvCxnSpPr>
+          <p:cNvPr id="36" name="Conector: Angulado 35">
+            <a:extLst>
+              <a:ext uri="{FF2B5EF4-FFF2-40B4-BE49-F238E27FC236}">
+                <a16:creationId xmlns:a16="http://schemas.microsoft.com/office/drawing/2014/main" id="{32F501D2-20E4-B124-FB9B-309440F6DF6E}"/>
+              </a:ext>
+            </a:extLst>
+          </p:cNvPr>
+          <p:cNvCxnSpPr>
+            <a:cxnSpLocks/>
+          </p:cNvCxnSpPr>
+          <p:nvPr/>
+        </p:nvCxnSpPr>
+        <p:spPr>
+          <a:xfrm flipV="1">
+            <a:off x="4070838" y="1101436"/>
+            <a:ext cx="562706" cy="334541"/>
+          </a:xfrm>
+          <a:prstGeom prst="bentConnector3">
+            <a:avLst>
+              <a:gd name="adj1" fmla="val -3125"/>
+            </a:avLst>
+          </a:prstGeom>
+          <a:ln>
+            <a:tailEnd type="triangle"/>
+          </a:ln>
+        </p:spPr>
+        <p:style>
+          <a:lnRef idx="1">
+            <a:schemeClr val="accent2"/>
+          </a:lnRef>
+          <a:fillRef idx="0">
+            <a:schemeClr val="accent2"/>
+          </a:fillRef>
+          <a:effectRef idx="0">
+            <a:schemeClr val="accent2"/>
+          </a:effectRef>
+          <a:fontRef idx="minor">
+            <a:schemeClr val="tx1"/>
+          </a:fontRef>
+        </p:style>
+      </p:cxnSp>
+      <p:sp>
+        <p:nvSpPr>
+          <p:cNvPr id="43" name="CaixaDeTexto 42">
+            <a:extLst>
+              <a:ext uri="{FF2B5EF4-FFF2-40B4-BE49-F238E27FC236}">
+                <a16:creationId xmlns:a16="http://schemas.microsoft.com/office/drawing/2014/main" id="{B8226EE7-7817-7E0C-CE39-EA396CFA9162}"/>
+              </a:ext>
+            </a:extLst>
+          </p:cNvPr>
+          <p:cNvSpPr txBox="1"/>
+          <p:nvPr/>
+        </p:nvSpPr>
+        <p:spPr>
+          <a:xfrm>
+            <a:off x="4633544" y="930042"/>
+            <a:ext cx="975946" cy="369332"/>
+          </a:xfrm>
+          <a:prstGeom prst="rect">
+            <a:avLst/>
+          </a:prstGeom>
+          <a:noFill/>
+        </p:spPr>
+        <p:txBody>
+          <a:bodyPr wrap="square" rtlCol="0">
+            <a:spAutoFit/>
+          </a:bodyPr>
+          <a:lstStyle/>
+          <a:p>
+            <a:r>
+              <a:rPr lang="en-US" dirty="0" err="1">
+                <a:solidFill>
+                  <a:srgbClr val="FF0000"/>
+                </a:solidFill>
+              </a:rPr>
+              <a:t>Cláusula</a:t>
+            </a:r>
+            <a:endParaRPr lang="pt-BR" dirty="0">
+              <a:solidFill>
+                <a:srgbClr val="FF0000"/>
+              </a:solidFill>
+            </a:endParaRPr>
+          </a:p>
+        </p:txBody>
+      </p:sp>
+    </p:spTree>
+    <p:extLst>
+      <p:ext uri="{BB962C8B-B14F-4D97-AF65-F5344CB8AC3E}">
+        <p14:creationId xmlns:p14="http://schemas.microsoft.com/office/powerpoint/2010/main" val="3456320147"/>
+      </p:ext>
+    </p:extLst>
+  </p:cSld>
+  <p:clrMapOvr>
+    <a:masterClrMapping/>
+  </p:clrMapOvr>
+</p:sld>
+</file>
+
+<file path=ppt/slides/slide5.xml><?xml version="1.0" encoding="utf-8"?>
 <p:sld xmlns:a="http://schemas.openxmlformats.org/drawingml/2006/main" xmlns:r="http://schemas.openxmlformats.org/officeDocument/2006/relationships" xmlns:p="http://schemas.openxmlformats.org/presentationml/2006/main">
   <p:cSld>
     <p:spTree>
@@ -4596,60 +6706,9 @@
           </a:prstGeom>
         </p:spPr>
       </p:pic>
-      <mc:AlternateContent xmlns:mc="http://schemas.openxmlformats.org/markup-compatibility/2006">
-        <mc:Choice xmlns:p14="http://schemas.microsoft.com/office/powerpoint/2010/main" Requires="p14">
+      <mc:AlternateContent xmlns:mc="http://schemas.openxmlformats.org/markup-compatibility/2006" xmlns:p14="http://schemas.microsoft.com/office/powerpoint/2010/main">
+        <mc:Choice Requires="p14">
           <p:contentPart p14:bwMode="auto" r:id="rId4">
-            <p14:nvContentPartPr>
-              <p14:cNvPr id="13" name="Tinta 12">
-                <a:extLst>
-                  <a:ext uri="{FF2B5EF4-FFF2-40B4-BE49-F238E27FC236}">
-                    <a16:creationId xmlns:a16="http://schemas.microsoft.com/office/drawing/2014/main" id="{B78524E7-214E-97FE-582B-5ADD4D913F6A}"/>
-                  </a:ext>
-                </a:extLst>
-              </p14:cNvPr>
-              <p14:cNvContentPartPr/>
-              <p14:nvPr/>
-            </p14:nvContentPartPr>
-            <p14:xfrm>
-              <a:off x="4290286" y="2620260"/>
-              <a:ext cx="1731960" cy="17640"/>
-            </p14:xfrm>
-          </p:contentPart>
-        </mc:Choice>
-        <mc:Fallback>
-          <p:pic>
-            <p:nvPicPr>
-              <p:cNvPr id="13" name="Tinta 12">
-                <a:extLst>
-                  <a:ext uri="{FF2B5EF4-FFF2-40B4-BE49-F238E27FC236}">
-                    <a16:creationId xmlns:a16="http://schemas.microsoft.com/office/drawing/2014/main" id="{B78524E7-214E-97FE-582B-5ADD4D913F6A}"/>
-                  </a:ext>
-                </a:extLst>
-              </p:cNvPr>
-              <p:cNvPicPr/>
-              <p:nvPr/>
-            </p:nvPicPr>
-            <p:blipFill>
-              <a:blip r:embed="rId5"/>
-              <a:stretch>
-                <a:fillRect/>
-              </a:stretch>
-            </p:blipFill>
-            <p:spPr>
-              <a:xfrm>
-                <a:off x="4284166" y="2613780"/>
-                <a:ext cx="1744200" cy="29880"/>
-              </a:xfrm>
-              <a:prstGeom prst="rect">
-                <a:avLst/>
-              </a:prstGeom>
-            </p:spPr>
-          </p:pic>
-        </mc:Fallback>
-      </mc:AlternateContent>
-      <mc:AlternateContent xmlns:mc="http://schemas.openxmlformats.org/markup-compatibility/2006">
-        <mc:Choice xmlns:p14="http://schemas.microsoft.com/office/powerpoint/2010/main" Requires="p14">
-          <p:contentPart p14:bwMode="auto" r:id="rId6">
             <p14:nvContentPartPr>
               <p14:cNvPr id="17" name="Tinta 16">
                 <a:extLst>
@@ -4667,7 +6726,7 @@
             </p14:xfrm>
           </p:contentPart>
         </mc:Choice>
-        <mc:Fallback>
+        <mc:Fallback xmlns="">
           <p:pic>
             <p:nvPicPr>
               <p:cNvPr id="17" name="Tinta 16">
@@ -4698,8 +6757,8 @@
           </p:pic>
         </mc:Fallback>
       </mc:AlternateContent>
-      <mc:AlternateContent xmlns:mc="http://schemas.openxmlformats.org/markup-compatibility/2006">
-        <mc:Choice xmlns:p14="http://schemas.microsoft.com/office/powerpoint/2010/main" Requires="p14">
+      <mc:AlternateContent xmlns:mc="http://schemas.openxmlformats.org/markup-compatibility/2006" xmlns:p14="http://schemas.microsoft.com/office/powerpoint/2010/main">
+        <mc:Choice Requires="p14">
           <p:contentPart p14:bwMode="auto" r:id="rId8">
             <p14:nvContentPartPr>
               <p14:cNvPr id="19" name="Tinta 18">
@@ -4718,7 +6777,7 @@
             </p14:xfrm>
           </p:contentPart>
         </mc:Choice>
-        <mc:Fallback>
+        <mc:Fallback xmlns="">
           <p:pic>
             <p:nvPicPr>
               <p:cNvPr id="19" name="Tinta 18">
@@ -4763,8 +6822,8 @@
         </p:nvSpPr>
         <p:spPr>
           <a:xfrm>
-            <a:off x="4376005" y="5314746"/>
-            <a:ext cx="1047240" cy="369332"/>
+            <a:off x="4346285" y="5292740"/>
+            <a:ext cx="987801" cy="369332"/>
           </a:xfrm>
           <a:prstGeom prst="rect">
             <a:avLst/>
@@ -4807,7 +6866,7 @@
         </p:nvSpPr>
         <p:spPr>
           <a:xfrm>
-            <a:off x="4211086" y="3976323"/>
+            <a:off x="4211086" y="3912146"/>
             <a:ext cx="1047240" cy="369332"/>
           </a:xfrm>
           <a:prstGeom prst="rect">
@@ -4881,6 +6940,57 @@
           </a:p>
         </p:txBody>
       </p:sp>
+      <mc:AlternateContent xmlns:mc="http://schemas.openxmlformats.org/markup-compatibility/2006">
+        <mc:Choice xmlns:p14="http://schemas.microsoft.com/office/powerpoint/2010/main" Requires="p14">
+          <p:contentPart p14:bwMode="auto" r:id="rId10">
+            <p14:nvContentPartPr>
+              <p14:cNvPr id="2" name="Tinta 1">
+                <a:extLst>
+                  <a:ext uri="{FF2B5EF4-FFF2-40B4-BE49-F238E27FC236}">
+                    <a16:creationId xmlns:a16="http://schemas.microsoft.com/office/drawing/2014/main" id="{E727C470-A265-AF3C-4586-127D492D5AB9}"/>
+                  </a:ext>
+                </a:extLst>
+              </p14:cNvPr>
+              <p14:cNvContentPartPr/>
+              <p14:nvPr/>
+            </p14:nvContentPartPr>
+            <p14:xfrm>
+              <a:off x="4316565" y="2615267"/>
+              <a:ext cx="1662203" cy="720"/>
+            </p14:xfrm>
+          </p:contentPart>
+        </mc:Choice>
+        <mc:Fallback>
+          <p:pic>
+            <p:nvPicPr>
+              <p:cNvPr id="2" name="Tinta 1">
+                <a:extLst>
+                  <a:ext uri="{FF2B5EF4-FFF2-40B4-BE49-F238E27FC236}">
+                    <a16:creationId xmlns:a16="http://schemas.microsoft.com/office/drawing/2014/main" id="{E727C470-A265-AF3C-4586-127D492D5AB9}"/>
+                  </a:ext>
+                </a:extLst>
+              </p:cNvPr>
+              <p:cNvPicPr/>
+              <p:nvPr/>
+            </p:nvPicPr>
+            <p:blipFill>
+              <a:blip r:embed="rId11"/>
+              <a:stretch>
+                <a:fillRect/>
+              </a:stretch>
+            </p:blipFill>
+            <p:spPr>
+              <a:xfrm>
+                <a:off x="4310441" y="2603027"/>
+                <a:ext cx="1674452" cy="25200"/>
+              </a:xfrm>
+              <a:prstGeom prst="rect">
+                <a:avLst/>
+              </a:prstGeom>
+            </p:spPr>
+          </p:pic>
+        </mc:Fallback>
+      </mc:AlternateContent>
     </p:spTree>
     <p:extLst>
       <p:ext uri="{BB962C8B-B14F-4D97-AF65-F5344CB8AC3E}">
@@ -4894,7 +7004,7 @@
 </p:sld>
 </file>
 
-<file path=ppt/slides/slide5.xml><?xml version="1.0" encoding="utf-8"?>
+<file path=ppt/slides/slide6.xml><?xml version="1.0" encoding="utf-8"?>
 <p:sld xmlns:a="http://schemas.openxmlformats.org/drawingml/2006/main" xmlns:r="http://schemas.openxmlformats.org/officeDocument/2006/relationships" xmlns:p="http://schemas.openxmlformats.org/presentationml/2006/main">
   <p:cSld>
     <p:spTree>
@@ -5087,8 +7197,8 @@
           </a:prstGeom>
         </p:spPr>
       </p:pic>
-      <mc:AlternateContent xmlns:mc="http://schemas.openxmlformats.org/markup-compatibility/2006">
-        <mc:Choice xmlns:p14="http://schemas.microsoft.com/office/powerpoint/2010/main" Requires="p14">
+      <mc:AlternateContent xmlns:mc="http://schemas.openxmlformats.org/markup-compatibility/2006" xmlns:p14="http://schemas.microsoft.com/office/powerpoint/2010/main">
+        <mc:Choice Requires="p14">
           <p:contentPart p14:bwMode="auto" r:id="rId4">
             <p14:nvContentPartPr>
               <p14:cNvPr id="9" name="Tinta 8">
@@ -5107,7 +7217,7 @@
             </p14:xfrm>
           </p:contentPart>
         </mc:Choice>
-        <mc:Fallback>
+        <mc:Fallback xmlns="">
           <p:pic>
             <p:nvPicPr>
               <p:cNvPr id="9" name="Tinta 8">
@@ -5577,7 +7687,7 @@
 </p:sld>
 </file>
 
-<file path=ppt/slides/slide6.xml><?xml version="1.0" encoding="utf-8"?>
+<file path=ppt/slides/slide7.xml><?xml version="1.0" encoding="utf-8"?>
 <p:sld xmlns:a="http://schemas.openxmlformats.org/drawingml/2006/main" xmlns:r="http://schemas.openxmlformats.org/officeDocument/2006/relationships" xmlns:p="http://schemas.openxmlformats.org/presentationml/2006/main">
   <p:cSld>
     <p:spTree>
@@ -5778,8 +7888,8 @@
           </a:prstGeom>
         </p:spPr>
       </p:pic>
-      <mc:AlternateContent xmlns:mc="http://schemas.openxmlformats.org/markup-compatibility/2006">
-        <mc:Choice xmlns:p14="http://schemas.microsoft.com/office/powerpoint/2010/main" Requires="p14">
+      <mc:AlternateContent xmlns:mc="http://schemas.openxmlformats.org/markup-compatibility/2006" xmlns:p14="http://schemas.microsoft.com/office/powerpoint/2010/main">
+        <mc:Choice Requires="p14">
           <p:contentPart p14:bwMode="auto" r:id="rId4">
             <p14:nvContentPartPr>
               <p14:cNvPr id="10" name="Tinta 9">
@@ -5798,7 +7908,7 @@
             </p14:xfrm>
           </p:contentPart>
         </mc:Choice>
-        <mc:Fallback>
+        <mc:Fallback xmlns="">
           <p:pic>
             <p:nvPicPr>
               <p:cNvPr id="10" name="Tinta 9">
@@ -5829,8 +7939,8 @@
           </p:pic>
         </mc:Fallback>
       </mc:AlternateContent>
-      <mc:AlternateContent xmlns:mc="http://schemas.openxmlformats.org/markup-compatibility/2006">
-        <mc:Choice xmlns:p14="http://schemas.microsoft.com/office/powerpoint/2010/main" Requires="p14">
+      <mc:AlternateContent xmlns:mc="http://schemas.openxmlformats.org/markup-compatibility/2006" xmlns:p14="http://schemas.microsoft.com/office/powerpoint/2010/main">
+        <mc:Choice Requires="p14">
           <p:contentPart p14:bwMode="auto" r:id="rId6">
             <p14:nvContentPartPr>
               <p14:cNvPr id="12" name="Tinta 11">
@@ -5849,7 +7959,7 @@
             </p14:xfrm>
           </p:contentPart>
         </mc:Choice>
-        <mc:Fallback>
+        <mc:Fallback xmlns="">
           <p:pic>
             <p:nvPicPr>
               <p:cNvPr id="12" name="Tinta 11">
@@ -5880,8 +7990,8 @@
           </p:pic>
         </mc:Fallback>
       </mc:AlternateContent>
-      <mc:AlternateContent xmlns:mc="http://schemas.openxmlformats.org/markup-compatibility/2006">
-        <mc:Choice xmlns:p14="http://schemas.microsoft.com/office/powerpoint/2010/main" Requires="p14">
+      <mc:AlternateContent xmlns:mc="http://schemas.openxmlformats.org/markup-compatibility/2006" xmlns:p14="http://schemas.microsoft.com/office/powerpoint/2010/main">
+        <mc:Choice Requires="p14">
           <p:contentPart p14:bwMode="auto" r:id="rId8">
             <p14:nvContentPartPr>
               <p14:cNvPr id="14" name="Tinta 13">
@@ -5900,7 +8010,7 @@
             </p14:xfrm>
           </p:contentPart>
         </mc:Choice>
-        <mc:Fallback>
+        <mc:Fallback xmlns="">
           <p:pic>
             <p:nvPicPr>
               <p:cNvPr id="14" name="Tinta 13">
@@ -6076,7 +8186,7 @@
 </p:sld>
 </file>
 
-<file path=ppt/slides/slide7.xml><?xml version="1.0" encoding="utf-8"?>
+<file path=ppt/slides/slide8.xml><?xml version="1.0" encoding="utf-8"?>
 <p:sld xmlns:a="http://schemas.openxmlformats.org/drawingml/2006/main" xmlns:r="http://schemas.openxmlformats.org/officeDocument/2006/relationships" xmlns:p="http://schemas.openxmlformats.org/presentationml/2006/main">
   <p:cSld>
     <p:spTree>
@@ -6472,7 +8582,7 @@
 </p:sld>
 </file>
 
-<file path=ppt/slides/slide8.xml><?xml version="1.0" encoding="utf-8"?>
+<file path=ppt/slides/slide9.xml><?xml version="1.0" encoding="utf-8"?>
 <p:sld xmlns:a="http://schemas.openxmlformats.org/drawingml/2006/main" xmlns:r="http://schemas.openxmlformats.org/officeDocument/2006/relationships" xmlns:p="http://schemas.openxmlformats.org/presentationml/2006/main">
   <p:cSld>
     <p:spTree>
@@ -6943,752 +9053,6 @@
     <p:extLst>
       <p:ext uri="{BB962C8B-B14F-4D97-AF65-F5344CB8AC3E}">
         <p14:creationId xmlns:p14="http://schemas.microsoft.com/office/powerpoint/2010/main" val="1962222289"/>
-      </p:ext>
-    </p:extLst>
-  </p:cSld>
-  <p:clrMapOvr>
-    <a:masterClrMapping/>
-  </p:clrMapOvr>
-</p:sld>
-</file>
-
-<file path=ppt/slides/slide9.xml><?xml version="1.0" encoding="utf-8"?>
-<p:sld xmlns:a="http://schemas.openxmlformats.org/drawingml/2006/main" xmlns:r="http://schemas.openxmlformats.org/officeDocument/2006/relationships" xmlns:p="http://schemas.openxmlformats.org/presentationml/2006/main">
-  <p:cSld>
-    <p:spTree>
-      <p:nvGrpSpPr>
-        <p:cNvPr id="1" name="">
-          <a:extLst>
-            <a:ext uri="{FF2B5EF4-FFF2-40B4-BE49-F238E27FC236}">
-              <a16:creationId xmlns:a16="http://schemas.microsoft.com/office/drawing/2014/main" id="{DFD74B3E-BF56-2FB0-BD21-370EC9442A46}"/>
-            </a:ext>
-          </a:extLst>
-        </p:cNvPr>
-        <p:cNvGrpSpPr/>
-        <p:nvPr/>
-      </p:nvGrpSpPr>
-      <p:grpSpPr>
-        <a:xfrm>
-          <a:off x="0" y="0"/>
-          <a:ext cx="0" cy="0"/>
-          <a:chOff x="0" y="0"/>
-          <a:chExt cx="0" cy="0"/>
-        </a:xfrm>
-      </p:grpSpPr>
-      <p:pic>
-        <p:nvPicPr>
-          <p:cNvPr id="5" name="Imagem 4">
-            <a:extLst>
-              <a:ext uri="{FF2B5EF4-FFF2-40B4-BE49-F238E27FC236}">
-                <a16:creationId xmlns:a16="http://schemas.microsoft.com/office/drawing/2014/main" id="{9F0E214E-D45B-BB9E-2317-56B6D93F6627}"/>
-              </a:ext>
-            </a:extLst>
-          </p:cNvPr>
-          <p:cNvPicPr>
-            <a:picLocks noChangeAspect="1"/>
-          </p:cNvPicPr>
-          <p:nvPr/>
-        </p:nvPicPr>
-        <p:blipFill>
-          <a:blip r:embed="rId2">
-            <a:extLst>
-              <a:ext uri="{28A0092B-C50C-407E-A947-70E740481C1C}">
-                <a14:useLocalDpi xmlns:a14="http://schemas.microsoft.com/office/drawing/2010/main" val="0"/>
-              </a:ext>
-            </a:extLst>
-          </a:blip>
-          <a:stretch>
-            <a:fillRect/>
-          </a:stretch>
-        </p:blipFill>
-        <p:spPr>
-          <a:xfrm>
-            <a:off x="0" y="0"/>
-            <a:ext cx="12192000" cy="6858000"/>
-          </a:xfrm>
-          <a:prstGeom prst="rect">
-            <a:avLst/>
-          </a:prstGeom>
-        </p:spPr>
-      </p:pic>
-      <p:sp>
-        <p:nvSpPr>
-          <p:cNvPr id="2" name="CaixaDeTexto 1">
-            <a:extLst>
-              <a:ext uri="{FF2B5EF4-FFF2-40B4-BE49-F238E27FC236}">
-                <a16:creationId xmlns:a16="http://schemas.microsoft.com/office/drawing/2014/main" id="{209A396E-A5FD-0E7C-4C13-36A282E1FEE1}"/>
-              </a:ext>
-            </a:extLst>
-          </p:cNvPr>
-          <p:cNvSpPr txBox="1"/>
-          <p:nvPr/>
-        </p:nvSpPr>
-        <p:spPr>
-          <a:xfrm>
-            <a:off x="5186740" y="197595"/>
-            <a:ext cx="1818520" cy="646331"/>
-          </a:xfrm>
-          <a:prstGeom prst="rect">
-            <a:avLst/>
-          </a:prstGeom>
-          <a:noFill/>
-        </p:spPr>
-        <p:txBody>
-          <a:bodyPr wrap="square" rtlCol="0">
-            <a:spAutoFit/>
-          </a:bodyPr>
-          <a:lstStyle/>
-          <a:p>
-            <a:r>
-              <a:rPr lang="en-US" sz="3600" dirty="0" err="1"/>
-              <a:t>Exercício</a:t>
-            </a:r>
-            <a:endParaRPr lang="pt-BR" sz="3600" dirty="0"/>
-          </a:p>
-        </p:txBody>
-      </p:sp>
-      <p:sp>
-        <p:nvSpPr>
-          <p:cNvPr id="3" name="CaixaDeTexto 2">
-            <a:extLst>
-              <a:ext uri="{FF2B5EF4-FFF2-40B4-BE49-F238E27FC236}">
-                <a16:creationId xmlns:a16="http://schemas.microsoft.com/office/drawing/2014/main" id="{BDC55075-4B50-0E84-DEF8-D1AFBA0E2829}"/>
-              </a:ext>
-            </a:extLst>
-          </p:cNvPr>
-          <p:cNvSpPr txBox="1"/>
-          <p:nvPr/>
-        </p:nvSpPr>
-        <p:spPr>
-          <a:xfrm>
-            <a:off x="1459523" y="1011115"/>
-            <a:ext cx="8976946" cy="5632311"/>
-          </a:xfrm>
-          <a:prstGeom prst="rect">
-            <a:avLst/>
-          </a:prstGeom>
-          <a:noFill/>
-        </p:spPr>
-        <p:txBody>
-          <a:bodyPr wrap="square" rtlCol="0">
-            <a:spAutoFit/>
-          </a:bodyPr>
-          <a:lstStyle/>
-          <a:p>
-            <a:r>
-              <a:rPr lang="en-US" sz="2000" dirty="0" err="1"/>
-              <a:t>Utilizando</a:t>
-            </a:r>
-            <a:r>
-              <a:rPr lang="en-US" sz="2000" dirty="0"/>
-              <a:t> </a:t>
-            </a:r>
-            <a:r>
-              <a:rPr lang="en-US" sz="2000" dirty="0" err="1"/>
-              <a:t>os</a:t>
-            </a:r>
-            <a:r>
-              <a:rPr lang="en-US" sz="2000" dirty="0"/>
-              <a:t> </a:t>
-            </a:r>
-            <a:r>
-              <a:rPr lang="en-US" sz="2000" dirty="0" err="1"/>
-              <a:t>conceitos</a:t>
-            </a:r>
-            <a:r>
-              <a:rPr lang="en-US" sz="2000" dirty="0"/>
-              <a:t> </a:t>
-            </a:r>
-            <a:r>
-              <a:rPr lang="en-US" sz="2000" dirty="0" err="1"/>
-              <a:t>abordados</a:t>
-            </a:r>
-            <a:r>
-              <a:rPr lang="en-US" sz="2000" dirty="0"/>
-              <a:t> </a:t>
-            </a:r>
-            <a:r>
-              <a:rPr lang="en-US" sz="2000" dirty="0" err="1"/>
-              <a:t>nesta</a:t>
-            </a:r>
-            <a:r>
-              <a:rPr lang="en-US" sz="2000" dirty="0"/>
-              <a:t> aula, </a:t>
-            </a:r>
-            <a:r>
-              <a:rPr lang="en-US" sz="2000" dirty="0" err="1"/>
-              <a:t>faça</a:t>
-            </a:r>
-            <a:r>
-              <a:rPr lang="en-US" sz="2000" dirty="0"/>
-              <a:t> o que se </a:t>
-            </a:r>
-            <a:r>
-              <a:rPr lang="en-US" sz="2000" dirty="0" err="1"/>
-              <a:t>pede</a:t>
-            </a:r>
-            <a:r>
-              <a:rPr lang="en-US" sz="2000" dirty="0"/>
-              <a:t>:</a:t>
-            </a:r>
-          </a:p>
-          <a:p>
-            <a:endParaRPr lang="en-US" sz="2000" dirty="0"/>
-          </a:p>
-          <a:p>
-            <a:pPr marL="342900" indent="-342900">
-              <a:buAutoNum type="arabicPeriod"/>
-            </a:pPr>
-            <a:r>
-              <a:rPr lang="en-US" sz="2000" dirty="0" err="1"/>
-              <a:t>Crie</a:t>
-            </a:r>
-            <a:r>
-              <a:rPr lang="en-US" sz="2000" dirty="0"/>
-              <a:t> um banco de dados </a:t>
-            </a:r>
-            <a:r>
-              <a:rPr lang="en-US" sz="2000" dirty="0" err="1"/>
-              <a:t>chamado</a:t>
-            </a:r>
-            <a:r>
-              <a:rPr lang="en-US" sz="2000" dirty="0"/>
-              <a:t> ‘database1’ </a:t>
-            </a:r>
-            <a:r>
-              <a:rPr lang="en-US" sz="2000" dirty="0" err="1"/>
-              <a:t>verificando</a:t>
-            </a:r>
-            <a:r>
-              <a:rPr lang="en-US" sz="2000" dirty="0"/>
-              <a:t> </a:t>
-            </a:r>
-            <a:r>
-              <a:rPr lang="en-US" sz="2000" dirty="0" err="1"/>
-              <a:t>sua</a:t>
-            </a:r>
-            <a:r>
-              <a:rPr lang="en-US" sz="2000" dirty="0"/>
-              <a:t> </a:t>
-            </a:r>
-            <a:r>
-              <a:rPr lang="en-US" sz="2000" dirty="0" err="1"/>
-              <a:t>existência</a:t>
-            </a:r>
-            <a:r>
-              <a:rPr lang="en-US" sz="2000" dirty="0"/>
-              <a:t>. Caso </a:t>
-            </a:r>
-            <a:r>
-              <a:rPr lang="en-US" sz="2000" dirty="0" err="1"/>
-              <a:t>exista</a:t>
-            </a:r>
-            <a:r>
-              <a:rPr lang="en-US" sz="2000" dirty="0"/>
-              <a:t>, </a:t>
-            </a:r>
-            <a:r>
-              <a:rPr lang="en-US" sz="2000" dirty="0" err="1"/>
-              <a:t>exclua</a:t>
-            </a:r>
-            <a:r>
-              <a:rPr lang="en-US" sz="2000" dirty="0"/>
-              <a:t> antes </a:t>
-            </a:r>
-            <a:r>
-              <a:rPr lang="en-US" sz="2000" dirty="0" err="1"/>
-              <a:t>mesmo</a:t>
-            </a:r>
-            <a:r>
-              <a:rPr lang="en-US" sz="2000" dirty="0"/>
-              <a:t> de </a:t>
-            </a:r>
-            <a:r>
-              <a:rPr lang="en-US" sz="2000" dirty="0" err="1"/>
-              <a:t>criá</a:t>
-            </a:r>
-            <a:r>
-              <a:rPr lang="en-US" sz="2000" dirty="0"/>
-              <a:t>-lo;</a:t>
-            </a:r>
-          </a:p>
-          <a:p>
-            <a:pPr marL="342900" indent="-342900">
-              <a:buAutoNum type="arabicPeriod"/>
-            </a:pPr>
-            <a:r>
-              <a:rPr lang="en-US" sz="2000" dirty="0"/>
-              <a:t>Execute o </a:t>
-            </a:r>
-            <a:r>
-              <a:rPr lang="en-US" sz="2000" dirty="0" err="1"/>
-              <a:t>comando</a:t>
-            </a:r>
-            <a:r>
-              <a:rPr lang="en-US" sz="2000" dirty="0"/>
-              <a:t> para </a:t>
-            </a:r>
-            <a:r>
-              <a:rPr lang="en-US" sz="2000" dirty="0" err="1"/>
-              <a:t>utilizar</a:t>
-            </a:r>
-            <a:r>
-              <a:rPr lang="en-US" sz="2000" dirty="0"/>
-              <a:t> </a:t>
-            </a:r>
-            <a:r>
-              <a:rPr lang="en-US" sz="2000" dirty="0" err="1"/>
-              <a:t>seu</a:t>
-            </a:r>
-            <a:r>
-              <a:rPr lang="en-US" sz="2000" dirty="0"/>
-              <a:t> banco de dados;</a:t>
-            </a:r>
-          </a:p>
-          <a:p>
-            <a:pPr marL="342900" indent="-342900">
-              <a:buAutoNum type="arabicPeriod"/>
-            </a:pPr>
-            <a:r>
-              <a:rPr lang="en-US" sz="2000" dirty="0" err="1"/>
-              <a:t>Crie</a:t>
-            </a:r>
-            <a:r>
-              <a:rPr lang="en-US" sz="2000" dirty="0"/>
-              <a:t> </a:t>
-            </a:r>
-            <a:r>
-              <a:rPr lang="en-US" sz="2000" dirty="0" err="1"/>
-              <a:t>uma</a:t>
-            </a:r>
-            <a:r>
-              <a:rPr lang="en-US" sz="2000" dirty="0"/>
-              <a:t> nova </a:t>
-            </a:r>
-            <a:r>
-              <a:rPr lang="en-US" sz="2000" dirty="0" err="1"/>
-              <a:t>tabela</a:t>
-            </a:r>
-            <a:r>
-              <a:rPr lang="en-US" sz="2000" dirty="0"/>
-              <a:t> ‘Pessoa’, </a:t>
-            </a:r>
-            <a:r>
-              <a:rPr lang="en-US" sz="2000" dirty="0" err="1"/>
-              <a:t>esta</a:t>
-            </a:r>
-            <a:r>
-              <a:rPr lang="en-US" sz="2000" dirty="0"/>
-              <a:t> </a:t>
-            </a:r>
-            <a:r>
-              <a:rPr lang="en-US" sz="2000" dirty="0" err="1"/>
-              <a:t>tabela</a:t>
-            </a:r>
-            <a:r>
-              <a:rPr lang="en-US" sz="2000" dirty="0"/>
-              <a:t> </a:t>
-            </a:r>
-            <a:r>
-              <a:rPr lang="en-US" sz="2000" dirty="0" err="1"/>
-              <a:t>deve</a:t>
-            </a:r>
-            <a:r>
-              <a:rPr lang="en-US" sz="2000" dirty="0"/>
-              <a:t> </a:t>
-            </a:r>
-            <a:r>
-              <a:rPr lang="en-US" sz="2000" dirty="0" err="1"/>
-              <a:t>conter</a:t>
-            </a:r>
-            <a:r>
-              <a:rPr lang="en-US" sz="2000" dirty="0"/>
-              <a:t> um </a:t>
-            </a:r>
-            <a:r>
-              <a:rPr lang="en-US" sz="2000" dirty="0" err="1"/>
-              <a:t>identificador</a:t>
-            </a:r>
-            <a:r>
-              <a:rPr lang="en-US" sz="2000" dirty="0"/>
-              <a:t> </a:t>
-            </a:r>
-            <a:r>
-              <a:rPr lang="en-US" sz="2000" dirty="0" err="1"/>
-              <a:t>único</a:t>
-            </a:r>
-            <a:r>
-              <a:rPr lang="en-US" sz="2000" dirty="0"/>
-              <a:t> </a:t>
-            </a:r>
-            <a:r>
-              <a:rPr lang="en-US" sz="2000" dirty="0" err="1"/>
-              <a:t>obrigatório</a:t>
-            </a:r>
-            <a:r>
-              <a:rPr lang="en-US" sz="2000" dirty="0"/>
-              <a:t> e auto-incremental, um </a:t>
-            </a:r>
-            <a:r>
-              <a:rPr lang="en-US" sz="2000" dirty="0" err="1"/>
-              <a:t>nome</a:t>
-            </a:r>
-            <a:r>
-              <a:rPr lang="en-US" sz="2000" dirty="0"/>
-              <a:t> (40 </a:t>
-            </a:r>
-            <a:r>
-              <a:rPr lang="en-US" sz="2000" dirty="0" err="1"/>
-              <a:t>caracteres</a:t>
-            </a:r>
-            <a:r>
-              <a:rPr lang="en-US" sz="2000" dirty="0"/>
-              <a:t>), um campo de </a:t>
-            </a:r>
-            <a:r>
-              <a:rPr lang="en-US" sz="2000" dirty="0" err="1"/>
-              <a:t>endereço</a:t>
-            </a:r>
-            <a:r>
-              <a:rPr lang="en-US" sz="2000" dirty="0"/>
-              <a:t> e </a:t>
-            </a:r>
-            <a:r>
-              <a:rPr lang="en-US" sz="2000" dirty="0" err="1"/>
-              <a:t>uma</a:t>
-            </a:r>
-            <a:r>
-              <a:rPr lang="en-US" sz="2000" dirty="0"/>
-              <a:t> </a:t>
-            </a:r>
-            <a:r>
-              <a:rPr lang="en-US" sz="2000" dirty="0" err="1"/>
-              <a:t>profissão</a:t>
-            </a:r>
-            <a:r>
-              <a:rPr lang="en-US" sz="2000" dirty="0"/>
-              <a:t> (</a:t>
-            </a:r>
-            <a:r>
-              <a:rPr lang="en-US" sz="2000" dirty="0" err="1"/>
-              <a:t>obrigatório</a:t>
-            </a:r>
-            <a:r>
-              <a:rPr lang="en-US" sz="2000" dirty="0"/>
-              <a:t>);</a:t>
-            </a:r>
-          </a:p>
-          <a:p>
-            <a:pPr marL="342900" indent="-342900">
-              <a:buAutoNum type="arabicPeriod"/>
-            </a:pPr>
-            <a:r>
-              <a:rPr lang="en-US" sz="2000" dirty="0" err="1"/>
-              <a:t>Faça</a:t>
-            </a:r>
-            <a:r>
-              <a:rPr lang="en-US" sz="2000" dirty="0"/>
-              <a:t> a </a:t>
-            </a:r>
-            <a:r>
-              <a:rPr lang="en-US" sz="2000" dirty="0" err="1"/>
-              <a:t>inserção</a:t>
-            </a:r>
-            <a:r>
-              <a:rPr lang="en-US" sz="2000" dirty="0"/>
-              <a:t> de 3 </a:t>
-            </a:r>
-            <a:r>
-              <a:rPr lang="en-US" sz="2000" dirty="0" err="1"/>
-              <a:t>pessoas</a:t>
-            </a:r>
-            <a:r>
-              <a:rPr lang="en-US" sz="2000" dirty="0"/>
-              <a:t>;</a:t>
-            </a:r>
-          </a:p>
-          <a:p>
-            <a:pPr marL="342900" indent="-342900">
-              <a:buAutoNum type="arabicPeriod"/>
-            </a:pPr>
-            <a:r>
-              <a:rPr lang="en-US" sz="2000" dirty="0" err="1"/>
-              <a:t>Inclua</a:t>
-            </a:r>
-            <a:r>
-              <a:rPr lang="en-US" sz="2000" dirty="0"/>
-              <a:t> </a:t>
-            </a:r>
-            <a:r>
-              <a:rPr lang="en-US" sz="2000" dirty="0" err="1"/>
-              <a:t>uma</a:t>
-            </a:r>
-            <a:r>
-              <a:rPr lang="en-US" sz="2000" dirty="0"/>
-              <a:t> nova </a:t>
-            </a:r>
-            <a:r>
-              <a:rPr lang="en-US" sz="2000" dirty="0" err="1"/>
-              <a:t>coluna</a:t>
-            </a:r>
-            <a:r>
-              <a:rPr lang="en-US" sz="2000" dirty="0"/>
-              <a:t> para o </a:t>
-            </a:r>
-            <a:r>
-              <a:rPr lang="en-US" sz="2000" dirty="0" err="1"/>
-              <a:t>telefone</a:t>
-            </a:r>
-            <a:r>
-              <a:rPr lang="en-US" sz="2000" dirty="0"/>
-              <a:t>;</a:t>
-            </a:r>
-          </a:p>
-          <a:p>
-            <a:pPr marL="342900" indent="-342900">
-              <a:buAutoNum type="arabicPeriod"/>
-            </a:pPr>
-            <a:r>
-              <a:rPr lang="en-US" sz="2000" dirty="0" err="1"/>
-              <a:t>Exclua</a:t>
-            </a:r>
-            <a:r>
-              <a:rPr lang="en-US" sz="2000" dirty="0"/>
-              <a:t> a </a:t>
-            </a:r>
-            <a:r>
-              <a:rPr lang="en-US" sz="2000" dirty="0" err="1"/>
-              <a:t>coluna</a:t>
-            </a:r>
-            <a:r>
-              <a:rPr lang="en-US" sz="2000" dirty="0"/>
-              <a:t> de </a:t>
-            </a:r>
-            <a:r>
-              <a:rPr lang="en-US" sz="2000" dirty="0" err="1"/>
-              <a:t>endereço</a:t>
-            </a:r>
-            <a:r>
-              <a:rPr lang="en-US" sz="2000" dirty="0"/>
-              <a:t>;</a:t>
-            </a:r>
-          </a:p>
-          <a:p>
-            <a:pPr marL="342900" indent="-342900">
-              <a:buAutoNum type="arabicPeriod"/>
-            </a:pPr>
-            <a:r>
-              <a:rPr lang="en-US" sz="2000" dirty="0" err="1"/>
-              <a:t>Atualize</a:t>
-            </a:r>
-            <a:r>
-              <a:rPr lang="en-US" sz="2000" dirty="0"/>
-              <a:t> as </a:t>
-            </a:r>
-            <a:r>
-              <a:rPr lang="en-US" sz="2000" dirty="0" err="1"/>
-              <a:t>pessoas</a:t>
-            </a:r>
-            <a:r>
-              <a:rPr lang="en-US" sz="2000" dirty="0"/>
-              <a:t> </a:t>
-            </a:r>
-            <a:r>
-              <a:rPr lang="en-US" sz="2000" dirty="0" err="1"/>
-              <a:t>adicionando</a:t>
-            </a:r>
-            <a:r>
-              <a:rPr lang="en-US" sz="2000" dirty="0"/>
-              <a:t> </a:t>
-            </a:r>
-            <a:r>
-              <a:rPr lang="en-US" sz="2000" dirty="0" err="1"/>
-              <a:t>telefone</a:t>
-            </a:r>
-            <a:r>
-              <a:rPr lang="en-US" sz="2000" dirty="0"/>
-              <a:t> para as duas </a:t>
-            </a:r>
-            <a:r>
-              <a:rPr lang="en-US" sz="2000" dirty="0" err="1"/>
-              <a:t>últimas</a:t>
-            </a:r>
-            <a:r>
-              <a:rPr lang="en-US" sz="2000" dirty="0"/>
-              <a:t>;</a:t>
-            </a:r>
-          </a:p>
-          <a:p>
-            <a:pPr marL="342900" indent="-342900">
-              <a:buAutoNum type="arabicPeriod"/>
-            </a:pPr>
-            <a:r>
-              <a:rPr lang="en-US" sz="2000" dirty="0" err="1"/>
-              <a:t>Modifique</a:t>
-            </a:r>
-            <a:r>
-              <a:rPr lang="en-US" sz="2000" dirty="0"/>
-              <a:t> a </a:t>
-            </a:r>
-            <a:r>
-              <a:rPr lang="en-US" sz="2000" dirty="0" err="1"/>
-              <a:t>capacidade</a:t>
-            </a:r>
-            <a:r>
-              <a:rPr lang="en-US" sz="2000" dirty="0"/>
-              <a:t> do </a:t>
-            </a:r>
-            <a:r>
-              <a:rPr lang="en-US" sz="2000" dirty="0" err="1"/>
-              <a:t>tipo</a:t>
-            </a:r>
-            <a:r>
-              <a:rPr lang="en-US" sz="2000" dirty="0"/>
-              <a:t> do campo ‘</a:t>
-            </a:r>
-            <a:r>
-              <a:rPr lang="en-US" sz="2000" dirty="0" err="1"/>
-              <a:t>nome</a:t>
-            </a:r>
-            <a:r>
-              <a:rPr lang="en-US" sz="2000" dirty="0"/>
-              <a:t>’ para 30;</a:t>
-            </a:r>
-          </a:p>
-          <a:p>
-            <a:pPr marL="342900" indent="-342900">
-              <a:buAutoNum type="arabicPeriod"/>
-            </a:pPr>
-            <a:r>
-              <a:rPr lang="en-US" sz="2000" dirty="0" err="1"/>
-              <a:t>Exclua</a:t>
-            </a:r>
-            <a:r>
-              <a:rPr lang="en-US" sz="2000" dirty="0"/>
-              <a:t> a </a:t>
-            </a:r>
-            <a:r>
-              <a:rPr lang="en-US" sz="2000" dirty="0" err="1"/>
-              <a:t>primeira</a:t>
-            </a:r>
-            <a:r>
-              <a:rPr lang="en-US" sz="2000" dirty="0"/>
-              <a:t> </a:t>
-            </a:r>
-            <a:r>
-              <a:rPr lang="en-US" sz="2000" dirty="0" err="1"/>
-              <a:t>pessoa</a:t>
-            </a:r>
-            <a:r>
-              <a:rPr lang="en-US" sz="2000" dirty="0"/>
-              <a:t>;</a:t>
-            </a:r>
-          </a:p>
-          <a:p>
-            <a:pPr marL="342900" indent="-342900">
-              <a:buAutoNum type="arabicPeriod"/>
-            </a:pPr>
-            <a:r>
-              <a:rPr lang="en-US" sz="2000" dirty="0"/>
-              <a:t> </a:t>
-            </a:r>
-            <a:r>
-              <a:rPr lang="en-US" sz="2000" dirty="0" err="1"/>
-              <a:t>Mostre</a:t>
-            </a:r>
-            <a:r>
-              <a:rPr lang="en-US" sz="2000" dirty="0"/>
-              <a:t> </a:t>
-            </a:r>
-            <a:r>
-              <a:rPr lang="en-US" sz="2000" dirty="0" err="1"/>
-              <a:t>todos</a:t>
-            </a:r>
-            <a:r>
-              <a:rPr lang="en-US" sz="2000" dirty="0"/>
-              <a:t> </a:t>
-            </a:r>
-            <a:r>
-              <a:rPr lang="en-US" sz="2000" dirty="0" err="1"/>
-              <a:t>os</a:t>
-            </a:r>
-            <a:r>
-              <a:rPr lang="en-US" sz="2000" dirty="0"/>
-              <a:t> dados;</a:t>
-            </a:r>
-          </a:p>
-          <a:p>
-            <a:pPr marL="342900" indent="-342900">
-              <a:buAutoNum type="arabicPeriod"/>
-            </a:pPr>
-            <a:r>
-              <a:rPr lang="en-US" sz="2000" dirty="0"/>
-              <a:t> Delete </a:t>
-            </a:r>
-            <a:r>
-              <a:rPr lang="en-US" sz="2000" dirty="0" err="1"/>
-              <a:t>todos</a:t>
-            </a:r>
-            <a:r>
-              <a:rPr lang="en-US" sz="2000" dirty="0"/>
-              <a:t> </a:t>
-            </a:r>
-            <a:r>
-              <a:rPr lang="en-US" sz="2000" dirty="0" err="1"/>
-              <a:t>os</a:t>
-            </a:r>
-            <a:r>
-              <a:rPr lang="en-US" sz="2000" dirty="0"/>
-              <a:t> dados das </a:t>
-            </a:r>
-            <a:r>
-              <a:rPr lang="en-US" sz="2000" dirty="0" err="1"/>
-              <a:t>tabelas</a:t>
-            </a:r>
-            <a:r>
-              <a:rPr lang="en-US" sz="2000" dirty="0"/>
-              <a:t> com um </a:t>
-            </a:r>
-            <a:r>
-              <a:rPr lang="en-US" sz="2000" dirty="0" err="1"/>
-              <a:t>comando</a:t>
-            </a:r>
-            <a:r>
-              <a:rPr lang="en-US" sz="2000" dirty="0"/>
-              <a:t>.</a:t>
-            </a:r>
-          </a:p>
-          <a:p>
-            <a:endParaRPr lang="en-US" sz="2000" dirty="0"/>
-          </a:p>
-          <a:p>
-            <a:r>
-              <a:rPr lang="en-US" sz="2000" dirty="0"/>
-              <a:t>OBS: </a:t>
-            </a:r>
-            <a:r>
-              <a:rPr lang="en-US" sz="2000" dirty="0" err="1"/>
-              <a:t>Não</a:t>
-            </a:r>
-            <a:r>
-              <a:rPr lang="en-US" sz="2000" dirty="0"/>
-              <a:t> se </a:t>
-            </a:r>
-            <a:r>
-              <a:rPr lang="en-US" sz="2000" dirty="0" err="1"/>
-              <a:t>esqueça</a:t>
-            </a:r>
-            <a:r>
-              <a:rPr lang="en-US" sz="2000" dirty="0"/>
-              <a:t> de usar SET SQL_SAFE_UPDATES = 0;</a:t>
-            </a:r>
-          </a:p>
-        </p:txBody>
-      </p:sp>
-    </p:spTree>
-    <p:extLst>
-      <p:ext uri="{BB962C8B-B14F-4D97-AF65-F5344CB8AC3E}">
-        <p14:creationId xmlns:p14="http://schemas.microsoft.com/office/powerpoint/2010/main" val="2334101492"/>
       </p:ext>
     </p:extLst>
   </p:cSld>
@@ -7991,4 +9355,299 @@
     </a:ext>
   </a:extLst>
 </a:theme>
+</file>
+
+<file path=ppt/theme/theme2.xml><?xml version="1.0" encoding="utf-8"?>
+<a:theme xmlns:a="http://schemas.openxmlformats.org/drawingml/2006/main" name="Tema do Office">
+  <a:themeElements>
+    <a:clrScheme name="Office">
+      <a:dk1>
+        <a:sysClr val="windowText" lastClr="000000"/>
+      </a:dk1>
+      <a:lt1>
+        <a:sysClr val="window" lastClr="FFFFFF"/>
+      </a:lt1>
+      <a:dk2>
+        <a:srgbClr val="44546A"/>
+      </a:dk2>
+      <a:lt2>
+        <a:srgbClr val="E7E6E6"/>
+      </a:lt2>
+      <a:accent1>
+        <a:srgbClr val="4472C4"/>
+      </a:accent1>
+      <a:accent2>
+        <a:srgbClr val="ED7D31"/>
+      </a:accent2>
+      <a:accent3>
+        <a:srgbClr val="A5A5A5"/>
+      </a:accent3>
+      <a:accent4>
+        <a:srgbClr val="FFC000"/>
+      </a:accent4>
+      <a:accent5>
+        <a:srgbClr val="5B9BD5"/>
+      </a:accent5>
+      <a:accent6>
+        <a:srgbClr val="70AD47"/>
+      </a:accent6>
+      <a:hlink>
+        <a:srgbClr val="0563C1"/>
+      </a:hlink>
+      <a:folHlink>
+        <a:srgbClr val="954F72"/>
+      </a:folHlink>
+    </a:clrScheme>
+    <a:fontScheme name="Office">
+      <a:majorFont>
+        <a:latin typeface="Calibri Light" panose="020F0302020204030204"/>
+        <a:ea typeface=""/>
+        <a:cs typeface=""/>
+        <a:font script="Jpan" typeface="游ゴシック Light"/>
+        <a:font script="Hang" typeface="맑은 고딕"/>
+        <a:font script="Hans" typeface="等线 Light"/>
+        <a:font script="Hant" typeface="新細明體"/>
+        <a:font script="Arab" typeface="Times New Roman"/>
+        <a:font script="Hebr" typeface="Times New Roman"/>
+        <a:font script="Thai" typeface="Angsana New"/>
+        <a:font script="Ethi" typeface="Nyala"/>
+        <a:font script="Beng" typeface="Vrinda"/>
+        <a:font script="Gujr" typeface="Shruti"/>
+        <a:font script="Khmr" typeface="MoolBoran"/>
+        <a:font script="Knda" typeface="Tunga"/>
+        <a:font script="Guru" typeface="Raavi"/>
+        <a:font script="Cans" typeface="Euphemia"/>
+        <a:font script="Cher" typeface="Plantagenet Cherokee"/>
+        <a:font script="Yiii" typeface="Microsoft Yi Baiti"/>
+        <a:font script="Tibt" typeface="Microsoft Himalaya"/>
+        <a:font script="Thaa" typeface="MV Boli"/>
+        <a:font script="Deva" typeface="Mangal"/>
+        <a:font script="Telu" typeface="Gautami"/>
+        <a:font script="Taml" typeface="Latha"/>
+        <a:font script="Syrc" typeface="Estrangelo Edessa"/>
+        <a:font script="Orya" typeface="Kalinga"/>
+        <a:font script="Mlym" typeface="Kartika"/>
+        <a:font script="Laoo" typeface="DokChampa"/>
+        <a:font script="Sinh" typeface="Iskoola Pota"/>
+        <a:font script="Mong" typeface="Mongolian Baiti"/>
+        <a:font script="Viet" typeface="Times New Roman"/>
+        <a:font script="Uigh" typeface="Microsoft Uighur"/>
+        <a:font script="Geor" typeface="Sylfaen"/>
+        <a:font script="Armn" typeface="Arial"/>
+        <a:font script="Bugi" typeface="Leelawadee UI"/>
+        <a:font script="Bopo" typeface="Microsoft JhengHei"/>
+        <a:font script="Java" typeface="Javanese Text"/>
+        <a:font script="Lisu" typeface="Segoe UI"/>
+        <a:font script="Mymr" typeface="Myanmar Text"/>
+        <a:font script="Nkoo" typeface="Ebrima"/>
+        <a:font script="Olck" typeface="Nirmala UI"/>
+        <a:font script="Osma" typeface="Ebrima"/>
+        <a:font script="Phag" typeface="Phagspa"/>
+        <a:font script="Syrn" typeface="Estrangelo Edessa"/>
+        <a:font script="Syrj" typeface="Estrangelo Edessa"/>
+        <a:font script="Syre" typeface="Estrangelo Edessa"/>
+        <a:font script="Sora" typeface="Nirmala UI"/>
+        <a:font script="Tale" typeface="Microsoft Tai Le"/>
+        <a:font script="Talu" typeface="Microsoft New Tai Lue"/>
+        <a:font script="Tfng" typeface="Ebrima"/>
+      </a:majorFont>
+      <a:minorFont>
+        <a:latin typeface="Calibri" panose="020F0502020204030204"/>
+        <a:ea typeface=""/>
+        <a:cs typeface=""/>
+        <a:font script="Jpan" typeface="游ゴシック"/>
+        <a:font script="Hang" typeface="맑은 고딕"/>
+        <a:font script="Hans" typeface="等线"/>
+        <a:font script="Hant" typeface="新細明體"/>
+        <a:font script="Arab" typeface="Arial"/>
+        <a:font script="Hebr" typeface="Arial"/>
+        <a:font script="Thai" typeface="Cordia New"/>
+        <a:font script="Ethi" typeface="Nyala"/>
+        <a:font script="Beng" typeface="Vrinda"/>
+        <a:font script="Gujr" typeface="Shruti"/>
+        <a:font script="Khmr" typeface="DaunPenh"/>
+        <a:font script="Knda" typeface="Tunga"/>
+        <a:font script="Guru" typeface="Raavi"/>
+        <a:font script="Cans" typeface="Euphemia"/>
+        <a:font script="Cher" typeface="Plantagenet Cherokee"/>
+        <a:font script="Yiii" typeface="Microsoft Yi Baiti"/>
+        <a:font script="Tibt" typeface="Microsoft Himalaya"/>
+        <a:font script="Thaa" typeface="MV Boli"/>
+        <a:font script="Deva" typeface="Mangal"/>
+        <a:font script="Telu" typeface="Gautami"/>
+        <a:font script="Taml" typeface="Latha"/>
+        <a:font script="Syrc" typeface="Estrangelo Edessa"/>
+        <a:font script="Orya" typeface="Kalinga"/>
+        <a:font script="Mlym" typeface="Kartika"/>
+        <a:font script="Laoo" typeface="DokChampa"/>
+        <a:font script="Sinh" typeface="Iskoola Pota"/>
+        <a:font script="Mong" typeface="Mongolian Baiti"/>
+        <a:font script="Viet" typeface="Arial"/>
+        <a:font script="Uigh" typeface="Microsoft Uighur"/>
+        <a:font script="Geor" typeface="Sylfaen"/>
+        <a:font script="Armn" typeface="Arial"/>
+        <a:font script="Bugi" typeface="Leelawadee UI"/>
+        <a:font script="Bopo" typeface="Microsoft JhengHei"/>
+        <a:font script="Java" typeface="Javanese Text"/>
+        <a:font script="Lisu" typeface="Segoe UI"/>
+        <a:font script="Mymr" typeface="Myanmar Text"/>
+        <a:font script="Nkoo" typeface="Ebrima"/>
+        <a:font script="Olck" typeface="Nirmala UI"/>
+        <a:font script="Osma" typeface="Ebrima"/>
+        <a:font script="Phag" typeface="Phagspa"/>
+        <a:font script="Syrn" typeface="Estrangelo Edessa"/>
+        <a:font script="Syrj" typeface="Estrangelo Edessa"/>
+        <a:font script="Syre" typeface="Estrangelo Edessa"/>
+        <a:font script="Sora" typeface="Nirmala UI"/>
+        <a:font script="Tale" typeface="Microsoft Tai Le"/>
+        <a:font script="Talu" typeface="Microsoft New Tai Lue"/>
+        <a:font script="Tfng" typeface="Ebrima"/>
+      </a:minorFont>
+    </a:fontScheme>
+    <a:fmtScheme name="Office">
+      <a:fillStyleLst>
+        <a:solidFill>
+          <a:schemeClr val="phClr"/>
+        </a:solidFill>
+        <a:gradFill rotWithShape="1">
+          <a:gsLst>
+            <a:gs pos="0">
+              <a:schemeClr val="phClr">
+                <a:lumMod val="110000"/>
+                <a:satMod val="105000"/>
+                <a:tint val="67000"/>
+              </a:schemeClr>
+            </a:gs>
+            <a:gs pos="50000">
+              <a:schemeClr val="phClr">
+                <a:lumMod val="105000"/>
+                <a:satMod val="103000"/>
+                <a:tint val="73000"/>
+              </a:schemeClr>
+            </a:gs>
+            <a:gs pos="100000">
+              <a:schemeClr val="phClr">
+                <a:lumMod val="105000"/>
+                <a:satMod val="109000"/>
+                <a:tint val="81000"/>
+              </a:schemeClr>
+            </a:gs>
+          </a:gsLst>
+          <a:lin ang="5400000" scaled="0"/>
+        </a:gradFill>
+        <a:gradFill rotWithShape="1">
+          <a:gsLst>
+            <a:gs pos="0">
+              <a:schemeClr val="phClr">
+                <a:satMod val="103000"/>
+                <a:lumMod val="102000"/>
+                <a:tint val="94000"/>
+              </a:schemeClr>
+            </a:gs>
+            <a:gs pos="50000">
+              <a:schemeClr val="phClr">
+                <a:satMod val="110000"/>
+                <a:lumMod val="100000"/>
+                <a:shade val="100000"/>
+              </a:schemeClr>
+            </a:gs>
+            <a:gs pos="100000">
+              <a:schemeClr val="phClr">
+                <a:lumMod val="99000"/>
+                <a:satMod val="120000"/>
+                <a:shade val="78000"/>
+              </a:schemeClr>
+            </a:gs>
+          </a:gsLst>
+          <a:lin ang="5400000" scaled="0"/>
+        </a:gradFill>
+      </a:fillStyleLst>
+      <a:lnStyleLst>
+        <a:ln w="6350" cap="flat" cmpd="sng" algn="ctr">
+          <a:solidFill>
+            <a:schemeClr val="phClr"/>
+          </a:solidFill>
+          <a:prstDash val="solid"/>
+          <a:miter lim="800000"/>
+        </a:ln>
+        <a:ln w="12700" cap="flat" cmpd="sng" algn="ctr">
+          <a:solidFill>
+            <a:schemeClr val="phClr"/>
+          </a:solidFill>
+          <a:prstDash val="solid"/>
+          <a:miter lim="800000"/>
+        </a:ln>
+        <a:ln w="19050" cap="flat" cmpd="sng" algn="ctr">
+          <a:solidFill>
+            <a:schemeClr val="phClr"/>
+          </a:solidFill>
+          <a:prstDash val="solid"/>
+          <a:miter lim="800000"/>
+        </a:ln>
+      </a:lnStyleLst>
+      <a:effectStyleLst>
+        <a:effectStyle>
+          <a:effectLst/>
+        </a:effectStyle>
+        <a:effectStyle>
+          <a:effectLst/>
+        </a:effectStyle>
+        <a:effectStyle>
+          <a:effectLst>
+            <a:outerShdw blurRad="57150" dist="19050" dir="5400000" algn="ctr" rotWithShape="0">
+              <a:srgbClr val="000000">
+                <a:alpha val="63000"/>
+              </a:srgbClr>
+            </a:outerShdw>
+          </a:effectLst>
+        </a:effectStyle>
+      </a:effectStyleLst>
+      <a:bgFillStyleLst>
+        <a:solidFill>
+          <a:schemeClr val="phClr"/>
+        </a:solidFill>
+        <a:solidFill>
+          <a:schemeClr val="phClr">
+            <a:tint val="95000"/>
+            <a:satMod val="170000"/>
+          </a:schemeClr>
+        </a:solidFill>
+        <a:gradFill rotWithShape="1">
+          <a:gsLst>
+            <a:gs pos="0">
+              <a:schemeClr val="phClr">
+                <a:tint val="93000"/>
+                <a:satMod val="150000"/>
+                <a:shade val="98000"/>
+                <a:lumMod val="102000"/>
+              </a:schemeClr>
+            </a:gs>
+            <a:gs pos="50000">
+              <a:schemeClr val="phClr">
+                <a:tint val="98000"/>
+                <a:satMod val="130000"/>
+                <a:shade val="90000"/>
+                <a:lumMod val="103000"/>
+              </a:schemeClr>
+            </a:gs>
+            <a:gs pos="100000">
+              <a:schemeClr val="phClr">
+                <a:shade val="63000"/>
+                <a:satMod val="120000"/>
+              </a:schemeClr>
+            </a:gs>
+          </a:gsLst>
+          <a:lin ang="5400000" scaled="0"/>
+        </a:gradFill>
+      </a:bgFillStyleLst>
+    </a:fmtScheme>
+  </a:themeElements>
+  <a:objectDefaults/>
+  <a:extraClrSchemeLst/>
+  <a:extLst>
+    <a:ext uri="{05A4C25C-085E-4340-85A3-A5531E510DB2}">
+      <thm15:themeFamily xmlns:thm15="http://schemas.microsoft.com/office/thememl/2012/main" name="Office Theme" id="{62F939B6-93AF-4DB8-9C6B-D6C7DFDC589F}" vid="{4A3C46E8-61CC-4603-A589-7422A47A8E4A}"/>
+    </a:ext>
+  </a:extLst>
+</a:theme>
 </file>
--- a/Aula 5/ComandosDDL.pptx
+++ b/Aula 5/ComandosDDL.pptx
@@ -5,7 +5,7 @@
     <p:sldMasterId id="2147483648" r:id="rId1"/>
   </p:sldMasterIdLst>
   <p:notesMasterIdLst>
-    <p:notesMasterId r:id="rId13"/>
+    <p:notesMasterId r:id="rId14"/>
   </p:notesMasterIdLst>
   <p:sldIdLst>
     <p:sldId id="256" r:id="rId2"/>
@@ -18,7 +18,8 @@
     <p:sldId id="261" r:id="rId9"/>
     <p:sldId id="262" r:id="rId10"/>
     <p:sldId id="265" r:id="rId11"/>
-    <p:sldId id="275" r:id="rId12"/>
+    <p:sldId id="277" r:id="rId12"/>
+    <p:sldId id="275" r:id="rId13"/>
   </p:sldIdLst>
   <p:sldSz cx="12192000" cy="6858000"/>
   <p:notesSz cx="6858000" cy="9144000"/>
@@ -403,7 +404,7 @@
           <a:p>
             <a:fld id="{E2588FEF-F436-4522-91D9-3FBB4B3CDA67}" type="datetimeFigureOut">
               <a:rPr lang="pt-BR" smtClean="0"/>
-              <a:t>20/01/2026</a:t>
+              <a:t>25/01/2026</a:t>
             </a:fld>
             <a:endParaRPr lang="pt-BR"/>
           </a:p>
@@ -901,7 +902,7 @@
           <a:p>
             <a:fld id="{8ADEC918-6A4C-437B-AF1C-9622FE800873}" type="datetimeFigureOut">
               <a:rPr lang="pt-BR" smtClean="0"/>
-              <a:t>20/01/2026</a:t>
+              <a:t>25/01/2026</a:t>
             </a:fld>
             <a:endParaRPr lang="pt-BR"/>
           </a:p>
@@ -1099,7 +1100,7 @@
           <a:p>
             <a:fld id="{8ADEC918-6A4C-437B-AF1C-9622FE800873}" type="datetimeFigureOut">
               <a:rPr lang="pt-BR" smtClean="0"/>
-              <a:t>20/01/2026</a:t>
+              <a:t>25/01/2026</a:t>
             </a:fld>
             <a:endParaRPr lang="pt-BR"/>
           </a:p>
@@ -1307,7 +1308,7 @@
           <a:p>
             <a:fld id="{8ADEC918-6A4C-437B-AF1C-9622FE800873}" type="datetimeFigureOut">
               <a:rPr lang="pt-BR" smtClean="0"/>
-              <a:t>20/01/2026</a:t>
+              <a:t>25/01/2026</a:t>
             </a:fld>
             <a:endParaRPr lang="pt-BR"/>
           </a:p>
@@ -1505,7 +1506,7 @@
           <a:p>
             <a:fld id="{8ADEC918-6A4C-437B-AF1C-9622FE800873}" type="datetimeFigureOut">
               <a:rPr lang="pt-BR" smtClean="0"/>
-              <a:t>20/01/2026</a:t>
+              <a:t>25/01/2026</a:t>
             </a:fld>
             <a:endParaRPr lang="pt-BR"/>
           </a:p>
@@ -1780,7 +1781,7 @@
           <a:p>
             <a:fld id="{8ADEC918-6A4C-437B-AF1C-9622FE800873}" type="datetimeFigureOut">
               <a:rPr lang="pt-BR" smtClean="0"/>
-              <a:t>20/01/2026</a:t>
+              <a:t>25/01/2026</a:t>
             </a:fld>
             <a:endParaRPr lang="pt-BR"/>
           </a:p>
@@ -2045,7 +2046,7 @@
           <a:p>
             <a:fld id="{8ADEC918-6A4C-437B-AF1C-9622FE800873}" type="datetimeFigureOut">
               <a:rPr lang="pt-BR" smtClean="0"/>
-              <a:t>20/01/2026</a:t>
+              <a:t>25/01/2026</a:t>
             </a:fld>
             <a:endParaRPr lang="pt-BR"/>
           </a:p>
@@ -2457,7 +2458,7 @@
           <a:p>
             <a:fld id="{8ADEC918-6A4C-437B-AF1C-9622FE800873}" type="datetimeFigureOut">
               <a:rPr lang="pt-BR" smtClean="0"/>
-              <a:t>20/01/2026</a:t>
+              <a:t>25/01/2026</a:t>
             </a:fld>
             <a:endParaRPr lang="pt-BR"/>
           </a:p>
@@ -2598,7 +2599,7 @@
           <a:p>
             <a:fld id="{8ADEC918-6A4C-437B-AF1C-9622FE800873}" type="datetimeFigureOut">
               <a:rPr lang="pt-BR" smtClean="0"/>
-              <a:t>20/01/2026</a:t>
+              <a:t>25/01/2026</a:t>
             </a:fld>
             <a:endParaRPr lang="pt-BR"/>
           </a:p>
@@ -2711,7 +2712,7 @@
           <a:p>
             <a:fld id="{8ADEC918-6A4C-437B-AF1C-9622FE800873}" type="datetimeFigureOut">
               <a:rPr lang="pt-BR" smtClean="0"/>
-              <a:t>20/01/2026</a:t>
+              <a:t>25/01/2026</a:t>
             </a:fld>
             <a:endParaRPr lang="pt-BR"/>
           </a:p>
@@ -3022,7 +3023,7 @@
           <a:p>
             <a:fld id="{8ADEC918-6A4C-437B-AF1C-9622FE800873}" type="datetimeFigureOut">
               <a:rPr lang="pt-BR" smtClean="0"/>
-              <a:t>20/01/2026</a:t>
+              <a:t>25/01/2026</a:t>
             </a:fld>
             <a:endParaRPr lang="pt-BR"/>
           </a:p>
@@ -3310,7 +3311,7 @@
           <a:p>
             <a:fld id="{8ADEC918-6A4C-437B-AF1C-9622FE800873}" type="datetimeFigureOut">
               <a:rPr lang="pt-BR" smtClean="0"/>
-              <a:t>20/01/2026</a:t>
+              <a:t>25/01/2026</a:t>
             </a:fld>
             <a:endParaRPr lang="pt-BR"/>
           </a:p>
@@ -3551,7 +3552,7 @@
           <a:p>
             <a:fld id="{8ADEC918-6A4C-437B-AF1C-9622FE800873}" type="datetimeFigureOut">
               <a:rPr lang="pt-BR" smtClean="0"/>
-              <a:t>20/01/2026</a:t>
+              <a:t>25/01/2026</a:t>
             </a:fld>
             <a:endParaRPr lang="pt-BR"/>
           </a:p>
@@ -4269,7 +4270,7 @@
         <p:spPr>
           <a:xfrm>
             <a:off x="1459523" y="1011115"/>
-            <a:ext cx="8976946" cy="5632311"/>
+            <a:ext cx="8976946" cy="4708981"/>
           </a:xfrm>
           <a:prstGeom prst="rect">
             <a:avLst/>
@@ -4347,6 +4348,16 @@
               <a:buAutoNum type="arabicPeriod"/>
             </a:pPr>
             <a:r>
+              <a:rPr lang="en-US" sz="2000" dirty="0"/>
+              <a:t>Banco de Dados:</a:t>
+            </a:r>
+          </a:p>
+          <a:p>
+            <a:pPr marL="342900" indent="-342900">
+              <a:buFont typeface="Arial" panose="020B0604020202020204" pitchFamily="34" charset="0"/>
+              <a:buChar char="•"/>
+            </a:pPr>
+            <a:r>
               <a:rPr lang="en-US" sz="2000" dirty="0" err="1"/>
               <a:t>Crie</a:t>
             </a:r>
@@ -4360,7 +4371,15 @@
             </a:r>
             <a:r>
               <a:rPr lang="en-US" sz="2000" dirty="0"/>
-              <a:t> ‘database1’ </a:t>
+              <a:t> ‘</a:t>
+            </a:r>
+            <a:r>
+              <a:rPr lang="en-US" sz="2000" dirty="0" err="1"/>
+              <a:t>streaming_db</a:t>
+            </a:r>
+            <a:r>
+              <a:rPr lang="en-US" sz="2000" dirty="0"/>
+              <a:t>’ </a:t>
             </a:r>
             <a:r>
               <a:rPr lang="en-US" sz="2000" dirty="0" err="1"/>
@@ -4421,7 +4440,8 @@
           </a:p>
           <a:p>
             <a:pPr marL="342900" indent="-342900">
-              <a:buAutoNum type="arabicPeriod"/>
+              <a:buFont typeface="Arial" panose="020B0604020202020204" pitchFamily="34" charset="0"/>
+              <a:buChar char="•"/>
             </a:pPr>
             <a:r>
               <a:rPr lang="en-US" sz="2000" dirty="0"/>
@@ -4454,8 +4474,29 @@
           </a:p>
           <a:p>
             <a:pPr marL="342900" indent="-342900">
-              <a:buAutoNum type="arabicPeriod"/>
+              <a:buFont typeface="Arial" panose="020B0604020202020204" pitchFamily="34" charset="0"/>
+              <a:buChar char="•"/>
             </a:pPr>
+            <a:endParaRPr lang="en-US" sz="2000" dirty="0"/>
+          </a:p>
+          <a:p>
+            <a:pPr marL="457200" indent="-457200">
+              <a:buAutoNum type="arabicPeriod" startAt="2"/>
+            </a:pPr>
+            <a:r>
+              <a:rPr lang="en-US" sz="2000" dirty="0" err="1"/>
+              <a:t>Tabela</a:t>
+            </a:r>
+            <a:r>
+              <a:rPr lang="en-US" sz="2000" dirty="0"/>
+              <a:t>:</a:t>
+            </a:r>
+          </a:p>
+          <a:p>
+            <a:pPr marL="342900" indent="-342900">
+              <a:buFont typeface="Arial" panose="020B0604020202020204" pitchFamily="34" charset="0"/>
+              <a:buChar char="•"/>
+            </a:pPr>
             <a:r>
               <a:rPr lang="en-US" sz="2000" dirty="0" err="1"/>
               <a:t>Crie</a:t>
@@ -4478,11 +4519,19 @@
             </a:r>
             <a:r>
               <a:rPr lang="en-US" sz="2000" dirty="0"/>
-              <a:t> ‘Pessoa’, </a:t>
-            </a:r>
-            <a:r>
-              <a:rPr lang="en-US" sz="2000" dirty="0" err="1"/>
-              <a:t>esta</a:t>
+              <a:t> ‘</a:t>
+            </a:r>
+            <a:r>
+              <a:rPr lang="en-US" sz="2000" dirty="0" err="1"/>
+              <a:t>Filme</a:t>
+            </a:r>
+            <a:r>
+              <a:rPr lang="en-US" sz="2000" dirty="0"/>
+              <a:t>’, </a:t>
+            </a:r>
+            <a:r>
+              <a:rPr lang="en-US" sz="2000" dirty="0" err="1"/>
+              <a:t>que</a:t>
             </a:r>
             <a:r>
               <a:rPr lang="en-US" sz="2000" dirty="0"/>
@@ -4490,7 +4539,7 @@
             </a:r>
             <a:r>
               <a:rPr lang="en-US" sz="2000" dirty="0" err="1"/>
-              <a:t>tabela</a:t>
+              <a:t>deve</a:t>
             </a:r>
             <a:r>
               <a:rPr lang="en-US" sz="2000" dirty="0"/>
@@ -4498,7 +4547,15 @@
             </a:r>
             <a:r>
               <a:rPr lang="en-US" sz="2000" dirty="0" err="1"/>
-              <a:t>deve</a:t>
+              <a:t>conter</a:t>
+            </a:r>
+            <a:r>
+              <a:rPr lang="en-US" sz="2000" dirty="0"/>
+              <a:t> um </a:t>
+            </a:r>
+            <a:r>
+              <a:rPr lang="en-US" sz="2000" dirty="0" err="1"/>
+              <a:t>identificador</a:t>
             </a:r>
             <a:r>
               <a:rPr lang="en-US" sz="2000" dirty="0"/>
@@ -4506,15 +4563,7 @@
             </a:r>
             <a:r>
               <a:rPr lang="en-US" sz="2000" dirty="0" err="1"/>
-              <a:t>conter</a:t>
-            </a:r>
-            <a:r>
-              <a:rPr lang="en-US" sz="2000" dirty="0"/>
-              <a:t> um </a:t>
-            </a:r>
-            <a:r>
-              <a:rPr lang="en-US" sz="2000" dirty="0" err="1"/>
-              <a:t>identificador</a:t>
+              <a:t>único</a:t>
             </a:r>
             <a:r>
               <a:rPr lang="en-US" sz="2000" dirty="0"/>
@@ -4522,7 +4571,97 @@
             </a:r>
             <a:r>
               <a:rPr lang="en-US" sz="2000" dirty="0" err="1"/>
-              <a:t>único</a:t>
+              <a:t>obrigatório</a:t>
+            </a:r>
+            <a:r>
+              <a:rPr lang="en-US" sz="2000" dirty="0"/>
+              <a:t> e auto-incremental, um </a:t>
+            </a:r>
+            <a:r>
+              <a:rPr lang="en-US" sz="2000" dirty="0" err="1"/>
+              <a:t>título</a:t>
+            </a:r>
+            <a:r>
+              <a:rPr lang="en-US" sz="2000" dirty="0"/>
+              <a:t> (20 </a:t>
+            </a:r>
+            <a:r>
+              <a:rPr lang="en-US" sz="2000" dirty="0" err="1"/>
+              <a:t>caracteres</a:t>
+            </a:r>
+            <a:r>
+              <a:rPr lang="en-US" sz="2000" dirty="0"/>
+              <a:t>), um </a:t>
+            </a:r>
+            <a:r>
+              <a:rPr lang="en-US" sz="2000" dirty="0" err="1"/>
+              <a:t>gênero</a:t>
+            </a:r>
+            <a:r>
+              <a:rPr lang="en-US" sz="2000" dirty="0"/>
+              <a:t> (30 </a:t>
+            </a:r>
+            <a:r>
+              <a:rPr lang="en-US" sz="2000" dirty="0" err="1"/>
+              <a:t>caracteres</a:t>
+            </a:r>
+            <a:r>
+              <a:rPr lang="en-US" sz="2000" dirty="0"/>
+              <a:t>) e o </a:t>
+            </a:r>
+            <a:r>
+              <a:rPr lang="en-US" sz="2000" dirty="0" err="1"/>
+              <a:t>ano</a:t>
+            </a:r>
+            <a:r>
+              <a:rPr lang="en-US" sz="2000" dirty="0"/>
+              <a:t> de </a:t>
+            </a:r>
+            <a:r>
+              <a:rPr lang="en-US" sz="2000" dirty="0" err="1"/>
+              <a:t>lançamento</a:t>
+            </a:r>
+            <a:r>
+              <a:rPr lang="en-US" sz="2000" dirty="0"/>
+              <a:t> (</a:t>
+            </a:r>
+            <a:r>
+              <a:rPr lang="en-US" sz="2000" dirty="0" err="1"/>
+              <a:t>obrigatório</a:t>
+            </a:r>
+            <a:r>
+              <a:rPr lang="en-US" sz="2000" dirty="0"/>
+              <a:t>);</a:t>
+            </a:r>
+          </a:p>
+          <a:p>
+            <a:pPr marL="342900" indent="-342900">
+              <a:buFont typeface="Arial" panose="020B0604020202020204" pitchFamily="34" charset="0"/>
+              <a:buChar char="•"/>
+            </a:pPr>
+            <a:endParaRPr lang="en-US" sz="2000" dirty="0"/>
+          </a:p>
+          <a:p>
+            <a:pPr marL="457200" indent="-457200">
+              <a:buAutoNum type="arabicPeriod" startAt="3"/>
+            </a:pPr>
+            <a:r>
+              <a:rPr lang="en-US" sz="2000" dirty="0" err="1"/>
+              <a:t>Manutenção</a:t>
+            </a:r>
+            <a:r>
+              <a:rPr lang="en-US" sz="2000" dirty="0"/>
+              <a:t>:</a:t>
+            </a:r>
+          </a:p>
+          <a:p>
+            <a:pPr marL="342900" indent="-342900">
+              <a:buFont typeface="Arial" panose="020B0604020202020204" pitchFamily="34" charset="0"/>
+              <a:buChar char="•"/>
+            </a:pPr>
+            <a:r>
+              <a:rPr lang="en-US" sz="2000" dirty="0" err="1"/>
+              <a:t>Inclua</a:t>
             </a:r>
             <a:r>
               <a:rPr lang="en-US" sz="2000" dirty="0"/>
@@ -4530,19 +4669,57 @@
             </a:r>
             <a:r>
               <a:rPr lang="en-US" sz="2000" dirty="0" err="1"/>
-              <a:t>obrigatório</a:t>
-            </a:r>
-            <a:r>
-              <a:rPr lang="en-US" sz="2000" dirty="0"/>
-              <a:t> e auto-incremental, um </a:t>
-            </a:r>
-            <a:r>
-              <a:rPr lang="en-US" sz="2000" dirty="0" err="1"/>
-              <a:t>nome</a:t>
-            </a:r>
-            <a:r>
-              <a:rPr lang="en-US" sz="2000" dirty="0"/>
-              <a:t> (40 </a:t>
+              <a:t>uma</a:t>
+            </a:r>
+            <a:r>
+              <a:rPr lang="en-US" sz="2000" dirty="0"/>
+              <a:t> nova </a:t>
+            </a:r>
+            <a:r>
+              <a:rPr lang="en-US" sz="2000" dirty="0" err="1"/>
+              <a:t>coluna</a:t>
+            </a:r>
+            <a:r>
+              <a:rPr lang="en-US" sz="2000" dirty="0"/>
+              <a:t> para a </a:t>
+            </a:r>
+            <a:r>
+              <a:rPr lang="en-US" sz="2000" dirty="0" err="1"/>
+              <a:t>classificação</a:t>
+            </a:r>
+            <a:r>
+              <a:rPr lang="en-US" sz="2000" dirty="0"/>
+              <a:t> </a:t>
+            </a:r>
+            <a:r>
+              <a:rPr lang="en-US" sz="2000" dirty="0" err="1"/>
+              <a:t>etária</a:t>
+            </a:r>
+            <a:r>
+              <a:rPr lang="en-US" sz="2000" dirty="0"/>
+              <a:t>;</a:t>
+            </a:r>
+          </a:p>
+          <a:p>
+            <a:pPr marL="342900" indent="-342900">
+              <a:buFont typeface="Arial" panose="020B0604020202020204" pitchFamily="34" charset="0"/>
+              <a:buChar char="•"/>
+            </a:pPr>
+            <a:r>
+              <a:rPr lang="en-US" sz="2000" dirty="0" err="1"/>
+              <a:t>Percebeu</a:t>
+            </a:r>
+            <a:r>
+              <a:rPr lang="en-US" sz="2000" dirty="0"/>
+              <a:t>-se </a:t>
+            </a:r>
+            <a:r>
+              <a:rPr lang="en-US" sz="2000" dirty="0" err="1"/>
+              <a:t>que</a:t>
+            </a:r>
+            <a:r>
+              <a:rPr lang="en-US" sz="2000" dirty="0"/>
+              <a:t> 20 </a:t>
             </a:r>
             <a:r>
               <a:rPr lang="en-US" sz="2000" dirty="0" err="1"/>
@@ -4550,19 +4727,11 @@
             </a:r>
             <a:r>
               <a:rPr lang="en-US" sz="2000" dirty="0"/>
-              <a:t>), um campo de </a:t>
-            </a:r>
-            <a:r>
-              <a:rPr lang="en-US" sz="2000" dirty="0" err="1"/>
-              <a:t>endereço</a:t>
-            </a:r>
-            <a:r>
-              <a:rPr lang="en-US" sz="2000" dirty="0"/>
-              <a:t> e </a:t>
-            </a:r>
-            <a:r>
-              <a:rPr lang="en-US" sz="2000" dirty="0" err="1"/>
-              <a:t>uma</a:t>
+              <a:t> para o </a:t>
+            </a:r>
+            <a:r>
+              <a:rPr lang="en-US" sz="2000" dirty="0" err="1"/>
+              <a:t>título</a:t>
             </a:r>
             <a:r>
               <a:rPr lang="en-US" sz="2000" dirty="0"/>
@@ -4570,57 +4739,7 @@
             </a:r>
             <a:r>
               <a:rPr lang="en-US" sz="2000" dirty="0" err="1"/>
-              <a:t>profissão</a:t>
-            </a:r>
-            <a:r>
-              <a:rPr lang="en-US" sz="2000" dirty="0"/>
-              <a:t> (</a:t>
-            </a:r>
-            <a:r>
-              <a:rPr lang="en-US" sz="2000" dirty="0" err="1"/>
-              <a:t>obrigatório</a:t>
-            </a:r>
-            <a:r>
-              <a:rPr lang="en-US" sz="2000" dirty="0"/>
-              <a:t>);</a:t>
-            </a:r>
-          </a:p>
-          <a:p>
-            <a:pPr marL="342900" indent="-342900">
-              <a:buAutoNum type="arabicPeriod"/>
-            </a:pPr>
-            <a:r>
-              <a:rPr lang="en-US" sz="2000" dirty="0" err="1"/>
-              <a:t>Faça</a:t>
-            </a:r>
-            <a:r>
-              <a:rPr lang="en-US" sz="2000" dirty="0"/>
-              <a:t> a </a:t>
-            </a:r>
-            <a:r>
-              <a:rPr lang="en-US" sz="2000" dirty="0" err="1"/>
-              <a:t>inserção</a:t>
-            </a:r>
-            <a:r>
-              <a:rPr lang="en-US" sz="2000" dirty="0"/>
-              <a:t> de 3 </a:t>
-            </a:r>
-            <a:r>
-              <a:rPr lang="en-US" sz="2000" dirty="0" err="1"/>
-              <a:t>pessoas</a:t>
-            </a:r>
-            <a:r>
-              <a:rPr lang="en-US" sz="2000" dirty="0"/>
-              <a:t>;</a:t>
-            </a:r>
-          </a:p>
-          <a:p>
-            <a:pPr marL="342900" indent="-342900">
-              <a:buAutoNum type="arabicPeriod"/>
-            </a:pPr>
-            <a:r>
-              <a:rPr lang="en-US" sz="2000" dirty="0" err="1"/>
-              <a:t>Inclua</a:t>
+              <a:t>são</a:t>
             </a:r>
             <a:r>
               <a:rPr lang="en-US" sz="2000" dirty="0"/>
@@ -4628,266 +4747,19 @@
             </a:r>
             <a:r>
               <a:rPr lang="en-US" sz="2000" dirty="0" err="1"/>
-              <a:t>uma</a:t>
-            </a:r>
-            <a:r>
-              <a:rPr lang="en-US" sz="2000" dirty="0"/>
-              <a:t> nova </a:t>
-            </a:r>
-            <a:r>
-              <a:rPr lang="en-US" sz="2000" dirty="0" err="1"/>
-              <a:t>coluna</a:t>
-            </a:r>
-            <a:r>
-              <a:rPr lang="en-US" sz="2000" dirty="0"/>
-              <a:t> para o </a:t>
-            </a:r>
-            <a:r>
-              <a:rPr lang="en-US" sz="2000" dirty="0" err="1"/>
-              <a:t>telefone</a:t>
-            </a:r>
-            <a:r>
-              <a:rPr lang="en-US" sz="2000" dirty="0"/>
-              <a:t>;</a:t>
-            </a:r>
-          </a:p>
-          <a:p>
-            <a:pPr marL="342900" indent="-342900">
-              <a:buAutoNum type="arabicPeriod"/>
-            </a:pPr>
-            <a:r>
-              <a:rPr lang="en-US" sz="2000" dirty="0" err="1"/>
-              <a:t>Exclua</a:t>
-            </a:r>
-            <a:r>
-              <a:rPr lang="en-US" sz="2000" dirty="0"/>
-              <a:t> a </a:t>
-            </a:r>
-            <a:r>
-              <a:rPr lang="en-US" sz="2000" dirty="0" err="1"/>
-              <a:t>coluna</a:t>
-            </a:r>
-            <a:r>
-              <a:rPr lang="en-US" sz="2000" dirty="0"/>
-              <a:t> de </a:t>
-            </a:r>
-            <a:r>
-              <a:rPr lang="en-US" sz="2000" dirty="0" err="1"/>
-              <a:t>endereço</a:t>
-            </a:r>
-            <a:r>
-              <a:rPr lang="en-US" sz="2000" dirty="0"/>
-              <a:t>;</a:t>
-            </a:r>
-          </a:p>
-          <a:p>
-            <a:pPr marL="342900" indent="-342900">
-              <a:buAutoNum type="arabicPeriod"/>
-            </a:pPr>
-            <a:r>
-              <a:rPr lang="en-US" sz="2000" dirty="0" err="1"/>
-              <a:t>Atualize</a:t>
-            </a:r>
-            <a:r>
-              <a:rPr lang="en-US" sz="2000" dirty="0"/>
-              <a:t> as </a:t>
-            </a:r>
-            <a:r>
-              <a:rPr lang="en-US" sz="2000" dirty="0" err="1"/>
-              <a:t>pessoas</a:t>
-            </a:r>
-            <a:r>
-              <a:rPr lang="en-US" sz="2000" dirty="0"/>
-              <a:t> </a:t>
-            </a:r>
-            <a:r>
-              <a:rPr lang="en-US" sz="2000" dirty="0" err="1"/>
-              <a:t>adicionando</a:t>
-            </a:r>
-            <a:r>
-              <a:rPr lang="en-US" sz="2000" dirty="0"/>
-              <a:t> </a:t>
-            </a:r>
-            <a:r>
-              <a:rPr lang="en-US" sz="2000" dirty="0" err="1"/>
-              <a:t>telefone</a:t>
-            </a:r>
-            <a:r>
-              <a:rPr lang="en-US" sz="2000" dirty="0"/>
-              <a:t> para as duas </a:t>
-            </a:r>
-            <a:r>
-              <a:rPr lang="en-US" sz="2000" dirty="0" err="1"/>
-              <a:t>últimas</a:t>
-            </a:r>
-            <a:r>
-              <a:rPr lang="en-US" sz="2000" dirty="0"/>
-              <a:t>;</a:t>
-            </a:r>
-          </a:p>
-          <a:p>
-            <a:pPr marL="342900" indent="-342900">
-              <a:buAutoNum type="arabicPeriod"/>
-            </a:pPr>
-            <a:r>
-              <a:rPr lang="en-US" sz="2000" dirty="0" err="1"/>
-              <a:t>Modifique</a:t>
-            </a:r>
-            <a:r>
-              <a:rPr lang="en-US" sz="2000" dirty="0"/>
-              <a:t> a </a:t>
-            </a:r>
-            <a:r>
-              <a:rPr lang="en-US" sz="2000" dirty="0" err="1"/>
-              <a:t>capacidade</a:t>
-            </a:r>
-            <a:r>
-              <a:rPr lang="en-US" sz="2000" dirty="0"/>
-              <a:t> do </a:t>
-            </a:r>
-            <a:r>
-              <a:rPr lang="en-US" sz="2000" dirty="0" err="1"/>
-              <a:t>tipo</a:t>
-            </a:r>
-            <a:r>
-              <a:rPr lang="en-US" sz="2000" dirty="0"/>
-              <a:t> do campo ‘</a:t>
-            </a:r>
-            <a:r>
-              <a:rPr lang="en-US" sz="2000" dirty="0" err="1"/>
-              <a:t>nome</a:t>
-            </a:r>
-            <a:r>
-              <a:rPr lang="en-US" sz="2000" dirty="0"/>
-              <a:t>’ para 30;</a:t>
-            </a:r>
-          </a:p>
-          <a:p>
-            <a:pPr marL="342900" indent="-342900">
-              <a:buAutoNum type="arabicPeriod"/>
-            </a:pPr>
-            <a:r>
-              <a:rPr lang="en-US" sz="2000" dirty="0" err="1"/>
-              <a:t>Exclua</a:t>
-            </a:r>
-            <a:r>
-              <a:rPr lang="en-US" sz="2000" dirty="0"/>
-              <a:t> a </a:t>
-            </a:r>
-            <a:r>
-              <a:rPr lang="en-US" sz="2000" dirty="0" err="1"/>
-              <a:t>primeira</a:t>
-            </a:r>
-            <a:r>
-              <a:rPr lang="en-US" sz="2000" dirty="0"/>
-              <a:t> </a:t>
-            </a:r>
-            <a:r>
-              <a:rPr lang="en-US" sz="2000" dirty="0" err="1"/>
-              <a:t>pessoa</a:t>
-            </a:r>
-            <a:r>
-              <a:rPr lang="en-US" sz="2000" dirty="0"/>
-              <a:t>;</a:t>
-            </a:r>
-          </a:p>
-          <a:p>
-            <a:pPr marL="342900" indent="-342900">
-              <a:buAutoNum type="arabicPeriod"/>
-            </a:pPr>
-            <a:r>
-              <a:rPr lang="en-US" sz="2000" dirty="0"/>
-              <a:t> </a:t>
-            </a:r>
-            <a:r>
-              <a:rPr lang="en-US" sz="2000" dirty="0" err="1"/>
-              <a:t>Mostre</a:t>
-            </a:r>
-            <a:r>
-              <a:rPr lang="en-US" sz="2000" dirty="0"/>
-              <a:t> </a:t>
-            </a:r>
-            <a:r>
-              <a:rPr lang="en-US" sz="2000" dirty="0" err="1"/>
-              <a:t>todos</a:t>
-            </a:r>
-            <a:r>
-              <a:rPr lang="en-US" sz="2000" dirty="0"/>
-              <a:t> </a:t>
-            </a:r>
-            <a:r>
-              <a:rPr lang="en-US" sz="2000" dirty="0" err="1"/>
-              <a:t>os</a:t>
-            </a:r>
-            <a:r>
-              <a:rPr lang="en-US" sz="2000" dirty="0"/>
-              <a:t> dados;</a:t>
-            </a:r>
-          </a:p>
-          <a:p>
-            <a:pPr marL="342900" indent="-342900">
-              <a:buAutoNum type="arabicPeriod"/>
-            </a:pPr>
-            <a:r>
-              <a:rPr lang="en-US" sz="2000" dirty="0"/>
-              <a:t> Delete </a:t>
-            </a:r>
-            <a:r>
-              <a:rPr lang="en-US" sz="2000" dirty="0" err="1"/>
-              <a:t>todos</a:t>
-            </a:r>
-            <a:r>
-              <a:rPr lang="en-US" sz="2000" dirty="0"/>
-              <a:t> </a:t>
-            </a:r>
-            <a:r>
-              <a:rPr lang="en-US" sz="2000" dirty="0" err="1"/>
-              <a:t>os</a:t>
-            </a:r>
-            <a:r>
-              <a:rPr lang="en-US" sz="2000" dirty="0"/>
-              <a:t> dados das </a:t>
-            </a:r>
-            <a:r>
-              <a:rPr lang="en-US" sz="2000" dirty="0" err="1"/>
-              <a:t>tabelas</a:t>
-            </a:r>
-            <a:r>
-              <a:rPr lang="en-US" sz="2000" dirty="0"/>
-              <a:t> com um </a:t>
-            </a:r>
-            <a:r>
-              <a:rPr lang="en-US" sz="2000" dirty="0" err="1"/>
-              <a:t>comando</a:t>
-            </a:r>
-            <a:r>
-              <a:rPr lang="en-US" sz="2000" dirty="0"/>
-              <a:t>.</a:t>
-            </a:r>
-          </a:p>
-          <a:p>
-            <a:endParaRPr lang="en-US" sz="2000" dirty="0"/>
-          </a:p>
-          <a:p>
-            <a:r>
-              <a:rPr lang="en-US" sz="2000" dirty="0"/>
-              <a:t>OBS: </a:t>
-            </a:r>
-            <a:r>
-              <a:rPr lang="en-US" sz="2000" dirty="0" err="1"/>
-              <a:t>Não</a:t>
-            </a:r>
-            <a:r>
-              <a:rPr lang="en-US" sz="2000" dirty="0"/>
-              <a:t> se </a:t>
-            </a:r>
-            <a:r>
-              <a:rPr lang="en-US" sz="2000" dirty="0" err="1"/>
-              <a:t>esqueça</a:t>
-            </a:r>
-            <a:r>
-              <a:rPr lang="en-US" sz="2000" dirty="0"/>
-              <a:t> de usar SET SQL_SAFE_UPDATES = 0;</a:t>
+              <a:t>insuficientes</a:t>
+            </a:r>
+            <a:r>
+              <a:rPr lang="en-US" sz="2000" dirty="0"/>
+              <a:t>, </a:t>
+            </a:r>
+            <a:r>
+              <a:rPr lang="en-US" sz="2000" dirty="0" err="1"/>
+              <a:t>aumente</a:t>
+            </a:r>
+            <a:r>
+              <a:rPr lang="en-US" sz="2000" dirty="0"/>
+              <a:t> para 60;</a:t>
             </a:r>
           </a:p>
         </p:txBody>
@@ -4906,6 +4778,527 @@
 </file>
 
 <file path=ppt/slides/slide11.xml><?xml version="1.0" encoding="utf-8"?>
+<p:sld xmlns:a="http://schemas.openxmlformats.org/drawingml/2006/main" xmlns:r="http://schemas.openxmlformats.org/officeDocument/2006/relationships" xmlns:p="http://schemas.openxmlformats.org/presentationml/2006/main">
+  <p:cSld>
+    <p:spTree>
+      <p:nvGrpSpPr>
+        <p:cNvPr id="1" name="">
+          <a:extLst>
+            <a:ext uri="{FF2B5EF4-FFF2-40B4-BE49-F238E27FC236}">
+              <a16:creationId xmlns:a16="http://schemas.microsoft.com/office/drawing/2014/main" id="{B7A19E49-E462-BDC9-428F-B0EF13D0E328}"/>
+            </a:ext>
+          </a:extLst>
+        </p:cNvPr>
+        <p:cNvGrpSpPr/>
+        <p:nvPr/>
+      </p:nvGrpSpPr>
+      <p:grpSpPr>
+        <a:xfrm>
+          <a:off x="0" y="0"/>
+          <a:ext cx="0" cy="0"/>
+          <a:chOff x="0" y="0"/>
+          <a:chExt cx="0" cy="0"/>
+        </a:xfrm>
+      </p:grpSpPr>
+      <p:pic>
+        <p:nvPicPr>
+          <p:cNvPr id="5" name="Imagem 4">
+            <a:extLst>
+              <a:ext uri="{FF2B5EF4-FFF2-40B4-BE49-F238E27FC236}">
+                <a16:creationId xmlns:a16="http://schemas.microsoft.com/office/drawing/2014/main" id="{70A02F65-5CC2-47A4-BD18-AA2E43AB67FC}"/>
+              </a:ext>
+            </a:extLst>
+          </p:cNvPr>
+          <p:cNvPicPr>
+            <a:picLocks noChangeAspect="1"/>
+          </p:cNvPicPr>
+          <p:nvPr/>
+        </p:nvPicPr>
+        <p:blipFill>
+          <a:blip r:embed="rId2">
+            <a:extLst>
+              <a:ext uri="{28A0092B-C50C-407E-A947-70E740481C1C}">
+                <a14:useLocalDpi xmlns:a14="http://schemas.microsoft.com/office/drawing/2010/main" val="0"/>
+              </a:ext>
+            </a:extLst>
+          </a:blip>
+          <a:stretch>
+            <a:fillRect/>
+          </a:stretch>
+        </p:blipFill>
+        <p:spPr>
+          <a:xfrm>
+            <a:off x="0" y="0"/>
+            <a:ext cx="12192000" cy="6858000"/>
+          </a:xfrm>
+          <a:prstGeom prst="rect">
+            <a:avLst/>
+          </a:prstGeom>
+        </p:spPr>
+      </p:pic>
+      <p:sp>
+        <p:nvSpPr>
+          <p:cNvPr id="2" name="CaixaDeTexto 1">
+            <a:extLst>
+              <a:ext uri="{FF2B5EF4-FFF2-40B4-BE49-F238E27FC236}">
+                <a16:creationId xmlns:a16="http://schemas.microsoft.com/office/drawing/2014/main" id="{2E097277-0FA1-01BE-0D90-CA77001EF4A7}"/>
+              </a:ext>
+            </a:extLst>
+          </p:cNvPr>
+          <p:cNvSpPr txBox="1"/>
+          <p:nvPr/>
+        </p:nvSpPr>
+        <p:spPr>
+          <a:xfrm>
+            <a:off x="5186740" y="197595"/>
+            <a:ext cx="1818520" cy="646331"/>
+          </a:xfrm>
+          <a:prstGeom prst="rect">
+            <a:avLst/>
+          </a:prstGeom>
+          <a:noFill/>
+        </p:spPr>
+        <p:txBody>
+          <a:bodyPr wrap="square" rtlCol="0">
+            <a:spAutoFit/>
+          </a:bodyPr>
+          <a:lstStyle/>
+          <a:p>
+            <a:r>
+              <a:rPr lang="en-US" sz="3600" dirty="0" err="1"/>
+              <a:t>Exercício</a:t>
+            </a:r>
+            <a:endParaRPr lang="pt-BR" sz="3600" dirty="0"/>
+          </a:p>
+        </p:txBody>
+      </p:sp>
+      <p:sp>
+        <p:nvSpPr>
+          <p:cNvPr id="3" name="CaixaDeTexto 2">
+            <a:extLst>
+              <a:ext uri="{FF2B5EF4-FFF2-40B4-BE49-F238E27FC236}">
+                <a16:creationId xmlns:a16="http://schemas.microsoft.com/office/drawing/2014/main" id="{9ADDB81D-FAE6-589A-65E1-1615071252EA}"/>
+              </a:ext>
+            </a:extLst>
+          </p:cNvPr>
+          <p:cNvSpPr txBox="1"/>
+          <p:nvPr/>
+        </p:nvSpPr>
+        <p:spPr>
+          <a:xfrm>
+            <a:off x="1459523" y="1011115"/>
+            <a:ext cx="8976946" cy="4093428"/>
+          </a:xfrm>
+          <a:prstGeom prst="rect">
+            <a:avLst/>
+          </a:prstGeom>
+          <a:noFill/>
+        </p:spPr>
+        <p:txBody>
+          <a:bodyPr wrap="square" rtlCol="0">
+            <a:spAutoFit/>
+          </a:bodyPr>
+          <a:lstStyle/>
+          <a:p>
+            <a:r>
+              <a:rPr lang="en-US" sz="2000" dirty="0" err="1"/>
+              <a:t>Utilizando</a:t>
+            </a:r>
+            <a:r>
+              <a:rPr lang="en-US" sz="2000" dirty="0"/>
+              <a:t> </a:t>
+            </a:r>
+            <a:r>
+              <a:rPr lang="en-US" sz="2000" dirty="0" err="1"/>
+              <a:t>os</a:t>
+            </a:r>
+            <a:r>
+              <a:rPr lang="en-US" sz="2000" dirty="0"/>
+              <a:t> </a:t>
+            </a:r>
+            <a:r>
+              <a:rPr lang="en-US" sz="2000" dirty="0" err="1"/>
+              <a:t>conceitos</a:t>
+            </a:r>
+            <a:r>
+              <a:rPr lang="en-US" sz="2000" dirty="0"/>
+              <a:t> </a:t>
+            </a:r>
+            <a:r>
+              <a:rPr lang="en-US" sz="2000" dirty="0" err="1"/>
+              <a:t>abordados</a:t>
+            </a:r>
+            <a:r>
+              <a:rPr lang="en-US" sz="2000" dirty="0"/>
+              <a:t> </a:t>
+            </a:r>
+            <a:r>
+              <a:rPr lang="en-US" sz="2000" dirty="0" err="1"/>
+              <a:t>nesta</a:t>
+            </a:r>
+            <a:r>
+              <a:rPr lang="en-US" sz="2000" dirty="0"/>
+              <a:t> aula, </a:t>
+            </a:r>
+            <a:r>
+              <a:rPr lang="en-US" sz="2000" dirty="0" err="1"/>
+              <a:t>faça</a:t>
+            </a:r>
+            <a:r>
+              <a:rPr lang="en-US" sz="2000" dirty="0"/>
+              <a:t> o que se </a:t>
+            </a:r>
+            <a:r>
+              <a:rPr lang="en-US" sz="2000" dirty="0" err="1"/>
+              <a:t>pede</a:t>
+            </a:r>
+            <a:r>
+              <a:rPr lang="en-US" sz="2000" dirty="0"/>
+              <a:t>:</a:t>
+            </a:r>
+          </a:p>
+          <a:p>
+            <a:endParaRPr lang="en-US" sz="2000" dirty="0"/>
+          </a:p>
+          <a:p>
+            <a:r>
+              <a:rPr lang="en-US" sz="2000" dirty="0"/>
+              <a:t>4.   </a:t>
+            </a:r>
+            <a:r>
+              <a:rPr lang="en-US" sz="2000" dirty="0" err="1"/>
+              <a:t>Operação</a:t>
+            </a:r>
+            <a:r>
+              <a:rPr lang="en-US" sz="2000" dirty="0"/>
+              <a:t> de Dados:</a:t>
+            </a:r>
+          </a:p>
+          <a:p>
+            <a:pPr marL="342900" indent="-342900">
+              <a:buFont typeface="Arial" panose="020B0604020202020204" pitchFamily="34" charset="0"/>
+              <a:buChar char="•"/>
+            </a:pPr>
+            <a:r>
+              <a:rPr lang="en-US" sz="2000" dirty="0" err="1"/>
+              <a:t>Faça</a:t>
+            </a:r>
+            <a:r>
+              <a:rPr lang="en-US" sz="2000" dirty="0"/>
+              <a:t> a </a:t>
+            </a:r>
+            <a:r>
+              <a:rPr lang="en-US" sz="2000" dirty="0" err="1"/>
+              <a:t>inserção</a:t>
+            </a:r>
+            <a:r>
+              <a:rPr lang="en-US" sz="2000" dirty="0"/>
+              <a:t> de 3 </a:t>
+            </a:r>
+            <a:r>
+              <a:rPr lang="en-US" sz="2000" dirty="0" err="1"/>
+              <a:t>filmes</a:t>
+            </a:r>
+            <a:r>
+              <a:rPr lang="en-US" sz="2000" dirty="0"/>
+              <a:t>;</a:t>
+            </a:r>
+          </a:p>
+          <a:p>
+            <a:pPr marL="342900" indent="-342900">
+              <a:buFont typeface="Arial" panose="020B0604020202020204" pitchFamily="34" charset="0"/>
+              <a:buChar char="•"/>
+            </a:pPr>
+            <a:r>
+              <a:rPr lang="en-US" sz="2000" dirty="0" err="1"/>
+              <a:t>Desative</a:t>
+            </a:r>
+            <a:r>
+              <a:rPr lang="en-US" sz="2000" dirty="0"/>
+              <a:t> a </a:t>
+            </a:r>
+            <a:r>
+              <a:rPr lang="en-US" sz="2000" dirty="0" err="1"/>
+              <a:t>trava</a:t>
+            </a:r>
+            <a:r>
+              <a:rPr lang="en-US" sz="2000" dirty="0"/>
+              <a:t> de </a:t>
+            </a:r>
+            <a:r>
+              <a:rPr lang="en-US" sz="2000" dirty="0" err="1"/>
+              <a:t>segurança</a:t>
+            </a:r>
+            <a:r>
+              <a:rPr lang="en-US" sz="2000" dirty="0"/>
+              <a:t> de updates;</a:t>
+            </a:r>
+          </a:p>
+          <a:p>
+            <a:pPr marL="342900" indent="-342900">
+              <a:buFont typeface="Arial" panose="020B0604020202020204" pitchFamily="34" charset="0"/>
+              <a:buChar char="•"/>
+            </a:pPr>
+            <a:r>
+              <a:rPr lang="en-US" sz="2000" dirty="0" err="1"/>
+              <a:t>Atualize</a:t>
+            </a:r>
+            <a:r>
+              <a:rPr lang="en-US" sz="2000" dirty="0"/>
+              <a:t> o </a:t>
+            </a:r>
+            <a:r>
+              <a:rPr lang="en-US" sz="2000" dirty="0" err="1"/>
+              <a:t>gênero</a:t>
+            </a:r>
+            <a:r>
+              <a:rPr lang="en-US" sz="2000" dirty="0"/>
+              <a:t> de um dos </a:t>
+            </a:r>
+            <a:r>
+              <a:rPr lang="en-US" sz="2000" dirty="0" err="1"/>
+              <a:t>filmes</a:t>
+            </a:r>
+            <a:r>
+              <a:rPr lang="en-US" sz="2000" dirty="0"/>
+              <a:t> </a:t>
+            </a:r>
+            <a:r>
+              <a:rPr lang="en-US" sz="2000" dirty="0" err="1"/>
+              <a:t>inseridos</a:t>
+            </a:r>
+            <a:r>
+              <a:rPr lang="en-US" sz="2000" dirty="0"/>
+              <a:t>;</a:t>
+            </a:r>
+          </a:p>
+          <a:p>
+            <a:pPr marL="342900" indent="-342900">
+              <a:buFont typeface="Arial" panose="020B0604020202020204" pitchFamily="34" charset="0"/>
+              <a:buChar char="•"/>
+            </a:pPr>
+            <a:r>
+              <a:rPr lang="en-US" sz="2000" dirty="0"/>
+              <a:t>Delete </a:t>
+            </a:r>
+            <a:r>
+              <a:rPr lang="en-US" sz="2000" dirty="0" err="1"/>
+              <a:t>apenas</a:t>
+            </a:r>
+            <a:r>
+              <a:rPr lang="en-US" sz="2000" dirty="0"/>
+              <a:t> o </a:t>
+            </a:r>
+            <a:r>
+              <a:rPr lang="en-US" sz="2000" dirty="0" err="1"/>
+              <a:t>filme</a:t>
+            </a:r>
+            <a:r>
+              <a:rPr lang="en-US" sz="2000" dirty="0"/>
+              <a:t> </a:t>
+            </a:r>
+            <a:r>
+              <a:rPr lang="en-US" sz="2000" dirty="0" err="1"/>
+              <a:t>que</a:t>
+            </a:r>
+            <a:r>
+              <a:rPr lang="en-US" sz="2000" dirty="0"/>
+              <a:t> </a:t>
+            </a:r>
+            <a:r>
+              <a:rPr lang="en-US" sz="2000" dirty="0" err="1"/>
+              <a:t>tiver</a:t>
+            </a:r>
+            <a:r>
+              <a:rPr lang="en-US" sz="2000" dirty="0"/>
+              <a:t> o </a:t>
+            </a:r>
+            <a:r>
+              <a:rPr lang="en-US" sz="2000" dirty="0" err="1"/>
+              <a:t>primeiro</a:t>
+            </a:r>
+            <a:r>
+              <a:rPr lang="en-US" sz="2000" dirty="0"/>
+              <a:t> ID;</a:t>
+            </a:r>
+          </a:p>
+          <a:p>
+            <a:pPr marL="342900" indent="-342900">
+              <a:buFont typeface="Arial" panose="020B0604020202020204" pitchFamily="34" charset="0"/>
+              <a:buChar char="•"/>
+            </a:pPr>
+            <a:r>
+              <a:rPr lang="en-US" sz="2000" dirty="0" err="1"/>
+              <a:t>Mostre</a:t>
+            </a:r>
+            <a:r>
+              <a:rPr lang="en-US" sz="2000" dirty="0"/>
+              <a:t> </a:t>
+            </a:r>
+            <a:r>
+              <a:rPr lang="en-US" sz="2000" dirty="0" err="1"/>
+              <a:t>todos</a:t>
+            </a:r>
+            <a:r>
+              <a:rPr lang="en-US" sz="2000" dirty="0"/>
+              <a:t> </a:t>
+            </a:r>
+            <a:r>
+              <a:rPr lang="en-US" sz="2000" dirty="0" err="1"/>
+              <a:t>os</a:t>
+            </a:r>
+            <a:r>
+              <a:rPr lang="en-US" sz="2000" dirty="0"/>
+              <a:t> dados da </a:t>
+            </a:r>
+            <a:r>
+              <a:rPr lang="en-US" sz="2000" dirty="0" err="1"/>
+              <a:t>tabela</a:t>
+            </a:r>
+            <a:r>
+              <a:rPr lang="en-US" sz="2000" dirty="0"/>
+              <a:t> para </a:t>
+            </a:r>
+            <a:r>
+              <a:rPr lang="en-US" sz="2000" dirty="0" err="1"/>
+              <a:t>validar</a:t>
+            </a:r>
+            <a:r>
+              <a:rPr lang="en-US" sz="2000" dirty="0"/>
+              <a:t> as </a:t>
+            </a:r>
+            <a:r>
+              <a:rPr lang="en-US" sz="2000" dirty="0" err="1"/>
+              <a:t>operações</a:t>
+            </a:r>
+            <a:r>
+              <a:rPr lang="en-US" sz="2000" dirty="0"/>
+              <a:t>.</a:t>
+            </a:r>
+          </a:p>
+          <a:p>
+            <a:r>
+              <a:rPr lang="en-US" sz="2000" dirty="0"/>
+              <a:t>OBS: </a:t>
+            </a:r>
+            <a:r>
+              <a:rPr lang="en-US" sz="2000" dirty="0" err="1"/>
+              <a:t>Não</a:t>
+            </a:r>
+            <a:r>
+              <a:rPr lang="en-US" sz="2000" dirty="0"/>
+              <a:t> se </a:t>
+            </a:r>
+            <a:r>
+              <a:rPr lang="en-US" sz="2000" dirty="0" err="1"/>
+              <a:t>esqueça</a:t>
+            </a:r>
+            <a:r>
+              <a:rPr lang="en-US" sz="2000" dirty="0"/>
+              <a:t> de usar SET SQL_SAFE_UPDATES = 0.</a:t>
+            </a:r>
+          </a:p>
+          <a:p>
+            <a:endParaRPr lang="en-US" sz="2000" dirty="0"/>
+          </a:p>
+          <a:p>
+            <a:r>
+              <a:rPr lang="en-US" sz="2000" dirty="0"/>
+              <a:t>5. </a:t>
+            </a:r>
+            <a:r>
+              <a:rPr lang="en-US" sz="2000" dirty="0" err="1"/>
+              <a:t>Finalização</a:t>
+            </a:r>
+            <a:r>
+              <a:rPr lang="en-US" sz="2000" dirty="0"/>
+              <a:t>:</a:t>
+            </a:r>
+          </a:p>
+          <a:p>
+            <a:pPr marL="342900" indent="-342900">
+              <a:buFont typeface="Arial" panose="020B0604020202020204" pitchFamily="34" charset="0"/>
+              <a:buChar char="•"/>
+            </a:pPr>
+            <a:r>
+              <a:rPr lang="en-US" sz="2000" dirty="0"/>
+              <a:t>Use o commando SHOW para </a:t>
+            </a:r>
+            <a:r>
+              <a:rPr lang="en-US" sz="2000" dirty="0" err="1"/>
+              <a:t>visualizar</a:t>
+            </a:r>
+            <a:r>
+              <a:rPr lang="en-US" sz="2000" dirty="0"/>
+              <a:t> as </a:t>
+            </a:r>
+            <a:r>
+              <a:rPr lang="en-US" sz="2000" dirty="0" err="1"/>
+              <a:t>tabelas</a:t>
+            </a:r>
+            <a:r>
+              <a:rPr lang="en-US" sz="2000" dirty="0"/>
+              <a:t>;</a:t>
+            </a:r>
+          </a:p>
+          <a:p>
+            <a:pPr marL="342900" indent="-342900">
+              <a:buFont typeface="Arial" panose="020B0604020202020204" pitchFamily="34" charset="0"/>
+              <a:buChar char="•"/>
+            </a:pPr>
+            <a:r>
+              <a:rPr lang="en-US" sz="2000" dirty="0"/>
+              <a:t>Use UM </a:t>
+            </a:r>
+            <a:r>
+              <a:rPr lang="en-US" sz="2000" dirty="0" err="1"/>
+              <a:t>comando</a:t>
+            </a:r>
+            <a:r>
+              <a:rPr lang="en-US" sz="2000" dirty="0"/>
+              <a:t> para remover </a:t>
+            </a:r>
+            <a:r>
+              <a:rPr lang="en-US" sz="2000" dirty="0" err="1"/>
+              <a:t>todos</a:t>
+            </a:r>
+            <a:r>
+              <a:rPr lang="en-US" sz="2000" dirty="0"/>
+              <a:t> </a:t>
+            </a:r>
+            <a:r>
+              <a:rPr lang="en-US" sz="2000" dirty="0" err="1"/>
+              <a:t>os</a:t>
+            </a:r>
+            <a:r>
+              <a:rPr lang="en-US" sz="2000" dirty="0"/>
+              <a:t> Registros da </a:t>
+            </a:r>
+            <a:r>
+              <a:rPr lang="en-US" sz="2000" dirty="0" err="1"/>
+              <a:t>tabela</a:t>
+            </a:r>
+            <a:r>
+              <a:rPr lang="en-US" sz="2000" dirty="0"/>
+              <a:t>.</a:t>
+            </a:r>
+          </a:p>
+        </p:txBody>
+      </p:sp>
+    </p:spTree>
+    <p:extLst>
+      <p:ext uri="{BB962C8B-B14F-4D97-AF65-F5344CB8AC3E}">
+        <p14:creationId xmlns:p14="http://schemas.microsoft.com/office/powerpoint/2010/main" val="1238809061"/>
+      </p:ext>
+    </p:extLst>
+  </p:cSld>
+  <p:clrMapOvr>
+    <a:masterClrMapping/>
+  </p:clrMapOvr>
+</p:sld>
+</file>
+
+<file path=ppt/slides/slide12.xml><?xml version="1.0" encoding="utf-8"?>
 <p:sld xmlns:a="http://schemas.openxmlformats.org/drawingml/2006/main" xmlns:r="http://schemas.openxmlformats.org/officeDocument/2006/relationships" xmlns:p="http://schemas.openxmlformats.org/presentationml/2006/main">
   <p:cSld>
     <p:spTree>
@@ -6940,8 +7333,8 @@
           </a:p>
         </p:txBody>
       </p:sp>
-      <mc:AlternateContent xmlns:mc="http://schemas.openxmlformats.org/markup-compatibility/2006">
-        <mc:Choice xmlns:p14="http://schemas.microsoft.com/office/powerpoint/2010/main" Requires="p14">
+      <mc:AlternateContent xmlns:mc="http://schemas.openxmlformats.org/markup-compatibility/2006" xmlns:p14="http://schemas.microsoft.com/office/powerpoint/2010/main">
+        <mc:Choice Requires="p14">
           <p:contentPart p14:bwMode="auto" r:id="rId10">
             <p14:nvContentPartPr>
               <p14:cNvPr id="2" name="Tinta 1">
@@ -6960,7 +7353,7 @@
             </p14:xfrm>
           </p:contentPart>
         </mc:Choice>
-        <mc:Fallback>
+        <mc:Fallback xmlns="">
           <p:pic>
             <p:nvPicPr>
               <p:cNvPr id="2" name="Tinta 1">
@@ -8789,7 +9182,7 @@
         <p:spPr>
           <a:xfrm>
             <a:off x="6268915" y="1178169"/>
-            <a:ext cx="5251939" cy="1908215"/>
+            <a:ext cx="5251939" cy="1538883"/>
           </a:xfrm>
           <a:prstGeom prst="rect">
             <a:avLst/>
@@ -8812,15 +9205,7 @@
             </a:r>
             <a:r>
               <a:rPr lang="en-US" sz="2400" dirty="0"/>
-              <a:t>– </a:t>
-            </a:r>
-            <a:r>
-              <a:rPr lang="en-US" sz="2400" dirty="0" err="1"/>
-              <a:t>opcional</a:t>
-            </a:r>
-            <a:r>
-              <a:rPr lang="en-US" sz="2400" dirty="0"/>
-              <a:t>, mas fundamental para </a:t>
+              <a:t>–  fundamental para </a:t>
             </a:r>
             <a:r>
               <a:rPr lang="en-US" sz="2400" dirty="0" err="1"/>
@@ -8860,31 +9245,7 @@
             </a:r>
             <a:r>
               <a:rPr lang="en-US" sz="2400" dirty="0"/>
-              <a:t> (</a:t>
-            </a:r>
-            <a:r>
-              <a:rPr lang="en-US" sz="2400" dirty="0" err="1"/>
-              <a:t>não</a:t>
-            </a:r>
-            <a:r>
-              <a:rPr lang="en-US" sz="2400" dirty="0"/>
-              <a:t> </a:t>
-            </a:r>
-            <a:r>
-              <a:rPr lang="en-US" sz="2400" dirty="0" err="1"/>
-              <a:t>pode</a:t>
-            </a:r>
-            <a:r>
-              <a:rPr lang="en-US" sz="2400" dirty="0"/>
-              <a:t> </a:t>
-            </a:r>
-            <a:r>
-              <a:rPr lang="en-US" sz="2400" dirty="0" err="1"/>
-              <a:t>ocorrer</a:t>
-            </a:r>
-            <a:r>
-              <a:rPr lang="en-US" sz="2400" dirty="0"/>
-              <a:t>).</a:t>
+              <a:t>.</a:t>
             </a:r>
           </a:p>
           <a:p>
@@ -8914,8 +9275,8 @@
         </p:blipFill>
         <p:spPr>
           <a:xfrm>
-            <a:off x="6320222" y="3253760"/>
-            <a:ext cx="5149324" cy="2795348"/>
+            <a:off x="6096000" y="2787161"/>
+            <a:ext cx="5749706" cy="3121270"/>
           </a:xfrm>
           <a:prstGeom prst="rect">
             <a:avLst/>

--- a/Aula 5/ComandosDDL.pptx
+++ b/Aula 5/ComandosDDL.pptx
@@ -5,7 +5,7 @@
     <p:sldMasterId id="2147483648" r:id="rId1"/>
   </p:sldMasterIdLst>
   <p:notesMasterIdLst>
-    <p:notesMasterId r:id="rId14"/>
+    <p:notesMasterId r:id="rId18"/>
   </p:notesMasterIdLst>
   <p:sldIdLst>
     <p:sldId id="256" r:id="rId2"/>
@@ -17,9 +17,13 @@
     <p:sldId id="259" r:id="rId8"/>
     <p:sldId id="261" r:id="rId9"/>
     <p:sldId id="262" r:id="rId10"/>
-    <p:sldId id="265" r:id="rId11"/>
-    <p:sldId id="277" r:id="rId12"/>
-    <p:sldId id="275" r:id="rId13"/>
+    <p:sldId id="278" r:id="rId11"/>
+    <p:sldId id="280" r:id="rId12"/>
+    <p:sldId id="279" r:id="rId13"/>
+    <p:sldId id="281" r:id="rId14"/>
+    <p:sldId id="265" r:id="rId15"/>
+    <p:sldId id="277" r:id="rId16"/>
+    <p:sldId id="275" r:id="rId17"/>
   </p:sldIdLst>
   <p:sldSz cx="12192000" cy="6858000"/>
   <p:notesSz cx="6858000" cy="9144000"/>
@@ -142,7 +146,7 @@
           <inkml:channelProperty channel="F" name="resolution" value="0" units="1/dev"/>
         </inkml:channelProperties>
       </inkml:inkSource>
-      <inkml:timestamp xml:id="ts0" timeString="2025-07-21T21:57:51.693"/>
+      <inkml:timestamp xml:id="ts0" timeString="2026-02-10T23:09:00.117"/>
     </inkml:context>
     <inkml:brush xml:id="br0">
       <inkml:brushProperty name="width" value="0.035" units="cm"/>
@@ -150,7 +154,7 @@
       <inkml:brushProperty name="color" value="#E71224"/>
     </inkml:brush>
   </inkml:definitions>
-  <inkml:trace contextRef="#ctx0" brushRef="#br0">1 7 23713,'2417'0'0</inkml:trace>
+  <inkml:trace contextRef="#ctx0" brushRef="#br0">1 7 23713,'5613'0'0</inkml:trace>
 </inkml:ink>
 </file>
 
@@ -170,7 +174,7 @@
           <inkml:channelProperty channel="F" name="resolution" value="0" units="1/dev"/>
         </inkml:channelProperties>
       </inkml:inkSource>
-      <inkml:timestamp xml:id="ts0" timeString="2025-07-21T21:57:57.793"/>
+      <inkml:timestamp xml:id="ts0" timeString="2026-02-10T23:09:21.581"/>
     </inkml:context>
     <inkml:brush xml:id="br0">
       <inkml:brushProperty name="width" value="0.035" units="cm"/>
@@ -178,7 +182,7 @@
       <inkml:brushProperty name="color" value="#E71224"/>
     </inkml:brush>
   </inkml:definitions>
-  <inkml:trace contextRef="#ctx0" brushRef="#br0">1 10 23977,'2907'0'0</inkml:trace>
+  <inkml:trace contextRef="#ctx0" brushRef="#br0">1 7 23713,'2741'0'0</inkml:trace>
 </inkml:ink>
 </file>
 
@@ -198,7 +202,7 @@
           <inkml:channelProperty channel="F" name="resolution" value="0" units="1/dev"/>
         </inkml:channelProperties>
       </inkml:inkSource>
-      <inkml:timestamp xml:id="ts0" timeString="2026-01-20T20:09:45.438"/>
+      <inkml:timestamp xml:id="ts0" timeString="2026-02-10T23:09:36.616"/>
     </inkml:context>
     <inkml:brush xml:id="br0">
       <inkml:brushProperty name="width" value="0.035" units="cm"/>
@@ -206,7 +210,7 @@
       <inkml:brushProperty name="color" value="#E71224"/>
     </inkml:brush>
   </inkml:definitions>
-  <inkml:trace contextRef="#ctx0" brushRef="#br0">1 7 23713,'4613'0'0</inkml:trace>
+  <inkml:trace contextRef="#ctx0" brushRef="#br0">1 7 23713,'3393'0'0</inkml:trace>
 </inkml:ink>
 </file>
 
@@ -226,7 +230,7 @@
           <inkml:channelProperty channel="F" name="resolution" value="0" units="1/dev"/>
         </inkml:channelProperties>
       </inkml:inkSource>
-      <inkml:timestamp xml:id="ts0" timeString="2025-07-21T22:09:12.251"/>
+      <inkml:timestamp xml:id="ts0" timeString="2026-02-10T23:04:17.328"/>
     </inkml:context>
     <inkml:brush xml:id="br0">
       <inkml:brushProperty name="width" value="0.035" units="cm"/>
@@ -254,7 +258,7 @@
           <inkml:channelProperty channel="F" name="resolution" value="0" units="1/dev"/>
         </inkml:channelProperties>
       </inkml:inkSource>
-      <inkml:timestamp xml:id="ts0" timeString="2025-07-21T22:21:33.680"/>
+      <inkml:timestamp xml:id="ts0" timeString="2026-02-10T22:53:27.179"/>
     </inkml:context>
     <inkml:brush xml:id="br0">
       <inkml:brushProperty name="width" value="0.035" units="cm"/>
@@ -262,7 +266,7 @@
       <inkml:brushProperty name="color" value="#E71224"/>
     </inkml:brush>
   </inkml:definitions>
-  <inkml:trace contextRef="#ctx0" brushRef="#br0">0 1 23949,'5227'0'0</inkml:trace>
+  <inkml:trace contextRef="#ctx0" brushRef="#br0">0 1 23949,'6977'0'0</inkml:trace>
 </inkml:ink>
 </file>
 
@@ -282,7 +286,7 @@
           <inkml:channelProperty channel="F" name="resolution" value="0" units="1/dev"/>
         </inkml:channelProperties>
       </inkml:inkSource>
-      <inkml:timestamp xml:id="ts0" timeString="2025-07-21T22:21:37.649"/>
+      <inkml:timestamp xml:id="ts0" timeString="2026-02-10T22:55:16.487"/>
     </inkml:context>
     <inkml:brush xml:id="br0">
       <inkml:brushProperty name="width" value="0.035" units="cm"/>
@@ -290,7 +294,7 @@
       <inkml:brushProperty name="color" value="#E71224"/>
     </inkml:brush>
   </inkml:definitions>
-  <inkml:trace contextRef="#ctx0" brushRef="#br0">1 1 24458,'3418'48'0</inkml:trace>
+  <inkml:trace contextRef="#ctx0" brushRef="#br0">0 1 23949,'4618'0'0</inkml:trace>
 </inkml:ink>
 </file>
 
@@ -310,7 +314,7 @@
           <inkml:channelProperty channel="F" name="resolution" value="0" units="1/dev"/>
         </inkml:channelProperties>
       </inkml:inkSource>
-      <inkml:timestamp xml:id="ts0" timeString="2025-07-21T22:22:02.670"/>
+      <inkml:timestamp xml:id="ts0" timeString="2026-02-10T22:55:51.641"/>
     </inkml:context>
     <inkml:brush xml:id="br0">
       <inkml:brushProperty name="width" value="0.035" units="cm"/>
@@ -318,7 +322,7 @@
       <inkml:brushProperty name="color" value="#E71224"/>
     </inkml:brush>
   </inkml:definitions>
-  <inkml:trace contextRef="#ctx0" brushRef="#br0">1 1 24415,'3419'0'0</inkml:trace>
+  <inkml:trace contextRef="#ctx0" brushRef="#br0">0 1 23949,'4618'0'0</inkml:trace>
 </inkml:ink>
 </file>
 
@@ -404,7 +408,7 @@
           <a:p>
             <a:fld id="{E2588FEF-F436-4522-91D9-3FBB4B3CDA67}" type="datetimeFigureOut">
               <a:rPr lang="pt-BR" smtClean="0"/>
-              <a:t>25/01/2026</a:t>
+              <a:t>10/02/2026</a:t>
             </a:fld>
             <a:endParaRPr lang="pt-BR"/>
           </a:p>
@@ -902,7 +906,7 @@
           <a:p>
             <a:fld id="{8ADEC918-6A4C-437B-AF1C-9622FE800873}" type="datetimeFigureOut">
               <a:rPr lang="pt-BR" smtClean="0"/>
-              <a:t>25/01/2026</a:t>
+              <a:t>10/02/2026</a:t>
             </a:fld>
             <a:endParaRPr lang="pt-BR"/>
           </a:p>
@@ -1100,7 +1104,7 @@
           <a:p>
             <a:fld id="{8ADEC918-6A4C-437B-AF1C-9622FE800873}" type="datetimeFigureOut">
               <a:rPr lang="pt-BR" smtClean="0"/>
-              <a:t>25/01/2026</a:t>
+              <a:t>10/02/2026</a:t>
             </a:fld>
             <a:endParaRPr lang="pt-BR"/>
           </a:p>
@@ -1308,7 +1312,7 @@
           <a:p>
             <a:fld id="{8ADEC918-6A4C-437B-AF1C-9622FE800873}" type="datetimeFigureOut">
               <a:rPr lang="pt-BR" smtClean="0"/>
-              <a:t>25/01/2026</a:t>
+              <a:t>10/02/2026</a:t>
             </a:fld>
             <a:endParaRPr lang="pt-BR"/>
           </a:p>
@@ -1506,7 +1510,7 @@
           <a:p>
             <a:fld id="{8ADEC918-6A4C-437B-AF1C-9622FE800873}" type="datetimeFigureOut">
               <a:rPr lang="pt-BR" smtClean="0"/>
-              <a:t>25/01/2026</a:t>
+              <a:t>10/02/2026</a:t>
             </a:fld>
             <a:endParaRPr lang="pt-BR"/>
           </a:p>
@@ -1781,7 +1785,7 @@
           <a:p>
             <a:fld id="{8ADEC918-6A4C-437B-AF1C-9622FE800873}" type="datetimeFigureOut">
               <a:rPr lang="pt-BR" smtClean="0"/>
-              <a:t>25/01/2026</a:t>
+              <a:t>10/02/2026</a:t>
             </a:fld>
             <a:endParaRPr lang="pt-BR"/>
           </a:p>
@@ -2046,7 +2050,7 @@
           <a:p>
             <a:fld id="{8ADEC918-6A4C-437B-AF1C-9622FE800873}" type="datetimeFigureOut">
               <a:rPr lang="pt-BR" smtClean="0"/>
-              <a:t>25/01/2026</a:t>
+              <a:t>10/02/2026</a:t>
             </a:fld>
             <a:endParaRPr lang="pt-BR"/>
           </a:p>
@@ -2458,7 +2462,7 @@
           <a:p>
             <a:fld id="{8ADEC918-6A4C-437B-AF1C-9622FE800873}" type="datetimeFigureOut">
               <a:rPr lang="pt-BR" smtClean="0"/>
-              <a:t>25/01/2026</a:t>
+              <a:t>10/02/2026</a:t>
             </a:fld>
             <a:endParaRPr lang="pt-BR"/>
           </a:p>
@@ -2599,7 +2603,7 @@
           <a:p>
             <a:fld id="{8ADEC918-6A4C-437B-AF1C-9622FE800873}" type="datetimeFigureOut">
               <a:rPr lang="pt-BR" smtClean="0"/>
-              <a:t>25/01/2026</a:t>
+              <a:t>10/02/2026</a:t>
             </a:fld>
             <a:endParaRPr lang="pt-BR"/>
           </a:p>
@@ -2712,7 +2716,7 @@
           <a:p>
             <a:fld id="{8ADEC918-6A4C-437B-AF1C-9622FE800873}" type="datetimeFigureOut">
               <a:rPr lang="pt-BR" smtClean="0"/>
-              <a:t>25/01/2026</a:t>
+              <a:t>10/02/2026</a:t>
             </a:fld>
             <a:endParaRPr lang="pt-BR"/>
           </a:p>
@@ -3023,7 +3027,7 @@
           <a:p>
             <a:fld id="{8ADEC918-6A4C-437B-AF1C-9622FE800873}" type="datetimeFigureOut">
               <a:rPr lang="pt-BR" smtClean="0"/>
-              <a:t>25/01/2026</a:t>
+              <a:t>10/02/2026</a:t>
             </a:fld>
             <a:endParaRPr lang="pt-BR"/>
           </a:p>
@@ -3311,7 +3315,7 @@
           <a:p>
             <a:fld id="{8ADEC918-6A4C-437B-AF1C-9622FE800873}" type="datetimeFigureOut">
               <a:rPr lang="pt-BR" smtClean="0"/>
-              <a:t>25/01/2026</a:t>
+              <a:t>10/02/2026</a:t>
             </a:fld>
             <a:endParaRPr lang="pt-BR"/>
           </a:p>
@@ -3552,7 +3556,7 @@
           <a:p>
             <a:fld id="{8ADEC918-6A4C-437B-AF1C-9622FE800873}" type="datetimeFigureOut">
               <a:rPr lang="pt-BR" smtClean="0"/>
-              <a:t>25/01/2026</a:t>
+              <a:t>10/02/2026</a:t>
             </a:fld>
             <a:endParaRPr lang="pt-BR"/>
           </a:p>
@@ -4168,6 +4172,1603 @@
         <p:cNvPr id="1" name="">
           <a:extLst>
             <a:ext uri="{FF2B5EF4-FFF2-40B4-BE49-F238E27FC236}">
+              <a16:creationId xmlns:a16="http://schemas.microsoft.com/office/drawing/2014/main" id="{62BADBB1-8520-4430-75EB-28F25F4E5797}"/>
+            </a:ext>
+          </a:extLst>
+        </p:cNvPr>
+        <p:cNvGrpSpPr/>
+        <p:nvPr/>
+      </p:nvGrpSpPr>
+      <p:grpSpPr>
+        <a:xfrm>
+          <a:off x="0" y="0"/>
+          <a:ext cx="0" cy="0"/>
+          <a:chOff x="0" y="0"/>
+          <a:chExt cx="0" cy="0"/>
+        </a:xfrm>
+      </p:grpSpPr>
+      <p:pic>
+        <p:nvPicPr>
+          <p:cNvPr id="5" name="Imagem 4">
+            <a:extLst>
+              <a:ext uri="{FF2B5EF4-FFF2-40B4-BE49-F238E27FC236}">
+                <a16:creationId xmlns:a16="http://schemas.microsoft.com/office/drawing/2014/main" id="{439F775B-1ABC-E412-E0B3-EA6C2FC021F5}"/>
+              </a:ext>
+            </a:extLst>
+          </p:cNvPr>
+          <p:cNvPicPr>
+            <a:picLocks noChangeAspect="1"/>
+          </p:cNvPicPr>
+          <p:nvPr/>
+        </p:nvPicPr>
+        <p:blipFill>
+          <a:blip r:embed="rId2">
+            <a:extLst>
+              <a:ext uri="{28A0092B-C50C-407E-A947-70E740481C1C}">
+                <a14:useLocalDpi xmlns:a14="http://schemas.microsoft.com/office/drawing/2010/main" val="0"/>
+              </a:ext>
+            </a:extLst>
+          </a:blip>
+          <a:stretch>
+            <a:fillRect/>
+          </a:stretch>
+        </p:blipFill>
+        <p:spPr>
+          <a:xfrm>
+            <a:off x="0" y="0"/>
+            <a:ext cx="12192000" cy="6858000"/>
+          </a:xfrm>
+          <a:prstGeom prst="rect">
+            <a:avLst/>
+          </a:prstGeom>
+        </p:spPr>
+      </p:pic>
+      <p:sp>
+        <p:nvSpPr>
+          <p:cNvPr id="2" name="CaixaDeTexto 1">
+            <a:extLst>
+              <a:ext uri="{FF2B5EF4-FFF2-40B4-BE49-F238E27FC236}">
+                <a16:creationId xmlns:a16="http://schemas.microsoft.com/office/drawing/2014/main" id="{930C573A-087C-020B-3721-62475C25149F}"/>
+              </a:ext>
+            </a:extLst>
+          </p:cNvPr>
+          <p:cNvSpPr txBox="1"/>
+          <p:nvPr/>
+        </p:nvSpPr>
+        <p:spPr>
+          <a:xfrm>
+            <a:off x="4846049" y="228600"/>
+            <a:ext cx="2499901" cy="646331"/>
+          </a:xfrm>
+          <a:prstGeom prst="rect">
+            <a:avLst/>
+          </a:prstGeom>
+          <a:noFill/>
+        </p:spPr>
+        <p:txBody>
+          <a:bodyPr wrap="square" rtlCol="0">
+            <a:spAutoFit/>
+          </a:bodyPr>
+          <a:lstStyle/>
+          <a:p>
+            <a:r>
+              <a:rPr lang="en-US" sz="3600" dirty="0" err="1"/>
+              <a:t>Regras</a:t>
+            </a:r>
+            <a:r>
+              <a:rPr lang="en-US" sz="3600" dirty="0"/>
+              <a:t> </a:t>
+            </a:r>
+            <a:r>
+              <a:rPr lang="en-US" sz="3600" dirty="0" err="1"/>
+              <a:t>Úteis</a:t>
+            </a:r>
+            <a:endParaRPr lang="pt-BR" sz="3600" dirty="0"/>
+          </a:p>
+        </p:txBody>
+      </p:sp>
+      <p:sp>
+        <p:nvSpPr>
+          <p:cNvPr id="3" name="CaixaDeTexto 2">
+            <a:extLst>
+              <a:ext uri="{FF2B5EF4-FFF2-40B4-BE49-F238E27FC236}">
+                <a16:creationId xmlns:a16="http://schemas.microsoft.com/office/drawing/2014/main" id="{24D162E7-790F-2E63-03A6-3F4DC6B7956C}"/>
+              </a:ext>
+            </a:extLst>
+          </p:cNvPr>
+          <p:cNvSpPr txBox="1"/>
+          <p:nvPr/>
+        </p:nvSpPr>
+        <p:spPr>
+          <a:xfrm>
+            <a:off x="844061" y="1178169"/>
+            <a:ext cx="5251939" cy="1631216"/>
+          </a:xfrm>
+          <a:prstGeom prst="rect">
+            <a:avLst/>
+          </a:prstGeom>
+          <a:noFill/>
+        </p:spPr>
+        <p:txBody>
+          <a:bodyPr wrap="square" rtlCol="0">
+            <a:spAutoFit/>
+          </a:bodyPr>
+          <a:lstStyle/>
+          <a:p>
+            <a:pPr marL="285750" indent="-285750">
+              <a:buFont typeface="Wingdings" panose="05000000000000000000" pitchFamily="2" charset="2"/>
+              <a:buChar char="Ø"/>
+            </a:pPr>
+            <a:r>
+              <a:rPr lang="en-US" sz="2800" dirty="0"/>
+              <a:t> Check </a:t>
+            </a:r>
+            <a:r>
+              <a:rPr lang="en-US" dirty="0"/>
+              <a:t>– </a:t>
+            </a:r>
+            <a:r>
+              <a:rPr lang="en-US" sz="2400" dirty="0"/>
+              <a:t>Regra </a:t>
+            </a:r>
+            <a:r>
+              <a:rPr lang="en-US" sz="2400" dirty="0" err="1"/>
+              <a:t>aplicada</a:t>
+            </a:r>
+            <a:r>
+              <a:rPr lang="en-US" sz="2400" dirty="0"/>
+              <a:t> a </a:t>
+            </a:r>
+            <a:r>
+              <a:rPr lang="en-US" sz="2400" dirty="0" err="1"/>
+              <a:t>colunas</a:t>
+            </a:r>
+            <a:r>
+              <a:rPr lang="en-US" sz="2400" dirty="0"/>
+              <a:t> para </a:t>
+            </a:r>
+            <a:r>
+              <a:rPr lang="en-US" sz="2400" dirty="0" err="1"/>
+              <a:t>garantir</a:t>
+            </a:r>
+            <a:r>
+              <a:rPr lang="en-US" sz="2400" dirty="0"/>
+              <a:t> a </a:t>
+            </a:r>
+            <a:r>
+              <a:rPr lang="en-US" sz="2400" dirty="0" err="1"/>
+              <a:t>integridade</a:t>
+            </a:r>
+            <a:r>
+              <a:rPr lang="en-US" sz="2400" dirty="0"/>
+              <a:t> dos dados, </a:t>
+            </a:r>
+            <a:r>
+              <a:rPr lang="en-US" sz="2400" dirty="0" err="1"/>
+              <a:t>rejeitando</a:t>
+            </a:r>
+            <a:r>
+              <a:rPr lang="en-US" sz="2400" dirty="0"/>
+              <a:t> </a:t>
+            </a:r>
+            <a:r>
+              <a:rPr lang="en-US" sz="2400" dirty="0" err="1"/>
+              <a:t>valores</a:t>
+            </a:r>
+            <a:r>
+              <a:rPr lang="en-US" sz="2400" dirty="0"/>
+              <a:t> </a:t>
+            </a:r>
+            <a:r>
+              <a:rPr lang="en-US" sz="2400" dirty="0" err="1"/>
+              <a:t>que</a:t>
+            </a:r>
+            <a:r>
+              <a:rPr lang="en-US" sz="2400" dirty="0"/>
+              <a:t> </a:t>
+            </a:r>
+            <a:r>
+              <a:rPr lang="pt-BR" sz="2400" dirty="0"/>
+              <a:t>não cumprem condições específicas.</a:t>
+            </a:r>
+            <a:endParaRPr lang="en-US" sz="2400" dirty="0"/>
+          </a:p>
+        </p:txBody>
+      </p:sp>
+      <p:sp>
+        <p:nvSpPr>
+          <p:cNvPr id="7" name="CaixaDeTexto 6">
+            <a:extLst>
+              <a:ext uri="{FF2B5EF4-FFF2-40B4-BE49-F238E27FC236}">
+                <a16:creationId xmlns:a16="http://schemas.microsoft.com/office/drawing/2014/main" id="{D8BD532B-D4AC-3C5F-7E06-1CD3A806958C}"/>
+              </a:ext>
+            </a:extLst>
+          </p:cNvPr>
+          <p:cNvSpPr txBox="1"/>
+          <p:nvPr/>
+        </p:nvSpPr>
+        <p:spPr>
+          <a:xfrm>
+            <a:off x="6268915" y="1178169"/>
+            <a:ext cx="5251939" cy="1261884"/>
+          </a:xfrm>
+          <a:prstGeom prst="rect">
+            <a:avLst/>
+          </a:prstGeom>
+          <a:noFill/>
+        </p:spPr>
+        <p:txBody>
+          <a:bodyPr wrap="square" rtlCol="0">
+            <a:spAutoFit/>
+          </a:bodyPr>
+          <a:lstStyle/>
+          <a:p>
+            <a:pPr marL="457200" indent="-457200">
+              <a:buFont typeface="Wingdings" panose="05000000000000000000" pitchFamily="2" charset="2"/>
+              <a:buChar char="Ø"/>
+            </a:pPr>
+            <a:r>
+              <a:rPr lang="en-US" sz="2800" dirty="0"/>
+              <a:t>UNIQUE </a:t>
+            </a:r>
+            <a:r>
+              <a:rPr lang="en-US" sz="2400" dirty="0"/>
+              <a:t>–  Regra </a:t>
+            </a:r>
+            <a:r>
+              <a:rPr lang="en-US" sz="2400" dirty="0" err="1"/>
+              <a:t>que</a:t>
+            </a:r>
+            <a:r>
+              <a:rPr lang="en-US" sz="2400" dirty="0"/>
+              <a:t> impede </a:t>
+            </a:r>
+            <a:r>
+              <a:rPr lang="en-US" sz="2400" dirty="0" err="1"/>
+              <a:t>valores</a:t>
+            </a:r>
+            <a:r>
+              <a:rPr lang="en-US" sz="2400" dirty="0"/>
+              <a:t> </a:t>
+            </a:r>
+            <a:r>
+              <a:rPr lang="en-US" sz="2400" dirty="0" err="1"/>
+              <a:t>duplicados</a:t>
+            </a:r>
+            <a:r>
+              <a:rPr lang="en-US" sz="2400" dirty="0"/>
+              <a:t> </a:t>
+            </a:r>
+            <a:r>
+              <a:rPr lang="en-US" sz="2400" dirty="0" err="1"/>
+              <a:t>em</a:t>
+            </a:r>
+            <a:r>
+              <a:rPr lang="en-US" sz="2400" dirty="0"/>
+              <a:t> </a:t>
+            </a:r>
+            <a:r>
+              <a:rPr lang="en-US" sz="2400" dirty="0" err="1"/>
+              <a:t>uma</a:t>
+            </a:r>
+            <a:r>
+              <a:rPr lang="en-US" sz="2400" dirty="0"/>
+              <a:t> </a:t>
+            </a:r>
+            <a:r>
+              <a:rPr lang="en-US" sz="2400" dirty="0" err="1"/>
+              <a:t>ou</a:t>
+            </a:r>
+            <a:r>
+              <a:rPr lang="en-US" sz="2400" dirty="0"/>
+              <a:t> </a:t>
+            </a:r>
+            <a:r>
+              <a:rPr lang="en-US" sz="2400" dirty="0" err="1"/>
+              <a:t>mais</a:t>
+            </a:r>
+            <a:r>
+              <a:rPr lang="en-US" sz="2400" dirty="0"/>
+              <a:t> </a:t>
+            </a:r>
+            <a:r>
+              <a:rPr lang="en-US" sz="2400" dirty="0" err="1"/>
+              <a:t>colunas</a:t>
+            </a:r>
+            <a:r>
+              <a:rPr lang="en-US" sz="2400" dirty="0"/>
+              <a:t>.</a:t>
+            </a:r>
+            <a:endParaRPr lang="pt-BR" dirty="0"/>
+          </a:p>
+        </p:txBody>
+      </p:sp>
+      <p:pic>
+        <p:nvPicPr>
+          <p:cNvPr id="15" name="Imagem 14" descr="Texto&#10;&#10;O conteúdo gerado por IA pode estar incorreto.">
+            <a:extLst>
+              <a:ext uri="{FF2B5EF4-FFF2-40B4-BE49-F238E27FC236}">
+                <a16:creationId xmlns:a16="http://schemas.microsoft.com/office/drawing/2014/main" id="{3AACE038-0465-4AE8-5BA4-026373730C58}"/>
+              </a:ext>
+            </a:extLst>
+          </p:cNvPr>
+          <p:cNvPicPr>
+            <a:picLocks noChangeAspect="1"/>
+          </p:cNvPicPr>
+          <p:nvPr/>
+        </p:nvPicPr>
+        <p:blipFill>
+          <a:blip r:embed="rId3"/>
+          <a:stretch>
+            <a:fillRect/>
+          </a:stretch>
+        </p:blipFill>
+        <p:spPr>
+          <a:xfrm>
+            <a:off x="2644757" y="3199642"/>
+            <a:ext cx="7248315" cy="3429758"/>
+          </a:xfrm>
+          <a:prstGeom prst="rect">
+            <a:avLst/>
+          </a:prstGeom>
+        </p:spPr>
+      </p:pic>
+      <p:sp>
+        <p:nvSpPr>
+          <p:cNvPr id="16" name="Elipse 15">
+            <a:extLst>
+              <a:ext uri="{FF2B5EF4-FFF2-40B4-BE49-F238E27FC236}">
+                <a16:creationId xmlns:a16="http://schemas.microsoft.com/office/drawing/2014/main" id="{BF16121D-7AF2-42E2-A321-DBCB6907281B}"/>
+              </a:ext>
+            </a:extLst>
+          </p:cNvPr>
+          <p:cNvSpPr/>
+          <p:nvPr/>
+        </p:nvSpPr>
+        <p:spPr>
+          <a:xfrm>
+            <a:off x="1266092" y="1178169"/>
+            <a:ext cx="958362" cy="509954"/>
+          </a:xfrm>
+          <a:prstGeom prst="ellipse">
+            <a:avLst/>
+          </a:prstGeom>
+          <a:solidFill>
+            <a:schemeClr val="accent5">
+              <a:alpha val="50000"/>
+            </a:schemeClr>
+          </a:solidFill>
+          <a:ln>
+            <a:noFill/>
+          </a:ln>
+        </p:spPr>
+        <p:style>
+          <a:lnRef idx="0">
+            <a:scrgbClr r="0" g="0" b="0"/>
+          </a:lnRef>
+          <a:fillRef idx="0">
+            <a:scrgbClr r="0" g="0" b="0"/>
+          </a:fillRef>
+          <a:effectRef idx="0">
+            <a:scrgbClr r="0" g="0" b="0"/>
+          </a:effectRef>
+          <a:fontRef idx="minor">
+            <a:schemeClr val="lt1"/>
+          </a:fontRef>
+        </p:style>
+        <p:txBody>
+          <a:bodyPr rtlCol="0" anchor="ctr"/>
+          <a:lstStyle/>
+          <a:p>
+            <a:pPr algn="ctr"/>
+            <a:endParaRPr lang="pt-BR"/>
+          </a:p>
+        </p:txBody>
+      </p:sp>
+      <p:sp>
+        <p:nvSpPr>
+          <p:cNvPr id="17" name="Elipse 16">
+            <a:extLst>
+              <a:ext uri="{FF2B5EF4-FFF2-40B4-BE49-F238E27FC236}">
+                <a16:creationId xmlns:a16="http://schemas.microsoft.com/office/drawing/2014/main" id="{A5331BEC-030C-6203-1BB4-C0D9B14462D3}"/>
+              </a:ext>
+            </a:extLst>
+          </p:cNvPr>
+          <p:cNvSpPr/>
+          <p:nvPr/>
+        </p:nvSpPr>
+        <p:spPr>
+          <a:xfrm>
+            <a:off x="5717930" y="5134096"/>
+            <a:ext cx="1140070" cy="509954"/>
+          </a:xfrm>
+          <a:prstGeom prst="ellipse">
+            <a:avLst/>
+          </a:prstGeom>
+          <a:solidFill>
+            <a:schemeClr val="accent5">
+              <a:alpha val="50000"/>
+            </a:schemeClr>
+          </a:solidFill>
+          <a:ln>
+            <a:noFill/>
+          </a:ln>
+        </p:spPr>
+        <p:style>
+          <a:lnRef idx="0">
+            <a:scrgbClr r="0" g="0" b="0"/>
+          </a:lnRef>
+          <a:fillRef idx="0">
+            <a:scrgbClr r="0" g="0" b="0"/>
+          </a:fillRef>
+          <a:effectRef idx="0">
+            <a:scrgbClr r="0" g="0" b="0"/>
+          </a:effectRef>
+          <a:fontRef idx="minor">
+            <a:schemeClr val="lt1"/>
+          </a:fontRef>
+        </p:style>
+        <p:txBody>
+          <a:bodyPr rtlCol="0" anchor="ctr"/>
+          <a:lstStyle/>
+          <a:p>
+            <a:pPr algn="ctr"/>
+            <a:endParaRPr lang="pt-BR"/>
+          </a:p>
+        </p:txBody>
+      </p:sp>
+      <p:sp>
+        <p:nvSpPr>
+          <p:cNvPr id="19" name="Retângulo: Cantos Arredondados 18">
+            <a:extLst>
+              <a:ext uri="{FF2B5EF4-FFF2-40B4-BE49-F238E27FC236}">
+                <a16:creationId xmlns:a16="http://schemas.microsoft.com/office/drawing/2014/main" id="{369C4CF6-D111-BF88-06C8-7B1068D12DD3}"/>
+              </a:ext>
+            </a:extLst>
+          </p:cNvPr>
+          <p:cNvSpPr/>
+          <p:nvPr/>
+        </p:nvSpPr>
+        <p:spPr>
+          <a:xfrm>
+            <a:off x="6778869" y="1239715"/>
+            <a:ext cx="1266093" cy="394805"/>
+          </a:xfrm>
+          <a:prstGeom prst="roundRect">
+            <a:avLst/>
+          </a:prstGeom>
+          <a:solidFill>
+            <a:schemeClr val="accent6">
+              <a:alpha val="50000"/>
+            </a:schemeClr>
+          </a:solidFill>
+          <a:ln>
+            <a:noFill/>
+          </a:ln>
+        </p:spPr>
+        <p:style>
+          <a:lnRef idx="0">
+            <a:scrgbClr r="0" g="0" b="0"/>
+          </a:lnRef>
+          <a:fillRef idx="0">
+            <a:scrgbClr r="0" g="0" b="0"/>
+          </a:fillRef>
+          <a:effectRef idx="0">
+            <a:scrgbClr r="0" g="0" b="0"/>
+          </a:effectRef>
+          <a:fontRef idx="minor">
+            <a:schemeClr val="lt1"/>
+          </a:fontRef>
+        </p:style>
+        <p:txBody>
+          <a:bodyPr rtlCol="0" anchor="ctr"/>
+          <a:lstStyle/>
+          <a:p>
+            <a:pPr algn="ctr"/>
+            <a:endParaRPr lang="pt-BR"/>
+          </a:p>
+        </p:txBody>
+      </p:sp>
+      <p:sp>
+        <p:nvSpPr>
+          <p:cNvPr id="20" name="Retângulo: Cantos Arredondados 19">
+            <a:extLst>
+              <a:ext uri="{FF2B5EF4-FFF2-40B4-BE49-F238E27FC236}">
+                <a16:creationId xmlns:a16="http://schemas.microsoft.com/office/drawing/2014/main" id="{93C34A0C-B53F-CF0F-58C2-D8E9E9FAFC8C}"/>
+              </a:ext>
+            </a:extLst>
+          </p:cNvPr>
+          <p:cNvSpPr/>
+          <p:nvPr/>
+        </p:nvSpPr>
+        <p:spPr>
+          <a:xfrm>
+            <a:off x="7442689" y="4717118"/>
+            <a:ext cx="1204546" cy="394805"/>
+          </a:xfrm>
+          <a:prstGeom prst="roundRect">
+            <a:avLst/>
+          </a:prstGeom>
+          <a:solidFill>
+            <a:schemeClr val="accent6">
+              <a:alpha val="50000"/>
+            </a:schemeClr>
+          </a:solidFill>
+          <a:ln>
+            <a:noFill/>
+          </a:ln>
+        </p:spPr>
+        <p:style>
+          <a:lnRef idx="0">
+            <a:scrgbClr r="0" g="0" b="0"/>
+          </a:lnRef>
+          <a:fillRef idx="0">
+            <a:scrgbClr r="0" g="0" b="0"/>
+          </a:fillRef>
+          <a:effectRef idx="0">
+            <a:scrgbClr r="0" g="0" b="0"/>
+          </a:effectRef>
+          <a:fontRef idx="minor">
+            <a:schemeClr val="lt1"/>
+          </a:fontRef>
+        </p:style>
+        <p:txBody>
+          <a:bodyPr rtlCol="0" anchor="ctr"/>
+          <a:lstStyle/>
+          <a:p>
+            <a:pPr algn="ctr"/>
+            <a:endParaRPr lang="pt-BR"/>
+          </a:p>
+        </p:txBody>
+      </p:sp>
+    </p:spTree>
+    <p:extLst>
+      <p:ext uri="{BB962C8B-B14F-4D97-AF65-F5344CB8AC3E}">
+        <p14:creationId xmlns:p14="http://schemas.microsoft.com/office/powerpoint/2010/main" val="3889027323"/>
+      </p:ext>
+    </p:extLst>
+  </p:cSld>
+  <p:clrMapOvr>
+    <a:masterClrMapping/>
+  </p:clrMapOvr>
+</p:sld>
+</file>
+
+<file path=ppt/slides/slide11.xml><?xml version="1.0" encoding="utf-8"?>
+<p:sld xmlns:a="http://schemas.openxmlformats.org/drawingml/2006/main" xmlns:r="http://schemas.openxmlformats.org/officeDocument/2006/relationships" xmlns:p="http://schemas.openxmlformats.org/presentationml/2006/main">
+  <p:cSld>
+    <p:spTree>
+      <p:nvGrpSpPr>
+        <p:cNvPr id="1" name="">
+          <a:extLst>
+            <a:ext uri="{FF2B5EF4-FFF2-40B4-BE49-F238E27FC236}">
+              <a16:creationId xmlns:a16="http://schemas.microsoft.com/office/drawing/2014/main" id="{8BC1DD83-985C-2B06-1C0D-26CFE6C26B84}"/>
+            </a:ext>
+          </a:extLst>
+        </p:cNvPr>
+        <p:cNvGrpSpPr/>
+        <p:nvPr/>
+      </p:nvGrpSpPr>
+      <p:grpSpPr>
+        <a:xfrm>
+          <a:off x="0" y="0"/>
+          <a:ext cx="0" cy="0"/>
+          <a:chOff x="0" y="0"/>
+          <a:chExt cx="0" cy="0"/>
+        </a:xfrm>
+      </p:grpSpPr>
+      <p:pic>
+        <p:nvPicPr>
+          <p:cNvPr id="5" name="Imagem 4">
+            <a:extLst>
+              <a:ext uri="{FF2B5EF4-FFF2-40B4-BE49-F238E27FC236}">
+                <a16:creationId xmlns:a16="http://schemas.microsoft.com/office/drawing/2014/main" id="{F553F16B-DE5A-58A2-301F-7D9B715A101D}"/>
+              </a:ext>
+            </a:extLst>
+          </p:cNvPr>
+          <p:cNvPicPr>
+            <a:picLocks noChangeAspect="1"/>
+          </p:cNvPicPr>
+          <p:nvPr/>
+        </p:nvPicPr>
+        <p:blipFill>
+          <a:blip r:embed="rId2">
+            <a:extLst>
+              <a:ext uri="{28A0092B-C50C-407E-A947-70E740481C1C}">
+                <a14:useLocalDpi xmlns:a14="http://schemas.microsoft.com/office/drawing/2010/main" val="0"/>
+              </a:ext>
+            </a:extLst>
+          </a:blip>
+          <a:stretch>
+            <a:fillRect/>
+          </a:stretch>
+        </p:blipFill>
+        <p:spPr>
+          <a:xfrm>
+            <a:off x="0" y="0"/>
+            <a:ext cx="12192000" cy="6858000"/>
+          </a:xfrm>
+          <a:prstGeom prst="rect">
+            <a:avLst/>
+          </a:prstGeom>
+        </p:spPr>
+      </p:pic>
+      <p:sp>
+        <p:nvSpPr>
+          <p:cNvPr id="2" name="CaixaDeTexto 1">
+            <a:extLst>
+              <a:ext uri="{FF2B5EF4-FFF2-40B4-BE49-F238E27FC236}">
+                <a16:creationId xmlns:a16="http://schemas.microsoft.com/office/drawing/2014/main" id="{3B9AE31B-9700-7286-3760-13A351ECFF10}"/>
+              </a:ext>
+            </a:extLst>
+          </p:cNvPr>
+          <p:cNvSpPr txBox="1"/>
+          <p:nvPr/>
+        </p:nvSpPr>
+        <p:spPr>
+          <a:xfrm>
+            <a:off x="4846049" y="228600"/>
+            <a:ext cx="2499901" cy="646331"/>
+          </a:xfrm>
+          <a:prstGeom prst="rect">
+            <a:avLst/>
+          </a:prstGeom>
+          <a:noFill/>
+        </p:spPr>
+        <p:txBody>
+          <a:bodyPr wrap="square" rtlCol="0">
+            <a:spAutoFit/>
+          </a:bodyPr>
+          <a:lstStyle/>
+          <a:p>
+            <a:r>
+              <a:rPr lang="en-US" sz="3600" dirty="0" err="1"/>
+              <a:t>Regras</a:t>
+            </a:r>
+            <a:r>
+              <a:rPr lang="en-US" sz="3600" dirty="0"/>
+              <a:t> </a:t>
+            </a:r>
+            <a:r>
+              <a:rPr lang="en-US" sz="3600" dirty="0" err="1"/>
+              <a:t>Úteis</a:t>
+            </a:r>
+            <a:endParaRPr lang="pt-BR" sz="3600" dirty="0"/>
+          </a:p>
+        </p:txBody>
+      </p:sp>
+      <p:sp>
+        <p:nvSpPr>
+          <p:cNvPr id="3" name="CaixaDeTexto 2">
+            <a:extLst>
+              <a:ext uri="{FF2B5EF4-FFF2-40B4-BE49-F238E27FC236}">
+                <a16:creationId xmlns:a16="http://schemas.microsoft.com/office/drawing/2014/main" id="{C5874B49-7F26-642F-22EE-E53D9521F0B3}"/>
+              </a:ext>
+            </a:extLst>
+          </p:cNvPr>
+          <p:cNvSpPr txBox="1"/>
+          <p:nvPr/>
+        </p:nvSpPr>
+        <p:spPr>
+          <a:xfrm>
+            <a:off x="844061" y="1178169"/>
+            <a:ext cx="5251939" cy="892552"/>
+          </a:xfrm>
+          <a:prstGeom prst="rect">
+            <a:avLst/>
+          </a:prstGeom>
+          <a:noFill/>
+        </p:spPr>
+        <p:txBody>
+          <a:bodyPr wrap="square" rtlCol="0">
+            <a:spAutoFit/>
+          </a:bodyPr>
+          <a:lstStyle/>
+          <a:p>
+            <a:pPr marL="285750" indent="-285750">
+              <a:buFont typeface="Wingdings" panose="05000000000000000000" pitchFamily="2" charset="2"/>
+              <a:buChar char="Ø"/>
+            </a:pPr>
+            <a:r>
+              <a:rPr lang="en-US" sz="2800" dirty="0"/>
+              <a:t> Default </a:t>
+            </a:r>
+            <a:r>
+              <a:rPr lang="en-US" dirty="0"/>
+              <a:t>– </a:t>
+            </a:r>
+            <a:r>
+              <a:rPr lang="en-US" sz="2400" dirty="0"/>
+              <a:t>Define um valor </a:t>
+            </a:r>
+            <a:r>
+              <a:rPr lang="en-US" sz="2400" dirty="0" err="1"/>
+              <a:t>padrão</a:t>
+            </a:r>
+            <a:r>
+              <a:rPr lang="en-US" sz="2400" dirty="0"/>
+              <a:t> </a:t>
+            </a:r>
+            <a:r>
+              <a:rPr lang="en-US" sz="2400" dirty="0" err="1"/>
+              <a:t>quando</a:t>
+            </a:r>
+            <a:r>
+              <a:rPr lang="en-US" sz="2400" dirty="0"/>
+              <a:t> </a:t>
+            </a:r>
+            <a:r>
+              <a:rPr lang="en-US" sz="2400" dirty="0" err="1"/>
+              <a:t>nenhum</a:t>
+            </a:r>
+            <a:r>
+              <a:rPr lang="en-US" sz="2400" dirty="0"/>
+              <a:t> valor é </a:t>
+            </a:r>
+            <a:r>
+              <a:rPr lang="en-US" sz="2400" dirty="0" err="1"/>
+              <a:t>informado</a:t>
+            </a:r>
+            <a:r>
+              <a:rPr lang="pt-BR" sz="2400" dirty="0"/>
+              <a:t>.</a:t>
+            </a:r>
+            <a:endParaRPr lang="en-US" sz="2400" dirty="0"/>
+          </a:p>
+        </p:txBody>
+      </p:sp>
+      <p:sp>
+        <p:nvSpPr>
+          <p:cNvPr id="7" name="CaixaDeTexto 6">
+            <a:extLst>
+              <a:ext uri="{FF2B5EF4-FFF2-40B4-BE49-F238E27FC236}">
+                <a16:creationId xmlns:a16="http://schemas.microsoft.com/office/drawing/2014/main" id="{0A0BD2DD-BC2D-B34B-4451-7B2D2F143950}"/>
+              </a:ext>
+            </a:extLst>
+          </p:cNvPr>
+          <p:cNvSpPr txBox="1"/>
+          <p:nvPr/>
+        </p:nvSpPr>
+        <p:spPr>
+          <a:xfrm>
+            <a:off x="6268915" y="1178169"/>
+            <a:ext cx="5251939" cy="892552"/>
+          </a:xfrm>
+          <a:prstGeom prst="rect">
+            <a:avLst/>
+          </a:prstGeom>
+          <a:noFill/>
+        </p:spPr>
+        <p:txBody>
+          <a:bodyPr wrap="square" rtlCol="0">
+            <a:spAutoFit/>
+          </a:bodyPr>
+          <a:lstStyle/>
+          <a:p>
+            <a:pPr marL="457200" indent="-457200">
+              <a:buFont typeface="Wingdings" panose="05000000000000000000" pitchFamily="2" charset="2"/>
+              <a:buChar char="Ø"/>
+            </a:pPr>
+            <a:r>
+              <a:rPr lang="en-US" sz="2800" dirty="0"/>
+              <a:t>NOT NULL </a:t>
+            </a:r>
+            <a:r>
+              <a:rPr lang="en-US" sz="2400" dirty="0"/>
+              <a:t>–  Impede </a:t>
+            </a:r>
+            <a:r>
+              <a:rPr lang="en-US" sz="2400" dirty="0" err="1"/>
+              <a:t>valores</a:t>
+            </a:r>
+            <a:r>
+              <a:rPr lang="en-US" sz="2400" dirty="0"/>
+              <a:t> </a:t>
+            </a:r>
+            <a:r>
+              <a:rPr lang="en-US" sz="2400" dirty="0" err="1"/>
+              <a:t>nulos</a:t>
+            </a:r>
+            <a:r>
+              <a:rPr lang="en-US" sz="2400" dirty="0"/>
+              <a:t> para </a:t>
+            </a:r>
+            <a:r>
+              <a:rPr lang="en-US" sz="2400" dirty="0" err="1"/>
+              <a:t>atributos</a:t>
+            </a:r>
+            <a:r>
+              <a:rPr lang="en-US" sz="2400" dirty="0"/>
+              <a:t> da </a:t>
+            </a:r>
+            <a:r>
+              <a:rPr lang="en-US" sz="2400" dirty="0" err="1"/>
+              <a:t>tabela</a:t>
+            </a:r>
+            <a:r>
+              <a:rPr lang="en-US" sz="2400" dirty="0"/>
+              <a:t>.</a:t>
+            </a:r>
+            <a:endParaRPr lang="pt-BR" dirty="0"/>
+          </a:p>
+        </p:txBody>
+      </p:sp>
+      <p:pic>
+        <p:nvPicPr>
+          <p:cNvPr id="6" name="Imagem 5" descr="Texto&#10;&#10;O conteúdo gerado por IA pode estar incorreto.">
+            <a:extLst>
+              <a:ext uri="{FF2B5EF4-FFF2-40B4-BE49-F238E27FC236}">
+                <a16:creationId xmlns:a16="http://schemas.microsoft.com/office/drawing/2014/main" id="{4454EC02-D548-400A-CAE0-CFCB424C07AA}"/>
+              </a:ext>
+            </a:extLst>
+          </p:cNvPr>
+          <p:cNvPicPr>
+            <a:picLocks noChangeAspect="1"/>
+          </p:cNvPicPr>
+          <p:nvPr/>
+        </p:nvPicPr>
+        <p:blipFill>
+          <a:blip r:embed="rId3"/>
+          <a:stretch>
+            <a:fillRect/>
+          </a:stretch>
+        </p:blipFill>
+        <p:spPr>
+          <a:xfrm>
+            <a:off x="1600637" y="2879558"/>
+            <a:ext cx="8990726" cy="3270540"/>
+          </a:xfrm>
+          <a:prstGeom prst="rect">
+            <a:avLst/>
+          </a:prstGeom>
+        </p:spPr>
+      </p:pic>
+      <p:sp>
+        <p:nvSpPr>
+          <p:cNvPr id="10" name="Retângulo: Cantos Arredondados 9">
+            <a:extLst>
+              <a:ext uri="{FF2B5EF4-FFF2-40B4-BE49-F238E27FC236}">
+                <a16:creationId xmlns:a16="http://schemas.microsoft.com/office/drawing/2014/main" id="{EFEC2943-E4D7-0327-059B-431B43CC9C7F}"/>
+              </a:ext>
+            </a:extLst>
+          </p:cNvPr>
+          <p:cNvSpPr/>
+          <p:nvPr/>
+        </p:nvSpPr>
+        <p:spPr>
+          <a:xfrm>
+            <a:off x="6770077" y="1248508"/>
+            <a:ext cx="1565031" cy="435260"/>
+          </a:xfrm>
+          <a:prstGeom prst="roundRect">
+            <a:avLst/>
+          </a:prstGeom>
+          <a:solidFill>
+            <a:schemeClr val="accent4">
+              <a:alpha val="50000"/>
+            </a:schemeClr>
+          </a:solidFill>
+          <a:ln>
+            <a:noFill/>
+          </a:ln>
+        </p:spPr>
+        <p:style>
+          <a:lnRef idx="0">
+            <a:scrgbClr r="0" g="0" b="0"/>
+          </a:lnRef>
+          <a:fillRef idx="0">
+            <a:scrgbClr r="0" g="0" b="0"/>
+          </a:fillRef>
+          <a:effectRef idx="0">
+            <a:scrgbClr r="0" g="0" b="0"/>
+          </a:effectRef>
+          <a:fontRef idx="minor">
+            <a:schemeClr val="lt1"/>
+          </a:fontRef>
+        </p:style>
+        <p:txBody>
+          <a:bodyPr rtlCol="0" anchor="ctr"/>
+          <a:lstStyle/>
+          <a:p>
+            <a:pPr algn="ctr"/>
+            <a:endParaRPr lang="pt-BR"/>
+          </a:p>
+        </p:txBody>
+      </p:sp>
+      <p:sp>
+        <p:nvSpPr>
+          <p:cNvPr id="12" name="Retângulo: Cantos Arredondados 11">
+            <a:extLst>
+              <a:ext uri="{FF2B5EF4-FFF2-40B4-BE49-F238E27FC236}">
+                <a16:creationId xmlns:a16="http://schemas.microsoft.com/office/drawing/2014/main" id="{C0464B17-1822-22E2-507E-29FBCD9E3590}"/>
+              </a:ext>
+            </a:extLst>
+          </p:cNvPr>
+          <p:cNvSpPr/>
+          <p:nvPr/>
+        </p:nvSpPr>
+        <p:spPr>
+          <a:xfrm>
+            <a:off x="5726721" y="3820262"/>
+            <a:ext cx="1503484" cy="364876"/>
+          </a:xfrm>
+          <a:prstGeom prst="roundRect">
+            <a:avLst/>
+          </a:prstGeom>
+          <a:solidFill>
+            <a:schemeClr val="accent4">
+              <a:alpha val="50000"/>
+            </a:schemeClr>
+          </a:solidFill>
+          <a:ln>
+            <a:noFill/>
+          </a:ln>
+        </p:spPr>
+        <p:style>
+          <a:lnRef idx="0">
+            <a:scrgbClr r="0" g="0" b="0"/>
+          </a:lnRef>
+          <a:fillRef idx="0">
+            <a:scrgbClr r="0" g="0" b="0"/>
+          </a:fillRef>
+          <a:effectRef idx="0">
+            <a:scrgbClr r="0" g="0" b="0"/>
+          </a:effectRef>
+          <a:fontRef idx="minor">
+            <a:schemeClr val="lt1"/>
+          </a:fontRef>
+        </p:style>
+        <p:txBody>
+          <a:bodyPr rtlCol="0" anchor="ctr"/>
+          <a:lstStyle/>
+          <a:p>
+            <a:pPr algn="ctr"/>
+            <a:endParaRPr lang="pt-BR"/>
+          </a:p>
+        </p:txBody>
+      </p:sp>
+      <p:sp>
+        <p:nvSpPr>
+          <p:cNvPr id="4" name="Elipse 3">
+            <a:extLst>
+              <a:ext uri="{FF2B5EF4-FFF2-40B4-BE49-F238E27FC236}">
+                <a16:creationId xmlns:a16="http://schemas.microsoft.com/office/drawing/2014/main" id="{E2914CFF-21CC-8778-5F0C-39B60BEECBFD}"/>
+              </a:ext>
+            </a:extLst>
+          </p:cNvPr>
+          <p:cNvSpPr/>
+          <p:nvPr/>
+        </p:nvSpPr>
+        <p:spPr>
+          <a:xfrm>
+            <a:off x="1160585" y="1224355"/>
+            <a:ext cx="1292469" cy="435260"/>
+          </a:xfrm>
+          <a:prstGeom prst="ellipse">
+            <a:avLst/>
+          </a:prstGeom>
+          <a:solidFill>
+            <a:schemeClr val="accent3">
+              <a:alpha val="50000"/>
+            </a:schemeClr>
+          </a:solidFill>
+          <a:ln>
+            <a:noFill/>
+          </a:ln>
+        </p:spPr>
+        <p:style>
+          <a:lnRef idx="0">
+            <a:scrgbClr r="0" g="0" b="0"/>
+          </a:lnRef>
+          <a:fillRef idx="0">
+            <a:scrgbClr r="0" g="0" b="0"/>
+          </a:fillRef>
+          <a:effectRef idx="0">
+            <a:scrgbClr r="0" g="0" b="0"/>
+          </a:effectRef>
+          <a:fontRef idx="minor">
+            <a:schemeClr val="lt1"/>
+          </a:fontRef>
+        </p:style>
+        <p:txBody>
+          <a:bodyPr rtlCol="0" anchor="ctr"/>
+          <a:lstStyle/>
+          <a:p>
+            <a:pPr algn="ctr"/>
+            <a:endParaRPr lang="pt-BR"/>
+          </a:p>
+        </p:txBody>
+      </p:sp>
+      <p:sp>
+        <p:nvSpPr>
+          <p:cNvPr id="8" name="Elipse 7">
+            <a:extLst>
+              <a:ext uri="{FF2B5EF4-FFF2-40B4-BE49-F238E27FC236}">
+                <a16:creationId xmlns:a16="http://schemas.microsoft.com/office/drawing/2014/main" id="{6B284B45-07CD-3DB0-7196-EF279ED8C154}"/>
+              </a:ext>
+            </a:extLst>
+          </p:cNvPr>
+          <p:cNvSpPr/>
+          <p:nvPr/>
+        </p:nvSpPr>
+        <p:spPr>
+          <a:xfrm>
+            <a:off x="4950070" y="4270976"/>
+            <a:ext cx="1503484" cy="435260"/>
+          </a:xfrm>
+          <a:prstGeom prst="ellipse">
+            <a:avLst/>
+          </a:prstGeom>
+          <a:solidFill>
+            <a:schemeClr val="accent3">
+              <a:alpha val="50000"/>
+            </a:schemeClr>
+          </a:solidFill>
+          <a:ln>
+            <a:noFill/>
+          </a:ln>
+        </p:spPr>
+        <p:style>
+          <a:lnRef idx="0">
+            <a:scrgbClr r="0" g="0" b="0"/>
+          </a:lnRef>
+          <a:fillRef idx="0">
+            <a:scrgbClr r="0" g="0" b="0"/>
+          </a:fillRef>
+          <a:effectRef idx="0">
+            <a:scrgbClr r="0" g="0" b="0"/>
+          </a:effectRef>
+          <a:fontRef idx="minor">
+            <a:schemeClr val="lt1"/>
+          </a:fontRef>
+        </p:style>
+        <p:txBody>
+          <a:bodyPr rtlCol="0" anchor="ctr"/>
+          <a:lstStyle/>
+          <a:p>
+            <a:pPr algn="ctr"/>
+            <a:endParaRPr lang="pt-BR"/>
+          </a:p>
+        </p:txBody>
+      </p:sp>
+    </p:spTree>
+    <p:extLst>
+      <p:ext uri="{BB962C8B-B14F-4D97-AF65-F5344CB8AC3E}">
+        <p14:creationId xmlns:p14="http://schemas.microsoft.com/office/powerpoint/2010/main" val="1799925416"/>
+      </p:ext>
+    </p:extLst>
+  </p:cSld>
+  <p:clrMapOvr>
+    <a:masterClrMapping/>
+  </p:clrMapOvr>
+</p:sld>
+</file>
+
+<file path=ppt/slides/slide12.xml><?xml version="1.0" encoding="utf-8"?>
+<p:sld xmlns:a="http://schemas.openxmlformats.org/drawingml/2006/main" xmlns:r="http://schemas.openxmlformats.org/officeDocument/2006/relationships" xmlns:p="http://schemas.openxmlformats.org/presentationml/2006/main">
+  <p:cSld>
+    <p:spTree>
+      <p:nvGrpSpPr>
+        <p:cNvPr id="1" name="">
+          <a:extLst>
+            <a:ext uri="{FF2B5EF4-FFF2-40B4-BE49-F238E27FC236}">
+              <a16:creationId xmlns:a16="http://schemas.microsoft.com/office/drawing/2014/main" id="{30B1794D-9980-3E86-E42A-A42628F3DDBB}"/>
+            </a:ext>
+          </a:extLst>
+        </p:cNvPr>
+        <p:cNvGrpSpPr/>
+        <p:nvPr/>
+      </p:nvGrpSpPr>
+      <p:grpSpPr>
+        <a:xfrm>
+          <a:off x="0" y="0"/>
+          <a:ext cx="0" cy="0"/>
+          <a:chOff x="0" y="0"/>
+          <a:chExt cx="0" cy="0"/>
+        </a:xfrm>
+      </p:grpSpPr>
+      <p:pic>
+        <p:nvPicPr>
+          <p:cNvPr id="5" name="Imagem 4">
+            <a:extLst>
+              <a:ext uri="{FF2B5EF4-FFF2-40B4-BE49-F238E27FC236}">
+                <a16:creationId xmlns:a16="http://schemas.microsoft.com/office/drawing/2014/main" id="{3B310397-661B-992F-B40D-4B9CB1C23540}"/>
+              </a:ext>
+            </a:extLst>
+          </p:cNvPr>
+          <p:cNvPicPr>
+            <a:picLocks noChangeAspect="1"/>
+          </p:cNvPicPr>
+          <p:nvPr/>
+        </p:nvPicPr>
+        <p:blipFill>
+          <a:blip r:embed="rId2">
+            <a:extLst>
+              <a:ext uri="{28A0092B-C50C-407E-A947-70E740481C1C}">
+                <a14:useLocalDpi xmlns:a14="http://schemas.microsoft.com/office/drawing/2010/main" val="0"/>
+              </a:ext>
+            </a:extLst>
+          </a:blip>
+          <a:stretch>
+            <a:fillRect/>
+          </a:stretch>
+        </p:blipFill>
+        <p:spPr>
+          <a:xfrm>
+            <a:off x="0" y="0"/>
+            <a:ext cx="12192000" cy="6858000"/>
+          </a:xfrm>
+          <a:prstGeom prst="rect">
+            <a:avLst/>
+          </a:prstGeom>
+        </p:spPr>
+      </p:pic>
+      <p:sp>
+        <p:nvSpPr>
+          <p:cNvPr id="2" name="CaixaDeTexto 1">
+            <a:extLst>
+              <a:ext uri="{FF2B5EF4-FFF2-40B4-BE49-F238E27FC236}">
+                <a16:creationId xmlns:a16="http://schemas.microsoft.com/office/drawing/2014/main" id="{DCCB6652-941A-D981-47AA-8D8C6EEDAC35}"/>
+              </a:ext>
+            </a:extLst>
+          </p:cNvPr>
+          <p:cNvSpPr txBox="1"/>
+          <p:nvPr/>
+        </p:nvSpPr>
+        <p:spPr>
+          <a:xfrm>
+            <a:off x="4846049" y="228600"/>
+            <a:ext cx="2499901" cy="646331"/>
+          </a:xfrm>
+          <a:prstGeom prst="rect">
+            <a:avLst/>
+          </a:prstGeom>
+          <a:noFill/>
+        </p:spPr>
+        <p:txBody>
+          <a:bodyPr wrap="square" rtlCol="0">
+            <a:spAutoFit/>
+          </a:bodyPr>
+          <a:lstStyle/>
+          <a:p>
+            <a:r>
+              <a:rPr lang="en-US" sz="3600" dirty="0" err="1"/>
+              <a:t>Regras</a:t>
+            </a:r>
+            <a:r>
+              <a:rPr lang="en-US" sz="3600" dirty="0"/>
+              <a:t> </a:t>
+            </a:r>
+            <a:r>
+              <a:rPr lang="en-US" sz="3600" dirty="0" err="1"/>
+              <a:t>Úteis</a:t>
+            </a:r>
+            <a:endParaRPr lang="pt-BR" sz="3600" dirty="0"/>
+          </a:p>
+        </p:txBody>
+      </p:sp>
+      <p:sp>
+        <p:nvSpPr>
+          <p:cNvPr id="3" name="CaixaDeTexto 2">
+            <a:extLst>
+              <a:ext uri="{FF2B5EF4-FFF2-40B4-BE49-F238E27FC236}">
+                <a16:creationId xmlns:a16="http://schemas.microsoft.com/office/drawing/2014/main" id="{B9594F44-F8E4-869C-9EFB-924CE5C2ED87}"/>
+              </a:ext>
+            </a:extLst>
+          </p:cNvPr>
+          <p:cNvSpPr txBox="1"/>
+          <p:nvPr/>
+        </p:nvSpPr>
+        <p:spPr>
+          <a:xfrm>
+            <a:off x="844061" y="1178169"/>
+            <a:ext cx="6128239" cy="523220"/>
+          </a:xfrm>
+          <a:prstGeom prst="rect">
+            <a:avLst/>
+          </a:prstGeom>
+          <a:noFill/>
+        </p:spPr>
+        <p:txBody>
+          <a:bodyPr wrap="square" rtlCol="0">
+            <a:spAutoFit/>
+          </a:bodyPr>
+          <a:lstStyle/>
+          <a:p>
+            <a:pPr marL="285750" indent="-285750">
+              <a:buFont typeface="Wingdings" panose="05000000000000000000" pitchFamily="2" charset="2"/>
+              <a:buChar char="Ø"/>
+            </a:pPr>
+            <a:r>
+              <a:rPr lang="en-US" sz="2800" dirty="0"/>
+              <a:t> INDEX </a:t>
+            </a:r>
+            <a:r>
+              <a:rPr lang="en-US" dirty="0"/>
+              <a:t>– </a:t>
+            </a:r>
+            <a:r>
+              <a:rPr lang="en-US" sz="2400" dirty="0" err="1"/>
+              <a:t>Melhora</a:t>
+            </a:r>
+            <a:r>
+              <a:rPr lang="en-US" sz="2400" dirty="0"/>
+              <a:t> </a:t>
+            </a:r>
+            <a:r>
+              <a:rPr lang="en-US" sz="2400" dirty="0" err="1"/>
+              <a:t>desempenho</a:t>
+            </a:r>
+            <a:r>
+              <a:rPr lang="en-US" sz="2400" dirty="0"/>
+              <a:t> de </a:t>
+            </a:r>
+            <a:r>
+              <a:rPr lang="en-US" sz="2400" dirty="0" err="1"/>
+              <a:t>consultas</a:t>
+            </a:r>
+            <a:r>
+              <a:rPr lang="pt-BR" sz="2400" dirty="0"/>
+              <a:t>.</a:t>
+            </a:r>
+            <a:endParaRPr lang="en-US" sz="2400" dirty="0"/>
+          </a:p>
+        </p:txBody>
+      </p:sp>
+      <p:pic>
+        <p:nvPicPr>
+          <p:cNvPr id="21" name="Imagem 20" descr="Interface gráfica do usuário, Texto, Aplicativo&#10;&#10;O conteúdo gerado por IA pode estar incorreto.">
+            <a:extLst>
+              <a:ext uri="{FF2B5EF4-FFF2-40B4-BE49-F238E27FC236}">
+                <a16:creationId xmlns:a16="http://schemas.microsoft.com/office/drawing/2014/main" id="{336F4530-A508-4F80-45AF-528178BD8054}"/>
+              </a:ext>
+            </a:extLst>
+          </p:cNvPr>
+          <p:cNvPicPr>
+            <a:picLocks noChangeAspect="1"/>
+          </p:cNvPicPr>
+          <p:nvPr/>
+        </p:nvPicPr>
+        <p:blipFill>
+          <a:blip r:embed="rId3"/>
+          <a:stretch>
+            <a:fillRect/>
+          </a:stretch>
+        </p:blipFill>
+        <p:spPr>
+          <a:xfrm>
+            <a:off x="1898905" y="2053100"/>
+            <a:ext cx="8394187" cy="4439270"/>
+          </a:xfrm>
+          <a:prstGeom prst="rect">
+            <a:avLst/>
+          </a:prstGeom>
+        </p:spPr>
+      </p:pic>
+      <p:pic>
+        <p:nvPicPr>
+          <p:cNvPr id="23" name="Imagem 22">
+            <a:extLst>
+              <a:ext uri="{FF2B5EF4-FFF2-40B4-BE49-F238E27FC236}">
+                <a16:creationId xmlns:a16="http://schemas.microsoft.com/office/drawing/2014/main" id="{9D1C756A-16C5-1E44-6C4F-1BCAB59910D3}"/>
+              </a:ext>
+            </a:extLst>
+          </p:cNvPr>
+          <p:cNvPicPr>
+            <a:picLocks noChangeAspect="1"/>
+          </p:cNvPicPr>
+          <p:nvPr/>
+        </p:nvPicPr>
+        <p:blipFill>
+          <a:blip r:embed="rId4"/>
+          <a:stretch>
+            <a:fillRect/>
+          </a:stretch>
+        </p:blipFill>
+        <p:spPr>
+          <a:xfrm>
+            <a:off x="7999255" y="5121528"/>
+            <a:ext cx="4046266" cy="452796"/>
+          </a:xfrm>
+          <a:prstGeom prst="rect">
+            <a:avLst/>
+          </a:prstGeom>
+        </p:spPr>
+      </p:pic>
+      <p:sp>
+        <p:nvSpPr>
+          <p:cNvPr id="24" name="CaixaDeTexto 23">
+            <a:extLst>
+              <a:ext uri="{FF2B5EF4-FFF2-40B4-BE49-F238E27FC236}">
+                <a16:creationId xmlns:a16="http://schemas.microsoft.com/office/drawing/2014/main" id="{32723E5F-132A-AF09-172E-DC3E3C34EE04}"/>
+              </a:ext>
+            </a:extLst>
+          </p:cNvPr>
+          <p:cNvSpPr txBox="1"/>
+          <p:nvPr/>
+        </p:nvSpPr>
+        <p:spPr>
+          <a:xfrm>
+            <a:off x="9294403" y="4422453"/>
+            <a:ext cx="1455969" cy="523220"/>
+          </a:xfrm>
+          <a:prstGeom prst="rect">
+            <a:avLst/>
+          </a:prstGeom>
+          <a:noFill/>
+        </p:spPr>
+        <p:txBody>
+          <a:bodyPr wrap="square" rtlCol="0">
+            <a:spAutoFit/>
+          </a:bodyPr>
+          <a:lstStyle/>
+          <a:p>
+            <a:r>
+              <a:rPr lang="pt-BR" sz="2800" dirty="0"/>
+              <a:t>Consulta</a:t>
+            </a:r>
+          </a:p>
+        </p:txBody>
+      </p:sp>
+    </p:spTree>
+    <p:extLst>
+      <p:ext uri="{BB962C8B-B14F-4D97-AF65-F5344CB8AC3E}">
+        <p14:creationId xmlns:p14="http://schemas.microsoft.com/office/powerpoint/2010/main" val="3500646160"/>
+      </p:ext>
+    </p:extLst>
+  </p:cSld>
+  <p:clrMapOvr>
+    <a:masterClrMapping/>
+  </p:clrMapOvr>
+</p:sld>
+</file>
+
+<file path=ppt/slides/slide13.xml><?xml version="1.0" encoding="utf-8"?>
+<p:sld xmlns:a="http://schemas.openxmlformats.org/drawingml/2006/main" xmlns:r="http://schemas.openxmlformats.org/officeDocument/2006/relationships" xmlns:p="http://schemas.openxmlformats.org/presentationml/2006/main">
+  <p:cSld>
+    <p:spTree>
+      <p:nvGrpSpPr>
+        <p:cNvPr id="1" name="">
+          <a:extLst>
+            <a:ext uri="{FF2B5EF4-FFF2-40B4-BE49-F238E27FC236}">
+              <a16:creationId xmlns:a16="http://schemas.microsoft.com/office/drawing/2014/main" id="{1A1CD083-90E8-4F0C-F1A8-855D3C9DB96C}"/>
+            </a:ext>
+          </a:extLst>
+        </p:cNvPr>
+        <p:cNvGrpSpPr/>
+        <p:nvPr/>
+      </p:nvGrpSpPr>
+      <p:grpSpPr>
+        <a:xfrm>
+          <a:off x="0" y="0"/>
+          <a:ext cx="0" cy="0"/>
+          <a:chOff x="0" y="0"/>
+          <a:chExt cx="0" cy="0"/>
+        </a:xfrm>
+      </p:grpSpPr>
+      <p:pic>
+        <p:nvPicPr>
+          <p:cNvPr id="5" name="Imagem 4">
+            <a:extLst>
+              <a:ext uri="{FF2B5EF4-FFF2-40B4-BE49-F238E27FC236}">
+                <a16:creationId xmlns:a16="http://schemas.microsoft.com/office/drawing/2014/main" id="{A60CB107-5E8C-FB5A-C155-4597AAB09742}"/>
+              </a:ext>
+            </a:extLst>
+          </p:cNvPr>
+          <p:cNvPicPr>
+            <a:picLocks noChangeAspect="1"/>
+          </p:cNvPicPr>
+          <p:nvPr/>
+        </p:nvPicPr>
+        <p:blipFill>
+          <a:blip r:embed="rId2">
+            <a:extLst>
+              <a:ext uri="{28A0092B-C50C-407E-A947-70E740481C1C}">
+                <a14:useLocalDpi xmlns:a14="http://schemas.microsoft.com/office/drawing/2010/main" val="0"/>
+              </a:ext>
+            </a:extLst>
+          </a:blip>
+          <a:stretch>
+            <a:fillRect/>
+          </a:stretch>
+        </p:blipFill>
+        <p:spPr>
+          <a:xfrm>
+            <a:off x="0" y="0"/>
+            <a:ext cx="12192000" cy="6858000"/>
+          </a:xfrm>
+          <a:prstGeom prst="rect">
+            <a:avLst/>
+          </a:prstGeom>
+        </p:spPr>
+      </p:pic>
+      <p:sp>
+        <p:nvSpPr>
+          <p:cNvPr id="2" name="CaixaDeTexto 1">
+            <a:extLst>
+              <a:ext uri="{FF2B5EF4-FFF2-40B4-BE49-F238E27FC236}">
+                <a16:creationId xmlns:a16="http://schemas.microsoft.com/office/drawing/2014/main" id="{A063136F-4393-C0B8-340B-0DF940D9AB68}"/>
+              </a:ext>
+            </a:extLst>
+          </p:cNvPr>
+          <p:cNvSpPr txBox="1"/>
+          <p:nvPr/>
+        </p:nvSpPr>
+        <p:spPr>
+          <a:xfrm>
+            <a:off x="4846049" y="228600"/>
+            <a:ext cx="2499901" cy="646331"/>
+          </a:xfrm>
+          <a:prstGeom prst="rect">
+            <a:avLst/>
+          </a:prstGeom>
+          <a:noFill/>
+        </p:spPr>
+        <p:txBody>
+          <a:bodyPr wrap="square" rtlCol="0">
+            <a:spAutoFit/>
+          </a:bodyPr>
+          <a:lstStyle/>
+          <a:p>
+            <a:r>
+              <a:rPr lang="en-US" sz="3600" dirty="0"/>
+              <a:t>Tipo </a:t>
+            </a:r>
+            <a:r>
+              <a:rPr lang="en-US" sz="3600" dirty="0" err="1"/>
+              <a:t>Útil</a:t>
+            </a:r>
+            <a:endParaRPr lang="pt-BR" sz="3600" dirty="0"/>
+          </a:p>
+        </p:txBody>
+      </p:sp>
+      <p:sp>
+        <p:nvSpPr>
+          <p:cNvPr id="3" name="CaixaDeTexto 2">
+            <a:extLst>
+              <a:ext uri="{FF2B5EF4-FFF2-40B4-BE49-F238E27FC236}">
+                <a16:creationId xmlns:a16="http://schemas.microsoft.com/office/drawing/2014/main" id="{71AFC93D-6A5C-9EDD-ADB7-ACE614154AE6}"/>
+              </a:ext>
+            </a:extLst>
+          </p:cNvPr>
+          <p:cNvSpPr txBox="1"/>
+          <p:nvPr/>
+        </p:nvSpPr>
+        <p:spPr>
+          <a:xfrm>
+            <a:off x="844061" y="1178169"/>
+            <a:ext cx="10401301" cy="892552"/>
+          </a:xfrm>
+          <a:prstGeom prst="rect">
+            <a:avLst/>
+          </a:prstGeom>
+          <a:noFill/>
+        </p:spPr>
+        <p:txBody>
+          <a:bodyPr wrap="square" rtlCol="0">
+            <a:spAutoFit/>
+          </a:bodyPr>
+          <a:lstStyle/>
+          <a:p>
+            <a:pPr marL="285750" indent="-285750" algn="ctr">
+              <a:buFont typeface="Wingdings" panose="05000000000000000000" pitchFamily="2" charset="2"/>
+              <a:buChar char="Ø"/>
+            </a:pPr>
+            <a:r>
+              <a:rPr lang="en-US" sz="2800" dirty="0"/>
+              <a:t> ENUM </a:t>
+            </a:r>
+            <a:r>
+              <a:rPr lang="en-US" dirty="0"/>
+              <a:t>– </a:t>
+            </a:r>
+            <a:r>
+              <a:rPr lang="en-US" sz="2400" dirty="0"/>
+              <a:t>Tipo de dado </a:t>
+            </a:r>
+            <a:r>
+              <a:rPr lang="en-US" sz="2400" dirty="0" err="1"/>
+              <a:t>que</a:t>
+            </a:r>
+            <a:r>
+              <a:rPr lang="en-US" sz="2400" dirty="0"/>
+              <a:t> </a:t>
+            </a:r>
+            <a:r>
+              <a:rPr lang="en-US" sz="2400" b="1" u="sng" dirty="0" err="1"/>
+              <a:t>restringe</a:t>
+            </a:r>
+            <a:r>
+              <a:rPr lang="en-US" sz="2400" dirty="0"/>
+              <a:t> </a:t>
+            </a:r>
+            <a:r>
+              <a:rPr lang="en-US" sz="2400" dirty="0" err="1"/>
+              <a:t>uma</a:t>
+            </a:r>
+            <a:r>
+              <a:rPr lang="en-US" sz="2400" dirty="0"/>
+              <a:t> </a:t>
+            </a:r>
+            <a:r>
+              <a:rPr lang="en-US" sz="2400" dirty="0" err="1"/>
+              <a:t>coluna</a:t>
+            </a:r>
+            <a:r>
+              <a:rPr lang="en-US" sz="2400" dirty="0"/>
+              <a:t> a um conjunto </a:t>
+            </a:r>
+            <a:r>
+              <a:rPr lang="en-US" sz="2400" dirty="0" err="1"/>
+              <a:t>predefinido</a:t>
+            </a:r>
+            <a:r>
+              <a:rPr lang="en-US" sz="2400" dirty="0"/>
+              <a:t> de </a:t>
+            </a:r>
+            <a:r>
+              <a:rPr lang="en-US" sz="2400" dirty="0" err="1"/>
+              <a:t>valores</a:t>
+            </a:r>
+            <a:r>
+              <a:rPr lang="pt-BR" sz="2400" dirty="0"/>
+              <a:t>.</a:t>
+            </a:r>
+            <a:endParaRPr lang="en-US" sz="2400" dirty="0"/>
+          </a:p>
+        </p:txBody>
+      </p:sp>
+      <p:pic>
+        <p:nvPicPr>
+          <p:cNvPr id="6" name="Imagem 5" descr="Uma imagem contendo Texto&#10;&#10;O conteúdo gerado por IA pode estar incorreto.">
+            <a:extLst>
+              <a:ext uri="{FF2B5EF4-FFF2-40B4-BE49-F238E27FC236}">
+                <a16:creationId xmlns:a16="http://schemas.microsoft.com/office/drawing/2014/main" id="{490F2E04-E0E8-1AFF-9CF3-F4F66BA134F4}"/>
+              </a:ext>
+            </a:extLst>
+          </p:cNvPr>
+          <p:cNvPicPr>
+            <a:picLocks noChangeAspect="1"/>
+          </p:cNvPicPr>
+          <p:nvPr/>
+        </p:nvPicPr>
+        <p:blipFill>
+          <a:blip r:embed="rId3"/>
+          <a:stretch>
+            <a:fillRect/>
+          </a:stretch>
+        </p:blipFill>
+        <p:spPr>
+          <a:xfrm>
+            <a:off x="596875" y="2685743"/>
+            <a:ext cx="10998250" cy="2739028"/>
+          </a:xfrm>
+          <a:prstGeom prst="rect">
+            <a:avLst/>
+          </a:prstGeom>
+        </p:spPr>
+      </p:pic>
+    </p:spTree>
+    <p:extLst>
+      <p:ext uri="{BB962C8B-B14F-4D97-AF65-F5344CB8AC3E}">
+        <p14:creationId xmlns:p14="http://schemas.microsoft.com/office/powerpoint/2010/main" val="119526680"/>
+      </p:ext>
+    </p:extLst>
+  </p:cSld>
+  <p:clrMapOvr>
+    <a:masterClrMapping/>
+  </p:clrMapOvr>
+</p:sld>
+</file>
+
+<file path=ppt/slides/slide14.xml><?xml version="1.0" encoding="utf-8"?>
+<p:sld xmlns:a="http://schemas.openxmlformats.org/drawingml/2006/main" xmlns:r="http://schemas.openxmlformats.org/officeDocument/2006/relationships" xmlns:p="http://schemas.openxmlformats.org/presentationml/2006/main">
+  <p:cSld>
+    <p:spTree>
+      <p:nvGrpSpPr>
+        <p:cNvPr id="1" name="">
+          <a:extLst>
+            <a:ext uri="{FF2B5EF4-FFF2-40B4-BE49-F238E27FC236}">
               <a16:creationId xmlns:a16="http://schemas.microsoft.com/office/drawing/2014/main" id="{DFD74B3E-BF56-2FB0-BD21-370EC9442A46}"/>
             </a:ext>
           </a:extLst>
@@ -4777,7 +6378,7 @@
 </p:sld>
 </file>
 
-<file path=ppt/slides/slide11.xml><?xml version="1.0" encoding="utf-8"?>
+<file path=ppt/slides/slide15.xml><?xml version="1.0" encoding="utf-8"?>
 <p:sld xmlns:a="http://schemas.openxmlformats.org/drawingml/2006/main" xmlns:r="http://schemas.openxmlformats.org/officeDocument/2006/relationships" xmlns:p="http://schemas.openxmlformats.org/presentationml/2006/main">
   <p:cSld>
     <p:spTree>
@@ -5298,7 +6899,7 @@
 </p:sld>
 </file>
 
-<file path=ppt/slides/slide12.xml><?xml version="1.0" encoding="utf-8"?>
+<file path=ppt/slides/slide16.xml><?xml version="1.0" encoding="utf-8"?>
 <p:sld xmlns:a="http://schemas.openxmlformats.org/drawingml/2006/main" xmlns:r="http://schemas.openxmlformats.org/officeDocument/2006/relationships" xmlns:p="http://schemas.openxmlformats.org/presentationml/2006/main">
   <p:cSld>
     <p:spTree>
@@ -6122,66 +7723,6 @@
           </a:p>
         </p:txBody>
       </p:sp>
-      <p:pic>
-        <p:nvPicPr>
-          <p:cNvPr id="8" name="Imagem 7">
-            <a:extLst>
-              <a:ext uri="{FF2B5EF4-FFF2-40B4-BE49-F238E27FC236}">
-                <a16:creationId xmlns:a16="http://schemas.microsoft.com/office/drawing/2014/main" id="{79C9AB27-9D6C-BFEE-3BFE-E3D84FCE42B2}"/>
-              </a:ext>
-            </a:extLst>
-          </p:cNvPr>
-          <p:cNvPicPr>
-            <a:picLocks noChangeAspect="1"/>
-          </p:cNvPicPr>
-          <p:nvPr/>
-        </p:nvPicPr>
-        <p:blipFill>
-          <a:blip r:embed="rId4"/>
-          <a:stretch>
-            <a:fillRect/>
-          </a:stretch>
-        </p:blipFill>
-        <p:spPr>
-          <a:xfrm>
-            <a:off x="2855266" y="1343658"/>
-            <a:ext cx="6481468" cy="2085342"/>
-          </a:xfrm>
-          <a:prstGeom prst="rect">
-            <a:avLst/>
-          </a:prstGeom>
-        </p:spPr>
-      </p:pic>
-      <p:pic>
-        <p:nvPicPr>
-          <p:cNvPr id="10" name="Imagem 9">
-            <a:extLst>
-              <a:ext uri="{FF2B5EF4-FFF2-40B4-BE49-F238E27FC236}">
-                <a16:creationId xmlns:a16="http://schemas.microsoft.com/office/drawing/2014/main" id="{1BF6E00B-9005-2186-FDAD-2F4834F595BF}"/>
-              </a:ext>
-            </a:extLst>
-          </p:cNvPr>
-          <p:cNvPicPr>
-            <a:picLocks noChangeAspect="1"/>
-          </p:cNvPicPr>
-          <p:nvPr/>
-        </p:nvPicPr>
-        <p:blipFill>
-          <a:blip r:embed="rId5"/>
-          <a:stretch>
-            <a:fillRect/>
-          </a:stretch>
-        </p:blipFill>
-        <p:spPr>
-          <a:xfrm>
-            <a:off x="1588171" y="3429000"/>
-            <a:ext cx="9015655" cy="657612"/>
-          </a:xfrm>
-          <a:prstGeom prst="rect">
-            <a:avLst/>
-          </a:prstGeom>
-        </p:spPr>
-      </p:pic>
       <p:cxnSp>
         <p:nvCxnSpPr>
           <p:cNvPr id="12" name="Conector de Seta Reta 11">
@@ -6198,8 +7739,8 @@
         </p:nvCxnSpPr>
         <p:spPr>
           <a:xfrm flipH="1">
-            <a:off x="1441938" y="4018085"/>
-            <a:ext cx="852854" cy="754573"/>
+            <a:off x="1441938" y="4086612"/>
+            <a:ext cx="266006" cy="686046"/>
           </a:xfrm>
           <a:prstGeom prst="straightConnector1">
             <a:avLst/>
@@ -6238,9 +7779,9 @@
           <p:nvPr/>
         </p:nvCxnSpPr>
         <p:spPr>
-          <a:xfrm flipH="1">
-            <a:off x="3226777" y="4086612"/>
-            <a:ext cx="79131" cy="928494"/>
+          <a:xfrm>
+            <a:off x="3017648" y="3972532"/>
+            <a:ext cx="209129" cy="1042574"/>
           </a:xfrm>
           <a:prstGeom prst="straightConnector1">
             <a:avLst/>
@@ -6280,8 +7821,8 @@
         </p:nvCxnSpPr>
         <p:spPr>
           <a:xfrm>
-            <a:off x="4563208" y="4018085"/>
-            <a:ext cx="0" cy="997021"/>
+            <a:off x="4279106" y="4018085"/>
+            <a:ext cx="284102" cy="997021"/>
           </a:xfrm>
           <a:prstGeom prst="straightConnector1">
             <a:avLst/>
@@ -6482,7 +8023,7 @@
         <p:spPr>
           <a:xfrm>
             <a:off x="3947746" y="5172488"/>
-            <a:ext cx="1371597" cy="1477328"/>
+            <a:ext cx="1371597" cy="1200329"/>
           </a:xfrm>
           <a:prstGeom prst="rect">
             <a:avLst/>
@@ -6527,10 +8068,6 @@
             <a:r>
               <a:rPr lang="en-US" u="sng" dirty="0" err="1"/>
               <a:t>nulo</a:t>
-            </a:r>
-            <a:r>
-              <a:rPr lang="en-US" dirty="0"/>
-              <a:t> (NOT NULL)</a:t>
             </a:r>
             <a:endParaRPr lang="pt-BR" dirty="0"/>
           </a:p>
@@ -6761,7 +8298,7 @@
           <p:nvPr/>
         </p:nvPicPr>
         <p:blipFill>
-          <a:blip r:embed="rId6"/>
+          <a:blip r:embed="rId4"/>
           <a:stretch>
             <a:fillRect/>
           </a:stretch>
@@ -6769,7 +8306,7 @@
         <p:spPr>
           <a:xfrm>
             <a:off x="424813" y="485591"/>
-            <a:ext cx="1714739" cy="238158"/>
+            <a:ext cx="2326797" cy="323166"/>
           </a:xfrm>
           <a:prstGeom prst="rect">
             <a:avLst/>
@@ -6791,15 +8328,15 @@
           <p:nvPr/>
         </p:nvPicPr>
         <p:blipFill>
-          <a:blip r:embed="rId7"/>
+          <a:blip r:embed="rId5"/>
           <a:stretch>
             <a:fillRect/>
           </a:stretch>
         </p:blipFill>
         <p:spPr>
           <a:xfrm>
-            <a:off x="8251932" y="485591"/>
-            <a:ext cx="3781953" cy="428685"/>
+            <a:off x="7730339" y="1004355"/>
+            <a:ext cx="4454294" cy="504895"/>
           </a:xfrm>
           <a:prstGeom prst="rect">
             <a:avLst/>
@@ -6822,7 +8359,7 @@
         </p:nvCxnSpPr>
         <p:spPr>
           <a:xfrm flipV="1">
-            <a:off x="4070838" y="1101436"/>
+            <a:off x="3757132" y="1132103"/>
             <a:ext cx="562706" cy="334541"/>
           </a:xfrm>
           <a:prstGeom prst="bentConnector3">
@@ -6863,7 +8400,7 @@
         </p:nvSpPr>
         <p:spPr>
           <a:xfrm>
-            <a:off x="4633544" y="930042"/>
+            <a:off x="4421157" y="947437"/>
             <a:ext cx="975946" cy="369332"/>
           </a:xfrm>
           <a:prstGeom prst="rect">
@@ -6893,6 +8430,66 @@
           </a:p>
         </p:txBody>
       </p:sp>
+      <p:pic>
+        <p:nvPicPr>
+          <p:cNvPr id="3" name="Imagem 2">
+            <a:extLst>
+              <a:ext uri="{FF2B5EF4-FFF2-40B4-BE49-F238E27FC236}">
+                <a16:creationId xmlns:a16="http://schemas.microsoft.com/office/drawing/2014/main" id="{EF68AD56-7FE8-E7AB-E87C-E2E6FCBD682B}"/>
+              </a:ext>
+            </a:extLst>
+          </p:cNvPr>
+          <p:cNvPicPr>
+            <a:picLocks noChangeAspect="1"/>
+          </p:cNvPicPr>
+          <p:nvPr/>
+        </p:nvPicPr>
+        <p:blipFill>
+          <a:blip r:embed="rId6"/>
+          <a:stretch>
+            <a:fillRect/>
+          </a:stretch>
+        </p:blipFill>
+        <p:spPr>
+          <a:xfrm>
+            <a:off x="1094675" y="3467637"/>
+            <a:ext cx="10002646" cy="504895"/>
+          </a:xfrm>
+          <a:prstGeom prst="rect">
+            <a:avLst/>
+          </a:prstGeom>
+        </p:spPr>
+      </p:pic>
+      <p:pic>
+        <p:nvPicPr>
+          <p:cNvPr id="13" name="Imagem 12" descr="Interface gráfica do usuário, Aplicativo&#10;&#10;O conteúdo gerado por IA pode estar incorreto.">
+            <a:extLst>
+              <a:ext uri="{FF2B5EF4-FFF2-40B4-BE49-F238E27FC236}">
+                <a16:creationId xmlns:a16="http://schemas.microsoft.com/office/drawing/2014/main" id="{37F7352D-BF19-8EB0-D8B8-FCF8A2F6EA45}"/>
+              </a:ext>
+            </a:extLst>
+          </p:cNvPr>
+          <p:cNvPicPr>
+            <a:picLocks noChangeAspect="1"/>
+          </p:cNvPicPr>
+          <p:nvPr/>
+        </p:nvPicPr>
+        <p:blipFill>
+          <a:blip r:embed="rId7"/>
+          <a:stretch>
+            <a:fillRect/>
+          </a:stretch>
+        </p:blipFill>
+        <p:spPr>
+          <a:xfrm>
+            <a:off x="2285170" y="1508289"/>
+            <a:ext cx="7621656" cy="1844453"/>
+          </a:xfrm>
+          <a:prstGeom prst="rect">
+            <a:avLst/>
+          </a:prstGeom>
+        </p:spPr>
+      </p:pic>
     </p:spTree>
     <p:extLst>
       <p:ext uri="{BB962C8B-B14F-4D97-AF65-F5344CB8AC3E}">
@@ -7020,7 +8617,7 @@
         <p:spPr>
           <a:xfrm>
             <a:off x="2664802" y="1095443"/>
-            <a:ext cx="6862396" cy="400110"/>
+            <a:ext cx="6862396" cy="954107"/>
           </a:xfrm>
           <a:prstGeom prst="rect">
             <a:avLst/>
@@ -7033,48 +8630,49 @@
           </a:bodyPr>
           <a:lstStyle/>
           <a:p>
-            <a:r>
-              <a:rPr lang="en-US" sz="2000" dirty="0" err="1"/>
+            <a:pPr algn="ctr"/>
+            <a:r>
+              <a:rPr lang="en-US" sz="2800" dirty="0" err="1"/>
               <a:t>Comando</a:t>
             </a:r>
             <a:r>
-              <a:rPr lang="en-US" sz="2000" dirty="0"/>
+              <a:rPr lang="en-US" sz="2800" dirty="0"/>
               <a:t> de </a:t>
             </a:r>
             <a:r>
-              <a:rPr lang="en-US" sz="2000" u="sng" dirty="0" err="1"/>
+              <a:rPr lang="en-US" sz="2800" u="sng" dirty="0" err="1"/>
               <a:t>exclusão</a:t>
             </a:r>
             <a:r>
-              <a:rPr lang="en-US" sz="2000" u="sng" dirty="0"/>
+              <a:rPr lang="en-US" sz="2800" u="sng" dirty="0"/>
               <a:t> de </a:t>
             </a:r>
             <a:r>
-              <a:rPr lang="en-US" sz="2000" u="sng" dirty="0" err="1"/>
+              <a:rPr lang="en-US" sz="2800" u="sng" dirty="0" err="1"/>
               <a:t>cláusulas</a:t>
             </a:r>
             <a:r>
-              <a:rPr lang="en-US" sz="2000" dirty="0"/>
+              <a:rPr lang="en-US" sz="2800" dirty="0"/>
               <a:t> </a:t>
             </a:r>
             <a:r>
-              <a:rPr lang="en-US" sz="2000" dirty="0" err="1"/>
+              <a:rPr lang="en-US" sz="2800" dirty="0" err="1"/>
               <a:t>presentes</a:t>
             </a:r>
             <a:r>
-              <a:rPr lang="en-US" sz="2000" dirty="0"/>
+              <a:rPr lang="en-US" sz="2800" dirty="0"/>
               <a:t> no banco de dados</a:t>
             </a:r>
-            <a:endParaRPr lang="pt-BR" sz="2000" dirty="0"/>
+            <a:endParaRPr lang="pt-BR" sz="2800" dirty="0"/>
           </a:p>
         </p:txBody>
       </p:sp>
       <p:pic>
         <p:nvPicPr>
-          <p:cNvPr id="7" name="Imagem 6">
-            <a:extLst>
-              <a:ext uri="{FF2B5EF4-FFF2-40B4-BE49-F238E27FC236}">
-                <a16:creationId xmlns:a16="http://schemas.microsoft.com/office/drawing/2014/main" id="{D269F820-E0DC-67CE-CEBD-31EC1FCA3150}"/>
+          <p:cNvPr id="8" name="Imagem 7" descr="Uma imagem contendo Texto&#10;&#10;O conteúdo gerado por IA pode estar incorreto.">
+            <a:extLst>
+              <a:ext uri="{FF2B5EF4-FFF2-40B4-BE49-F238E27FC236}">
+                <a16:creationId xmlns:a16="http://schemas.microsoft.com/office/drawing/2014/main" id="{33D8B8E5-C4D8-B8D1-FA71-13DE15F789D0}"/>
               </a:ext>
             </a:extLst>
           </p:cNvPr>
@@ -7091,22 +8689,22 @@
         </p:blipFill>
         <p:spPr>
           <a:xfrm>
-            <a:off x="3024131" y="1886008"/>
-            <a:ext cx="6177080" cy="3547479"/>
+            <a:off x="2478332" y="2683735"/>
+            <a:ext cx="7235336" cy="3227527"/>
           </a:xfrm>
           <a:prstGeom prst="rect">
             <a:avLst/>
           </a:prstGeom>
         </p:spPr>
       </p:pic>
-      <mc:AlternateContent xmlns:mc="http://schemas.openxmlformats.org/markup-compatibility/2006" xmlns:p14="http://schemas.microsoft.com/office/powerpoint/2010/main">
-        <mc:Choice Requires="p14">
+      <mc:AlternateContent xmlns:mc="http://schemas.openxmlformats.org/markup-compatibility/2006">
+        <mc:Choice xmlns:p14="http://schemas.microsoft.com/office/powerpoint/2010/main" Requires="p14">
           <p:contentPart p14:bwMode="auto" r:id="rId4">
             <p14:nvContentPartPr>
-              <p14:cNvPr id="17" name="Tinta 16">
+              <p14:cNvPr id="9" name="Tinta 8">
                 <a:extLst>
                   <a:ext uri="{FF2B5EF4-FFF2-40B4-BE49-F238E27FC236}">
-                    <a16:creationId xmlns:a16="http://schemas.microsoft.com/office/drawing/2014/main" id="{83B4D8DC-328D-B48D-37B5-FEC65C572A55}"/>
+                    <a16:creationId xmlns:a16="http://schemas.microsoft.com/office/drawing/2014/main" id="{B3873087-9071-E691-EEA9-C7784EC62FC9}"/>
                   </a:ext>
                 </a:extLst>
               </p14:cNvPr>
@@ -7114,18 +8712,69 @@
               <p14:nvPr/>
             </p14:nvContentPartPr>
             <p14:xfrm>
-              <a:off x="4299286" y="3920940"/>
-              <a:ext cx="870840" cy="720"/>
+              <a:off x="3938496" y="3207437"/>
+              <a:ext cx="2022689" cy="720"/>
             </p14:xfrm>
           </p:contentPart>
         </mc:Choice>
-        <mc:Fallback xmlns="">
+        <mc:Fallback>
           <p:pic>
             <p:nvPicPr>
-              <p:cNvPr id="17" name="Tinta 16">
+              <p:cNvPr id="9" name="Tinta 8">
                 <a:extLst>
                   <a:ext uri="{FF2B5EF4-FFF2-40B4-BE49-F238E27FC236}">
-                    <a16:creationId xmlns:a16="http://schemas.microsoft.com/office/drawing/2014/main" id="{83B4D8DC-328D-B48D-37B5-FEC65C572A55}"/>
+                    <a16:creationId xmlns:a16="http://schemas.microsoft.com/office/drawing/2014/main" id="{B3873087-9071-E691-EEA9-C7784EC62FC9}"/>
+                  </a:ext>
+                </a:extLst>
+              </p:cNvPr>
+              <p:cNvPicPr/>
+              <p:nvPr/>
+            </p:nvPicPr>
+            <p:blipFill>
+              <a:blip r:embed="rId5"/>
+              <a:stretch>
+                <a:fillRect/>
+              </a:stretch>
+            </p:blipFill>
+            <p:spPr>
+              <a:xfrm>
+                <a:off x="3932371" y="3195197"/>
+                <a:ext cx="2034939" cy="25200"/>
+              </a:xfrm>
+              <a:prstGeom prst="rect">
+                <a:avLst/>
+              </a:prstGeom>
+            </p:spPr>
+          </p:pic>
+        </mc:Fallback>
+      </mc:AlternateContent>
+      <mc:AlternateContent xmlns:mc="http://schemas.openxmlformats.org/markup-compatibility/2006">
+        <mc:Choice xmlns:p14="http://schemas.microsoft.com/office/powerpoint/2010/main" Requires="p14">
+          <p:contentPart p14:bwMode="auto" r:id="rId6">
+            <p14:nvContentPartPr>
+              <p14:cNvPr id="10" name="Tinta 9">
+                <a:extLst>
+                  <a:ext uri="{FF2B5EF4-FFF2-40B4-BE49-F238E27FC236}">
+                    <a16:creationId xmlns:a16="http://schemas.microsoft.com/office/drawing/2014/main" id="{4EB4C1D9-98B5-EC53-17AE-0AA50BD8430A}"/>
+                  </a:ext>
+                </a:extLst>
+              </p14:cNvPr>
+              <p14:cNvContentPartPr/>
+              <p14:nvPr/>
+            </p14:nvContentPartPr>
+            <p14:xfrm>
+              <a:off x="3938496" y="4568674"/>
+              <a:ext cx="987801" cy="720"/>
+            </p14:xfrm>
+          </p:contentPart>
+        </mc:Choice>
+        <mc:Fallback>
+          <p:pic>
+            <p:nvPicPr>
+              <p:cNvPr id="10" name="Tinta 9">
+                <a:extLst>
+                  <a:ext uri="{FF2B5EF4-FFF2-40B4-BE49-F238E27FC236}">
+                    <a16:creationId xmlns:a16="http://schemas.microsoft.com/office/drawing/2014/main" id="{4EB4C1D9-98B5-EC53-17AE-0AA50BD8430A}"/>
                   </a:ext>
                 </a:extLst>
               </p:cNvPr>
@@ -7140,8 +8789,8 @@
             </p:blipFill>
             <p:spPr>
               <a:xfrm>
-                <a:off x="4293166" y="3908700"/>
-                <a:ext cx="883080" cy="25200"/>
+                <a:off x="3932372" y="4556434"/>
+                <a:ext cx="1000049" cy="25200"/>
               </a:xfrm>
               <a:prstGeom prst="rect">
                 <a:avLst/>
@@ -7150,14 +8799,14 @@
           </p:pic>
         </mc:Fallback>
       </mc:AlternateContent>
-      <mc:AlternateContent xmlns:mc="http://schemas.openxmlformats.org/markup-compatibility/2006" xmlns:p14="http://schemas.microsoft.com/office/powerpoint/2010/main">
-        <mc:Choice Requires="p14">
+      <mc:AlternateContent xmlns:mc="http://schemas.openxmlformats.org/markup-compatibility/2006">
+        <mc:Choice xmlns:p14="http://schemas.microsoft.com/office/powerpoint/2010/main" Requires="p14">
           <p:contentPart p14:bwMode="auto" r:id="rId8">
             <p14:nvContentPartPr>
-              <p14:cNvPr id="19" name="Tinta 18">
+              <p14:cNvPr id="11" name="Tinta 10">
                 <a:extLst>
                   <a:ext uri="{FF2B5EF4-FFF2-40B4-BE49-F238E27FC236}">
-                    <a16:creationId xmlns:a16="http://schemas.microsoft.com/office/drawing/2014/main" id="{10728437-01CA-7440-FD55-B6726EB56409}"/>
+                    <a16:creationId xmlns:a16="http://schemas.microsoft.com/office/drawing/2014/main" id="{90AAEAD4-9E77-0E0A-EE9A-82A145D262E6}"/>
                   </a:ext>
                 </a:extLst>
               </p14:cNvPr>
@@ -7165,18 +8814,18 @@
               <p14:nvPr/>
             </p14:nvContentPartPr>
             <p14:xfrm>
-              <a:off x="4316566" y="5257620"/>
-              <a:ext cx="1047240" cy="720"/>
+              <a:off x="3938496" y="5911262"/>
+              <a:ext cx="1222589" cy="720"/>
             </p14:xfrm>
           </p:contentPart>
         </mc:Choice>
-        <mc:Fallback xmlns="">
+        <mc:Fallback>
           <p:pic>
             <p:nvPicPr>
-              <p:cNvPr id="19" name="Tinta 18">
+              <p:cNvPr id="11" name="Tinta 10">
                 <a:extLst>
                   <a:ext uri="{FF2B5EF4-FFF2-40B4-BE49-F238E27FC236}">
-                    <a16:creationId xmlns:a16="http://schemas.microsoft.com/office/drawing/2014/main" id="{10728437-01CA-7440-FD55-B6726EB56409}"/>
+                    <a16:creationId xmlns:a16="http://schemas.microsoft.com/office/drawing/2014/main" id="{90AAEAD4-9E77-0E0A-EE9A-82A145D262E6}"/>
                   </a:ext>
                 </a:extLst>
               </p:cNvPr>
@@ -7191,8 +8840,8 @@
             </p:blipFill>
             <p:spPr>
               <a:xfrm>
-                <a:off x="4310446" y="5245380"/>
-                <a:ext cx="1059480" cy="25200"/>
+                <a:off x="3932372" y="5899022"/>
+                <a:ext cx="1234837" cy="25200"/>
               </a:xfrm>
               <a:prstGeom prst="rect">
                 <a:avLst/>
@@ -7203,10 +8852,10 @@
       </mc:AlternateContent>
       <p:sp>
         <p:nvSpPr>
-          <p:cNvPr id="27" name="CaixaDeTexto 26">
-            <a:extLst>
-              <a:ext uri="{FF2B5EF4-FFF2-40B4-BE49-F238E27FC236}">
-                <a16:creationId xmlns:a16="http://schemas.microsoft.com/office/drawing/2014/main" id="{CAC3AF95-D78F-F15A-0D32-EE06C3778457}"/>
+          <p:cNvPr id="12" name="CaixaDeTexto 11">
+            <a:extLst>
+              <a:ext uri="{FF2B5EF4-FFF2-40B4-BE49-F238E27FC236}">
+                <a16:creationId xmlns:a16="http://schemas.microsoft.com/office/drawing/2014/main" id="{2105D30D-8C4F-1C50-2CDA-BEF548FAA3CF}"/>
               </a:ext>
             </a:extLst>
           </p:cNvPr>
@@ -7215,8 +8864,8 @@
         </p:nvSpPr>
         <p:spPr>
           <a:xfrm>
-            <a:off x="4346285" y="5292740"/>
-            <a:ext cx="987801" cy="369332"/>
+            <a:off x="4402677" y="3244334"/>
+            <a:ext cx="1047240" cy="369332"/>
           </a:xfrm>
           <a:prstGeom prst="rect">
             <a:avLst/>
@@ -7247,10 +8896,10 @@
       </p:sp>
       <p:sp>
         <p:nvSpPr>
-          <p:cNvPr id="28" name="CaixaDeTexto 27">
-            <a:extLst>
-              <a:ext uri="{FF2B5EF4-FFF2-40B4-BE49-F238E27FC236}">
-                <a16:creationId xmlns:a16="http://schemas.microsoft.com/office/drawing/2014/main" id="{F0E32082-F7D4-804B-B721-60EC0FCFEBFB}"/>
+          <p:cNvPr id="13" name="CaixaDeTexto 12">
+            <a:extLst>
+              <a:ext uri="{FF2B5EF4-FFF2-40B4-BE49-F238E27FC236}">
+                <a16:creationId xmlns:a16="http://schemas.microsoft.com/office/drawing/2014/main" id="{05EA3C9E-AA79-1E38-0C96-C0B62A3C52F5}"/>
               </a:ext>
             </a:extLst>
           </p:cNvPr>
@@ -7259,7 +8908,7 @@
         </p:nvSpPr>
         <p:spPr>
           <a:xfrm>
-            <a:off x="4211086" y="3912146"/>
+            <a:off x="3938496" y="4586202"/>
             <a:ext cx="1047240" cy="369332"/>
           </a:xfrm>
           <a:prstGeom prst="rect">
@@ -7291,10 +8940,10 @@
       </p:sp>
       <p:sp>
         <p:nvSpPr>
-          <p:cNvPr id="29" name="CaixaDeTexto 28">
-            <a:extLst>
-              <a:ext uri="{FF2B5EF4-FFF2-40B4-BE49-F238E27FC236}">
-                <a16:creationId xmlns:a16="http://schemas.microsoft.com/office/drawing/2014/main" id="{8DDFFEC3-1C8D-5523-4F1B-D51F2A78EFEC}"/>
+          <p:cNvPr id="14" name="CaixaDeTexto 13">
+            <a:extLst>
+              <a:ext uri="{FF2B5EF4-FFF2-40B4-BE49-F238E27FC236}">
+                <a16:creationId xmlns:a16="http://schemas.microsoft.com/office/drawing/2014/main" id="{E9F76F17-36A5-0405-4109-8CD724193E0B}"/>
               </a:ext>
             </a:extLst>
           </p:cNvPr>
@@ -7303,7 +8952,7 @@
         </p:nvSpPr>
         <p:spPr>
           <a:xfrm>
-            <a:off x="4646506" y="2703825"/>
+            <a:off x="4026170" y="5931936"/>
             <a:ext cx="1047240" cy="369332"/>
           </a:xfrm>
           <a:prstGeom prst="rect">
@@ -7333,57 +8982,6 @@
           </a:p>
         </p:txBody>
       </p:sp>
-      <mc:AlternateContent xmlns:mc="http://schemas.openxmlformats.org/markup-compatibility/2006" xmlns:p14="http://schemas.microsoft.com/office/powerpoint/2010/main">
-        <mc:Choice Requires="p14">
-          <p:contentPart p14:bwMode="auto" r:id="rId10">
-            <p14:nvContentPartPr>
-              <p14:cNvPr id="2" name="Tinta 1">
-                <a:extLst>
-                  <a:ext uri="{FF2B5EF4-FFF2-40B4-BE49-F238E27FC236}">
-                    <a16:creationId xmlns:a16="http://schemas.microsoft.com/office/drawing/2014/main" id="{E727C470-A265-AF3C-4586-127D492D5AB9}"/>
-                  </a:ext>
-                </a:extLst>
-              </p14:cNvPr>
-              <p14:cNvContentPartPr/>
-              <p14:nvPr/>
-            </p14:nvContentPartPr>
-            <p14:xfrm>
-              <a:off x="4316565" y="2615267"/>
-              <a:ext cx="1662203" cy="720"/>
-            </p14:xfrm>
-          </p:contentPart>
-        </mc:Choice>
-        <mc:Fallback xmlns="">
-          <p:pic>
-            <p:nvPicPr>
-              <p:cNvPr id="2" name="Tinta 1">
-                <a:extLst>
-                  <a:ext uri="{FF2B5EF4-FFF2-40B4-BE49-F238E27FC236}">
-                    <a16:creationId xmlns:a16="http://schemas.microsoft.com/office/drawing/2014/main" id="{E727C470-A265-AF3C-4586-127D492D5AB9}"/>
-                  </a:ext>
-                </a:extLst>
-              </p:cNvPr>
-              <p:cNvPicPr/>
-              <p:nvPr/>
-            </p:nvPicPr>
-            <p:blipFill>
-              <a:blip r:embed="rId11"/>
-              <a:stretch>
-                <a:fillRect/>
-              </a:stretch>
-            </p:blipFill>
-            <p:spPr>
-              <a:xfrm>
-                <a:off x="4310441" y="2603027"/>
-                <a:ext cx="1674452" cy="25200"/>
-              </a:xfrm>
-              <a:prstGeom prst="rect">
-                <a:avLst/>
-              </a:prstGeom>
-            </p:spPr>
-          </p:pic>
-        </mc:Fallback>
-      </mc:AlternateContent>
     </p:spTree>
     <p:extLst>
       <p:ext uri="{BB962C8B-B14F-4D97-AF65-F5344CB8AC3E}">
@@ -7511,7 +9109,7 @@
         <p:spPr>
           <a:xfrm>
             <a:off x="2480528" y="1314057"/>
-            <a:ext cx="7230941" cy="400110"/>
+            <a:ext cx="7230941" cy="954107"/>
           </a:xfrm>
           <a:prstGeom prst="rect">
             <a:avLst/>
@@ -7524,164 +9122,40 @@
           </a:bodyPr>
           <a:lstStyle/>
           <a:p>
-            <a:r>
-              <a:rPr lang="en-US" sz="2000" dirty="0" err="1"/>
+            <a:pPr algn="ctr"/>
+            <a:r>
+              <a:rPr lang="en-US" sz="2800" dirty="0" err="1"/>
               <a:t>Comando</a:t>
             </a:r>
             <a:r>
-              <a:rPr lang="en-US" sz="2000" dirty="0"/>
+              <a:rPr lang="en-US" sz="2800" dirty="0"/>
               <a:t> de </a:t>
             </a:r>
             <a:r>
-              <a:rPr lang="en-US" sz="2000" u="sng" dirty="0" err="1"/>
+              <a:rPr lang="en-US" sz="2800" u="sng" dirty="0" err="1"/>
               <a:t>modificação</a:t>
             </a:r>
             <a:r>
-              <a:rPr lang="en-US" sz="2000" u="sng" dirty="0"/>
+              <a:rPr lang="en-US" sz="2800" u="sng" dirty="0"/>
               <a:t> de </a:t>
             </a:r>
             <a:r>
-              <a:rPr lang="en-US" sz="2000" u="sng" dirty="0" err="1"/>
+              <a:rPr lang="en-US" sz="2800" u="sng" dirty="0" err="1"/>
               <a:t>cláusulas</a:t>
             </a:r>
             <a:r>
-              <a:rPr lang="en-US" sz="2000" dirty="0"/>
+              <a:rPr lang="en-US" sz="2800" dirty="0"/>
               <a:t> </a:t>
             </a:r>
             <a:r>
-              <a:rPr lang="en-US" sz="2000" dirty="0" err="1"/>
+              <a:rPr lang="en-US" sz="2800" dirty="0" err="1"/>
               <a:t>presentes</a:t>
             </a:r>
             <a:r>
-              <a:rPr lang="en-US" sz="2000" dirty="0"/>
+              <a:rPr lang="en-US" sz="2800" dirty="0"/>
               <a:t> no banco de dados</a:t>
             </a:r>
-            <a:endParaRPr lang="pt-BR" sz="2000" dirty="0"/>
-          </a:p>
-        </p:txBody>
-      </p:sp>
-      <p:pic>
-        <p:nvPicPr>
-          <p:cNvPr id="6" name="Imagem 5">
-            <a:extLst>
-              <a:ext uri="{FF2B5EF4-FFF2-40B4-BE49-F238E27FC236}">
-                <a16:creationId xmlns:a16="http://schemas.microsoft.com/office/drawing/2014/main" id="{3D9A42DE-FC15-41A1-7FE2-C7E3F2F5F010}"/>
-              </a:ext>
-            </a:extLst>
-          </p:cNvPr>
-          <p:cNvPicPr>
-            <a:picLocks noChangeAspect="1"/>
-          </p:cNvPicPr>
-          <p:nvPr/>
-        </p:nvPicPr>
-        <p:blipFill>
-          <a:blip r:embed="rId3"/>
-          <a:stretch>
-            <a:fillRect/>
-          </a:stretch>
-        </p:blipFill>
-        <p:spPr>
-          <a:xfrm>
-            <a:off x="721667" y="2290239"/>
-            <a:ext cx="10748665" cy="3231330"/>
-          </a:xfrm>
-          <a:prstGeom prst="rect">
-            <a:avLst/>
-          </a:prstGeom>
-        </p:spPr>
-      </p:pic>
-      <mc:AlternateContent xmlns:mc="http://schemas.openxmlformats.org/markup-compatibility/2006" xmlns:p14="http://schemas.microsoft.com/office/powerpoint/2010/main">
-        <mc:Choice Requires="p14">
-          <p:contentPart p14:bwMode="auto" r:id="rId4">
-            <p14:nvContentPartPr>
-              <p14:cNvPr id="9" name="Tinta 8">
-                <a:extLst>
-                  <a:ext uri="{FF2B5EF4-FFF2-40B4-BE49-F238E27FC236}">
-                    <a16:creationId xmlns:a16="http://schemas.microsoft.com/office/drawing/2014/main" id="{CB809BE0-B888-3A6C-78D6-7C3DA79C5EA9}"/>
-                  </a:ext>
-                </a:extLst>
-              </p14:cNvPr>
-              <p14:cNvContentPartPr/>
-              <p14:nvPr/>
-            </p14:nvContentPartPr>
-            <p14:xfrm>
-              <a:off x="2153686" y="3006540"/>
-              <a:ext cx="933120" cy="720"/>
-            </p14:xfrm>
-          </p:contentPart>
-        </mc:Choice>
-        <mc:Fallback xmlns="">
-          <p:pic>
-            <p:nvPicPr>
-              <p:cNvPr id="9" name="Tinta 8">
-                <a:extLst>
-                  <a:ext uri="{FF2B5EF4-FFF2-40B4-BE49-F238E27FC236}">
-                    <a16:creationId xmlns:a16="http://schemas.microsoft.com/office/drawing/2014/main" id="{CB809BE0-B888-3A6C-78D6-7C3DA79C5EA9}"/>
-                  </a:ext>
-                </a:extLst>
-              </p:cNvPr>
-              <p:cNvPicPr/>
-              <p:nvPr/>
-            </p:nvPicPr>
-            <p:blipFill>
-              <a:blip r:embed="rId5"/>
-              <a:stretch>
-                <a:fillRect/>
-              </a:stretch>
-            </p:blipFill>
-            <p:spPr>
-              <a:xfrm>
-                <a:off x="2147566" y="2994300"/>
-                <a:ext cx="945360" cy="25200"/>
-              </a:xfrm>
-              <a:prstGeom prst="rect">
-                <a:avLst/>
-              </a:prstGeom>
-            </p:spPr>
-          </p:pic>
-        </mc:Fallback>
-      </mc:AlternateContent>
-      <p:sp>
-        <p:nvSpPr>
-          <p:cNvPr id="10" name="CaixaDeTexto 9">
-            <a:extLst>
-              <a:ext uri="{FF2B5EF4-FFF2-40B4-BE49-F238E27FC236}">
-                <a16:creationId xmlns:a16="http://schemas.microsoft.com/office/drawing/2014/main" id="{E1DB0001-5E9D-D2DA-6929-01D9DA335809}"/>
-              </a:ext>
-            </a:extLst>
-          </p:cNvPr>
-          <p:cNvSpPr txBox="1"/>
-          <p:nvPr/>
-        </p:nvSpPr>
-        <p:spPr>
-          <a:xfrm>
-            <a:off x="2153686" y="3059668"/>
-            <a:ext cx="1047240" cy="369332"/>
-          </a:xfrm>
-          <a:prstGeom prst="rect">
-            <a:avLst/>
-          </a:prstGeom>
-          <a:noFill/>
-        </p:spPr>
-        <p:txBody>
-          <a:bodyPr wrap="square" rtlCol="0">
-            <a:spAutoFit/>
-          </a:bodyPr>
-          <a:lstStyle/>
-          <a:p>
-            <a:r>
-              <a:rPr lang="en-US" b="1" dirty="0" err="1">
-                <a:solidFill>
-                  <a:srgbClr val="FF0000"/>
-                </a:solidFill>
-              </a:rPr>
-              <a:t>Cláusula</a:t>
-            </a:r>
-            <a:endParaRPr lang="pt-BR" b="1" dirty="0">
-              <a:solidFill>
-                <a:srgbClr val="FF0000"/>
-              </a:solidFill>
-            </a:endParaRPr>
+            <a:endParaRPr lang="pt-BR" sz="2800" dirty="0"/>
           </a:p>
         </p:txBody>
       </p:sp>
@@ -7707,49 +9181,6 @@
           <a:prstGeom prst="bentConnector3">
             <a:avLst>
               <a:gd name="adj1" fmla="val 1887"/>
-            </a:avLst>
-          </a:prstGeom>
-          <a:ln>
-            <a:tailEnd type="triangle"/>
-          </a:ln>
-        </p:spPr>
-        <p:style>
-          <a:lnRef idx="1">
-            <a:schemeClr val="accent1"/>
-          </a:lnRef>
-          <a:fillRef idx="0">
-            <a:schemeClr val="accent1"/>
-          </a:fillRef>
-          <a:effectRef idx="0">
-            <a:schemeClr val="accent1"/>
-          </a:effectRef>
-          <a:fontRef idx="minor">
-            <a:schemeClr val="tx1"/>
-          </a:fontRef>
-        </p:style>
-      </p:cxnSp>
-      <p:cxnSp>
-        <p:nvCxnSpPr>
-          <p:cNvPr id="17" name="Conector: Angulado 16">
-            <a:extLst>
-              <a:ext uri="{FF2B5EF4-FFF2-40B4-BE49-F238E27FC236}">
-                <a16:creationId xmlns:a16="http://schemas.microsoft.com/office/drawing/2014/main" id="{E1C37974-6B13-F051-56D8-F68BCACAB405}"/>
-              </a:ext>
-            </a:extLst>
-          </p:cNvPr>
-          <p:cNvCxnSpPr>
-            <a:cxnSpLocks/>
-          </p:cNvCxnSpPr>
-          <p:nvPr/>
-        </p:nvCxnSpPr>
-        <p:spPr>
-          <a:xfrm>
-            <a:off x="5052644" y="4216033"/>
-            <a:ext cx="618394" cy="373552"/>
-          </a:xfrm>
-          <a:prstGeom prst="bentConnector3">
-            <a:avLst>
-              <a:gd name="adj1" fmla="val -1185"/>
             </a:avLst>
           </a:prstGeom>
           <a:ln>
@@ -7816,10 +9247,10 @@
       </p:cxnSp>
       <p:sp>
         <p:nvSpPr>
-          <p:cNvPr id="23" name="CaixaDeTexto 22">
-            <a:extLst>
-              <a:ext uri="{FF2B5EF4-FFF2-40B4-BE49-F238E27FC236}">
-                <a16:creationId xmlns:a16="http://schemas.microsoft.com/office/drawing/2014/main" id="{9843F46D-D40E-CFB8-288C-026078627A70}"/>
+          <p:cNvPr id="25" name="CaixaDeTexto 24">
+            <a:extLst>
+              <a:ext uri="{FF2B5EF4-FFF2-40B4-BE49-F238E27FC236}">
+                <a16:creationId xmlns:a16="http://schemas.microsoft.com/office/drawing/2014/main" id="{B55DF513-59C6-8B7B-4423-D90596961D33}"/>
               </a:ext>
             </a:extLst>
           </p:cNvPr>
@@ -7828,8 +9259,8 @@
         </p:nvSpPr>
         <p:spPr>
           <a:xfrm>
-            <a:off x="5823440" y="3221276"/>
-            <a:ext cx="2942492" cy="369332"/>
+            <a:off x="6005145" y="5688623"/>
+            <a:ext cx="5161081" cy="707886"/>
           </a:xfrm>
           <a:prstGeom prst="rect">
             <a:avLst/>
@@ -7843,145 +9274,45 @@
           <a:lstStyle/>
           <a:p>
             <a:r>
-              <a:rPr lang="en-US" dirty="0" err="1"/>
-              <a:t>Adiciona</a:t>
-            </a:r>
-            <a:r>
-              <a:rPr lang="en-US" dirty="0"/>
-              <a:t> algo </a:t>
-            </a:r>
-            <a:r>
-              <a:rPr lang="en-US" u="sng" dirty="0"/>
-              <a:t>novo</a:t>
-            </a:r>
-            <a:r>
-              <a:rPr lang="en-US" dirty="0"/>
-              <a:t> à </a:t>
-            </a:r>
-            <a:r>
-              <a:rPr lang="en-US" dirty="0" err="1"/>
-              <a:t>cláusula</a:t>
-            </a:r>
-            <a:endParaRPr lang="pt-BR" dirty="0"/>
-          </a:p>
-        </p:txBody>
-      </p:sp>
-      <p:sp>
-        <p:nvSpPr>
-          <p:cNvPr id="24" name="CaixaDeTexto 23">
-            <a:extLst>
-              <a:ext uri="{FF2B5EF4-FFF2-40B4-BE49-F238E27FC236}">
-                <a16:creationId xmlns:a16="http://schemas.microsoft.com/office/drawing/2014/main" id="{B4463EA2-A219-233F-E355-9EEEC5C5A86E}"/>
-              </a:ext>
-            </a:extLst>
-          </p:cNvPr>
-          <p:cNvSpPr txBox="1"/>
-          <p:nvPr/>
-        </p:nvSpPr>
-        <p:spPr>
-          <a:xfrm>
-            <a:off x="5823439" y="4426994"/>
-            <a:ext cx="2089638" cy="369332"/>
-          </a:xfrm>
-          <a:prstGeom prst="rect">
-            <a:avLst/>
-          </a:prstGeom>
-          <a:noFill/>
-        </p:spPr>
-        <p:txBody>
-          <a:bodyPr wrap="square" rtlCol="0">
-            <a:spAutoFit/>
-          </a:bodyPr>
-          <a:lstStyle/>
-          <a:p>
-            <a:r>
-              <a:rPr lang="en-US" dirty="0" err="1"/>
-              <a:t>Exclui</a:t>
-            </a:r>
-            <a:r>
-              <a:rPr lang="en-US" dirty="0"/>
-              <a:t> algo </a:t>
-            </a:r>
-            <a:r>
-              <a:rPr lang="en-US" u="sng" dirty="0" err="1"/>
+              <a:rPr lang="en-US" sz="2000" dirty="0"/>
+              <a:t>Altera algo </a:t>
+            </a:r>
+            <a:r>
+              <a:rPr lang="en-US" sz="2000" u="sng" dirty="0" err="1"/>
               <a:t>existente</a:t>
             </a:r>
             <a:r>
-              <a:rPr lang="en-US" u="sng" dirty="0"/>
+              <a:rPr lang="en-US" sz="2000" u="sng" dirty="0"/>
+              <a:t>:</a:t>
+            </a:r>
+            <a:endParaRPr lang="en-US" sz="2000" dirty="0"/>
+          </a:p>
+          <a:p>
+            <a:r>
+              <a:rPr lang="en-US" sz="2000" dirty="0"/>
+              <a:t>- Tipo de dado, </a:t>
+            </a:r>
+            <a:r>
+              <a:rPr lang="en-US" sz="2000" dirty="0" err="1"/>
+              <a:t>capacidade</a:t>
+            </a:r>
+            <a:r>
+              <a:rPr lang="en-US" sz="2000" dirty="0"/>
+              <a:t> do dado </a:t>
+            </a:r>
+            <a:r>
+              <a:rPr lang="en-US" sz="2000" dirty="0" err="1"/>
+              <a:t>ou</a:t>
+            </a:r>
+            <a:r>
+              <a:rPr lang="en-US" sz="2000" dirty="0"/>
               <a:t> </a:t>
             </a:r>
-            <a:endParaRPr lang="pt-BR" u="sng" dirty="0"/>
-          </a:p>
-        </p:txBody>
-      </p:sp>
-      <p:sp>
-        <p:nvSpPr>
-          <p:cNvPr id="25" name="CaixaDeTexto 24">
-            <a:extLst>
-              <a:ext uri="{FF2B5EF4-FFF2-40B4-BE49-F238E27FC236}">
-                <a16:creationId xmlns:a16="http://schemas.microsoft.com/office/drawing/2014/main" id="{B55DF513-59C6-8B7B-4423-D90596961D33}"/>
-              </a:ext>
-            </a:extLst>
-          </p:cNvPr>
-          <p:cNvSpPr txBox="1"/>
-          <p:nvPr/>
-        </p:nvSpPr>
-        <p:spPr>
-          <a:xfrm>
-            <a:off x="6005145" y="5688623"/>
-            <a:ext cx="4677509" cy="646331"/>
-          </a:xfrm>
-          <a:prstGeom prst="rect">
-            <a:avLst/>
-          </a:prstGeom>
-          <a:noFill/>
-        </p:spPr>
-        <p:txBody>
-          <a:bodyPr wrap="square" rtlCol="0">
-            <a:spAutoFit/>
-          </a:bodyPr>
-          <a:lstStyle/>
-          <a:p>
-            <a:r>
-              <a:rPr lang="en-US" dirty="0"/>
-              <a:t>Altera algo </a:t>
-            </a:r>
-            <a:r>
-              <a:rPr lang="en-US" u="sng" dirty="0" err="1"/>
-              <a:t>existente</a:t>
-            </a:r>
-            <a:r>
-              <a:rPr lang="en-US" u="sng" dirty="0"/>
-              <a:t>:</a:t>
-            </a:r>
-            <a:endParaRPr lang="en-US" dirty="0"/>
-          </a:p>
-          <a:p>
-            <a:r>
-              <a:rPr lang="en-US" dirty="0"/>
-              <a:t>- Tipo de dado, </a:t>
-            </a:r>
-            <a:r>
-              <a:rPr lang="en-US" dirty="0" err="1"/>
-              <a:t>capacidade</a:t>
-            </a:r>
-            <a:r>
-              <a:rPr lang="en-US" dirty="0"/>
-              <a:t> do dado </a:t>
-            </a:r>
-            <a:r>
-              <a:rPr lang="en-US" dirty="0" err="1"/>
-              <a:t>ou</a:t>
-            </a:r>
-            <a:r>
-              <a:rPr lang="en-US" dirty="0"/>
-              <a:t> </a:t>
-            </a:r>
-            <a:r>
-              <a:rPr lang="en-US" dirty="0" err="1"/>
+            <a:r>
+              <a:rPr lang="en-US" sz="2000" dirty="0" err="1"/>
               <a:t>restrição</a:t>
             </a:r>
-            <a:endParaRPr lang="pt-BR" dirty="0"/>
+            <a:endParaRPr lang="pt-BR" sz="2000" dirty="0"/>
           </a:p>
         </p:txBody>
       </p:sp>
@@ -8001,7 +9332,7 @@
         </p:nvCxnSpPr>
         <p:spPr>
           <a:xfrm flipV="1">
-            <a:off x="10119946" y="5372398"/>
+            <a:off x="10515600" y="5372398"/>
             <a:ext cx="0" cy="545178"/>
           </a:xfrm>
           <a:prstGeom prst="straightConnector1">
@@ -8026,6 +9357,36 @@
           </a:fontRef>
         </p:style>
       </p:cxnSp>
+      <p:pic>
+        <p:nvPicPr>
+          <p:cNvPr id="7" name="Imagem 6" descr="Interface gráfica do usuário, Texto">
+            <a:extLst>
+              <a:ext uri="{FF2B5EF4-FFF2-40B4-BE49-F238E27FC236}">
+                <a16:creationId xmlns:a16="http://schemas.microsoft.com/office/drawing/2014/main" id="{9781C70E-9183-485C-4318-388C463E938C}"/>
+              </a:ext>
+            </a:extLst>
+          </p:cNvPr>
+          <p:cNvPicPr>
+            <a:picLocks noChangeAspect="1"/>
+          </p:cNvPicPr>
+          <p:nvPr/>
+        </p:nvPicPr>
+        <p:blipFill>
+          <a:blip r:embed="rId3"/>
+          <a:stretch>
+            <a:fillRect/>
+          </a:stretch>
+        </p:blipFill>
+        <p:spPr>
+          <a:xfrm>
+            <a:off x="480227" y="2765177"/>
+            <a:ext cx="11231542" cy="2610214"/>
+          </a:xfrm>
+          <a:prstGeom prst="rect">
+            <a:avLst/>
+          </a:prstGeom>
+        </p:spPr>
+      </p:pic>
       <p:cxnSp>
         <p:nvCxnSpPr>
           <p:cNvPr id="32" name="Conector de Seta Reta 31">
@@ -8067,6 +9428,287 @@
           </a:fontRef>
         </p:style>
       </p:cxnSp>
+      <p:sp>
+        <p:nvSpPr>
+          <p:cNvPr id="8" name="CaixaDeTexto 7">
+            <a:extLst>
+              <a:ext uri="{FF2B5EF4-FFF2-40B4-BE49-F238E27FC236}">
+                <a16:creationId xmlns:a16="http://schemas.microsoft.com/office/drawing/2014/main" id="{BFD138CF-611A-58B8-8C2F-AA553D811A6D}"/>
+              </a:ext>
+            </a:extLst>
+          </p:cNvPr>
+          <p:cNvSpPr txBox="1"/>
+          <p:nvPr/>
+        </p:nvSpPr>
+        <p:spPr>
+          <a:xfrm>
+            <a:off x="6254260" y="4466177"/>
+            <a:ext cx="2265485" cy="400110"/>
+          </a:xfrm>
+          <a:prstGeom prst="rect">
+            <a:avLst/>
+          </a:prstGeom>
+          <a:noFill/>
+        </p:spPr>
+        <p:txBody>
+          <a:bodyPr wrap="square" rtlCol="0">
+            <a:spAutoFit/>
+          </a:bodyPr>
+          <a:lstStyle/>
+          <a:p>
+            <a:r>
+              <a:rPr lang="en-US" sz="2000" dirty="0" err="1"/>
+              <a:t>Exclui</a:t>
+            </a:r>
+            <a:r>
+              <a:rPr lang="en-US" sz="2000" dirty="0"/>
+              <a:t> algo </a:t>
+            </a:r>
+            <a:r>
+              <a:rPr lang="en-US" sz="2000" u="sng" dirty="0" err="1"/>
+              <a:t>existente</a:t>
+            </a:r>
+            <a:r>
+              <a:rPr lang="en-US" sz="2000" u="sng" dirty="0"/>
+              <a:t> </a:t>
+            </a:r>
+            <a:endParaRPr lang="pt-BR" sz="2000" u="sng" dirty="0"/>
+          </a:p>
+        </p:txBody>
+      </p:sp>
+      <p:cxnSp>
+        <p:nvCxnSpPr>
+          <p:cNvPr id="11" name="Conector: Angulado 10">
+            <a:extLst>
+              <a:ext uri="{FF2B5EF4-FFF2-40B4-BE49-F238E27FC236}">
+                <a16:creationId xmlns:a16="http://schemas.microsoft.com/office/drawing/2014/main" id="{6D347459-8056-9854-D8E1-0BCD0A0ED609}"/>
+              </a:ext>
+            </a:extLst>
+          </p:cNvPr>
+          <p:cNvCxnSpPr>
+            <a:cxnSpLocks/>
+          </p:cNvCxnSpPr>
+          <p:nvPr/>
+        </p:nvCxnSpPr>
+        <p:spPr>
+          <a:xfrm>
+            <a:off x="5580182" y="4277291"/>
+            <a:ext cx="618394" cy="373552"/>
+          </a:xfrm>
+          <a:prstGeom prst="bentConnector3">
+            <a:avLst>
+              <a:gd name="adj1" fmla="val -1185"/>
+            </a:avLst>
+          </a:prstGeom>
+          <a:ln>
+            <a:tailEnd type="triangle"/>
+          </a:ln>
+        </p:spPr>
+        <p:style>
+          <a:lnRef idx="1">
+            <a:schemeClr val="accent1"/>
+          </a:lnRef>
+          <a:fillRef idx="0">
+            <a:schemeClr val="accent1"/>
+          </a:fillRef>
+          <a:effectRef idx="0">
+            <a:schemeClr val="accent1"/>
+          </a:effectRef>
+          <a:fontRef idx="minor">
+            <a:schemeClr val="tx1"/>
+          </a:fontRef>
+        </p:style>
+      </p:cxnSp>
+      <p:sp>
+        <p:nvSpPr>
+          <p:cNvPr id="13" name="CaixaDeTexto 12">
+            <a:extLst>
+              <a:ext uri="{FF2B5EF4-FFF2-40B4-BE49-F238E27FC236}">
+                <a16:creationId xmlns:a16="http://schemas.microsoft.com/office/drawing/2014/main" id="{B87F8CF8-C065-2D09-6C06-673DF4F0EF8F}"/>
+              </a:ext>
+            </a:extLst>
+          </p:cNvPr>
+          <p:cNvSpPr txBox="1"/>
+          <p:nvPr/>
+        </p:nvSpPr>
+        <p:spPr>
+          <a:xfrm>
+            <a:off x="5580182" y="3377220"/>
+            <a:ext cx="3212126" cy="400110"/>
+          </a:xfrm>
+          <a:prstGeom prst="rect">
+            <a:avLst/>
+          </a:prstGeom>
+          <a:noFill/>
+        </p:spPr>
+        <p:txBody>
+          <a:bodyPr wrap="square" rtlCol="0">
+            <a:spAutoFit/>
+          </a:bodyPr>
+          <a:lstStyle/>
+          <a:p>
+            <a:r>
+              <a:rPr lang="en-US" sz="2000" dirty="0" err="1"/>
+              <a:t>Adiciona</a:t>
+            </a:r>
+            <a:r>
+              <a:rPr lang="en-US" sz="2000" dirty="0"/>
+              <a:t> algo </a:t>
+            </a:r>
+            <a:r>
+              <a:rPr lang="en-US" sz="2000" u="sng" dirty="0"/>
+              <a:t>novo</a:t>
+            </a:r>
+            <a:r>
+              <a:rPr lang="en-US" sz="2000" dirty="0"/>
+              <a:t> à </a:t>
+            </a:r>
+            <a:r>
+              <a:rPr lang="en-US" sz="2000" dirty="0" err="1"/>
+              <a:t>cláusula</a:t>
+            </a:r>
+            <a:endParaRPr lang="pt-BR" sz="2000" dirty="0"/>
+          </a:p>
+        </p:txBody>
+      </p:sp>
+      <p:cxnSp>
+        <p:nvCxnSpPr>
+          <p:cNvPr id="14" name="Conector: Angulado 13">
+            <a:extLst>
+              <a:ext uri="{FF2B5EF4-FFF2-40B4-BE49-F238E27FC236}">
+                <a16:creationId xmlns:a16="http://schemas.microsoft.com/office/drawing/2014/main" id="{C1AB674C-5620-6773-D1B6-D27A11331C80}"/>
+              </a:ext>
+            </a:extLst>
+          </p:cNvPr>
+          <p:cNvCxnSpPr>
+            <a:cxnSpLocks/>
+          </p:cNvCxnSpPr>
+          <p:nvPr/>
+        </p:nvCxnSpPr>
+        <p:spPr>
+          <a:xfrm>
+            <a:off x="4874385" y="3195945"/>
+            <a:ext cx="618394" cy="373552"/>
+          </a:xfrm>
+          <a:prstGeom prst="bentConnector3">
+            <a:avLst>
+              <a:gd name="adj1" fmla="val -1185"/>
+            </a:avLst>
+          </a:prstGeom>
+          <a:ln>
+            <a:tailEnd type="triangle"/>
+          </a:ln>
+        </p:spPr>
+        <p:style>
+          <a:lnRef idx="1">
+            <a:schemeClr val="accent1"/>
+          </a:lnRef>
+          <a:fillRef idx="0">
+            <a:schemeClr val="accent1"/>
+          </a:fillRef>
+          <a:effectRef idx="0">
+            <a:schemeClr val="accent1"/>
+          </a:effectRef>
+          <a:fontRef idx="minor">
+            <a:schemeClr val="tx1"/>
+          </a:fontRef>
+        </p:style>
+      </p:cxnSp>
+      <p:sp>
+        <p:nvSpPr>
+          <p:cNvPr id="16" name="CaixaDeTexto 15">
+            <a:extLst>
+              <a:ext uri="{FF2B5EF4-FFF2-40B4-BE49-F238E27FC236}">
+                <a16:creationId xmlns:a16="http://schemas.microsoft.com/office/drawing/2014/main" id="{19FAC408-958F-7D44-EEB8-E9B3764DA9A3}"/>
+              </a:ext>
+            </a:extLst>
+          </p:cNvPr>
+          <p:cNvSpPr txBox="1"/>
+          <p:nvPr/>
+        </p:nvSpPr>
+        <p:spPr>
+          <a:xfrm>
+            <a:off x="1870182" y="3221276"/>
+            <a:ext cx="1047240" cy="369332"/>
+          </a:xfrm>
+          <a:prstGeom prst="rect">
+            <a:avLst/>
+          </a:prstGeom>
+          <a:noFill/>
+        </p:spPr>
+        <p:txBody>
+          <a:bodyPr wrap="square" rtlCol="0">
+            <a:spAutoFit/>
+          </a:bodyPr>
+          <a:lstStyle/>
+          <a:p>
+            <a:r>
+              <a:rPr lang="en-US" b="1" dirty="0" err="1">
+                <a:solidFill>
+                  <a:srgbClr val="FF0000"/>
+                </a:solidFill>
+              </a:rPr>
+              <a:t>Cláusula</a:t>
+            </a:r>
+            <a:endParaRPr lang="pt-BR" b="1" dirty="0">
+              <a:solidFill>
+                <a:srgbClr val="FF0000"/>
+              </a:solidFill>
+            </a:endParaRPr>
+          </a:p>
+        </p:txBody>
+      </p:sp>
+      <mc:AlternateContent xmlns:mc="http://schemas.openxmlformats.org/markup-compatibility/2006">
+        <mc:Choice xmlns:p14="http://schemas.microsoft.com/office/powerpoint/2010/main" Requires="p14">
+          <p:contentPart p14:bwMode="auto" r:id="rId4">
+            <p14:nvContentPartPr>
+              <p14:cNvPr id="19" name="Tinta 18">
+                <a:extLst>
+                  <a:ext uri="{FF2B5EF4-FFF2-40B4-BE49-F238E27FC236}">
+                    <a16:creationId xmlns:a16="http://schemas.microsoft.com/office/drawing/2014/main" id="{6ED95F99-D9DC-54DA-449A-86D5A8029816}"/>
+                  </a:ext>
+                </a:extLst>
+              </p14:cNvPr>
+              <p14:cNvContentPartPr/>
+              <p14:nvPr/>
+            </p14:nvContentPartPr>
+            <p14:xfrm>
+              <a:off x="1927242" y="3195945"/>
+              <a:ext cx="933120" cy="720"/>
+            </p14:xfrm>
+          </p:contentPart>
+        </mc:Choice>
+        <mc:Fallback>
+          <p:pic>
+            <p:nvPicPr>
+              <p:cNvPr id="19" name="Tinta 18">
+                <a:extLst>
+                  <a:ext uri="{FF2B5EF4-FFF2-40B4-BE49-F238E27FC236}">
+                    <a16:creationId xmlns:a16="http://schemas.microsoft.com/office/drawing/2014/main" id="{6ED95F99-D9DC-54DA-449A-86D5A8029816}"/>
+                  </a:ext>
+                </a:extLst>
+              </p:cNvPr>
+              <p:cNvPicPr/>
+              <p:nvPr/>
+            </p:nvPicPr>
+            <p:blipFill>
+              <a:blip r:embed="rId5"/>
+              <a:stretch>
+                <a:fillRect/>
+              </a:stretch>
+            </p:blipFill>
+            <p:spPr>
+              <a:xfrm>
+                <a:off x="1921120" y="3183705"/>
+                <a:ext cx="945365" cy="25200"/>
+              </a:xfrm>
+              <a:prstGeom prst="rect">
+                <a:avLst/>
+              </a:prstGeom>
+            </p:spPr>
+          </p:pic>
+        </mc:Fallback>
+      </mc:AlternateContent>
     </p:spTree>
     <p:extLst>
       <p:ext uri="{BB962C8B-B14F-4D97-AF65-F5344CB8AC3E}">
@@ -8194,7 +9836,7 @@
         <p:spPr>
           <a:xfrm>
             <a:off x="1819090" y="1224998"/>
-            <a:ext cx="8553817" cy="400110"/>
+            <a:ext cx="8553817" cy="954107"/>
           </a:xfrm>
           <a:prstGeom prst="rect">
             <a:avLst/>
@@ -8207,56 +9849,57 @@
           </a:bodyPr>
           <a:lstStyle/>
           <a:p>
-            <a:r>
-              <a:rPr lang="en-US" sz="2000" dirty="0" err="1"/>
+            <a:pPr algn="ctr"/>
+            <a:r>
+              <a:rPr lang="en-US" sz="2800" dirty="0" err="1"/>
               <a:t>Comando</a:t>
             </a:r>
             <a:r>
-              <a:rPr lang="en-US" sz="2000" dirty="0"/>
+              <a:rPr lang="en-US" sz="2800" dirty="0"/>
               <a:t> para </a:t>
             </a:r>
             <a:r>
-              <a:rPr lang="en-US" sz="2000" u="sng" dirty="0" err="1"/>
+              <a:rPr lang="en-US" sz="2800" u="sng" dirty="0" err="1"/>
               <a:t>mostrar</a:t>
             </a:r>
             <a:r>
-              <a:rPr lang="en-US" sz="2000" u="sng" dirty="0"/>
+              <a:rPr lang="en-US" sz="2800" u="sng" dirty="0"/>
               <a:t> </a:t>
             </a:r>
             <a:r>
-              <a:rPr lang="en-US" sz="2000" u="sng" dirty="0" err="1"/>
+              <a:rPr lang="en-US" sz="2800" u="sng" dirty="0" err="1"/>
               <a:t>informações</a:t>
             </a:r>
             <a:r>
-              <a:rPr lang="en-US" sz="2000" u="sng" dirty="0"/>
+              <a:rPr lang="en-US" sz="2800" u="sng" dirty="0"/>
               <a:t> de </a:t>
             </a:r>
             <a:r>
-              <a:rPr lang="en-US" sz="2000" u="sng" dirty="0" err="1"/>
+              <a:rPr lang="en-US" sz="2800" u="sng" dirty="0" err="1"/>
               <a:t>cláusulas</a:t>
             </a:r>
             <a:r>
-              <a:rPr lang="en-US" sz="2000" dirty="0"/>
+              <a:rPr lang="en-US" sz="2800" dirty="0"/>
               <a:t> </a:t>
             </a:r>
             <a:r>
-              <a:rPr lang="en-US" sz="2000" dirty="0" err="1"/>
+              <a:rPr lang="en-US" sz="2800" dirty="0" err="1"/>
               <a:t>presentes</a:t>
             </a:r>
             <a:r>
-              <a:rPr lang="en-US" sz="2000" dirty="0"/>
+              <a:rPr lang="en-US" sz="2800" dirty="0"/>
               <a:t> no banco de dados</a:t>
             </a:r>
-            <a:endParaRPr lang="pt-BR" sz="2000" dirty="0"/>
+            <a:endParaRPr lang="pt-BR" sz="2800" dirty="0"/>
           </a:p>
         </p:txBody>
       </p:sp>
       <p:pic>
         <p:nvPicPr>
-          <p:cNvPr id="6" name="Imagem 5">
-            <a:extLst>
-              <a:ext uri="{FF2B5EF4-FFF2-40B4-BE49-F238E27FC236}">
-                <a16:creationId xmlns:a16="http://schemas.microsoft.com/office/drawing/2014/main" id="{846A02C1-3895-D775-3093-351CD5B5D71D}"/>
+          <p:cNvPr id="7" name="Imagem 6" descr="Texto&#10;&#10;O conteúdo gerado por IA pode estar incorreto.">
+            <a:extLst>
+              <a:ext uri="{FF2B5EF4-FFF2-40B4-BE49-F238E27FC236}">
+                <a16:creationId xmlns:a16="http://schemas.microsoft.com/office/drawing/2014/main" id="{88DAEC04-97B3-0732-843B-70311BD81490}"/>
               </a:ext>
             </a:extLst>
           </p:cNvPr>
@@ -8273,22 +9916,22 @@
         </p:blipFill>
         <p:spPr>
           <a:xfrm>
-            <a:off x="3056161" y="1974503"/>
-            <a:ext cx="6079678" cy="3790570"/>
+            <a:off x="2139883" y="2350179"/>
+            <a:ext cx="7982568" cy="3877630"/>
           </a:xfrm>
           <a:prstGeom prst="rect">
             <a:avLst/>
           </a:prstGeom>
         </p:spPr>
       </p:pic>
-      <mc:AlternateContent xmlns:mc="http://schemas.openxmlformats.org/markup-compatibility/2006" xmlns:p14="http://schemas.microsoft.com/office/powerpoint/2010/main">
-        <mc:Choice Requires="p14">
+      <mc:AlternateContent xmlns:mc="http://schemas.openxmlformats.org/markup-compatibility/2006">
+        <mc:Choice xmlns:p14="http://schemas.microsoft.com/office/powerpoint/2010/main" Requires="p14">
           <p:contentPart p14:bwMode="auto" r:id="rId4">
             <p14:nvContentPartPr>
-              <p14:cNvPr id="10" name="Tinta 9">
+              <p14:cNvPr id="8" name="Tinta 7">
                 <a:extLst>
                   <a:ext uri="{FF2B5EF4-FFF2-40B4-BE49-F238E27FC236}">
-                    <a16:creationId xmlns:a16="http://schemas.microsoft.com/office/drawing/2014/main" id="{2DE90699-B039-61EE-8192-DB18DD239EF8}"/>
+                    <a16:creationId xmlns:a16="http://schemas.microsoft.com/office/drawing/2014/main" id="{6015D40D-267B-0BCE-2424-FF09DDF35590}"/>
                   </a:ext>
                 </a:extLst>
               </p14:cNvPr>
@@ -8296,18 +9939,18 @@
               <p14:nvPr/>
             </p14:nvContentPartPr>
             <p14:xfrm>
-              <a:off x="4439686" y="2830860"/>
-              <a:ext cx="1882080" cy="360"/>
+              <a:off x="3800777" y="3083117"/>
+              <a:ext cx="2512099" cy="360"/>
             </p14:xfrm>
           </p:contentPart>
         </mc:Choice>
-        <mc:Fallback xmlns="">
+        <mc:Fallback>
           <p:pic>
             <p:nvPicPr>
-              <p:cNvPr id="10" name="Tinta 9">
+              <p:cNvPr id="8" name="Tinta 7">
                 <a:extLst>
                   <a:ext uri="{FF2B5EF4-FFF2-40B4-BE49-F238E27FC236}">
-                    <a16:creationId xmlns:a16="http://schemas.microsoft.com/office/drawing/2014/main" id="{2DE90699-B039-61EE-8192-DB18DD239EF8}"/>
+                    <a16:creationId xmlns:a16="http://schemas.microsoft.com/office/drawing/2014/main" id="{6015D40D-267B-0BCE-2424-FF09DDF35590}"/>
                   </a:ext>
                 </a:extLst>
               </p:cNvPr>
@@ -8322,8 +9965,8 @@
             </p:blipFill>
             <p:spPr>
               <a:xfrm>
-                <a:off x="4433566" y="2824740"/>
-                <a:ext cx="1894320" cy="12600"/>
+                <a:off x="3794657" y="3076997"/>
+                <a:ext cx="2524339" cy="12600"/>
               </a:xfrm>
               <a:prstGeom prst="rect">
                 <a:avLst/>
@@ -8332,14 +9975,58 @@
           </p:pic>
         </mc:Fallback>
       </mc:AlternateContent>
-      <mc:AlternateContent xmlns:mc="http://schemas.openxmlformats.org/markup-compatibility/2006" xmlns:p14="http://schemas.microsoft.com/office/powerpoint/2010/main">
-        <mc:Choice Requires="p14">
+      <p:sp>
+        <p:nvSpPr>
+          <p:cNvPr id="9" name="CaixaDeTexto 8">
+            <a:extLst>
+              <a:ext uri="{FF2B5EF4-FFF2-40B4-BE49-F238E27FC236}">
+                <a16:creationId xmlns:a16="http://schemas.microsoft.com/office/drawing/2014/main" id="{FAE16AF4-AFD7-B965-95F3-BA4874845268}"/>
+              </a:ext>
+            </a:extLst>
+          </p:cNvPr>
+          <p:cNvSpPr txBox="1"/>
+          <p:nvPr/>
+        </p:nvSpPr>
+        <p:spPr>
+          <a:xfrm>
+            <a:off x="4533206" y="3083117"/>
+            <a:ext cx="1047240" cy="369332"/>
+          </a:xfrm>
+          <a:prstGeom prst="rect">
+            <a:avLst/>
+          </a:prstGeom>
+          <a:noFill/>
+        </p:spPr>
+        <p:txBody>
+          <a:bodyPr wrap="square" rtlCol="0">
+            <a:spAutoFit/>
+          </a:bodyPr>
+          <a:lstStyle/>
+          <a:p>
+            <a:r>
+              <a:rPr lang="en-US" b="1" dirty="0" err="1">
+                <a:solidFill>
+                  <a:srgbClr val="FF0000"/>
+                </a:solidFill>
+              </a:rPr>
+              <a:t>Cláusula</a:t>
+            </a:r>
+            <a:endParaRPr lang="pt-BR" b="1" dirty="0">
+              <a:solidFill>
+                <a:srgbClr val="FF0000"/>
+              </a:solidFill>
+            </a:endParaRPr>
+          </a:p>
+        </p:txBody>
+      </p:sp>
+      <mc:AlternateContent xmlns:mc="http://schemas.openxmlformats.org/markup-compatibility/2006">
+        <mc:Choice xmlns:p14="http://schemas.microsoft.com/office/powerpoint/2010/main" Requires="p14">
           <p:contentPart p14:bwMode="auto" r:id="rId6">
             <p14:nvContentPartPr>
-              <p14:cNvPr id="12" name="Tinta 11">
+              <p14:cNvPr id="11" name="Tinta 10">
                 <a:extLst>
                   <a:ext uri="{FF2B5EF4-FFF2-40B4-BE49-F238E27FC236}">
-                    <a16:creationId xmlns:a16="http://schemas.microsoft.com/office/drawing/2014/main" id="{E77D428E-7371-27D6-1947-FF1CE56020A7}"/>
+                    <a16:creationId xmlns:a16="http://schemas.microsoft.com/office/drawing/2014/main" id="{45EE91A5-8C16-3295-E429-90705A46EE07}"/>
                   </a:ext>
                 </a:extLst>
               </p14:cNvPr>
@@ -8347,18 +10034,18 @@
               <p14:nvPr/>
             </p14:nvContentPartPr>
             <p14:xfrm>
-              <a:off x="4474966" y="4149900"/>
-              <a:ext cx="1230840" cy="17640"/>
+              <a:off x="3788360" y="4580740"/>
+              <a:ext cx="1662871" cy="360"/>
             </p14:xfrm>
           </p:contentPart>
         </mc:Choice>
-        <mc:Fallback xmlns="">
+        <mc:Fallback>
           <p:pic>
             <p:nvPicPr>
-              <p:cNvPr id="12" name="Tinta 11">
+              <p:cNvPr id="11" name="Tinta 10">
                 <a:extLst>
                   <a:ext uri="{FF2B5EF4-FFF2-40B4-BE49-F238E27FC236}">
-                    <a16:creationId xmlns:a16="http://schemas.microsoft.com/office/drawing/2014/main" id="{E77D428E-7371-27D6-1947-FF1CE56020A7}"/>
+                    <a16:creationId xmlns:a16="http://schemas.microsoft.com/office/drawing/2014/main" id="{45EE91A5-8C16-3295-E429-90705A46EE07}"/>
                   </a:ext>
                 </a:extLst>
               </p:cNvPr>
@@ -8373,8 +10060,8 @@
             </p:blipFill>
             <p:spPr>
               <a:xfrm>
-                <a:off x="4468846" y="4143780"/>
-                <a:ext cx="1243080" cy="29880"/>
+                <a:off x="3782240" y="4574620"/>
+                <a:ext cx="1675111" cy="12600"/>
               </a:xfrm>
               <a:prstGeom prst="rect">
                 <a:avLst/>
@@ -8383,14 +10070,102 @@
           </p:pic>
         </mc:Fallback>
       </mc:AlternateContent>
-      <mc:AlternateContent xmlns:mc="http://schemas.openxmlformats.org/markup-compatibility/2006" xmlns:p14="http://schemas.microsoft.com/office/powerpoint/2010/main">
-        <mc:Choice Requires="p14">
+      <p:sp>
+        <p:nvSpPr>
+          <p:cNvPr id="13" name="CaixaDeTexto 12">
+            <a:extLst>
+              <a:ext uri="{FF2B5EF4-FFF2-40B4-BE49-F238E27FC236}">
+                <a16:creationId xmlns:a16="http://schemas.microsoft.com/office/drawing/2014/main" id="{4F4BFC16-FBA5-D8E8-6B4F-7F9619304791}"/>
+              </a:ext>
+            </a:extLst>
+          </p:cNvPr>
+          <p:cNvSpPr txBox="1"/>
+          <p:nvPr/>
+        </p:nvSpPr>
+        <p:spPr>
+          <a:xfrm>
+            <a:off x="4096175" y="4580740"/>
+            <a:ext cx="1047240" cy="369332"/>
+          </a:xfrm>
+          <a:prstGeom prst="rect">
+            <a:avLst/>
+          </a:prstGeom>
+          <a:noFill/>
+        </p:spPr>
+        <p:txBody>
+          <a:bodyPr wrap="square" rtlCol="0">
+            <a:spAutoFit/>
+          </a:bodyPr>
+          <a:lstStyle/>
+          <a:p>
+            <a:r>
+              <a:rPr lang="en-US" b="1" dirty="0" err="1">
+                <a:solidFill>
+                  <a:srgbClr val="FF0000"/>
+                </a:solidFill>
+              </a:rPr>
+              <a:t>Cláusula</a:t>
+            </a:r>
+            <a:endParaRPr lang="pt-BR" b="1" dirty="0">
+              <a:solidFill>
+                <a:srgbClr val="FF0000"/>
+              </a:solidFill>
+            </a:endParaRPr>
+          </a:p>
+        </p:txBody>
+      </p:sp>
+      <p:sp>
+        <p:nvSpPr>
+          <p:cNvPr id="18" name="CaixaDeTexto 17">
+            <a:extLst>
+              <a:ext uri="{FF2B5EF4-FFF2-40B4-BE49-F238E27FC236}">
+                <a16:creationId xmlns:a16="http://schemas.microsoft.com/office/drawing/2014/main" id="{B2306742-6BF8-B3BE-71C7-78321374E88F}"/>
+              </a:ext>
+            </a:extLst>
+          </p:cNvPr>
+          <p:cNvSpPr txBox="1"/>
+          <p:nvPr/>
+        </p:nvSpPr>
+        <p:spPr>
+          <a:xfrm>
+            <a:off x="4055753" y="6078003"/>
+            <a:ext cx="1047240" cy="369332"/>
+          </a:xfrm>
+          <a:prstGeom prst="rect">
+            <a:avLst/>
+          </a:prstGeom>
+          <a:noFill/>
+        </p:spPr>
+        <p:txBody>
+          <a:bodyPr wrap="square" rtlCol="0">
+            <a:spAutoFit/>
+          </a:bodyPr>
+          <a:lstStyle/>
+          <a:p>
+            <a:r>
+              <a:rPr lang="en-US" b="1" dirty="0" err="1">
+                <a:solidFill>
+                  <a:srgbClr val="FF0000"/>
+                </a:solidFill>
+              </a:rPr>
+              <a:t>Cláusula</a:t>
+            </a:r>
+            <a:endParaRPr lang="pt-BR" b="1" dirty="0">
+              <a:solidFill>
+                <a:srgbClr val="FF0000"/>
+              </a:solidFill>
+            </a:endParaRPr>
+          </a:p>
+        </p:txBody>
+      </p:sp>
+      <mc:AlternateContent xmlns:mc="http://schemas.openxmlformats.org/markup-compatibility/2006">
+        <mc:Choice xmlns:p14="http://schemas.microsoft.com/office/powerpoint/2010/main" Requires="p14">
           <p:contentPart p14:bwMode="auto" r:id="rId8">
             <p14:nvContentPartPr>
-              <p14:cNvPr id="14" name="Tinta 13">
+              <p14:cNvPr id="19" name="Tinta 18">
                 <a:extLst>
                   <a:ext uri="{FF2B5EF4-FFF2-40B4-BE49-F238E27FC236}">
-                    <a16:creationId xmlns:a16="http://schemas.microsoft.com/office/drawing/2014/main" id="{7F181F94-3377-56D6-D9B7-FB4C3B80F13E}"/>
+                    <a16:creationId xmlns:a16="http://schemas.microsoft.com/office/drawing/2014/main" id="{D1020CC8-E351-B247-4E68-6D8DA60E7096}"/>
                   </a:ext>
                 </a:extLst>
               </p14:cNvPr>
@@ -8398,18 +10173,18 @@
               <p14:nvPr/>
             </p14:nvContentPartPr>
             <p14:xfrm>
-              <a:off x="4448686" y="5398020"/>
-              <a:ext cx="1231200" cy="360"/>
+              <a:off x="3747938" y="6042603"/>
+              <a:ext cx="1662871" cy="360"/>
             </p14:xfrm>
           </p:contentPart>
         </mc:Choice>
-        <mc:Fallback xmlns="">
+        <mc:Fallback>
           <p:pic>
             <p:nvPicPr>
-              <p:cNvPr id="14" name="Tinta 13">
+              <p:cNvPr id="19" name="Tinta 18">
                 <a:extLst>
                   <a:ext uri="{FF2B5EF4-FFF2-40B4-BE49-F238E27FC236}">
-                    <a16:creationId xmlns:a16="http://schemas.microsoft.com/office/drawing/2014/main" id="{7F181F94-3377-56D6-D9B7-FB4C3B80F13E}"/>
+                    <a16:creationId xmlns:a16="http://schemas.microsoft.com/office/drawing/2014/main" id="{D1020CC8-E351-B247-4E68-6D8DA60E7096}"/>
                   </a:ext>
                 </a:extLst>
               </p:cNvPr>
@@ -8417,15 +10192,15 @@
               <p:nvPr/>
             </p:nvPicPr>
             <p:blipFill>
-              <a:blip r:embed="rId9"/>
+              <a:blip r:embed="rId7"/>
               <a:stretch>
                 <a:fillRect/>
               </a:stretch>
             </p:blipFill>
             <p:spPr>
               <a:xfrm>
-                <a:off x="4442566" y="5391900"/>
-                <a:ext cx="1243440" cy="12600"/>
+                <a:off x="3741818" y="6036483"/>
+                <a:ext cx="1675111" cy="12600"/>
               </a:xfrm>
               <a:prstGeom prst="rect">
                 <a:avLst/>
@@ -8434,138 +10209,6 @@
           </p:pic>
         </mc:Fallback>
       </mc:AlternateContent>
-      <p:sp>
-        <p:nvSpPr>
-          <p:cNvPr id="15" name="CaixaDeTexto 14">
-            <a:extLst>
-              <a:ext uri="{FF2B5EF4-FFF2-40B4-BE49-F238E27FC236}">
-                <a16:creationId xmlns:a16="http://schemas.microsoft.com/office/drawing/2014/main" id="{12316277-2F2B-97E3-01DF-9A23AB09D62E}"/>
-              </a:ext>
-            </a:extLst>
-          </p:cNvPr>
-          <p:cNvSpPr txBox="1"/>
-          <p:nvPr/>
-        </p:nvSpPr>
-        <p:spPr>
-          <a:xfrm>
-            <a:off x="4857106" y="2892462"/>
-            <a:ext cx="1047240" cy="369332"/>
-          </a:xfrm>
-          <a:prstGeom prst="rect">
-            <a:avLst/>
-          </a:prstGeom>
-          <a:noFill/>
-        </p:spPr>
-        <p:txBody>
-          <a:bodyPr wrap="square" rtlCol="0">
-            <a:spAutoFit/>
-          </a:bodyPr>
-          <a:lstStyle/>
-          <a:p>
-            <a:r>
-              <a:rPr lang="en-US" b="1" dirty="0" err="1">
-                <a:solidFill>
-                  <a:srgbClr val="FF0000"/>
-                </a:solidFill>
-              </a:rPr>
-              <a:t>Cláusula</a:t>
-            </a:r>
-            <a:endParaRPr lang="pt-BR" b="1" dirty="0">
-              <a:solidFill>
-                <a:srgbClr val="FF0000"/>
-              </a:solidFill>
-            </a:endParaRPr>
-          </a:p>
-        </p:txBody>
-      </p:sp>
-      <p:sp>
-        <p:nvSpPr>
-          <p:cNvPr id="16" name="CaixaDeTexto 15">
-            <a:extLst>
-              <a:ext uri="{FF2B5EF4-FFF2-40B4-BE49-F238E27FC236}">
-                <a16:creationId xmlns:a16="http://schemas.microsoft.com/office/drawing/2014/main" id="{5CFADA02-3C26-02B6-95B1-2E6919C83588}"/>
-              </a:ext>
-            </a:extLst>
-          </p:cNvPr>
-          <p:cNvSpPr txBox="1"/>
-          <p:nvPr/>
-        </p:nvSpPr>
-        <p:spPr>
-          <a:xfrm>
-            <a:off x="4566766" y="4210962"/>
-            <a:ext cx="1047240" cy="369332"/>
-          </a:xfrm>
-          <a:prstGeom prst="rect">
-            <a:avLst/>
-          </a:prstGeom>
-          <a:noFill/>
-        </p:spPr>
-        <p:txBody>
-          <a:bodyPr wrap="square" rtlCol="0">
-            <a:spAutoFit/>
-          </a:bodyPr>
-          <a:lstStyle/>
-          <a:p>
-            <a:r>
-              <a:rPr lang="en-US" b="1" dirty="0" err="1">
-                <a:solidFill>
-                  <a:srgbClr val="FF0000"/>
-                </a:solidFill>
-              </a:rPr>
-              <a:t>Cláusula</a:t>
-            </a:r>
-            <a:endParaRPr lang="pt-BR" b="1" dirty="0">
-              <a:solidFill>
-                <a:srgbClr val="FF0000"/>
-              </a:solidFill>
-            </a:endParaRPr>
-          </a:p>
-        </p:txBody>
-      </p:sp>
-      <p:sp>
-        <p:nvSpPr>
-          <p:cNvPr id="17" name="CaixaDeTexto 16">
-            <a:extLst>
-              <a:ext uri="{FF2B5EF4-FFF2-40B4-BE49-F238E27FC236}">
-                <a16:creationId xmlns:a16="http://schemas.microsoft.com/office/drawing/2014/main" id="{528DA0E3-FFE9-1149-3A16-A50DAA59140B}"/>
-              </a:ext>
-            </a:extLst>
-          </p:cNvPr>
-          <p:cNvSpPr txBox="1"/>
-          <p:nvPr/>
-        </p:nvSpPr>
-        <p:spPr>
-          <a:xfrm>
-            <a:off x="4540666" y="5486220"/>
-            <a:ext cx="1047240" cy="369332"/>
-          </a:xfrm>
-          <a:prstGeom prst="rect">
-            <a:avLst/>
-          </a:prstGeom>
-          <a:noFill/>
-        </p:spPr>
-        <p:txBody>
-          <a:bodyPr wrap="square" rtlCol="0">
-            <a:spAutoFit/>
-          </a:bodyPr>
-          <a:lstStyle/>
-          <a:p>
-            <a:r>
-              <a:rPr lang="en-US" b="1" dirty="0" err="1">
-                <a:solidFill>
-                  <a:srgbClr val="FF0000"/>
-                </a:solidFill>
-              </a:rPr>
-              <a:t>Cláusula</a:t>
-            </a:r>
-            <a:endParaRPr lang="pt-BR" b="1" dirty="0">
-              <a:solidFill>
-                <a:srgbClr val="FF0000"/>
-              </a:solidFill>
-            </a:endParaRPr>
-          </a:p>
-        </p:txBody>
-      </p:sp>
     </p:spTree>
     <p:extLst>
       <p:ext uri="{BB962C8B-B14F-4D97-AF65-F5344CB8AC3E}">
@@ -8693,7 +10336,7 @@
         <p:spPr>
           <a:xfrm>
             <a:off x="1400448" y="1304128"/>
-            <a:ext cx="9391102" cy="400110"/>
+            <a:ext cx="9391102" cy="954107"/>
           </a:xfrm>
           <a:prstGeom prst="rect">
             <a:avLst/>
@@ -8706,80 +10349,239 @@
           </a:bodyPr>
           <a:lstStyle/>
           <a:p>
-            <a:r>
-              <a:rPr lang="en-US" sz="2000" dirty="0" err="1"/>
+            <a:pPr algn="ctr"/>
+            <a:r>
+              <a:rPr lang="en-US" sz="2800" dirty="0" err="1"/>
               <a:t>Comando</a:t>
             </a:r>
             <a:r>
-              <a:rPr lang="en-US" sz="2000" dirty="0"/>
+              <a:rPr lang="en-US" sz="2800" dirty="0"/>
               <a:t> para </a:t>
             </a:r>
             <a:r>
-              <a:rPr lang="en-US" sz="2000" u="sng" dirty="0"/>
+              <a:rPr lang="en-US" sz="2800" u="sng" dirty="0"/>
               <a:t>remover dados de </a:t>
             </a:r>
             <a:r>
-              <a:rPr lang="en-US" sz="2000" u="sng" dirty="0" err="1"/>
+              <a:rPr lang="en-US" sz="2800" u="sng" dirty="0" err="1"/>
               <a:t>uma</a:t>
             </a:r>
             <a:r>
-              <a:rPr lang="en-US" sz="2000" u="sng" dirty="0"/>
+              <a:rPr lang="en-US" sz="2800" u="sng" dirty="0"/>
               <a:t> </a:t>
             </a:r>
             <a:r>
-              <a:rPr lang="en-US" sz="2000" u="sng" dirty="0" err="1"/>
+              <a:rPr lang="en-US" sz="2800" u="sng" dirty="0" err="1"/>
               <a:t>tabela</a:t>
             </a:r>
             <a:r>
-              <a:rPr lang="en-US" sz="2000" dirty="0"/>
+              <a:rPr lang="en-US" sz="2800" dirty="0"/>
               <a:t> </a:t>
             </a:r>
             <a:r>
-              <a:rPr lang="en-US" sz="2000" dirty="0" err="1"/>
+              <a:rPr lang="en-US" sz="2800" dirty="0" err="1"/>
               <a:t>sem</a:t>
             </a:r>
             <a:r>
-              <a:rPr lang="en-US" sz="2000" dirty="0"/>
+              <a:rPr lang="en-US" sz="2800" dirty="0"/>
               <a:t> a </a:t>
             </a:r>
             <a:r>
-              <a:rPr lang="en-US" sz="2000" dirty="0" err="1"/>
+              <a:rPr lang="en-US" sz="2800" dirty="0" err="1"/>
               <a:t>necessidade</a:t>
             </a:r>
             <a:r>
-              <a:rPr lang="en-US" sz="2000" dirty="0"/>
+              <a:rPr lang="en-US" sz="2800" dirty="0"/>
               <a:t> de </a:t>
             </a:r>
             <a:r>
-              <a:rPr lang="en-US" sz="2000" dirty="0" err="1"/>
+              <a:rPr lang="en-US" sz="2800" dirty="0" err="1"/>
               <a:t>deletar</a:t>
             </a:r>
             <a:r>
-              <a:rPr lang="en-US" sz="2000" dirty="0"/>
+              <a:rPr lang="en-US" sz="2800" dirty="0"/>
               <a:t> </a:t>
             </a:r>
             <a:r>
-              <a:rPr lang="en-US" sz="2000" dirty="0" err="1"/>
+              <a:rPr lang="en-US" sz="2800" dirty="0" err="1"/>
               <a:t>sua</a:t>
             </a:r>
             <a:r>
-              <a:rPr lang="en-US" sz="2000" dirty="0"/>
+              <a:rPr lang="en-US" sz="2800" dirty="0"/>
               <a:t> </a:t>
             </a:r>
             <a:r>
-              <a:rPr lang="en-US" sz="2000" dirty="0" err="1"/>
+              <a:rPr lang="en-US" sz="2800" dirty="0" err="1"/>
               <a:t>estrutura</a:t>
             </a:r>
-            <a:endParaRPr lang="pt-BR" sz="2000" dirty="0"/>
+            <a:endParaRPr lang="pt-BR" sz="2800" dirty="0"/>
+          </a:p>
+        </p:txBody>
+      </p:sp>
+      <p:sp>
+        <p:nvSpPr>
+          <p:cNvPr id="7" name="CaixaDeTexto 6">
+            <a:extLst>
+              <a:ext uri="{FF2B5EF4-FFF2-40B4-BE49-F238E27FC236}">
+                <a16:creationId xmlns:a16="http://schemas.microsoft.com/office/drawing/2014/main" id="{B177BBD1-0B5F-675F-8462-0C9B6A077117}"/>
+              </a:ext>
+            </a:extLst>
+          </p:cNvPr>
+          <p:cNvSpPr txBox="1"/>
+          <p:nvPr/>
+        </p:nvSpPr>
+        <p:spPr>
+          <a:xfrm>
+            <a:off x="1862501" y="4783015"/>
+            <a:ext cx="8466993" cy="923330"/>
+          </a:xfrm>
+          <a:prstGeom prst="rect">
+            <a:avLst/>
+          </a:prstGeom>
+          <a:noFill/>
+        </p:spPr>
+        <p:txBody>
+          <a:bodyPr wrap="square" rtlCol="0">
+            <a:spAutoFit/>
+          </a:bodyPr>
+          <a:lstStyle/>
+          <a:p>
+            <a:pPr marL="285750" indent="-285750">
+              <a:buFont typeface="Wingdings" panose="05000000000000000000" pitchFamily="2" charset="2"/>
+              <a:buChar char="Ø"/>
+            </a:pPr>
+            <a:r>
+              <a:rPr lang="en-US" dirty="0" err="1"/>
+              <a:t>Muito</a:t>
+            </a:r>
+            <a:r>
+              <a:rPr lang="en-US" dirty="0"/>
+              <a:t> </a:t>
+            </a:r>
+            <a:r>
+              <a:rPr lang="en-US" dirty="0" err="1"/>
+              <a:t>mais</a:t>
+            </a:r>
+            <a:r>
+              <a:rPr lang="en-US" dirty="0"/>
+              <a:t> </a:t>
+            </a:r>
+            <a:r>
+              <a:rPr lang="en-US" dirty="0" err="1"/>
+              <a:t>rápido</a:t>
+            </a:r>
+            <a:r>
+              <a:rPr lang="en-US" dirty="0"/>
+              <a:t> que o DELETE;</a:t>
+            </a:r>
+          </a:p>
+          <a:p>
+            <a:pPr marL="285750" indent="-285750">
+              <a:buFont typeface="Wingdings" panose="05000000000000000000" pitchFamily="2" charset="2"/>
+              <a:buChar char="Ø"/>
+            </a:pPr>
+            <a:r>
+              <a:rPr lang="en-US" dirty="0"/>
+              <a:t>Ideal para </a:t>
+            </a:r>
+            <a:r>
+              <a:rPr lang="en-US" dirty="0" err="1"/>
+              <a:t>casos</a:t>
+            </a:r>
+            <a:r>
+              <a:rPr lang="en-US" dirty="0"/>
+              <a:t> de </a:t>
+            </a:r>
+            <a:r>
+              <a:rPr lang="en-US" dirty="0" err="1"/>
+              <a:t>exclusão</a:t>
+            </a:r>
+            <a:r>
+              <a:rPr lang="en-US" dirty="0"/>
+              <a:t> </a:t>
+            </a:r>
+            <a:r>
+              <a:rPr lang="en-US" dirty="0" err="1"/>
+              <a:t>geral</a:t>
+            </a:r>
+            <a:r>
+              <a:rPr lang="en-US" dirty="0"/>
+              <a:t> de dados de </a:t>
+            </a:r>
+            <a:r>
+              <a:rPr lang="en-US" dirty="0" err="1"/>
+              <a:t>uma</a:t>
+            </a:r>
+            <a:r>
+              <a:rPr lang="en-US" dirty="0"/>
+              <a:t> </a:t>
+            </a:r>
+            <a:r>
+              <a:rPr lang="en-US" dirty="0" err="1"/>
+              <a:t>tabela</a:t>
+            </a:r>
+            <a:r>
+              <a:rPr lang="en-US" dirty="0"/>
+              <a:t>, a </a:t>
+            </a:r>
+            <a:r>
+              <a:rPr lang="en-US" dirty="0" err="1"/>
+              <a:t>fim</a:t>
+            </a:r>
+            <a:r>
+              <a:rPr lang="en-US" dirty="0"/>
+              <a:t> de </a:t>
+            </a:r>
+            <a:r>
+              <a:rPr lang="en-US" dirty="0" err="1"/>
+              <a:t>iniciar</a:t>
+            </a:r>
+            <a:r>
+              <a:rPr lang="en-US" dirty="0"/>
+              <a:t> </a:t>
+            </a:r>
+            <a:r>
+              <a:rPr lang="en-US" dirty="0" err="1"/>
+              <a:t>novos</a:t>
+            </a:r>
+            <a:r>
+              <a:rPr lang="en-US" dirty="0"/>
+              <a:t> </a:t>
+            </a:r>
+            <a:r>
+              <a:rPr lang="en-US" dirty="0" err="1"/>
+              <a:t>registros</a:t>
+            </a:r>
+            <a:r>
+              <a:rPr lang="en-US" dirty="0"/>
+              <a:t> com </a:t>
+            </a:r>
+            <a:r>
+              <a:rPr lang="en-US" dirty="0" err="1"/>
+              <a:t>novos</a:t>
+            </a:r>
+            <a:r>
+              <a:rPr lang="en-US" dirty="0"/>
+              <a:t> </a:t>
+            </a:r>
+            <a:r>
+              <a:rPr lang="en-US" dirty="0" err="1"/>
+              <a:t>valores</a:t>
+            </a:r>
+            <a:r>
+              <a:rPr lang="en-US" dirty="0"/>
+              <a:t> de ID.</a:t>
+            </a:r>
+            <a:endParaRPr lang="pt-BR" dirty="0"/>
           </a:p>
         </p:txBody>
       </p:sp>
       <p:pic>
         <p:nvPicPr>
-          <p:cNvPr id="6" name="Imagem 5">
-            <a:extLst>
-              <a:ext uri="{FF2B5EF4-FFF2-40B4-BE49-F238E27FC236}">
-                <a16:creationId xmlns:a16="http://schemas.microsoft.com/office/drawing/2014/main" id="{E650C74D-6767-B4C6-8DC8-05FF620E0A64}"/>
+          <p:cNvPr id="10" name="Imagem 9" descr="Uma imagem contendo Texto&#10;&#10;O conteúdo gerado por IA pode estar incorreto.">
+            <a:extLst>
+              <a:ext uri="{FF2B5EF4-FFF2-40B4-BE49-F238E27FC236}">
+                <a16:creationId xmlns:a16="http://schemas.microsoft.com/office/drawing/2014/main" id="{E596F3B7-5044-4716-A9A5-AE23D75D1878}"/>
               </a:ext>
             </a:extLst>
           </p:cNvPr>
@@ -8796,172 +10598,14 @@
         </p:blipFill>
         <p:spPr>
           <a:xfrm>
-            <a:off x="2153130" y="2217193"/>
-            <a:ext cx="7885737" cy="2029492"/>
+            <a:off x="1521033" y="2347683"/>
+            <a:ext cx="9149933" cy="1767117"/>
           </a:xfrm>
           <a:prstGeom prst="rect">
             <a:avLst/>
           </a:prstGeom>
         </p:spPr>
       </p:pic>
-      <p:sp>
-        <p:nvSpPr>
-          <p:cNvPr id="7" name="CaixaDeTexto 6">
-            <a:extLst>
-              <a:ext uri="{FF2B5EF4-FFF2-40B4-BE49-F238E27FC236}">
-                <a16:creationId xmlns:a16="http://schemas.microsoft.com/office/drawing/2014/main" id="{B177BBD1-0B5F-675F-8462-0C9B6A077117}"/>
-              </a:ext>
-            </a:extLst>
-          </p:cNvPr>
-          <p:cNvSpPr txBox="1"/>
-          <p:nvPr/>
-        </p:nvSpPr>
-        <p:spPr>
-          <a:xfrm>
-            <a:off x="1862501" y="4783015"/>
-            <a:ext cx="8466993" cy="923330"/>
-          </a:xfrm>
-          <a:prstGeom prst="rect">
-            <a:avLst/>
-          </a:prstGeom>
-          <a:noFill/>
-        </p:spPr>
-        <p:txBody>
-          <a:bodyPr wrap="square" rtlCol="0">
-            <a:spAutoFit/>
-          </a:bodyPr>
-          <a:lstStyle/>
-          <a:p>
-            <a:pPr marL="285750" indent="-285750">
-              <a:buFont typeface="Wingdings" panose="05000000000000000000" pitchFamily="2" charset="2"/>
-              <a:buChar char="Ø"/>
-            </a:pPr>
-            <a:r>
-              <a:rPr lang="en-US" dirty="0" err="1"/>
-              <a:t>Muito</a:t>
-            </a:r>
-            <a:r>
-              <a:rPr lang="en-US" dirty="0"/>
-              <a:t> </a:t>
-            </a:r>
-            <a:r>
-              <a:rPr lang="en-US" dirty="0" err="1"/>
-              <a:t>mais</a:t>
-            </a:r>
-            <a:r>
-              <a:rPr lang="en-US" dirty="0"/>
-              <a:t> </a:t>
-            </a:r>
-            <a:r>
-              <a:rPr lang="en-US" dirty="0" err="1"/>
-              <a:t>rápido</a:t>
-            </a:r>
-            <a:r>
-              <a:rPr lang="en-US" dirty="0"/>
-              <a:t> que o DELETE;</a:t>
-            </a:r>
-          </a:p>
-          <a:p>
-            <a:pPr marL="285750" indent="-285750">
-              <a:buFont typeface="Wingdings" panose="05000000000000000000" pitchFamily="2" charset="2"/>
-              <a:buChar char="Ø"/>
-            </a:pPr>
-            <a:r>
-              <a:rPr lang="en-US" dirty="0"/>
-              <a:t>Ideal para </a:t>
-            </a:r>
-            <a:r>
-              <a:rPr lang="en-US" dirty="0" err="1"/>
-              <a:t>casos</a:t>
-            </a:r>
-            <a:r>
-              <a:rPr lang="en-US" dirty="0"/>
-              <a:t> de </a:t>
-            </a:r>
-            <a:r>
-              <a:rPr lang="en-US" dirty="0" err="1"/>
-              <a:t>exclusão</a:t>
-            </a:r>
-            <a:r>
-              <a:rPr lang="en-US" dirty="0"/>
-              <a:t> </a:t>
-            </a:r>
-            <a:r>
-              <a:rPr lang="en-US" dirty="0" err="1"/>
-              <a:t>geral</a:t>
-            </a:r>
-            <a:r>
-              <a:rPr lang="en-US" dirty="0"/>
-              <a:t> de dados de </a:t>
-            </a:r>
-            <a:r>
-              <a:rPr lang="en-US" dirty="0" err="1"/>
-              <a:t>uma</a:t>
-            </a:r>
-            <a:r>
-              <a:rPr lang="en-US" dirty="0"/>
-              <a:t> </a:t>
-            </a:r>
-            <a:r>
-              <a:rPr lang="en-US" dirty="0" err="1"/>
-              <a:t>tabela</a:t>
-            </a:r>
-            <a:r>
-              <a:rPr lang="en-US" dirty="0"/>
-              <a:t>, a </a:t>
-            </a:r>
-            <a:r>
-              <a:rPr lang="en-US" dirty="0" err="1"/>
-              <a:t>fim</a:t>
-            </a:r>
-            <a:r>
-              <a:rPr lang="en-US" dirty="0"/>
-              <a:t> de </a:t>
-            </a:r>
-            <a:r>
-              <a:rPr lang="en-US" dirty="0" err="1"/>
-              <a:t>iniciar</a:t>
-            </a:r>
-            <a:r>
-              <a:rPr lang="en-US" dirty="0"/>
-              <a:t> </a:t>
-            </a:r>
-            <a:r>
-              <a:rPr lang="en-US" dirty="0" err="1"/>
-              <a:t>novos</a:t>
-            </a:r>
-            <a:r>
-              <a:rPr lang="en-US" dirty="0"/>
-              <a:t> </a:t>
-            </a:r>
-            <a:r>
-              <a:rPr lang="en-US" dirty="0" err="1"/>
-              <a:t>registros</a:t>
-            </a:r>
-            <a:r>
-              <a:rPr lang="en-US" dirty="0"/>
-              <a:t> com </a:t>
-            </a:r>
-            <a:r>
-              <a:rPr lang="en-US" dirty="0" err="1"/>
-              <a:t>novos</a:t>
-            </a:r>
-            <a:r>
-              <a:rPr lang="en-US" dirty="0"/>
-              <a:t> </a:t>
-            </a:r>
-            <a:r>
-              <a:rPr lang="en-US" dirty="0" err="1"/>
-              <a:t>valores</a:t>
-            </a:r>
-            <a:r>
-              <a:rPr lang="en-US" dirty="0"/>
-              <a:t> de ID.</a:t>
-            </a:r>
-            <a:endParaRPr lang="pt-BR" dirty="0"/>
-          </a:p>
-        </p:txBody>
-      </p:sp>
     </p:spTree>
     <p:extLst>
       <p:ext uri="{BB962C8B-B14F-4D97-AF65-F5344CB8AC3E}">
@@ -9132,17 +10776,200 @@
             </a:r>
             <a:r>
               <a:rPr lang="en-US" sz="2400" dirty="0"/>
-              <a:t>;</a:t>
-            </a:r>
+              <a:t>.</a:t>
+            </a:r>
+          </a:p>
+        </p:txBody>
+      </p:sp>
+      <p:sp>
+        <p:nvSpPr>
+          <p:cNvPr id="7" name="CaixaDeTexto 6">
+            <a:extLst>
+              <a:ext uri="{FF2B5EF4-FFF2-40B4-BE49-F238E27FC236}">
+                <a16:creationId xmlns:a16="http://schemas.microsoft.com/office/drawing/2014/main" id="{F83E1BA8-5DC3-8AD9-CC10-A180CC1AD797}"/>
+              </a:ext>
+            </a:extLst>
+          </p:cNvPr>
+          <p:cNvSpPr txBox="1"/>
+          <p:nvPr/>
+        </p:nvSpPr>
+        <p:spPr>
+          <a:xfrm>
+            <a:off x="6268915" y="1178169"/>
+            <a:ext cx="5251939" cy="1538883"/>
+          </a:xfrm>
+          <a:prstGeom prst="rect">
+            <a:avLst/>
+          </a:prstGeom>
+          <a:noFill/>
+        </p:spPr>
+        <p:txBody>
+          <a:bodyPr wrap="square" rtlCol="0">
+            <a:spAutoFit/>
+          </a:bodyPr>
+          <a:lstStyle/>
+          <a:p>
+            <a:pPr marL="457200" indent="-457200">
+              <a:buFont typeface="Wingdings" panose="05000000000000000000" pitchFamily="2" charset="2"/>
+              <a:buChar char="Ø"/>
+            </a:pPr>
+            <a:r>
+              <a:rPr lang="en-US" sz="2800" dirty="0"/>
+              <a:t>IF NOT EXISTS </a:t>
+            </a:r>
+            <a:r>
+              <a:rPr lang="en-US" sz="2400" dirty="0"/>
+              <a:t>–  fundamental para </a:t>
+            </a:r>
+            <a:r>
+              <a:rPr lang="en-US" sz="2400" dirty="0" err="1"/>
+              <a:t>evitar</a:t>
+            </a:r>
+            <a:r>
+              <a:rPr lang="en-US" sz="2400" dirty="0"/>
+              <a:t> </a:t>
+            </a:r>
+            <a:r>
+              <a:rPr lang="en-US" sz="2400" dirty="0" err="1"/>
+              <a:t>erros</a:t>
+            </a:r>
+            <a:r>
+              <a:rPr lang="en-US" sz="2400" dirty="0"/>
+              <a:t> </a:t>
+            </a:r>
+            <a:r>
+              <a:rPr lang="en-US" sz="2400" dirty="0" err="1"/>
+              <a:t>relativos</a:t>
+            </a:r>
+            <a:r>
+              <a:rPr lang="en-US" sz="2400" dirty="0"/>
+              <a:t> à </a:t>
+            </a:r>
+            <a:r>
+              <a:rPr lang="en-US" sz="2400" dirty="0" err="1"/>
+              <a:t>duplicidade</a:t>
+            </a:r>
+            <a:r>
+              <a:rPr lang="en-US" sz="2400" dirty="0"/>
+              <a:t> de </a:t>
+            </a:r>
+            <a:r>
+              <a:rPr lang="en-US" sz="2400" dirty="0" err="1"/>
+              <a:t>cláusulas</a:t>
+            </a:r>
+            <a:r>
+              <a:rPr lang="en-US" sz="2400" dirty="0"/>
+              <a:t>.</a:t>
+            </a:r>
+          </a:p>
+          <a:p>
+            <a:endParaRPr lang="pt-BR" dirty="0"/>
+          </a:p>
+        </p:txBody>
+      </p:sp>
+      <p:sp>
+        <p:nvSpPr>
+          <p:cNvPr id="10" name="CaixaDeTexto 9">
+            <a:extLst>
+              <a:ext uri="{FF2B5EF4-FFF2-40B4-BE49-F238E27FC236}">
+                <a16:creationId xmlns:a16="http://schemas.microsoft.com/office/drawing/2014/main" id="{F5247CAD-69B0-C293-22CD-6FF91553461B}"/>
+              </a:ext>
+            </a:extLst>
+          </p:cNvPr>
+          <p:cNvSpPr txBox="1"/>
+          <p:nvPr/>
+        </p:nvSpPr>
+        <p:spPr>
+          <a:xfrm>
+            <a:off x="844061" y="3284398"/>
+            <a:ext cx="4324886" cy="1815882"/>
+          </a:xfrm>
+          <a:prstGeom prst="rect">
+            <a:avLst/>
+          </a:prstGeom>
+          <a:noFill/>
+        </p:spPr>
+        <p:txBody>
+          <a:bodyPr wrap="square" rtlCol="0">
+            <a:spAutoFit/>
+          </a:bodyPr>
+          <a:lstStyle/>
+          <a:p>
+            <a:pPr marL="342900" indent="-342900">
+              <a:buFont typeface="Wingdings" panose="05000000000000000000" pitchFamily="2" charset="2"/>
+              <a:buChar char="Ø"/>
+            </a:pPr>
+            <a:r>
+              <a:rPr lang="en-US" sz="2800" dirty="0" err="1"/>
+              <a:t>Comando</a:t>
+            </a:r>
+            <a:r>
+              <a:rPr lang="en-US" sz="2800" dirty="0"/>
+              <a:t> USE</a:t>
+            </a:r>
+          </a:p>
+          <a:p>
+            <a:endParaRPr lang="en-US" sz="2400" dirty="0"/>
+          </a:p>
+          <a:p>
+            <a:r>
+              <a:rPr lang="en-US" sz="2000" dirty="0" err="1"/>
+              <a:t>Instrui</a:t>
+            </a:r>
+            <a:r>
+              <a:rPr lang="en-US" sz="2000" dirty="0"/>
+              <a:t> o SGBD a </a:t>
+            </a:r>
+            <a:r>
+              <a:rPr lang="en-US" sz="2000" dirty="0" err="1"/>
+              <a:t>utilizar</a:t>
+            </a:r>
+            <a:r>
+              <a:rPr lang="en-US" sz="2000" dirty="0"/>
+              <a:t> o banco de dados </a:t>
+            </a:r>
+            <a:r>
+              <a:rPr lang="en-US" sz="2000" dirty="0" err="1"/>
+              <a:t>especificado</a:t>
+            </a:r>
+            <a:r>
+              <a:rPr lang="en-US" sz="2000" dirty="0"/>
+              <a:t> para </a:t>
+            </a:r>
+            <a:r>
+              <a:rPr lang="en-US" sz="2000" dirty="0" err="1"/>
+              <a:t>executar</a:t>
+            </a:r>
+            <a:r>
+              <a:rPr lang="en-US" sz="2000" dirty="0"/>
+              <a:t> </a:t>
+            </a:r>
+            <a:r>
+              <a:rPr lang="en-US" sz="2000" dirty="0" err="1"/>
+              <a:t>os</a:t>
+            </a:r>
+            <a:r>
+              <a:rPr lang="en-US" sz="2000" dirty="0"/>
+              <a:t> </a:t>
+            </a:r>
+            <a:r>
+              <a:rPr lang="en-US" sz="2000" dirty="0" err="1"/>
+              <a:t>comandos</a:t>
+            </a:r>
+            <a:r>
+              <a:rPr lang="en-US" sz="2000" dirty="0"/>
+              <a:t>.</a:t>
+            </a:r>
+            <a:endParaRPr lang="pt-BR" sz="2000" dirty="0"/>
           </a:p>
         </p:txBody>
       </p:sp>
       <p:pic>
         <p:nvPicPr>
-          <p:cNvPr id="6" name="Imagem 5">
-            <a:extLst>
-              <a:ext uri="{FF2B5EF4-FFF2-40B4-BE49-F238E27FC236}">
-                <a16:creationId xmlns:a16="http://schemas.microsoft.com/office/drawing/2014/main" id="{6D1B42C9-99E5-121F-FA7D-FEB03902FBBD}"/>
+          <p:cNvPr id="8" name="Imagem 7" descr="Uma imagem contendo Ícone&#10;&#10;O conteúdo gerado por IA pode estar incorreto.">
+            <a:extLst>
+              <a:ext uri="{FF2B5EF4-FFF2-40B4-BE49-F238E27FC236}">
+                <a16:creationId xmlns:a16="http://schemas.microsoft.com/office/drawing/2014/main" id="{57C20828-BBAC-E1F0-BA85-DAA1CFAFB17A}"/>
               </a:ext>
             </a:extLst>
           </p:cNvPr>
@@ -9159,106 +10986,20 @@
         </p:blipFill>
         <p:spPr>
           <a:xfrm>
-            <a:off x="1161514" y="1853018"/>
-            <a:ext cx="4617031" cy="1312213"/>
+            <a:off x="856714" y="1998152"/>
+            <a:ext cx="4934486" cy="881406"/>
           </a:xfrm>
           <a:prstGeom prst="rect">
             <a:avLst/>
           </a:prstGeom>
         </p:spPr>
       </p:pic>
-      <p:sp>
-        <p:nvSpPr>
-          <p:cNvPr id="7" name="CaixaDeTexto 6">
-            <a:extLst>
-              <a:ext uri="{FF2B5EF4-FFF2-40B4-BE49-F238E27FC236}">
-                <a16:creationId xmlns:a16="http://schemas.microsoft.com/office/drawing/2014/main" id="{F83E1BA8-5DC3-8AD9-CC10-A180CC1AD797}"/>
-              </a:ext>
-            </a:extLst>
-          </p:cNvPr>
-          <p:cNvSpPr txBox="1"/>
-          <p:nvPr/>
-        </p:nvSpPr>
-        <p:spPr>
-          <a:xfrm>
-            <a:off x="6268915" y="1178169"/>
-            <a:ext cx="5251939" cy="1538883"/>
-          </a:xfrm>
-          <a:prstGeom prst="rect">
-            <a:avLst/>
-          </a:prstGeom>
-          <a:noFill/>
-        </p:spPr>
-        <p:txBody>
-          <a:bodyPr wrap="square" rtlCol="0">
-            <a:spAutoFit/>
-          </a:bodyPr>
-          <a:lstStyle/>
-          <a:p>
-            <a:pPr marL="457200" indent="-457200">
-              <a:buFont typeface="Wingdings" panose="05000000000000000000" pitchFamily="2" charset="2"/>
-              <a:buChar char="Ø"/>
-            </a:pPr>
-            <a:r>
-              <a:rPr lang="en-US" sz="2800" dirty="0"/>
-              <a:t>IF NOT EXISTS </a:t>
-            </a:r>
-            <a:r>
-              <a:rPr lang="en-US" sz="2400" dirty="0"/>
-              <a:t>–  fundamental para </a:t>
-            </a:r>
-            <a:r>
-              <a:rPr lang="en-US" sz="2400" dirty="0" err="1"/>
-              <a:t>evitar</a:t>
-            </a:r>
-            <a:r>
-              <a:rPr lang="en-US" sz="2400" dirty="0"/>
-              <a:t> </a:t>
-            </a:r>
-            <a:r>
-              <a:rPr lang="en-US" sz="2400" dirty="0" err="1"/>
-              <a:t>erros</a:t>
-            </a:r>
-            <a:r>
-              <a:rPr lang="en-US" sz="2400" dirty="0"/>
-              <a:t> </a:t>
-            </a:r>
-            <a:r>
-              <a:rPr lang="en-US" sz="2400" dirty="0" err="1"/>
-              <a:t>relativos</a:t>
-            </a:r>
-            <a:r>
-              <a:rPr lang="en-US" sz="2400" dirty="0"/>
-              <a:t> à </a:t>
-            </a:r>
-            <a:r>
-              <a:rPr lang="en-US" sz="2400" dirty="0" err="1"/>
-              <a:t>duplicidade</a:t>
-            </a:r>
-            <a:r>
-              <a:rPr lang="en-US" sz="2400" dirty="0"/>
-              <a:t> de </a:t>
-            </a:r>
-            <a:r>
-              <a:rPr lang="en-US" sz="2400" dirty="0" err="1"/>
-              <a:t>cláusulas</a:t>
-            </a:r>
-            <a:r>
-              <a:rPr lang="en-US" sz="2400" dirty="0"/>
-              <a:t>.</a:t>
-            </a:r>
-          </a:p>
-          <a:p>
-            <a:endParaRPr lang="pt-BR" dirty="0"/>
-          </a:p>
-        </p:txBody>
-      </p:sp>
       <p:pic>
         <p:nvPicPr>
-          <p:cNvPr id="9" name="Imagem 8">
-            <a:extLst>
-              <a:ext uri="{FF2B5EF4-FFF2-40B4-BE49-F238E27FC236}">
-                <a16:creationId xmlns:a16="http://schemas.microsoft.com/office/drawing/2014/main" id="{7D6FF413-29B9-C382-AFBC-1939AB801C5D}"/>
+          <p:cNvPr id="13" name="Imagem 12" descr="Texto&#10;&#10;O conteúdo gerado por IA pode estar incorreto.">
+            <a:extLst>
+              <a:ext uri="{FF2B5EF4-FFF2-40B4-BE49-F238E27FC236}">
+                <a16:creationId xmlns:a16="http://schemas.microsoft.com/office/drawing/2014/main" id="{67C38781-CAA6-9DC2-1027-A98FFF1B6F3B}"/>
               </a:ext>
             </a:extLst>
           </p:cNvPr>
@@ -9275,117 +11016,20 @@
         </p:blipFill>
         <p:spPr>
           <a:xfrm>
-            <a:off x="6096000" y="2787161"/>
-            <a:ext cx="5749706" cy="3121270"/>
+            <a:off x="844061" y="5440291"/>
+            <a:ext cx="4480217" cy="936280"/>
           </a:xfrm>
           <a:prstGeom prst="rect">
             <a:avLst/>
           </a:prstGeom>
         </p:spPr>
       </p:pic>
-      <p:sp>
-        <p:nvSpPr>
-          <p:cNvPr id="10" name="CaixaDeTexto 9">
-            <a:extLst>
-              <a:ext uri="{FF2B5EF4-FFF2-40B4-BE49-F238E27FC236}">
-                <a16:creationId xmlns:a16="http://schemas.microsoft.com/office/drawing/2014/main" id="{F5247CAD-69B0-C293-22CD-6FF91553461B}"/>
-              </a:ext>
-            </a:extLst>
-          </p:cNvPr>
-          <p:cNvSpPr txBox="1"/>
-          <p:nvPr/>
-        </p:nvSpPr>
-        <p:spPr>
-          <a:xfrm>
-            <a:off x="1161514" y="3316860"/>
-            <a:ext cx="4324886" cy="1754326"/>
-          </a:xfrm>
-          <a:prstGeom prst="rect">
-            <a:avLst/>
-          </a:prstGeom>
-          <a:noFill/>
-        </p:spPr>
-        <p:txBody>
-          <a:bodyPr wrap="square" rtlCol="0">
-            <a:spAutoFit/>
-          </a:bodyPr>
-          <a:lstStyle/>
-          <a:p>
-            <a:r>
-              <a:rPr lang="en-US" sz="2400" dirty="0" err="1"/>
-              <a:t>Comando</a:t>
-            </a:r>
-            <a:r>
-              <a:rPr lang="en-US" sz="2400" dirty="0"/>
-              <a:t> USE</a:t>
-            </a:r>
-          </a:p>
-          <a:p>
-            <a:endParaRPr lang="en-US" sz="2400" dirty="0"/>
-          </a:p>
-          <a:p>
-            <a:pPr marL="342900" indent="-342900">
-              <a:buFont typeface="Wingdings" panose="05000000000000000000" pitchFamily="2" charset="2"/>
-              <a:buChar char="Ø"/>
-            </a:pPr>
-            <a:r>
-              <a:rPr lang="en-US" sz="2000" dirty="0" err="1"/>
-              <a:t>Instrui</a:t>
-            </a:r>
-            <a:r>
-              <a:rPr lang="en-US" sz="2000" dirty="0"/>
-              <a:t> o SGBD a </a:t>
-            </a:r>
-            <a:r>
-              <a:rPr lang="en-US" sz="2000" dirty="0" err="1"/>
-              <a:t>utilizar</a:t>
-            </a:r>
-            <a:r>
-              <a:rPr lang="en-US" sz="2000" dirty="0"/>
-              <a:t> o banco de dados </a:t>
-            </a:r>
-            <a:r>
-              <a:rPr lang="en-US" sz="2000" dirty="0" err="1"/>
-              <a:t>especificado</a:t>
-            </a:r>
-            <a:r>
-              <a:rPr lang="en-US" sz="2000" dirty="0"/>
-              <a:t> para </a:t>
-            </a:r>
-            <a:r>
-              <a:rPr lang="en-US" sz="2000" dirty="0" err="1"/>
-              <a:t>executar</a:t>
-            </a:r>
-            <a:r>
-              <a:rPr lang="en-US" sz="2000" dirty="0"/>
-              <a:t> </a:t>
-            </a:r>
-            <a:r>
-              <a:rPr lang="en-US" sz="2000" dirty="0" err="1"/>
-              <a:t>os</a:t>
-            </a:r>
-            <a:r>
-              <a:rPr lang="en-US" sz="2000" dirty="0"/>
-              <a:t> </a:t>
-            </a:r>
-            <a:r>
-              <a:rPr lang="en-US" sz="2000" dirty="0" err="1"/>
-              <a:t>comandos</a:t>
-            </a:r>
-            <a:r>
-              <a:rPr lang="en-US" sz="2000" dirty="0"/>
-              <a:t>.</a:t>
-            </a:r>
-            <a:endParaRPr lang="pt-BR" sz="2000" dirty="0"/>
-          </a:p>
-        </p:txBody>
-      </p:sp>
       <p:pic>
         <p:nvPicPr>
-          <p:cNvPr id="12" name="Imagem 11">
-            <a:extLst>
-              <a:ext uri="{FF2B5EF4-FFF2-40B4-BE49-F238E27FC236}">
-                <a16:creationId xmlns:a16="http://schemas.microsoft.com/office/drawing/2014/main" id="{272AB994-5DDF-796D-2AF1-8618C7DD1968}"/>
+          <p:cNvPr id="17" name="Imagem 16" descr="Texto&#10;&#10;O conteúdo gerado por IA pode estar incorreto.">
+            <a:extLst>
+              <a:ext uri="{FF2B5EF4-FFF2-40B4-BE49-F238E27FC236}">
+                <a16:creationId xmlns:a16="http://schemas.microsoft.com/office/drawing/2014/main" id="{CF03AAB4-2D4E-2CBB-6593-6932E6D6E32A}"/>
               </a:ext>
             </a:extLst>
           </p:cNvPr>
@@ -9402,8 +11046,38 @@
         </p:blipFill>
         <p:spPr>
           <a:xfrm>
-            <a:off x="1161514" y="5443564"/>
-            <a:ext cx="3568748" cy="1086141"/>
+            <a:off x="6647914" y="2705171"/>
+            <a:ext cx="4934486" cy="1538883"/>
+          </a:xfrm>
+          <a:prstGeom prst="rect">
+            <a:avLst/>
+          </a:prstGeom>
+        </p:spPr>
+      </p:pic>
+      <p:pic>
+        <p:nvPicPr>
+          <p:cNvPr id="19" name="Imagem 18" descr="Uma imagem contendo Gráfico&#10;&#10;O conteúdo gerado por IA pode estar incorreto.">
+            <a:extLst>
+              <a:ext uri="{FF2B5EF4-FFF2-40B4-BE49-F238E27FC236}">
+                <a16:creationId xmlns:a16="http://schemas.microsoft.com/office/drawing/2014/main" id="{29C905A8-86C4-5D79-4147-BF66BAAB0E0B}"/>
+              </a:ext>
+            </a:extLst>
+          </p:cNvPr>
+          <p:cNvPicPr>
+            <a:picLocks noChangeAspect="1"/>
+          </p:cNvPicPr>
+          <p:nvPr/>
+        </p:nvPicPr>
+        <p:blipFill>
+          <a:blip r:embed="rId6"/>
+          <a:stretch>
+            <a:fillRect/>
+          </a:stretch>
+        </p:blipFill>
+        <p:spPr>
+          <a:xfrm>
+            <a:off x="6563160" y="4496681"/>
+            <a:ext cx="5103994" cy="702897"/>
           </a:xfrm>
           <a:prstGeom prst="rect">
             <a:avLst/>
